--- a/Inventory Tracker.pptx
+++ b/Inventory Tracker.pptx
@@ -11,15 +11,16 @@
     <p:sldId id="259" r:id="rId5"/>
     <p:sldId id="260" r:id="rId6"/>
     <p:sldId id="261" r:id="rId7"/>
-    <p:sldId id="267" r:id="rId8"/>
-    <p:sldId id="262" r:id="rId9"/>
-    <p:sldId id="268" r:id="rId10"/>
-    <p:sldId id="263" r:id="rId11"/>
-    <p:sldId id="269" r:id="rId12"/>
-    <p:sldId id="270" r:id="rId13"/>
+    <p:sldId id="262" r:id="rId8"/>
+    <p:sldId id="268" r:id="rId9"/>
+    <p:sldId id="263" r:id="rId10"/>
+    <p:sldId id="269" r:id="rId11"/>
+    <p:sldId id="270" r:id="rId12"/>
+    <p:sldId id="271" r:id="rId13"/>
     <p:sldId id="264" r:id="rId14"/>
     <p:sldId id="265" r:id="rId15"/>
-    <p:sldId id="266" r:id="rId16"/>
+    <p:sldId id="267" r:id="rId16"/>
+    <p:sldId id="266" r:id="rId17"/>
   </p:sldIdLst>
   <p:sldSz cx="12192000" cy="6858000"/>
   <p:notesSz cx="6858000" cy="9144000"/>
@@ -134,6 +135,7 @@
     <p1510:client id="{4D35582B-0769-7FD8-89C4-2F54FE03C520}" v="21" dt="2021-07-30T05:34:58.330"/>
     <p1510:client id="{6114DB5B-B028-9F7B-6D0F-249307E97D69}" v="43" dt="2021-07-27T17:57:48.907"/>
     <p1510:client id="{AB8E61F4-DC0C-DBE1-8878-6CCE9C8210E5}" v="625" dt="2021-07-27T17:30:14.859"/>
+    <p1510:client id="{AF9D9279-4DE7-91EC-413C-919BF93906F0}" v="1928" dt="2021-08-06T16:29:53.813"/>
   </p1510:revLst>
 </p1510:revInfo>
 </file>
@@ -285,7 +287,7 @@
           <a:p>
             <a:fld id="{0DAF61AA-5A98-4049-A93E-477E5505141A}" type="datetimeFigureOut">
               <a:rPr lang="en-US" smtClean="0"/>
-              <a:t>7/29/2021</a:t>
+              <a:t>8/6/2021</a:t>
             </a:fld>
             <a:endParaRPr lang="en-US" dirty="0"/>
           </a:p>
@@ -483,7 +485,7 @@
           <a:p>
             <a:fld id="{0DAF61AA-5A98-4049-A93E-477E5505141A}" type="datetimeFigureOut">
               <a:rPr lang="en-US" smtClean="0"/>
-              <a:t>7/29/2021</a:t>
+              <a:t>8/6/2021</a:t>
             </a:fld>
             <a:endParaRPr lang="en-US"/>
           </a:p>
@@ -691,7 +693,7 @@
           <a:p>
             <a:fld id="{0DAF61AA-5A98-4049-A93E-477E5505141A}" type="datetimeFigureOut">
               <a:rPr lang="en-US" smtClean="0"/>
-              <a:t>7/29/2021</a:t>
+              <a:t>8/6/2021</a:t>
             </a:fld>
             <a:endParaRPr lang="en-US"/>
           </a:p>
@@ -889,7 +891,7 @@
           <a:p>
             <a:fld id="{0DAF61AA-5A98-4049-A93E-477E5505141A}" type="datetimeFigureOut">
               <a:rPr lang="en-US" smtClean="0"/>
-              <a:t>7/29/2021</a:t>
+              <a:t>8/6/2021</a:t>
             </a:fld>
             <a:endParaRPr lang="en-US"/>
           </a:p>
@@ -1164,7 +1166,7 @@
           <a:p>
             <a:fld id="{0DAF61AA-5A98-4049-A93E-477E5505141A}" type="datetimeFigureOut">
               <a:rPr lang="en-US" smtClean="0"/>
-              <a:t>7/29/2021</a:t>
+              <a:t>8/6/2021</a:t>
             </a:fld>
             <a:endParaRPr lang="en-US"/>
           </a:p>
@@ -1429,7 +1431,7 @@
           <a:p>
             <a:fld id="{0DAF61AA-5A98-4049-A93E-477E5505141A}" type="datetimeFigureOut">
               <a:rPr lang="en-US" smtClean="0"/>
-              <a:t>7/29/2021</a:t>
+              <a:t>8/6/2021</a:t>
             </a:fld>
             <a:endParaRPr lang="en-US"/>
           </a:p>
@@ -1841,7 +1843,7 @@
           <a:p>
             <a:fld id="{0DAF61AA-5A98-4049-A93E-477E5505141A}" type="datetimeFigureOut">
               <a:rPr lang="en-US" smtClean="0"/>
-              <a:t>7/29/2021</a:t>
+              <a:t>8/6/2021</a:t>
             </a:fld>
             <a:endParaRPr lang="en-US"/>
           </a:p>
@@ -1982,7 +1984,7 @@
           <a:p>
             <a:fld id="{0DAF61AA-5A98-4049-A93E-477E5505141A}" type="datetimeFigureOut">
               <a:rPr lang="en-US" smtClean="0"/>
-              <a:t>7/29/2021</a:t>
+              <a:t>8/6/2021</a:t>
             </a:fld>
             <a:endParaRPr lang="en-US"/>
           </a:p>
@@ -2095,7 +2097,7 @@
           <a:p>
             <a:fld id="{0DAF61AA-5A98-4049-A93E-477E5505141A}" type="datetimeFigureOut">
               <a:rPr lang="en-US" smtClean="0"/>
-              <a:t>7/29/2021</a:t>
+              <a:t>8/6/2021</a:t>
             </a:fld>
             <a:endParaRPr lang="en-US"/>
           </a:p>
@@ -2406,7 +2408,7 @@
           <a:p>
             <a:fld id="{0DAF61AA-5A98-4049-A93E-477E5505141A}" type="datetimeFigureOut">
               <a:rPr lang="en-US" smtClean="0"/>
-              <a:t>7/29/2021</a:t>
+              <a:t>8/6/2021</a:t>
             </a:fld>
             <a:endParaRPr lang="en-US"/>
           </a:p>
@@ -2697,7 +2699,7 @@
           <a:p>
             <a:fld id="{0DAF61AA-5A98-4049-A93E-477E5505141A}" type="datetimeFigureOut">
               <a:rPr lang="en-US" smtClean="0"/>
-              <a:t>7/29/2021</a:t>
+              <a:t>8/6/2021</a:t>
             </a:fld>
             <a:endParaRPr lang="en-US"/>
           </a:p>
@@ -6385,7 +6387,7 @@
             <a:fld id="{0DAF61AA-5A98-4049-A93E-477E5505141A}" type="datetimeFigureOut">
               <a:rPr lang="en-US" smtClean="0"/>
               <a:pPr/>
-              <a:t>7/29/2021</a:t>
+              <a:t>8/6/2021</a:t>
             </a:fld>
             <a:endParaRPr lang="en-US" dirty="0"/>
           </a:p>
@@ -14187,7 +14189,7 @@
           <p:cNvPr id="2" name="Title 1">
             <a:extLst>
               <a:ext uri="{FF2B5EF4-FFF2-40B4-BE49-F238E27FC236}">
-                <a16:creationId xmlns:a16="http://schemas.microsoft.com/office/drawing/2014/main" id="{A417E85F-921F-4363-9CB7-BA00EFB4FB8B}"/>
+                <a16:creationId xmlns:a16="http://schemas.microsoft.com/office/drawing/2014/main" id="{0423867A-E4DC-4AF0-B4AF-2501B6B3658D}"/>
               </a:ext>
             </a:extLst>
           </p:cNvPr>
@@ -14195,74 +14197,28 @@
             <a:spLocks noGrp="1"/>
           </p:cNvSpPr>
           <p:nvPr>
-            <p:ph type="title"/>
+            <p:ph type="ctrTitle"/>
           </p:nvPr>
         </p:nvSpPr>
-        <p:spPr>
-          <a:xfrm>
-            <a:off x="364273" y="2465271"/>
-            <a:ext cx="2723084" cy="1920294"/>
-          </a:xfrm>
-        </p:spPr>
+        <p:spPr/>
         <p:txBody>
-          <a:bodyPr>
-            <a:normAutofit fontScale="90000"/>
-          </a:bodyPr>
+          <a:bodyPr/>
           <a:lstStyle/>
           <a:p>
             <a:r>
-              <a:rPr lang="en-US" sz="5400" dirty="0">
+              <a:rPr lang="en-US" dirty="0">
                 <a:cs typeface="Posterama"/>
               </a:rPr>
-              <a:t>Activity</a:t>
+              <a:t>Output</a:t>
             </a:r>
-            <a:br>
-              <a:rPr lang="en-US" sz="5400" dirty="0">
-                <a:cs typeface="Posterama"/>
-              </a:rPr>
-            </a:br>
-            <a:r>
-              <a:rPr lang="en-US" sz="5400" dirty="0">
-                <a:cs typeface="Posterama"/>
-              </a:rPr>
-              <a:t>Diagram</a:t>
-            </a:r>
+            <a:endParaRPr lang="en-US" dirty="0"/>
           </a:p>
         </p:txBody>
       </p:sp>
-      <p:pic>
-        <p:nvPicPr>
-          <p:cNvPr id="4" name="Picture 4" descr="Diagram&#10;&#10;Description automatically generated">
-            <a:extLst>
-              <a:ext uri="{FF2B5EF4-FFF2-40B4-BE49-F238E27FC236}">
-                <a16:creationId xmlns:a16="http://schemas.microsoft.com/office/drawing/2014/main" id="{B8C43C90-F3D5-470F-94A0-50B50E0BEF49}"/>
-              </a:ext>
-            </a:extLst>
-          </p:cNvPr>
-          <p:cNvPicPr>
-            <a:picLocks noGrp="1" noChangeAspect="1"/>
-          </p:cNvPicPr>
-          <p:nvPr>
-            <p:ph idx="1"/>
-          </p:nvPr>
-        </p:nvPicPr>
-        <p:blipFill>
-          <a:blip r:embed="rId2"/>
-          <a:stretch>
-            <a:fillRect/>
-          </a:stretch>
-        </p:blipFill>
-        <p:spPr>
-          <a:xfrm>
-            <a:off x="3357885" y="1249478"/>
-            <a:ext cx="8672913" cy="4351338"/>
-          </a:xfrm>
-        </p:spPr>
-      </p:pic>
     </p:spTree>
     <p:extLst>
       <p:ext uri="{BB962C8B-B14F-4D97-AF65-F5344CB8AC3E}">
-        <p14:creationId xmlns:p14="http://schemas.microsoft.com/office/powerpoint/2010/main" val="2307368444"/>
+        <p14:creationId xmlns:p14="http://schemas.microsoft.com/office/powerpoint/2010/main" val="3710476533"/>
       </p:ext>
     </p:extLst>
   </p:cSld>
@@ -14275,14 +14231,6 @@
 <file path=ppt/slides/slide11.xml><?xml version="1.0" encoding="utf-8"?>
 <p:sld xmlns:a="http://schemas.openxmlformats.org/drawingml/2006/main" xmlns:r="http://schemas.openxmlformats.org/officeDocument/2006/relationships" xmlns:p="http://schemas.openxmlformats.org/presentationml/2006/main">
   <p:cSld>
-    <p:bg>
-      <p:bgPr>
-        <a:solidFill>
-          <a:schemeClr val="bg1"/>
-        </a:solidFill>
-        <a:effectLst/>
-      </p:bgPr>
-    </p:bg>
     <p:spTree>
       <p:nvGrpSpPr>
         <p:cNvPr id="1" name=""/>
@@ -14297,5635 +14245,19 @@
           <a:chExt cx="0" cy="0"/>
         </a:xfrm>
       </p:grpSpPr>
-      <p:sp>
-        <p:nvSpPr>
-          <p:cNvPr id="9" name="Rectangle 8">
+      <p:pic>
+        <p:nvPicPr>
+          <p:cNvPr id="2" name="Picture 2" descr="Text&#10;&#10;Description automatically generated">
             <a:extLst>
               <a:ext uri="{FF2B5EF4-FFF2-40B4-BE49-F238E27FC236}">
-                <a16:creationId xmlns:a16="http://schemas.microsoft.com/office/drawing/2014/main" id="{247A131F-D5DE-41A5-B4CF-4F345319B40B}"/>
-              </a:ext>
-              <a:ext uri="{C183D7F6-B498-43B3-948B-1728B52AA6E4}">
-                <adec:decorative xmlns:adec="http://schemas.microsoft.com/office/drawing/2017/decorative" val="1"/>
-              </a:ext>
-            </a:extLst>
-          </p:cNvPr>
-          <p:cNvSpPr>
-            <a:spLocks noGrp="1" noRot="1" noChangeAspect="1" noMove="1" noResize="1" noEditPoints="1" noAdjustHandles="1" noChangeArrowheads="1" noChangeShapeType="1" noTextEdit="1"/>
-          </p:cNvSpPr>
-          <p:nvPr>
-            <p:extLst>
-              <p:ext uri="{386F3935-93C4-4BCD-93E2-E3B085C9AB24}">
-                <p16:designElem xmlns:p16="http://schemas.microsoft.com/office/powerpoint/2015/main" val="1"/>
-              </p:ext>
-            </p:extLst>
-          </p:nvPr>
-        </p:nvSpPr>
-        <p:spPr>
-          <a:xfrm>
-            <a:off x="0" y="0"/>
-            <a:ext cx="12188952" cy="6858000"/>
-          </a:xfrm>
-          <a:prstGeom prst="rect">
-            <a:avLst/>
-          </a:prstGeom>
-          <a:solidFill>
-            <a:schemeClr val="bg2"/>
-          </a:solidFill>
-          <a:ln>
-            <a:solidFill>
-              <a:schemeClr val="bg1">
-                <a:lumMod val="95000"/>
-              </a:schemeClr>
-            </a:solidFill>
-          </a:ln>
-        </p:spPr>
-        <p:style>
-          <a:lnRef idx="2">
-            <a:schemeClr val="accent1">
-              <a:shade val="50000"/>
-            </a:schemeClr>
-          </a:lnRef>
-          <a:fillRef idx="1">
-            <a:schemeClr val="accent1"/>
-          </a:fillRef>
-          <a:effectRef idx="0">
-            <a:schemeClr val="accent1"/>
-          </a:effectRef>
-          <a:fontRef idx="minor">
-            <a:schemeClr val="lt1"/>
-          </a:fontRef>
-        </p:style>
-        <p:txBody>
-          <a:bodyPr rtlCol="0" anchor="ctr"/>
-          <a:lstStyle/>
-          <a:p>
-            <a:pPr algn="ctr"/>
-            <a:endParaRPr lang="en-US" dirty="0">
-              <a:solidFill>
-                <a:schemeClr val="tx1">
-                  <a:lumMod val="65000"/>
-                  <a:lumOff val="35000"/>
-                </a:schemeClr>
-              </a:solidFill>
-              <a:latin typeface="AvenirNext LT Pro Medium" panose="020B0504020202020204" pitchFamily="34" charset="0"/>
-            </a:endParaRPr>
-          </a:p>
-        </p:txBody>
-      </p:sp>
-      <p:sp>
-        <p:nvSpPr>
-          <p:cNvPr id="11" name="Freeform: Shape 10">
-            <a:extLst>
-              <a:ext uri="{FF2B5EF4-FFF2-40B4-BE49-F238E27FC236}">
-                <a16:creationId xmlns:a16="http://schemas.microsoft.com/office/drawing/2014/main" id="{3AF4666D-BD98-40A5-A75F-478B982010B2}"/>
-              </a:ext>
-              <a:ext uri="{C183D7F6-B498-43B3-948B-1728B52AA6E4}">
-                <adec:decorative xmlns:adec="http://schemas.microsoft.com/office/drawing/2017/decorative" val="1"/>
-              </a:ext>
-            </a:extLst>
-          </p:cNvPr>
-          <p:cNvSpPr>
-            <a:spLocks noGrp="1" noRot="1" noChangeAspect="1" noMove="1" noResize="1" noEditPoints="1" noAdjustHandles="1" noChangeArrowheads="1" noChangeShapeType="1" noTextEdit="1"/>
-          </p:cNvSpPr>
-          <p:nvPr>
-            <p:extLst>
-              <p:ext uri="{386F3935-93C4-4BCD-93E2-E3B085C9AB24}">
-                <p16:designElem xmlns:p16="http://schemas.microsoft.com/office/powerpoint/2015/main" val="1"/>
-              </p:ext>
-            </p:extLst>
-          </p:nvPr>
-        </p:nvSpPr>
-        <p:spPr>
-          <a:xfrm rot="10800000">
-            <a:off x="692844" y="-3086"/>
-            <a:ext cx="1326111" cy="597603"/>
-          </a:xfrm>
-          <a:custGeom>
-            <a:avLst/>
-            <a:gdLst>
-              <a:gd name="connsiteX0" fmla="*/ 741051 w 1482102"/>
-              <a:gd name="connsiteY0" fmla="*/ 0 h 679363"/>
-              <a:gd name="connsiteX1" fmla="*/ 1473822 w 1482102"/>
-              <a:gd name="connsiteY1" fmla="*/ 597226 h 679363"/>
-              <a:gd name="connsiteX2" fmla="*/ 1482102 w 1482102"/>
-              <a:gd name="connsiteY2" fmla="*/ 679363 h 679363"/>
-              <a:gd name="connsiteX3" fmla="*/ 0 w 1482102"/>
-              <a:gd name="connsiteY3" fmla="*/ 679363 h 679363"/>
-              <a:gd name="connsiteX4" fmla="*/ 8280 w 1482102"/>
-              <a:gd name="connsiteY4" fmla="*/ 597226 h 679363"/>
-              <a:gd name="connsiteX5" fmla="*/ 741051 w 1482102"/>
-              <a:gd name="connsiteY5" fmla="*/ 0 h 679363"/>
-            </a:gdLst>
-            <a:ahLst/>
-            <a:cxnLst>
-              <a:cxn ang="0">
-                <a:pos x="connsiteX0" y="connsiteY0"/>
-              </a:cxn>
-              <a:cxn ang="0">
-                <a:pos x="connsiteX1" y="connsiteY1"/>
-              </a:cxn>
-              <a:cxn ang="0">
-                <a:pos x="connsiteX2" y="connsiteY2"/>
-              </a:cxn>
-              <a:cxn ang="0">
-                <a:pos x="connsiteX3" y="connsiteY3"/>
-              </a:cxn>
-              <a:cxn ang="0">
-                <a:pos x="connsiteX4" y="connsiteY4"/>
-              </a:cxn>
-              <a:cxn ang="0">
-                <a:pos x="connsiteX5" y="connsiteY5"/>
-              </a:cxn>
-            </a:cxnLst>
-            <a:rect l="l" t="t" r="r" b="b"/>
-            <a:pathLst>
-              <a:path w="1482102" h="679363">
-                <a:moveTo>
-                  <a:pt x="741051" y="0"/>
-                </a:moveTo>
-                <a:cubicBezTo>
-                  <a:pt x="1102506" y="0"/>
-                  <a:pt x="1404077" y="256390"/>
-                  <a:pt x="1473822" y="597226"/>
-                </a:cubicBezTo>
-                <a:lnTo>
-                  <a:pt x="1482102" y="679363"/>
-                </a:lnTo>
-                <a:lnTo>
-                  <a:pt x="0" y="679363"/>
-                </a:lnTo>
-                <a:lnTo>
-                  <a:pt x="8280" y="597226"/>
-                </a:lnTo>
-                <a:cubicBezTo>
-                  <a:pt x="78025" y="256390"/>
-                  <a:pt x="379596" y="0"/>
-                  <a:pt x="741051" y="0"/>
-                </a:cubicBezTo>
-                <a:close/>
-              </a:path>
-            </a:pathLst>
-          </a:custGeom>
-          <a:solidFill>
-            <a:schemeClr val="bg1"/>
-          </a:solidFill>
-          <a:ln>
-            <a:noFill/>
-          </a:ln>
-        </p:spPr>
-        <p:style>
-          <a:lnRef idx="2">
-            <a:schemeClr val="accent1">
-              <a:shade val="50000"/>
-            </a:schemeClr>
-          </a:lnRef>
-          <a:fillRef idx="1">
-            <a:schemeClr val="accent1"/>
-          </a:fillRef>
-          <a:effectRef idx="0">
-            <a:schemeClr val="accent1"/>
-          </a:effectRef>
-          <a:fontRef idx="minor">
-            <a:schemeClr val="lt1"/>
-          </a:fontRef>
-        </p:style>
-        <p:txBody>
-          <a:bodyPr wrap="square" rtlCol="0" anchor="ctr">
-            <a:noAutofit/>
-          </a:bodyPr>
-          <a:lstStyle/>
-          <a:p>
-            <a:pPr algn="ctr">
-              <a:spcAft>
-                <a:spcPts val="600"/>
-              </a:spcAft>
-            </a:pPr>
-            <a:r>
-              <a:rPr lang="en-US" dirty="0">
-                <a:solidFill>
-                  <a:schemeClr val="tx1">
-                    <a:lumMod val="65000"/>
-                    <a:lumOff val="35000"/>
-                  </a:schemeClr>
-                </a:solidFill>
-                <a:latin typeface="AvenirNext LT Pro Medium" panose="020B0504020202020204" pitchFamily="34" charset="0"/>
-              </a:rPr>
-              <a:t> </a:t>
-            </a:r>
-          </a:p>
-        </p:txBody>
-      </p:sp>
-      <p:sp>
-        <p:nvSpPr>
-          <p:cNvPr id="13" name="Freeform: Shape 12">
-            <a:extLst>
-              <a:ext uri="{FF2B5EF4-FFF2-40B4-BE49-F238E27FC236}">
-                <a16:creationId xmlns:a16="http://schemas.microsoft.com/office/drawing/2014/main" id="{68680585-71F9-4721-A998-4974171D2EB4}"/>
-              </a:ext>
-              <a:ext uri="{C183D7F6-B498-43B3-948B-1728B52AA6E4}">
-                <adec:decorative xmlns:adec="http://schemas.microsoft.com/office/drawing/2017/decorative" val="1"/>
-              </a:ext>
-            </a:extLst>
-          </p:cNvPr>
-          <p:cNvSpPr>
-            <a:spLocks noGrp="1" noRot="1" noChangeAspect="1" noMove="1" noResize="1" noEditPoints="1" noAdjustHandles="1" noChangeArrowheads="1" noChangeShapeType="1" noTextEdit="1"/>
-          </p:cNvSpPr>
-          <p:nvPr>
-            <p:extLst>
-              <p:ext uri="{386F3935-93C4-4BCD-93E2-E3B085C9AB24}">
-                <p16:designElem xmlns:p16="http://schemas.microsoft.com/office/powerpoint/2015/main" val="1"/>
-              </p:ext>
-            </p:extLst>
-          </p:nvPr>
-        </p:nvSpPr>
-        <p:spPr>
-          <a:xfrm>
-            <a:off x="10439256" y="6172200"/>
-            <a:ext cx="1482102" cy="679363"/>
-          </a:xfrm>
-          <a:custGeom>
-            <a:avLst/>
-            <a:gdLst>
-              <a:gd name="connsiteX0" fmla="*/ 741051 w 1482102"/>
-              <a:gd name="connsiteY0" fmla="*/ 0 h 679363"/>
-              <a:gd name="connsiteX1" fmla="*/ 1473822 w 1482102"/>
-              <a:gd name="connsiteY1" fmla="*/ 597226 h 679363"/>
-              <a:gd name="connsiteX2" fmla="*/ 1482102 w 1482102"/>
-              <a:gd name="connsiteY2" fmla="*/ 679363 h 679363"/>
-              <a:gd name="connsiteX3" fmla="*/ 0 w 1482102"/>
-              <a:gd name="connsiteY3" fmla="*/ 679363 h 679363"/>
-              <a:gd name="connsiteX4" fmla="*/ 8280 w 1482102"/>
-              <a:gd name="connsiteY4" fmla="*/ 597226 h 679363"/>
-              <a:gd name="connsiteX5" fmla="*/ 741051 w 1482102"/>
-              <a:gd name="connsiteY5" fmla="*/ 0 h 679363"/>
-            </a:gdLst>
-            <a:ahLst/>
-            <a:cxnLst>
-              <a:cxn ang="0">
-                <a:pos x="connsiteX0" y="connsiteY0"/>
-              </a:cxn>
-              <a:cxn ang="0">
-                <a:pos x="connsiteX1" y="connsiteY1"/>
-              </a:cxn>
-              <a:cxn ang="0">
-                <a:pos x="connsiteX2" y="connsiteY2"/>
-              </a:cxn>
-              <a:cxn ang="0">
-                <a:pos x="connsiteX3" y="connsiteY3"/>
-              </a:cxn>
-              <a:cxn ang="0">
-                <a:pos x="connsiteX4" y="connsiteY4"/>
-              </a:cxn>
-              <a:cxn ang="0">
-                <a:pos x="connsiteX5" y="connsiteY5"/>
-              </a:cxn>
-            </a:cxnLst>
-            <a:rect l="l" t="t" r="r" b="b"/>
-            <a:pathLst>
-              <a:path w="1482102" h="679363">
-                <a:moveTo>
-                  <a:pt x="741051" y="0"/>
-                </a:moveTo>
-                <a:cubicBezTo>
-                  <a:pt x="1102506" y="0"/>
-                  <a:pt x="1404077" y="256390"/>
-                  <a:pt x="1473822" y="597226"/>
-                </a:cubicBezTo>
-                <a:lnTo>
-                  <a:pt x="1482102" y="679363"/>
-                </a:lnTo>
-                <a:lnTo>
-                  <a:pt x="0" y="679363"/>
-                </a:lnTo>
-                <a:lnTo>
-                  <a:pt x="8280" y="597226"/>
-                </a:lnTo>
-                <a:cubicBezTo>
-                  <a:pt x="78025" y="256390"/>
-                  <a:pt x="379596" y="0"/>
-                  <a:pt x="741051" y="0"/>
-                </a:cubicBezTo>
-                <a:close/>
-              </a:path>
-            </a:pathLst>
-          </a:custGeom>
-          <a:solidFill>
-            <a:schemeClr val="bg1"/>
-          </a:solidFill>
-          <a:ln>
-            <a:noFill/>
-          </a:ln>
-        </p:spPr>
-        <p:style>
-          <a:lnRef idx="2">
-            <a:schemeClr val="accent1">
-              <a:shade val="50000"/>
-            </a:schemeClr>
-          </a:lnRef>
-          <a:fillRef idx="1">
-            <a:schemeClr val="accent1"/>
-          </a:fillRef>
-          <a:effectRef idx="0">
-            <a:schemeClr val="accent1"/>
-          </a:effectRef>
-          <a:fontRef idx="minor">
-            <a:schemeClr val="lt1"/>
-          </a:fontRef>
-        </p:style>
-        <p:txBody>
-          <a:bodyPr wrap="square" rtlCol="0" anchor="ctr">
-            <a:noAutofit/>
-          </a:bodyPr>
-          <a:lstStyle/>
-          <a:p>
-            <a:pPr algn="ctr">
-              <a:spcAft>
-                <a:spcPts val="600"/>
-              </a:spcAft>
-            </a:pPr>
-            <a:r>
-              <a:rPr lang="en-US" dirty="0">
-                <a:solidFill>
-                  <a:schemeClr val="tx1">
-                    <a:lumMod val="65000"/>
-                    <a:lumOff val="35000"/>
-                  </a:schemeClr>
-                </a:solidFill>
-                <a:latin typeface="AvenirNext LT Pro Medium" panose="020B0504020202020204" pitchFamily="34" charset="0"/>
-              </a:rPr>
-              <a:t> </a:t>
-            </a:r>
-          </a:p>
-        </p:txBody>
-      </p:sp>
-      <p:sp>
-        <p:nvSpPr>
-          <p:cNvPr id="15" name="Freeform: Shape 14">
-            <a:extLst>
-              <a:ext uri="{FF2B5EF4-FFF2-40B4-BE49-F238E27FC236}">
-                <a16:creationId xmlns:a16="http://schemas.microsoft.com/office/drawing/2014/main" id="{12BC95C2-2EEC-4F59-ABA8-660B0D059CCF}"/>
-              </a:ext>
-              <a:ext uri="{C183D7F6-B498-43B3-948B-1728B52AA6E4}">
-                <adec:decorative xmlns:adec="http://schemas.microsoft.com/office/drawing/2017/decorative" val="1"/>
-              </a:ext>
-            </a:extLst>
-          </p:cNvPr>
-          <p:cNvSpPr>
-            <a:spLocks noGrp="1" noRot="1" noChangeAspect="1" noMove="1" noResize="1" noEditPoints="1" noAdjustHandles="1" noChangeArrowheads="1" noChangeShapeType="1" noTextEdit="1"/>
-          </p:cNvSpPr>
-          <p:nvPr>
-            <p:extLst>
-              <p:ext uri="{386F3935-93C4-4BCD-93E2-E3B085C9AB24}">
-                <p16:designElem xmlns:p16="http://schemas.microsoft.com/office/powerpoint/2015/main" val="1"/>
-              </p:ext>
-            </p:extLst>
-          </p:nvPr>
-        </p:nvSpPr>
-        <p:spPr>
-          <a:xfrm>
-            <a:off x="7977352" y="5197178"/>
-            <a:ext cx="4211600" cy="1660822"/>
-          </a:xfrm>
-          <a:custGeom>
-            <a:avLst/>
-            <a:gdLst>
-              <a:gd name="connsiteX0" fmla="*/ 4211600 w 4211600"/>
-              <a:gd name="connsiteY0" fmla="*/ 0 h 1660822"/>
-              <a:gd name="connsiteX1" fmla="*/ 4211600 w 4211600"/>
-              <a:gd name="connsiteY1" fmla="*/ 58430 h 1660822"/>
-              <a:gd name="connsiteX2" fmla="*/ 4136524 w 4211600"/>
-              <a:gd name="connsiteY2" fmla="*/ 208808 h 1660822"/>
-              <a:gd name="connsiteX3" fmla="*/ 3973354 w 4211600"/>
-              <a:gd name="connsiteY3" fmla="*/ 437313 h 1660822"/>
-              <a:gd name="connsiteX4" fmla="*/ 3884746 w 4211600"/>
-              <a:gd name="connsiteY4" fmla="*/ 553613 h 1660822"/>
-              <a:gd name="connsiteX5" fmla="*/ 3849435 w 4211600"/>
-              <a:gd name="connsiteY5" fmla="*/ 603143 h 1660822"/>
-              <a:gd name="connsiteX6" fmla="*/ 3661849 w 4211600"/>
-              <a:gd name="connsiteY6" fmla="*/ 819075 h 1660822"/>
-              <a:gd name="connsiteX7" fmla="*/ 3402589 w 4211600"/>
-              <a:gd name="connsiteY7" fmla="*/ 952996 h 1660822"/>
-              <a:gd name="connsiteX8" fmla="*/ 3130202 w 4211600"/>
-              <a:gd name="connsiteY8" fmla="*/ 1023386 h 1660822"/>
-              <a:gd name="connsiteX9" fmla="*/ 2914657 w 4211600"/>
-              <a:gd name="connsiteY9" fmla="*/ 1068058 h 1660822"/>
-              <a:gd name="connsiteX10" fmla="*/ 2582149 w 4211600"/>
-              <a:gd name="connsiteY10" fmla="*/ 1138924 h 1660822"/>
-              <a:gd name="connsiteX11" fmla="*/ 2483958 w 4211600"/>
-              <a:gd name="connsiteY11" fmla="*/ 1162356 h 1660822"/>
-              <a:gd name="connsiteX12" fmla="*/ 2123750 w 4211600"/>
-              <a:gd name="connsiteY12" fmla="*/ 1238651 h 1660822"/>
-              <a:gd name="connsiteX13" fmla="*/ 1761444 w 4211600"/>
-              <a:gd name="connsiteY13" fmla="*/ 1273417 h 1660822"/>
-              <a:gd name="connsiteX14" fmla="*/ 1608382 w 4211600"/>
-              <a:gd name="connsiteY14" fmla="*/ 1284466 h 1660822"/>
-              <a:gd name="connsiteX15" fmla="*/ 999942 w 4211600"/>
-              <a:gd name="connsiteY15" fmla="*/ 1354284 h 1660822"/>
-              <a:gd name="connsiteX16" fmla="*/ 484705 w 4211600"/>
-              <a:gd name="connsiteY16" fmla="*/ 1450487 h 1660822"/>
-              <a:gd name="connsiteX17" fmla="*/ 113310 w 4211600"/>
-              <a:gd name="connsiteY17" fmla="*/ 1613700 h 1660822"/>
-              <a:gd name="connsiteX18" fmla="*/ 39668 w 4211600"/>
-              <a:gd name="connsiteY18" fmla="*/ 1660822 h 1660822"/>
-              <a:gd name="connsiteX19" fmla="*/ 0 w 4211600"/>
-              <a:gd name="connsiteY19" fmla="*/ 1660822 h 1660822"/>
-              <a:gd name="connsiteX20" fmla="*/ 96701 w 4211600"/>
-              <a:gd name="connsiteY20" fmla="*/ 1598934 h 1660822"/>
-              <a:gd name="connsiteX21" fmla="*/ 474335 w 4211600"/>
-              <a:gd name="connsiteY21" fmla="*/ 1433056 h 1660822"/>
-              <a:gd name="connsiteX22" fmla="*/ 994299 w 4211600"/>
-              <a:gd name="connsiteY22" fmla="*/ 1335806 h 1660822"/>
-              <a:gd name="connsiteX23" fmla="*/ 1605231 w 4211600"/>
-              <a:gd name="connsiteY23" fmla="*/ 1265702 h 1660822"/>
-              <a:gd name="connsiteX24" fmla="*/ 1758819 w 4211600"/>
-              <a:gd name="connsiteY24" fmla="*/ 1254558 h 1660822"/>
-              <a:gd name="connsiteX25" fmla="*/ 2118106 w 4211600"/>
-              <a:gd name="connsiteY25" fmla="*/ 1220077 h 1660822"/>
-              <a:gd name="connsiteX26" fmla="*/ 2475557 w 4211600"/>
-              <a:gd name="connsiteY26" fmla="*/ 1144353 h 1660822"/>
-              <a:gd name="connsiteX27" fmla="*/ 2573878 w 4211600"/>
-              <a:gd name="connsiteY27" fmla="*/ 1120827 h 1660822"/>
-              <a:gd name="connsiteX28" fmla="*/ 2907437 w 4211600"/>
-              <a:gd name="connsiteY28" fmla="*/ 1049675 h 1660822"/>
-              <a:gd name="connsiteX29" fmla="*/ 3122589 w 4211600"/>
-              <a:gd name="connsiteY29" fmla="*/ 1005098 h 1660822"/>
-              <a:gd name="connsiteX30" fmla="*/ 3391169 w 4211600"/>
-              <a:gd name="connsiteY30" fmla="*/ 935756 h 1660822"/>
-              <a:gd name="connsiteX31" fmla="*/ 3642290 w 4211600"/>
-              <a:gd name="connsiteY31" fmla="*/ 806216 h 1660822"/>
-              <a:gd name="connsiteX32" fmla="*/ 3825937 w 4211600"/>
-              <a:gd name="connsiteY32" fmla="*/ 594475 h 1660822"/>
-              <a:gd name="connsiteX33" fmla="*/ 3861381 w 4211600"/>
-              <a:gd name="connsiteY33" fmla="*/ 544755 h 1660822"/>
-              <a:gd name="connsiteX34" fmla="*/ 3950381 w 4211600"/>
-              <a:gd name="connsiteY34" fmla="*/ 427978 h 1660822"/>
-              <a:gd name="connsiteX35" fmla="*/ 4112370 w 4211600"/>
-              <a:gd name="connsiteY35" fmla="*/ 201378 h 1660822"/>
-              <a:gd name="connsiteX36" fmla="*/ 4195989 w 4211600"/>
-              <a:gd name="connsiteY36" fmla="*/ 33834 h 1660822"/>
-            </a:gdLst>
-            <a:ahLst/>
-            <a:cxnLst>
-              <a:cxn ang="0">
-                <a:pos x="connsiteX0" y="connsiteY0"/>
-              </a:cxn>
-              <a:cxn ang="0">
-                <a:pos x="connsiteX1" y="connsiteY1"/>
-              </a:cxn>
-              <a:cxn ang="0">
-                <a:pos x="connsiteX2" y="connsiteY2"/>
-              </a:cxn>
-              <a:cxn ang="0">
-                <a:pos x="connsiteX3" y="connsiteY3"/>
-              </a:cxn>
-              <a:cxn ang="0">
-                <a:pos x="connsiteX4" y="connsiteY4"/>
-              </a:cxn>
-              <a:cxn ang="0">
-                <a:pos x="connsiteX5" y="connsiteY5"/>
-              </a:cxn>
-              <a:cxn ang="0">
-                <a:pos x="connsiteX6" y="connsiteY6"/>
-              </a:cxn>
-              <a:cxn ang="0">
-                <a:pos x="connsiteX7" y="connsiteY7"/>
-              </a:cxn>
-              <a:cxn ang="0">
-                <a:pos x="connsiteX8" y="connsiteY8"/>
-              </a:cxn>
-              <a:cxn ang="0">
-                <a:pos x="connsiteX9" y="connsiteY9"/>
-              </a:cxn>
-              <a:cxn ang="0">
-                <a:pos x="connsiteX10" y="connsiteY10"/>
-              </a:cxn>
-              <a:cxn ang="0">
-                <a:pos x="connsiteX11" y="connsiteY11"/>
-              </a:cxn>
-              <a:cxn ang="0">
-                <a:pos x="connsiteX12" y="connsiteY12"/>
-              </a:cxn>
-              <a:cxn ang="0">
-                <a:pos x="connsiteX13" y="connsiteY13"/>
-              </a:cxn>
-              <a:cxn ang="0">
-                <a:pos x="connsiteX14" y="connsiteY14"/>
-              </a:cxn>
-              <a:cxn ang="0">
-                <a:pos x="connsiteX15" y="connsiteY15"/>
-              </a:cxn>
-              <a:cxn ang="0">
-                <a:pos x="connsiteX16" y="connsiteY16"/>
-              </a:cxn>
-              <a:cxn ang="0">
-                <a:pos x="connsiteX17" y="connsiteY17"/>
-              </a:cxn>
-              <a:cxn ang="0">
-                <a:pos x="connsiteX18" y="connsiteY18"/>
-              </a:cxn>
-              <a:cxn ang="0">
-                <a:pos x="connsiteX19" y="connsiteY19"/>
-              </a:cxn>
-              <a:cxn ang="0">
-                <a:pos x="connsiteX20" y="connsiteY20"/>
-              </a:cxn>
-              <a:cxn ang="0">
-                <a:pos x="connsiteX21" y="connsiteY21"/>
-              </a:cxn>
-              <a:cxn ang="0">
-                <a:pos x="connsiteX22" y="connsiteY22"/>
-              </a:cxn>
-              <a:cxn ang="0">
-                <a:pos x="connsiteX23" y="connsiteY23"/>
-              </a:cxn>
-              <a:cxn ang="0">
-                <a:pos x="connsiteX24" y="connsiteY24"/>
-              </a:cxn>
-              <a:cxn ang="0">
-                <a:pos x="connsiteX25" y="connsiteY25"/>
-              </a:cxn>
-              <a:cxn ang="0">
-                <a:pos x="connsiteX26" y="connsiteY26"/>
-              </a:cxn>
-              <a:cxn ang="0">
-                <a:pos x="connsiteX27" y="connsiteY27"/>
-              </a:cxn>
-              <a:cxn ang="0">
-                <a:pos x="connsiteX28" y="connsiteY28"/>
-              </a:cxn>
-              <a:cxn ang="0">
-                <a:pos x="connsiteX29" y="connsiteY29"/>
-              </a:cxn>
-              <a:cxn ang="0">
-                <a:pos x="connsiteX30" y="connsiteY30"/>
-              </a:cxn>
-              <a:cxn ang="0">
-                <a:pos x="connsiteX31" y="connsiteY31"/>
-              </a:cxn>
-              <a:cxn ang="0">
-                <a:pos x="connsiteX32" y="connsiteY32"/>
-              </a:cxn>
-              <a:cxn ang="0">
-                <a:pos x="connsiteX33" y="connsiteY33"/>
-              </a:cxn>
-              <a:cxn ang="0">
-                <a:pos x="connsiteX34" y="connsiteY34"/>
-              </a:cxn>
-              <a:cxn ang="0">
-                <a:pos x="connsiteX35" y="connsiteY35"/>
-              </a:cxn>
-              <a:cxn ang="0">
-                <a:pos x="connsiteX36" y="connsiteY36"/>
-              </a:cxn>
-            </a:cxnLst>
-            <a:rect l="l" t="t" r="r" b="b"/>
-            <a:pathLst>
-              <a:path w="4211600" h="1660822">
-                <a:moveTo>
-                  <a:pt x="4211600" y="0"/>
-                </a:moveTo>
-                <a:lnTo>
-                  <a:pt x="4211600" y="58430"/>
-                </a:lnTo>
-                <a:lnTo>
-                  <a:pt x="4136524" y="208808"/>
-                </a:lnTo>
-                <a:cubicBezTo>
-                  <a:pt x="4089791" y="287770"/>
-                  <a:pt x="4030588" y="363780"/>
-                  <a:pt x="3973354" y="437313"/>
-                </a:cubicBezTo>
-                <a:cubicBezTo>
-                  <a:pt x="3943819" y="475222"/>
-                  <a:pt x="3913231" y="514465"/>
-                  <a:pt x="3884746" y="553613"/>
-                </a:cubicBezTo>
-                <a:cubicBezTo>
-                  <a:pt x="3872801" y="569996"/>
-                  <a:pt x="3861119" y="586569"/>
-                  <a:pt x="3849435" y="603143"/>
-                </a:cubicBezTo>
-                <a:cubicBezTo>
-                  <a:pt x="3796665" y="678009"/>
-                  <a:pt x="3742187" y="755352"/>
-                  <a:pt x="3661849" y="819075"/>
-                </a:cubicBezTo>
-                <a:cubicBezTo>
-                  <a:pt x="3596214" y="871176"/>
-                  <a:pt x="3509050" y="916230"/>
-                  <a:pt x="3402589" y="952996"/>
-                </a:cubicBezTo>
-                <a:cubicBezTo>
-                  <a:pt x="3312406" y="984048"/>
-                  <a:pt x="3215660" y="1005003"/>
-                  <a:pt x="3130202" y="1023386"/>
-                </a:cubicBezTo>
-                <a:cubicBezTo>
-                  <a:pt x="3058529" y="1038816"/>
-                  <a:pt x="2985412" y="1053675"/>
-                  <a:pt x="2914657" y="1068058"/>
-                </a:cubicBezTo>
-                <a:cubicBezTo>
-                  <a:pt x="2805176" y="1090251"/>
-                  <a:pt x="2692021" y="1113207"/>
-                  <a:pt x="2582149" y="1138924"/>
-                </a:cubicBezTo>
-                <a:cubicBezTo>
-                  <a:pt x="2549330" y="1146639"/>
-                  <a:pt x="2516644" y="1154450"/>
-                  <a:pt x="2483958" y="1162356"/>
-                </a:cubicBezTo>
-                <a:cubicBezTo>
-                  <a:pt x="2367257" y="1190550"/>
-                  <a:pt x="2246621" y="1219601"/>
-                  <a:pt x="2123750" y="1238651"/>
-                </a:cubicBezTo>
-                <a:cubicBezTo>
-                  <a:pt x="2004294" y="1257129"/>
-                  <a:pt x="1880769" y="1265416"/>
-                  <a:pt x="1761444" y="1273417"/>
-                </a:cubicBezTo>
-                <a:cubicBezTo>
-                  <a:pt x="1711167" y="1276751"/>
-                  <a:pt x="1659184" y="1280275"/>
-                  <a:pt x="1608382" y="1284466"/>
-                </a:cubicBezTo>
-                <a:cubicBezTo>
-                  <a:pt x="1408589" y="1300944"/>
-                  <a:pt x="1214570" y="1325805"/>
-                  <a:pt x="999942" y="1354284"/>
-                </a:cubicBezTo>
-                <a:cubicBezTo>
-                  <a:pt x="826403" y="1377240"/>
-                  <a:pt x="647744" y="1400957"/>
-                  <a:pt x="484705" y="1450487"/>
-                </a:cubicBezTo>
-                <a:cubicBezTo>
-                  <a:pt x="355831" y="1489635"/>
-                  <a:pt x="231387" y="1544374"/>
-                  <a:pt x="113310" y="1613700"/>
-                </a:cubicBezTo>
-                <a:lnTo>
-                  <a:pt x="39668" y="1660822"/>
-                </a:lnTo>
-                <a:lnTo>
-                  <a:pt x="0" y="1660822"/>
-                </a:lnTo>
-                <a:lnTo>
-                  <a:pt x="96701" y="1598934"/>
-                </a:lnTo>
-                <a:cubicBezTo>
-                  <a:pt x="216635" y="1528533"/>
-                  <a:pt x="343196" y="1472919"/>
-                  <a:pt x="474335" y="1433056"/>
-                </a:cubicBezTo>
-                <a:cubicBezTo>
-                  <a:pt x="639999" y="1382669"/>
-                  <a:pt x="820102" y="1358856"/>
-                  <a:pt x="994299" y="1335806"/>
-                </a:cubicBezTo>
-                <a:cubicBezTo>
-                  <a:pt x="1210239" y="1307231"/>
-                  <a:pt x="1404650" y="1282275"/>
-                  <a:pt x="1605231" y="1265702"/>
-                </a:cubicBezTo>
-                <a:cubicBezTo>
-                  <a:pt x="1656428" y="1261511"/>
-                  <a:pt x="1708411" y="1257987"/>
-                  <a:pt x="1758819" y="1254558"/>
-                </a:cubicBezTo>
-                <a:cubicBezTo>
-                  <a:pt x="1877487" y="1246557"/>
-                  <a:pt x="2000094" y="1238365"/>
-                  <a:pt x="2118106" y="1220077"/>
-                </a:cubicBezTo>
-                <a:cubicBezTo>
-                  <a:pt x="2239531" y="1201313"/>
-                  <a:pt x="2359513" y="1172357"/>
-                  <a:pt x="2475557" y="1144353"/>
-                </a:cubicBezTo>
-                <a:cubicBezTo>
-                  <a:pt x="2508243" y="1136448"/>
-                  <a:pt x="2541060" y="1128542"/>
-                  <a:pt x="2573878" y="1120827"/>
-                </a:cubicBezTo>
-                <a:cubicBezTo>
-                  <a:pt x="2684276" y="1094919"/>
-                  <a:pt x="2797694" y="1071963"/>
-                  <a:pt x="2907437" y="1049675"/>
-                </a:cubicBezTo>
-                <a:cubicBezTo>
-                  <a:pt x="2978061" y="1035387"/>
-                  <a:pt x="3051178" y="1020528"/>
-                  <a:pt x="3122589" y="1005098"/>
-                </a:cubicBezTo>
-                <a:cubicBezTo>
-                  <a:pt x="3206997" y="986810"/>
-                  <a:pt x="3302823" y="966141"/>
-                  <a:pt x="3391169" y="935756"/>
-                </a:cubicBezTo>
-                <a:cubicBezTo>
-                  <a:pt x="3494479" y="900132"/>
-                  <a:pt x="3578886" y="856508"/>
-                  <a:pt x="3642290" y="806216"/>
-                </a:cubicBezTo>
-                <a:cubicBezTo>
-                  <a:pt x="3720133" y="744303"/>
-                  <a:pt x="3773953" y="668103"/>
-                  <a:pt x="3825937" y="594475"/>
-                </a:cubicBezTo>
-                <a:cubicBezTo>
-                  <a:pt x="3837621" y="577902"/>
-                  <a:pt x="3849435" y="561233"/>
-                  <a:pt x="3861381" y="544755"/>
-                </a:cubicBezTo>
-                <a:cubicBezTo>
-                  <a:pt x="3889997" y="505416"/>
-                  <a:pt x="3920715" y="465983"/>
-                  <a:pt x="3950381" y="427978"/>
-                </a:cubicBezTo>
-                <a:cubicBezTo>
-                  <a:pt x="4007353" y="354921"/>
-                  <a:pt x="4066163" y="279388"/>
-                  <a:pt x="4112370" y="201378"/>
-                </a:cubicBezTo>
-                <a:cubicBezTo>
-                  <a:pt x="4144662" y="146800"/>
-                  <a:pt x="4170785" y="89364"/>
-                  <a:pt x="4195989" y="33834"/>
-                </a:cubicBezTo>
-                <a:close/>
-              </a:path>
-            </a:pathLst>
-          </a:custGeom>
-          <a:solidFill>
-            <a:schemeClr val="accent1"/>
-          </a:solidFill>
-          <a:ln>
-            <a:noFill/>
-          </a:ln>
-        </p:spPr>
-        <p:style>
-          <a:lnRef idx="2">
-            <a:schemeClr val="accent1">
-              <a:shade val="50000"/>
-            </a:schemeClr>
-          </a:lnRef>
-          <a:fillRef idx="1">
-            <a:schemeClr val="accent1"/>
-          </a:fillRef>
-          <a:effectRef idx="0">
-            <a:schemeClr val="accent1"/>
-          </a:effectRef>
-          <a:fontRef idx="minor">
-            <a:schemeClr val="lt1"/>
-          </a:fontRef>
-        </p:style>
-        <p:txBody>
-          <a:bodyPr wrap="square" rtlCol="0" anchor="ctr">
-            <a:noAutofit/>
-          </a:bodyPr>
-          <a:lstStyle/>
-          <a:p>
-            <a:pPr algn="ctr"/>
-            <a:endParaRPr lang="en-US"/>
-          </a:p>
-        </p:txBody>
-      </p:sp>
-      <p:grpSp>
-        <p:nvGrpSpPr>
-          <p:cNvPr id="17" name="Graphic 141">
-            <a:extLst>
-              <a:ext uri="{FF2B5EF4-FFF2-40B4-BE49-F238E27FC236}">
-                <a16:creationId xmlns:a16="http://schemas.microsoft.com/office/drawing/2014/main" id="{03E9870D-4BBA-43AF-8D44-BBADF020CFF6}"/>
-              </a:ext>
-              <a:ext uri="{C183D7F6-B498-43B3-948B-1728B52AA6E4}">
-                <adec:decorative xmlns:adec="http://schemas.microsoft.com/office/drawing/2017/decorative" val="1"/>
-              </a:ext>
-            </a:extLst>
-          </p:cNvPr>
-          <p:cNvGrpSpPr>
-            <a:grpSpLocks noGrp="1" noUngrp="1" noRot="1" noChangeAspect="1" noMove="1" noResize="1"/>
-          </p:cNvGrpSpPr>
-          <p:nvPr>
-            <p:extLst>
-              <p:ext uri="{386F3935-93C4-4BCD-93E2-E3B085C9AB24}">
-                <p16:designElem xmlns:p16="http://schemas.microsoft.com/office/powerpoint/2015/main" val="1"/>
-              </p:ext>
-            </p:extLst>
-          </p:nvPr>
-        </p:nvGrpSpPr>
-        <p:grpSpPr>
-          <a:xfrm>
-            <a:off x="10849" y="15178"/>
-            <a:ext cx="2198951" cy="3331254"/>
-            <a:chOff x="4473129" y="923925"/>
-            <a:chExt cx="3308947" cy="5012817"/>
-          </a:xfrm>
-          <a:noFill/>
-        </p:grpSpPr>
-        <p:sp>
-          <p:nvSpPr>
-            <p:cNvPr id="18" name="Freeform: Shape 17">
-              <a:extLst>
-                <a:ext uri="{FF2B5EF4-FFF2-40B4-BE49-F238E27FC236}">
-                  <a16:creationId xmlns:a16="http://schemas.microsoft.com/office/drawing/2014/main" id="{34BC5055-C77D-43CD-BB1D-A77B6779CDAD}"/>
-                </a:ext>
-                <a:ext uri="{C183D7F6-B498-43B3-948B-1728B52AA6E4}">
-                  <adec:decorative xmlns:adec="http://schemas.microsoft.com/office/drawing/2017/decorative" val="1"/>
-                </a:ext>
-              </a:extLst>
-            </p:cNvPr>
-            <p:cNvSpPr/>
-            <p:nvPr>
-              <p:extLst>
-                <p:ext uri="{386F3935-93C4-4BCD-93E2-E3B085C9AB24}">
-                  <p16:designElem xmlns:p16="http://schemas.microsoft.com/office/powerpoint/2015/main" val="1"/>
-                </p:ext>
-              </p:extLst>
-            </p:nvPr>
-          </p:nvSpPr>
-          <p:spPr>
-            <a:xfrm>
-              <a:off x="4485988" y="924020"/>
-              <a:ext cx="3296088" cy="5012722"/>
-            </a:xfrm>
-            <a:custGeom>
-              <a:avLst/>
-              <a:gdLst>
-                <a:gd name="connsiteX0" fmla="*/ 0 w 3296088"/>
-                <a:gd name="connsiteY0" fmla="*/ 5012722 h 5012722"/>
-                <a:gd name="connsiteX1" fmla="*/ 244031 w 3296088"/>
-                <a:gd name="connsiteY1" fmla="*/ 4820222 h 5012722"/>
-                <a:gd name="connsiteX2" fmla="*/ 729234 w 3296088"/>
-                <a:gd name="connsiteY2" fmla="*/ 4360641 h 5012722"/>
-                <a:gd name="connsiteX3" fmla="*/ 881444 w 3296088"/>
-                <a:gd name="connsiteY3" fmla="*/ 4173950 h 5012722"/>
-                <a:gd name="connsiteX4" fmla="*/ 1151287 w 3296088"/>
-                <a:gd name="connsiteY4" fmla="*/ 3972877 h 5012722"/>
-                <a:gd name="connsiteX5" fmla="*/ 1498664 w 3296088"/>
-                <a:gd name="connsiteY5" fmla="*/ 3786188 h 5012722"/>
-                <a:gd name="connsiteX6" fmla="*/ 1716881 w 3296088"/>
-                <a:gd name="connsiteY6" fmla="*/ 3674174 h 5012722"/>
-                <a:gd name="connsiteX7" fmla="*/ 1913573 w 3296088"/>
-                <a:gd name="connsiteY7" fmla="*/ 3477387 h 5012722"/>
-                <a:gd name="connsiteX8" fmla="*/ 2167700 w 3296088"/>
-                <a:gd name="connsiteY8" fmla="*/ 3042190 h 5012722"/>
-                <a:gd name="connsiteX9" fmla="*/ 2273903 w 3296088"/>
-                <a:gd name="connsiteY9" fmla="*/ 2775014 h 5012722"/>
-                <a:gd name="connsiteX10" fmla="*/ 2463356 w 3296088"/>
-                <a:gd name="connsiteY10" fmla="*/ 2335530 h 5012722"/>
-                <a:gd name="connsiteX11" fmla="*/ 2741866 w 3296088"/>
-                <a:gd name="connsiteY11" fmla="*/ 1982248 h 5012722"/>
-                <a:gd name="connsiteX12" fmla="*/ 2985897 w 3296088"/>
-                <a:gd name="connsiteY12" fmla="*/ 1634681 h 5012722"/>
-                <a:gd name="connsiteX13" fmla="*/ 3212687 w 3296088"/>
-                <a:gd name="connsiteY13" fmla="*/ 1226820 h 5012722"/>
-                <a:gd name="connsiteX14" fmla="*/ 3281553 w 3296088"/>
-                <a:gd name="connsiteY14" fmla="*/ 959644 h 5012722"/>
-                <a:gd name="connsiteX15" fmla="*/ 3295936 w 3296088"/>
-                <a:gd name="connsiteY15" fmla="*/ 701135 h 5012722"/>
-                <a:gd name="connsiteX16" fmla="*/ 3267266 w 3296088"/>
-                <a:gd name="connsiteY16" fmla="*/ 436817 h 5012722"/>
-                <a:gd name="connsiteX17" fmla="*/ 3105341 w 3296088"/>
-                <a:gd name="connsiteY17" fmla="*/ 0 h 5012722"/>
-              </a:gdLst>
-              <a:ahLst/>
-              <a:cxnLst>
-                <a:cxn ang="0">
-                  <a:pos x="connsiteX0" y="connsiteY0"/>
-                </a:cxn>
-                <a:cxn ang="0">
-                  <a:pos x="connsiteX1" y="connsiteY1"/>
-                </a:cxn>
-                <a:cxn ang="0">
-                  <a:pos x="connsiteX2" y="connsiteY2"/>
-                </a:cxn>
-                <a:cxn ang="0">
-                  <a:pos x="connsiteX3" y="connsiteY3"/>
-                </a:cxn>
-                <a:cxn ang="0">
-                  <a:pos x="connsiteX4" y="connsiteY4"/>
-                </a:cxn>
-                <a:cxn ang="0">
-                  <a:pos x="connsiteX5" y="connsiteY5"/>
-                </a:cxn>
-                <a:cxn ang="0">
-                  <a:pos x="connsiteX6" y="connsiteY6"/>
-                </a:cxn>
-                <a:cxn ang="0">
-                  <a:pos x="connsiteX7" y="connsiteY7"/>
-                </a:cxn>
-                <a:cxn ang="0">
-                  <a:pos x="connsiteX8" y="connsiteY8"/>
-                </a:cxn>
-                <a:cxn ang="0">
-                  <a:pos x="connsiteX9" y="connsiteY9"/>
-                </a:cxn>
-                <a:cxn ang="0">
-                  <a:pos x="connsiteX10" y="connsiteY10"/>
-                </a:cxn>
-                <a:cxn ang="0">
-                  <a:pos x="connsiteX11" y="connsiteY11"/>
-                </a:cxn>
-                <a:cxn ang="0">
-                  <a:pos x="connsiteX12" y="connsiteY12"/>
-                </a:cxn>
-                <a:cxn ang="0">
-                  <a:pos x="connsiteX13" y="connsiteY13"/>
-                </a:cxn>
-                <a:cxn ang="0">
-                  <a:pos x="connsiteX14" y="connsiteY14"/>
-                </a:cxn>
-                <a:cxn ang="0">
-                  <a:pos x="connsiteX15" y="connsiteY15"/>
-                </a:cxn>
-                <a:cxn ang="0">
-                  <a:pos x="connsiteX16" y="connsiteY16"/>
-                </a:cxn>
-                <a:cxn ang="0">
-                  <a:pos x="connsiteX17" y="connsiteY17"/>
-                </a:cxn>
-              </a:cxnLst>
-              <a:rect l="l" t="t" r="r" b="b"/>
-              <a:pathLst>
-                <a:path w="3296088" h="5012722">
-                  <a:moveTo>
-                    <a:pt x="0" y="5012722"/>
-                  </a:moveTo>
-                  <a:cubicBezTo>
-                    <a:pt x="81820" y="4949095"/>
-                    <a:pt x="163544" y="4885468"/>
-                    <a:pt x="244031" y="4820222"/>
-                  </a:cubicBezTo>
-                  <a:cubicBezTo>
-                    <a:pt x="417671" y="4679633"/>
-                    <a:pt x="589883" y="4535139"/>
-                    <a:pt x="729234" y="4360641"/>
-                  </a:cubicBezTo>
-                  <a:cubicBezTo>
-                    <a:pt x="779431" y="4297776"/>
-                    <a:pt x="825818" y="4231958"/>
-                    <a:pt x="881444" y="4173950"/>
-                  </a:cubicBezTo>
-                  <a:cubicBezTo>
-                    <a:pt x="959358" y="4092607"/>
-                    <a:pt x="1054799" y="4031075"/>
-                    <a:pt x="1151287" y="3972877"/>
-                  </a:cubicBezTo>
-                  <a:cubicBezTo>
-                    <a:pt x="1263968" y="3904964"/>
-                    <a:pt x="1379315" y="3841337"/>
-                    <a:pt x="1498664" y="3786188"/>
-                  </a:cubicBezTo>
-                  <a:cubicBezTo>
-                    <a:pt x="1573149" y="3751802"/>
-                    <a:pt x="1649159" y="3720179"/>
-                    <a:pt x="1716881" y="3674174"/>
-                  </a:cubicBezTo>
-                  <a:cubicBezTo>
-                    <a:pt x="1794034" y="3621691"/>
-                    <a:pt x="1856708" y="3551492"/>
-                    <a:pt x="1913573" y="3477387"/>
-                  </a:cubicBezTo>
-                  <a:cubicBezTo>
-                    <a:pt x="2016157" y="3343751"/>
-                    <a:pt x="2099024" y="3196114"/>
-                    <a:pt x="2167700" y="3042190"/>
-                  </a:cubicBezTo>
-                  <a:cubicBezTo>
-                    <a:pt x="2206752" y="2954655"/>
-                    <a:pt x="2241233" y="2865215"/>
-                    <a:pt x="2273903" y="2775014"/>
-                  </a:cubicBezTo>
-                  <a:cubicBezTo>
-                    <a:pt x="2328482" y="2624423"/>
-                    <a:pt x="2379440" y="2471642"/>
-                    <a:pt x="2463356" y="2335530"/>
-                  </a:cubicBezTo>
-                  <a:cubicBezTo>
-                    <a:pt x="2542127" y="2207705"/>
-                    <a:pt x="2647855" y="2099501"/>
-                    <a:pt x="2741866" y="1982248"/>
-                  </a:cubicBezTo>
-                  <a:cubicBezTo>
-                    <a:pt x="2830449" y="1871758"/>
-                    <a:pt x="2908554" y="1753362"/>
-                    <a:pt x="2985897" y="1634681"/>
-                  </a:cubicBezTo>
-                  <a:cubicBezTo>
-                    <a:pt x="3071146" y="1503902"/>
-                    <a:pt x="3156395" y="1372172"/>
-                    <a:pt x="3212687" y="1226820"/>
-                  </a:cubicBezTo>
-                  <a:cubicBezTo>
-                    <a:pt x="3246025" y="1140809"/>
-                    <a:pt x="3268790" y="1051084"/>
-                    <a:pt x="3281553" y="959644"/>
-                  </a:cubicBezTo>
-                  <a:cubicBezTo>
-                    <a:pt x="3293555" y="874014"/>
-                    <a:pt x="3296888" y="787527"/>
-                    <a:pt x="3295936" y="701135"/>
-                  </a:cubicBezTo>
-                  <a:cubicBezTo>
-                    <a:pt x="3294888" y="612172"/>
-                    <a:pt x="3289268" y="523018"/>
-                    <a:pt x="3267266" y="436817"/>
-                  </a:cubicBezTo>
-                  <a:cubicBezTo>
-                    <a:pt x="3227832" y="282416"/>
-                    <a:pt x="3105341" y="0"/>
-                    <a:pt x="3105341" y="0"/>
-                  </a:cubicBezTo>
-                </a:path>
-              </a:pathLst>
-            </a:custGeom>
-            <a:noFill/>
-            <a:ln w="9525" cap="rnd">
-              <a:solidFill>
-                <a:schemeClr val="accent2">
-                  <a:alpha val="75000"/>
-                </a:schemeClr>
-              </a:solidFill>
-              <a:prstDash val="lgDash"/>
-              <a:round/>
-            </a:ln>
-          </p:spPr>
-          <p:txBody>
-            <a:bodyPr rtlCol="0" anchor="ctr"/>
-            <a:lstStyle/>
-            <a:p>
-              <a:endParaRPr lang="en-US"/>
-            </a:p>
-          </p:txBody>
-        </p:sp>
-        <p:sp>
-          <p:nvSpPr>
-            <p:cNvPr id="19" name="Freeform: Shape 18">
-              <a:extLst>
-                <a:ext uri="{FF2B5EF4-FFF2-40B4-BE49-F238E27FC236}">
-                  <a16:creationId xmlns:a16="http://schemas.microsoft.com/office/drawing/2014/main" id="{DB12D0B8-9385-489A-85AE-3D14AD0BA2FC}"/>
-                </a:ext>
-                <a:ext uri="{C183D7F6-B498-43B3-948B-1728B52AA6E4}">
-                  <adec:decorative xmlns:adec="http://schemas.microsoft.com/office/drawing/2017/decorative" val="1"/>
-                </a:ext>
-              </a:extLst>
-            </p:cNvPr>
-            <p:cNvSpPr/>
-            <p:nvPr>
-              <p:extLst>
-                <p:ext uri="{386F3935-93C4-4BCD-93E2-E3B085C9AB24}">
-                  <p16:designElem xmlns:p16="http://schemas.microsoft.com/office/powerpoint/2015/main" val="1"/>
-                </p:ext>
-              </p:extLst>
-            </p:nvPr>
-          </p:nvSpPr>
-          <p:spPr>
-            <a:xfrm>
-              <a:off x="4473129" y="923925"/>
-              <a:ext cx="2977477" cy="4627149"/>
-            </a:xfrm>
-            <a:custGeom>
-              <a:avLst/>
-              <a:gdLst>
-                <a:gd name="connsiteX0" fmla="*/ 0 w 2977477"/>
-                <a:gd name="connsiteY0" fmla="*/ 4627150 h 4627149"/>
-                <a:gd name="connsiteX1" fmla="*/ 275082 w 2977477"/>
-                <a:gd name="connsiteY1" fmla="*/ 4341590 h 4627149"/>
-                <a:gd name="connsiteX2" fmla="*/ 502825 w 2977477"/>
-                <a:gd name="connsiteY2" fmla="*/ 4054126 h 4627149"/>
-                <a:gd name="connsiteX3" fmla="*/ 666179 w 2977477"/>
-                <a:gd name="connsiteY3" fmla="*/ 3890677 h 4627149"/>
-                <a:gd name="connsiteX4" fmla="*/ 864203 w 2977477"/>
-                <a:gd name="connsiteY4" fmla="*/ 3675983 h 4627149"/>
-                <a:gd name="connsiteX5" fmla="*/ 982599 w 2977477"/>
-                <a:gd name="connsiteY5" fmla="*/ 3557492 h 4627149"/>
-                <a:gd name="connsiteX6" fmla="*/ 1188244 w 2977477"/>
-                <a:gd name="connsiteY6" fmla="*/ 3329654 h 4627149"/>
-                <a:gd name="connsiteX7" fmla="*/ 1344740 w 2977477"/>
-                <a:gd name="connsiteY7" fmla="*/ 3146774 h 4627149"/>
-                <a:gd name="connsiteX8" fmla="*/ 1470755 w 2977477"/>
-                <a:gd name="connsiteY8" fmla="*/ 2984659 h 4627149"/>
-                <a:gd name="connsiteX9" fmla="*/ 1657636 w 2977477"/>
-                <a:gd name="connsiteY9" fmla="*/ 2670239 h 4627149"/>
-                <a:gd name="connsiteX10" fmla="*/ 1762887 w 2977477"/>
-                <a:gd name="connsiteY10" fmla="*/ 2473547 h 4627149"/>
-                <a:gd name="connsiteX11" fmla="*/ 1866710 w 2977477"/>
-                <a:gd name="connsiteY11" fmla="*/ 2290667 h 4627149"/>
-                <a:gd name="connsiteX12" fmla="*/ 2106263 w 2977477"/>
-                <a:gd name="connsiteY12" fmla="*/ 2030254 h 4627149"/>
-                <a:gd name="connsiteX13" fmla="*/ 2277237 w 2977477"/>
-                <a:gd name="connsiteY13" fmla="*/ 1859185 h 4627149"/>
-                <a:gd name="connsiteX14" fmla="*/ 2499455 w 2977477"/>
-                <a:gd name="connsiteY14" fmla="*/ 1656207 h 4627149"/>
-                <a:gd name="connsiteX15" fmla="*/ 2707100 w 2977477"/>
-                <a:gd name="connsiteY15" fmla="*/ 1390269 h 4627149"/>
-                <a:gd name="connsiteX16" fmla="*/ 2812352 w 2977477"/>
-                <a:gd name="connsiteY16" fmla="*/ 1230916 h 4627149"/>
-                <a:gd name="connsiteX17" fmla="*/ 2898172 w 2977477"/>
-                <a:gd name="connsiteY17" fmla="*/ 1036987 h 4627149"/>
-                <a:gd name="connsiteX18" fmla="*/ 2963228 w 2977477"/>
-                <a:gd name="connsiteY18" fmla="*/ 850011 h 4627149"/>
-                <a:gd name="connsiteX19" fmla="*/ 2977325 w 2977477"/>
-                <a:gd name="connsiteY19" fmla="*/ 745427 h 4627149"/>
-                <a:gd name="connsiteX20" fmla="*/ 2929509 w 2977477"/>
-                <a:gd name="connsiteY20" fmla="*/ 480155 h 4627149"/>
-                <a:gd name="connsiteX21" fmla="*/ 2563082 w 2977477"/>
-                <a:gd name="connsiteY21" fmla="*/ 0 h 4627149"/>
-              </a:gdLst>
-              <a:ahLst/>
-              <a:cxnLst>
-                <a:cxn ang="0">
-                  <a:pos x="connsiteX0" y="connsiteY0"/>
-                </a:cxn>
-                <a:cxn ang="0">
-                  <a:pos x="connsiteX1" y="connsiteY1"/>
-                </a:cxn>
-                <a:cxn ang="0">
-                  <a:pos x="connsiteX2" y="connsiteY2"/>
-                </a:cxn>
-                <a:cxn ang="0">
-                  <a:pos x="connsiteX3" y="connsiteY3"/>
-                </a:cxn>
-                <a:cxn ang="0">
-                  <a:pos x="connsiteX4" y="connsiteY4"/>
-                </a:cxn>
-                <a:cxn ang="0">
-                  <a:pos x="connsiteX5" y="connsiteY5"/>
-                </a:cxn>
-                <a:cxn ang="0">
-                  <a:pos x="connsiteX6" y="connsiteY6"/>
-                </a:cxn>
-                <a:cxn ang="0">
-                  <a:pos x="connsiteX7" y="connsiteY7"/>
-                </a:cxn>
-                <a:cxn ang="0">
-                  <a:pos x="connsiteX8" y="connsiteY8"/>
-                </a:cxn>
-                <a:cxn ang="0">
-                  <a:pos x="connsiteX9" y="connsiteY9"/>
-                </a:cxn>
-                <a:cxn ang="0">
-                  <a:pos x="connsiteX10" y="connsiteY10"/>
-                </a:cxn>
-                <a:cxn ang="0">
-                  <a:pos x="connsiteX11" y="connsiteY11"/>
-                </a:cxn>
-                <a:cxn ang="0">
-                  <a:pos x="connsiteX12" y="connsiteY12"/>
-                </a:cxn>
-                <a:cxn ang="0">
-                  <a:pos x="connsiteX13" y="connsiteY13"/>
-                </a:cxn>
-                <a:cxn ang="0">
-                  <a:pos x="connsiteX14" y="connsiteY14"/>
-                </a:cxn>
-                <a:cxn ang="0">
-                  <a:pos x="connsiteX15" y="connsiteY15"/>
-                </a:cxn>
-                <a:cxn ang="0">
-                  <a:pos x="connsiteX16" y="connsiteY16"/>
-                </a:cxn>
-                <a:cxn ang="0">
-                  <a:pos x="connsiteX17" y="connsiteY17"/>
-                </a:cxn>
-                <a:cxn ang="0">
-                  <a:pos x="connsiteX18" y="connsiteY18"/>
-                </a:cxn>
-                <a:cxn ang="0">
-                  <a:pos x="connsiteX19" y="connsiteY19"/>
-                </a:cxn>
-                <a:cxn ang="0">
-                  <a:pos x="connsiteX20" y="connsiteY20"/>
-                </a:cxn>
-                <a:cxn ang="0">
-                  <a:pos x="connsiteX21" y="connsiteY21"/>
-                </a:cxn>
-              </a:cxnLst>
-              <a:rect l="l" t="t" r="r" b="b"/>
-              <a:pathLst>
-                <a:path w="2977477" h="4627149">
-                  <a:moveTo>
-                    <a:pt x="0" y="4627150"/>
-                  </a:moveTo>
-                  <a:cubicBezTo>
-                    <a:pt x="79820" y="4552283"/>
-                    <a:pt x="203835" y="4424648"/>
-                    <a:pt x="275082" y="4341590"/>
-                  </a:cubicBezTo>
-                  <a:cubicBezTo>
-                    <a:pt x="354711" y="4248722"/>
-                    <a:pt x="421005" y="4145090"/>
-                    <a:pt x="502825" y="4054126"/>
-                  </a:cubicBezTo>
-                  <a:cubicBezTo>
-                    <a:pt x="554355" y="3996881"/>
-                    <a:pt x="612362" y="3945827"/>
-                    <a:pt x="666179" y="3890677"/>
-                  </a:cubicBezTo>
-                  <a:cubicBezTo>
-                    <a:pt x="734187" y="3821049"/>
-                    <a:pt x="796671" y="3746183"/>
-                    <a:pt x="864203" y="3675983"/>
-                  </a:cubicBezTo>
-                  <a:cubicBezTo>
-                    <a:pt x="902875" y="3635788"/>
-                    <a:pt x="943642" y="3597593"/>
-                    <a:pt x="982599" y="3557492"/>
-                  </a:cubicBezTo>
-                  <a:cubicBezTo>
-                    <a:pt x="1053941" y="3484150"/>
-                    <a:pt x="1121378" y="3407093"/>
-                    <a:pt x="1188244" y="3329654"/>
-                  </a:cubicBezTo>
-                  <a:cubicBezTo>
-                    <a:pt x="1240631" y="3268885"/>
-                    <a:pt x="1293495" y="3208496"/>
-                    <a:pt x="1344740" y="3146774"/>
-                  </a:cubicBezTo>
-                  <a:cubicBezTo>
-                    <a:pt x="1388459" y="3094101"/>
-                    <a:pt x="1431512" y="3040761"/>
-                    <a:pt x="1470755" y="2984659"/>
-                  </a:cubicBezTo>
-                  <a:cubicBezTo>
-                    <a:pt x="1540764" y="2884646"/>
-                    <a:pt x="1598771" y="2777109"/>
-                    <a:pt x="1657636" y="2670239"/>
-                  </a:cubicBezTo>
-                  <a:cubicBezTo>
-                    <a:pt x="1693545" y="2605088"/>
-                    <a:pt x="1728502" y="2539460"/>
-                    <a:pt x="1762887" y="2473547"/>
-                  </a:cubicBezTo>
-                  <a:cubicBezTo>
-                    <a:pt x="1795367" y="2411349"/>
-                    <a:pt x="1826419" y="2348103"/>
-                    <a:pt x="1866710" y="2290667"/>
-                  </a:cubicBezTo>
-                  <a:cubicBezTo>
-                    <a:pt x="1934623" y="2193893"/>
-                    <a:pt x="2022729" y="2114169"/>
-                    <a:pt x="2106263" y="2030254"/>
-                  </a:cubicBezTo>
-                  <a:cubicBezTo>
-                    <a:pt x="2163128" y="1973104"/>
-                    <a:pt x="2218182" y="1914049"/>
-                    <a:pt x="2277237" y="1859185"/>
-                  </a:cubicBezTo>
-                  <a:cubicBezTo>
-                    <a:pt x="2350770" y="1790891"/>
-                    <a:pt x="2430304" y="1728978"/>
-                    <a:pt x="2499455" y="1656207"/>
-                  </a:cubicBezTo>
-                  <a:cubicBezTo>
-                    <a:pt x="2576989" y="1574578"/>
-                    <a:pt x="2641568" y="1481900"/>
-                    <a:pt x="2707100" y="1390269"/>
-                  </a:cubicBezTo>
-                  <a:cubicBezTo>
-                    <a:pt x="2744153" y="1338453"/>
-                    <a:pt x="2781586" y="1286732"/>
-                    <a:pt x="2812352" y="1230916"/>
-                  </a:cubicBezTo>
-                  <a:cubicBezTo>
-                    <a:pt x="2846546" y="1168908"/>
-                    <a:pt x="2872550" y="1102900"/>
-                    <a:pt x="2898172" y="1036987"/>
-                  </a:cubicBezTo>
-                  <a:cubicBezTo>
-                    <a:pt x="2922175" y="975455"/>
-                    <a:pt x="2948273" y="914305"/>
-                    <a:pt x="2963228" y="850011"/>
-                  </a:cubicBezTo>
-                  <a:cubicBezTo>
-                    <a:pt x="2971229" y="815626"/>
-                    <a:pt x="2976563" y="780764"/>
-                    <a:pt x="2977325" y="745427"/>
-                  </a:cubicBezTo>
-                  <a:cubicBezTo>
-                    <a:pt x="2979230" y="654844"/>
-                    <a:pt x="2963323" y="564261"/>
-                    <a:pt x="2929509" y="480155"/>
-                  </a:cubicBezTo>
-                  <a:cubicBezTo>
-                    <a:pt x="2851309" y="285655"/>
-                    <a:pt x="2563082" y="0"/>
-                    <a:pt x="2563082" y="0"/>
-                  </a:cubicBezTo>
-                </a:path>
-              </a:pathLst>
-            </a:custGeom>
-            <a:noFill/>
-            <a:ln w="9525" cap="rnd">
-              <a:solidFill>
-                <a:schemeClr val="accent2">
-                  <a:alpha val="75000"/>
-                </a:schemeClr>
-              </a:solidFill>
-              <a:prstDash val="lgDash"/>
-              <a:round/>
-            </a:ln>
-          </p:spPr>
-          <p:txBody>
-            <a:bodyPr rtlCol="0" anchor="ctr"/>
-            <a:lstStyle/>
-            <a:p>
-              <a:endParaRPr lang="en-US"/>
-            </a:p>
-          </p:txBody>
-        </p:sp>
-        <p:sp>
-          <p:nvSpPr>
-            <p:cNvPr id="20" name="Freeform: Shape 19">
-              <a:extLst>
-                <a:ext uri="{FF2B5EF4-FFF2-40B4-BE49-F238E27FC236}">
-                  <a16:creationId xmlns:a16="http://schemas.microsoft.com/office/drawing/2014/main" id="{D158A14A-147E-4130-A5E2-38FD84B181AF}"/>
-                </a:ext>
-                <a:ext uri="{C183D7F6-B498-43B3-948B-1728B52AA6E4}">
-                  <adec:decorative xmlns:adec="http://schemas.microsoft.com/office/drawing/2017/decorative" val="1"/>
-                </a:ext>
-              </a:extLst>
-            </p:cNvPr>
-            <p:cNvSpPr/>
-            <p:nvPr>
-              <p:extLst>
-                <p:ext uri="{386F3935-93C4-4BCD-93E2-E3B085C9AB24}">
-                  <p16:designElem xmlns:p16="http://schemas.microsoft.com/office/powerpoint/2015/main" val="1"/>
-                </p:ext>
-              </p:extLst>
-            </p:nvPr>
-          </p:nvSpPr>
-          <p:spPr>
-            <a:xfrm>
-              <a:off x="4494561" y="923925"/>
-              <a:ext cx="2356712" cy="4118991"/>
-            </a:xfrm>
-            <a:custGeom>
-              <a:avLst/>
-              <a:gdLst>
-                <a:gd name="connsiteX0" fmla="*/ 1707071 w 2356712"/>
-                <a:gd name="connsiteY0" fmla="*/ 0 h 4118991"/>
-                <a:gd name="connsiteX1" fmla="*/ 1824514 w 2356712"/>
-                <a:gd name="connsiteY1" fmla="*/ 244697 h 4118991"/>
-                <a:gd name="connsiteX2" fmla="*/ 1908715 w 2356712"/>
-                <a:gd name="connsiteY2" fmla="*/ 328994 h 4118991"/>
-                <a:gd name="connsiteX3" fmla="*/ 2226469 w 2356712"/>
-                <a:gd name="connsiteY3" fmla="*/ 603695 h 4118991"/>
-                <a:gd name="connsiteX4" fmla="*/ 2355628 w 2356712"/>
-                <a:gd name="connsiteY4" fmla="*/ 900494 h 4118991"/>
-                <a:gd name="connsiteX5" fmla="*/ 2281428 w 2356712"/>
-                <a:gd name="connsiteY5" fmla="*/ 1206913 h 4118991"/>
-                <a:gd name="connsiteX6" fmla="*/ 2092452 w 2356712"/>
-                <a:gd name="connsiteY6" fmla="*/ 1460659 h 4118991"/>
-                <a:gd name="connsiteX7" fmla="*/ 1834039 w 2356712"/>
-                <a:gd name="connsiteY7" fmla="*/ 1625822 h 4118991"/>
-                <a:gd name="connsiteX8" fmla="*/ 1558862 w 2356712"/>
-                <a:gd name="connsiteY8" fmla="*/ 1743075 h 4118991"/>
-                <a:gd name="connsiteX9" fmla="*/ 1386554 w 2356712"/>
-                <a:gd name="connsiteY9" fmla="*/ 1869948 h 4118991"/>
-                <a:gd name="connsiteX10" fmla="*/ 1271683 w 2356712"/>
-                <a:gd name="connsiteY10" fmla="*/ 2073402 h 4118991"/>
-                <a:gd name="connsiteX11" fmla="*/ 1178338 w 2356712"/>
-                <a:gd name="connsiteY11" fmla="*/ 2355914 h 4118991"/>
-                <a:gd name="connsiteX12" fmla="*/ 1113758 w 2356712"/>
-                <a:gd name="connsiteY12" fmla="*/ 2578513 h 4118991"/>
-                <a:gd name="connsiteX13" fmla="*/ 1034796 w 2356712"/>
-                <a:gd name="connsiteY13" fmla="*/ 2834640 h 4118991"/>
-                <a:gd name="connsiteX14" fmla="*/ 905637 w 2356712"/>
-                <a:gd name="connsiteY14" fmla="*/ 3081242 h 4118991"/>
-                <a:gd name="connsiteX15" fmla="*/ 793147 w 2356712"/>
-                <a:gd name="connsiteY15" fmla="*/ 3258407 h 4118991"/>
-                <a:gd name="connsiteX16" fmla="*/ 546735 w 2356712"/>
-                <a:gd name="connsiteY16" fmla="*/ 3571970 h 4118991"/>
-                <a:gd name="connsiteX17" fmla="*/ 346996 w 2356712"/>
-                <a:gd name="connsiteY17" fmla="*/ 3771900 h 4118991"/>
-                <a:gd name="connsiteX18" fmla="*/ 174689 w 2356712"/>
-                <a:gd name="connsiteY18" fmla="*/ 3944207 h 4118991"/>
-                <a:gd name="connsiteX19" fmla="*/ 0 w 2356712"/>
-                <a:gd name="connsiteY19" fmla="*/ 4118991 h 4118991"/>
-              </a:gdLst>
-              <a:ahLst/>
-              <a:cxnLst>
-                <a:cxn ang="0">
-                  <a:pos x="connsiteX0" y="connsiteY0"/>
-                </a:cxn>
-                <a:cxn ang="0">
-                  <a:pos x="connsiteX1" y="connsiteY1"/>
-                </a:cxn>
-                <a:cxn ang="0">
-                  <a:pos x="connsiteX2" y="connsiteY2"/>
-                </a:cxn>
-                <a:cxn ang="0">
-                  <a:pos x="connsiteX3" y="connsiteY3"/>
-                </a:cxn>
-                <a:cxn ang="0">
-                  <a:pos x="connsiteX4" y="connsiteY4"/>
-                </a:cxn>
-                <a:cxn ang="0">
-                  <a:pos x="connsiteX5" y="connsiteY5"/>
-                </a:cxn>
-                <a:cxn ang="0">
-                  <a:pos x="connsiteX6" y="connsiteY6"/>
-                </a:cxn>
-                <a:cxn ang="0">
-                  <a:pos x="connsiteX7" y="connsiteY7"/>
-                </a:cxn>
-                <a:cxn ang="0">
-                  <a:pos x="connsiteX8" y="connsiteY8"/>
-                </a:cxn>
-                <a:cxn ang="0">
-                  <a:pos x="connsiteX9" y="connsiteY9"/>
-                </a:cxn>
-                <a:cxn ang="0">
-                  <a:pos x="connsiteX10" y="connsiteY10"/>
-                </a:cxn>
-                <a:cxn ang="0">
-                  <a:pos x="connsiteX11" y="connsiteY11"/>
-                </a:cxn>
-                <a:cxn ang="0">
-                  <a:pos x="connsiteX12" y="connsiteY12"/>
-                </a:cxn>
-                <a:cxn ang="0">
-                  <a:pos x="connsiteX13" y="connsiteY13"/>
-                </a:cxn>
-                <a:cxn ang="0">
-                  <a:pos x="connsiteX14" y="connsiteY14"/>
-                </a:cxn>
-                <a:cxn ang="0">
-                  <a:pos x="connsiteX15" y="connsiteY15"/>
-                </a:cxn>
-                <a:cxn ang="0">
-                  <a:pos x="connsiteX16" y="connsiteY16"/>
-                </a:cxn>
-                <a:cxn ang="0">
-                  <a:pos x="connsiteX17" y="connsiteY17"/>
-                </a:cxn>
-                <a:cxn ang="0">
-                  <a:pos x="connsiteX18" y="connsiteY18"/>
-                </a:cxn>
-                <a:cxn ang="0">
-                  <a:pos x="connsiteX19" y="connsiteY19"/>
-                </a:cxn>
-              </a:cxnLst>
-              <a:rect l="l" t="t" r="r" b="b"/>
-              <a:pathLst>
-                <a:path w="2356712" h="4118991">
-                  <a:moveTo>
-                    <a:pt x="1707071" y="0"/>
-                  </a:moveTo>
-                  <a:cubicBezTo>
-                    <a:pt x="1715357" y="22098"/>
-                    <a:pt x="1812608" y="224409"/>
-                    <a:pt x="1824514" y="244697"/>
-                  </a:cubicBezTo>
-                  <a:cubicBezTo>
-                    <a:pt x="1844802" y="279273"/>
-                    <a:pt x="1876996" y="304324"/>
-                    <a:pt x="1908715" y="328994"/>
-                  </a:cubicBezTo>
-                  <a:cubicBezTo>
-                    <a:pt x="2019967" y="415195"/>
-                    <a:pt x="2137886" y="494633"/>
-                    <a:pt x="2226469" y="603695"/>
-                  </a:cubicBezTo>
-                  <a:cubicBezTo>
-                    <a:pt x="2296287" y="689610"/>
-                    <a:pt x="2347817" y="790480"/>
-                    <a:pt x="2355628" y="900494"/>
-                  </a:cubicBezTo>
-                  <a:cubicBezTo>
-                    <a:pt x="2363248" y="1007078"/>
-                    <a:pt x="2329910" y="1111187"/>
-                    <a:pt x="2281428" y="1206913"/>
-                  </a:cubicBezTo>
-                  <a:cubicBezTo>
-                    <a:pt x="2233422" y="1301877"/>
-                    <a:pt x="2170938" y="1388936"/>
-                    <a:pt x="2092452" y="1460659"/>
-                  </a:cubicBezTo>
-                  <a:cubicBezTo>
-                    <a:pt x="2016538" y="1530001"/>
-                    <a:pt x="1927765" y="1583436"/>
-                    <a:pt x="1834039" y="1625822"/>
-                  </a:cubicBezTo>
-                  <a:cubicBezTo>
-                    <a:pt x="1743075" y="1666970"/>
-                    <a:pt x="1647730" y="1697736"/>
-                    <a:pt x="1558862" y="1743075"/>
-                  </a:cubicBezTo>
-                  <a:cubicBezTo>
-                    <a:pt x="1494758" y="1775841"/>
-                    <a:pt x="1434275" y="1816132"/>
-                    <a:pt x="1386554" y="1869948"/>
-                  </a:cubicBezTo>
-                  <a:cubicBezTo>
-                    <a:pt x="1334548" y="1928622"/>
-                    <a:pt x="1300544" y="2000345"/>
-                    <a:pt x="1271683" y="2073402"/>
-                  </a:cubicBezTo>
-                  <a:cubicBezTo>
-                    <a:pt x="1235202" y="2165699"/>
-                    <a:pt x="1206722" y="2260759"/>
-                    <a:pt x="1178338" y="2355914"/>
-                  </a:cubicBezTo>
-                  <a:cubicBezTo>
-                    <a:pt x="1156240" y="2429923"/>
-                    <a:pt x="1134237" y="2504028"/>
-                    <a:pt x="1113758" y="2578513"/>
-                  </a:cubicBezTo>
-                  <a:cubicBezTo>
-                    <a:pt x="1090041" y="2664714"/>
-                    <a:pt x="1068134" y="2751678"/>
-                    <a:pt x="1034796" y="2834640"/>
-                  </a:cubicBezTo>
-                  <a:cubicBezTo>
-                    <a:pt x="1000125" y="2920841"/>
-                    <a:pt x="953643" y="3001613"/>
-                    <a:pt x="905637" y="3081242"/>
-                  </a:cubicBezTo>
-                  <a:cubicBezTo>
-                    <a:pt x="869442" y="3141155"/>
-                    <a:pt x="832295" y="3200400"/>
-                    <a:pt x="793147" y="3258407"/>
-                  </a:cubicBezTo>
-                  <a:cubicBezTo>
-                    <a:pt x="718661" y="3368802"/>
-                    <a:pt x="637223" y="3474434"/>
-                    <a:pt x="546735" y="3571970"/>
-                  </a:cubicBezTo>
-                  <a:cubicBezTo>
-                    <a:pt x="482632" y="3641027"/>
-                    <a:pt x="414147" y="3705797"/>
-                    <a:pt x="346996" y="3771900"/>
-                  </a:cubicBezTo>
-                  <a:cubicBezTo>
-                    <a:pt x="288989" y="3828764"/>
-                    <a:pt x="232029" y="3886676"/>
-                    <a:pt x="174689" y="3944207"/>
-                  </a:cubicBezTo>
-                  <a:cubicBezTo>
-                    <a:pt x="116586" y="4002596"/>
-                    <a:pt x="58293" y="4060698"/>
-                    <a:pt x="0" y="4118991"/>
-                  </a:cubicBezTo>
-                </a:path>
-              </a:pathLst>
-            </a:custGeom>
-            <a:noFill/>
-            <a:ln w="9525" cap="rnd">
-              <a:solidFill>
-                <a:schemeClr val="accent2">
-                  <a:alpha val="75000"/>
-                </a:schemeClr>
-              </a:solidFill>
-              <a:prstDash val="lgDash"/>
-              <a:round/>
-            </a:ln>
-          </p:spPr>
-          <p:txBody>
-            <a:bodyPr rtlCol="0" anchor="ctr"/>
-            <a:lstStyle/>
-            <a:p>
-              <a:endParaRPr lang="en-US"/>
-            </a:p>
-          </p:txBody>
-        </p:sp>
-        <p:sp>
-          <p:nvSpPr>
-            <p:cNvPr id="21" name="Freeform: Shape 20">
-              <a:extLst>
-                <a:ext uri="{FF2B5EF4-FFF2-40B4-BE49-F238E27FC236}">
-                  <a16:creationId xmlns:a16="http://schemas.microsoft.com/office/drawing/2014/main" id="{75B8B1EB-5E2B-472C-AE60-2EC5961F16F9}"/>
-                </a:ext>
-                <a:ext uri="{C183D7F6-B498-43B3-948B-1728B52AA6E4}">
-                  <adec:decorative xmlns:adec="http://schemas.microsoft.com/office/drawing/2017/decorative" val="1"/>
-                </a:ext>
-              </a:extLst>
-            </p:cNvPr>
-            <p:cNvSpPr/>
-            <p:nvPr>
-              <p:extLst>
-                <p:ext uri="{386F3935-93C4-4BCD-93E2-E3B085C9AB24}">
-                  <p16:designElem xmlns:p16="http://schemas.microsoft.com/office/powerpoint/2015/main" val="1"/>
-                </p:ext>
-              </p:extLst>
-            </p:nvPr>
-          </p:nvSpPr>
-          <p:spPr>
-            <a:xfrm>
-              <a:off x="4473129" y="923925"/>
-              <a:ext cx="2059193" cy="3980116"/>
-            </a:xfrm>
-            <a:custGeom>
-              <a:avLst/>
-              <a:gdLst>
-                <a:gd name="connsiteX0" fmla="*/ 0 w 2059193"/>
-                <a:gd name="connsiteY0" fmla="*/ 3980116 h 3980116"/>
-                <a:gd name="connsiteX1" fmla="*/ 471583 w 2059193"/>
-                <a:gd name="connsiteY1" fmla="*/ 3515678 h 3980116"/>
-                <a:gd name="connsiteX2" fmla="*/ 758666 w 2059193"/>
-                <a:gd name="connsiteY2" fmla="*/ 3163824 h 3980116"/>
-                <a:gd name="connsiteX3" fmla="*/ 940499 w 2059193"/>
-                <a:gd name="connsiteY3" fmla="*/ 2780824 h 3980116"/>
-                <a:gd name="connsiteX4" fmla="*/ 1055370 w 2059193"/>
-                <a:gd name="connsiteY4" fmla="*/ 2242185 h 3980116"/>
-                <a:gd name="connsiteX5" fmla="*/ 1136714 w 2059193"/>
-                <a:gd name="connsiteY5" fmla="*/ 1878330 h 3980116"/>
-                <a:gd name="connsiteX6" fmla="*/ 1246727 w 2059193"/>
-                <a:gd name="connsiteY6" fmla="*/ 1562386 h 3980116"/>
-                <a:gd name="connsiteX7" fmla="*/ 1378363 w 2059193"/>
-                <a:gd name="connsiteY7" fmla="*/ 1430750 h 3980116"/>
-                <a:gd name="connsiteX8" fmla="*/ 1691831 w 2059193"/>
-                <a:gd name="connsiteY8" fmla="*/ 1394841 h 3980116"/>
-                <a:gd name="connsiteX9" fmla="*/ 1914335 w 2059193"/>
-                <a:gd name="connsiteY9" fmla="*/ 1323023 h 3980116"/>
-                <a:gd name="connsiteX10" fmla="*/ 2055495 w 2059193"/>
-                <a:gd name="connsiteY10" fmla="*/ 1098042 h 3980116"/>
-                <a:gd name="connsiteX11" fmla="*/ 2033969 w 2059193"/>
-                <a:gd name="connsiteY11" fmla="*/ 930497 h 3980116"/>
-                <a:gd name="connsiteX12" fmla="*/ 1885664 w 2059193"/>
-                <a:gd name="connsiteY12" fmla="*/ 760571 h 3980116"/>
-                <a:gd name="connsiteX13" fmla="*/ 1636871 w 2059193"/>
-                <a:gd name="connsiteY13" fmla="*/ 612172 h 3980116"/>
-                <a:gd name="connsiteX14" fmla="*/ 1335405 w 2059193"/>
-                <a:gd name="connsiteY14" fmla="*/ 459010 h 3980116"/>
-                <a:gd name="connsiteX15" fmla="*/ 1234916 w 2059193"/>
-                <a:gd name="connsiteY15" fmla="*/ 269939 h 3980116"/>
-                <a:gd name="connsiteX16" fmla="*/ 1386935 w 2059193"/>
-                <a:gd name="connsiteY16" fmla="*/ 0 h 3980116"/>
-              </a:gdLst>
-              <a:ahLst/>
-              <a:cxnLst>
-                <a:cxn ang="0">
-                  <a:pos x="connsiteX0" y="connsiteY0"/>
-                </a:cxn>
-                <a:cxn ang="0">
-                  <a:pos x="connsiteX1" y="connsiteY1"/>
-                </a:cxn>
-                <a:cxn ang="0">
-                  <a:pos x="connsiteX2" y="connsiteY2"/>
-                </a:cxn>
-                <a:cxn ang="0">
-                  <a:pos x="connsiteX3" y="connsiteY3"/>
-                </a:cxn>
-                <a:cxn ang="0">
-                  <a:pos x="connsiteX4" y="connsiteY4"/>
-                </a:cxn>
-                <a:cxn ang="0">
-                  <a:pos x="connsiteX5" y="connsiteY5"/>
-                </a:cxn>
-                <a:cxn ang="0">
-                  <a:pos x="connsiteX6" y="connsiteY6"/>
-                </a:cxn>
-                <a:cxn ang="0">
-                  <a:pos x="connsiteX7" y="connsiteY7"/>
-                </a:cxn>
-                <a:cxn ang="0">
-                  <a:pos x="connsiteX8" y="connsiteY8"/>
-                </a:cxn>
-                <a:cxn ang="0">
-                  <a:pos x="connsiteX9" y="connsiteY9"/>
-                </a:cxn>
-                <a:cxn ang="0">
-                  <a:pos x="connsiteX10" y="connsiteY10"/>
-                </a:cxn>
-                <a:cxn ang="0">
-                  <a:pos x="connsiteX11" y="connsiteY11"/>
-                </a:cxn>
-                <a:cxn ang="0">
-                  <a:pos x="connsiteX12" y="connsiteY12"/>
-                </a:cxn>
-                <a:cxn ang="0">
-                  <a:pos x="connsiteX13" y="connsiteY13"/>
-                </a:cxn>
-                <a:cxn ang="0">
-                  <a:pos x="connsiteX14" y="connsiteY14"/>
-                </a:cxn>
-                <a:cxn ang="0">
-                  <a:pos x="connsiteX15" y="connsiteY15"/>
-                </a:cxn>
-                <a:cxn ang="0">
-                  <a:pos x="connsiteX16" y="connsiteY16"/>
-                </a:cxn>
-              </a:cxnLst>
-              <a:rect l="l" t="t" r="r" b="b"/>
-              <a:pathLst>
-                <a:path w="2059193" h="3980116">
-                  <a:moveTo>
-                    <a:pt x="0" y="3980116"/>
-                  </a:moveTo>
-                  <a:cubicBezTo>
-                    <a:pt x="91345" y="3889534"/>
-                    <a:pt x="382715" y="3608737"/>
-                    <a:pt x="471583" y="3515678"/>
-                  </a:cubicBezTo>
-                  <a:cubicBezTo>
-                    <a:pt x="576358" y="3405949"/>
-                    <a:pt x="675989" y="3290983"/>
-                    <a:pt x="758666" y="3163824"/>
-                  </a:cubicBezTo>
-                  <a:cubicBezTo>
-                    <a:pt x="836105" y="3044857"/>
-                    <a:pt x="897445" y="2916079"/>
-                    <a:pt x="940499" y="2780824"/>
-                  </a:cubicBezTo>
-                  <a:cubicBezTo>
-                    <a:pt x="996315" y="2605754"/>
-                    <a:pt x="1020985" y="2422874"/>
-                    <a:pt x="1055370" y="2242185"/>
-                  </a:cubicBezTo>
-                  <a:cubicBezTo>
-                    <a:pt x="1078611" y="2120075"/>
-                    <a:pt x="1107472" y="1999107"/>
-                    <a:pt x="1136714" y="1878330"/>
-                  </a:cubicBezTo>
-                  <a:cubicBezTo>
-                    <a:pt x="1163098" y="1769174"/>
-                    <a:pt x="1189482" y="1658588"/>
-                    <a:pt x="1246727" y="1562386"/>
-                  </a:cubicBezTo>
-                  <a:cubicBezTo>
-                    <a:pt x="1279208" y="1507808"/>
-                    <a:pt x="1321689" y="1459039"/>
-                    <a:pt x="1378363" y="1430750"/>
-                  </a:cubicBezTo>
-                  <a:cubicBezTo>
-                    <a:pt x="1473327" y="1383221"/>
-                    <a:pt x="1584865" y="1402652"/>
-                    <a:pt x="1691831" y="1394841"/>
-                  </a:cubicBezTo>
-                  <a:cubicBezTo>
-                    <a:pt x="1771079" y="1389031"/>
-                    <a:pt x="1849279" y="1368266"/>
-                    <a:pt x="1914335" y="1323023"/>
-                  </a:cubicBezTo>
-                  <a:cubicBezTo>
-                    <a:pt x="1989963" y="1270445"/>
-                    <a:pt x="2041493" y="1189101"/>
-                    <a:pt x="2055495" y="1098042"/>
-                  </a:cubicBezTo>
-                  <a:cubicBezTo>
-                    <a:pt x="2064258" y="1041178"/>
-                    <a:pt x="2057591" y="982980"/>
-                    <a:pt x="2033969" y="930497"/>
-                  </a:cubicBezTo>
-                  <a:cubicBezTo>
-                    <a:pt x="2002727" y="861060"/>
-                    <a:pt x="1945958" y="807625"/>
-                    <a:pt x="1885664" y="760571"/>
-                  </a:cubicBezTo>
-                  <a:cubicBezTo>
-                    <a:pt x="1809179" y="700945"/>
-                    <a:pt x="1725549" y="651415"/>
-                    <a:pt x="1636871" y="612172"/>
-                  </a:cubicBezTo>
-                  <a:cubicBezTo>
-                    <a:pt x="1532763" y="566071"/>
-                    <a:pt x="1421606" y="532543"/>
-                    <a:pt x="1335405" y="459010"/>
-                  </a:cubicBezTo>
-                  <a:cubicBezTo>
-                    <a:pt x="1277969" y="409956"/>
-                    <a:pt x="1232059" y="344615"/>
-                    <a:pt x="1234916" y="269939"/>
-                  </a:cubicBezTo>
-                  <a:cubicBezTo>
-                    <a:pt x="1237012" y="211741"/>
-                    <a:pt x="1386935" y="0"/>
-                    <a:pt x="1386935" y="0"/>
-                  </a:cubicBezTo>
-                </a:path>
-              </a:pathLst>
-            </a:custGeom>
-            <a:noFill/>
-            <a:ln w="9525" cap="rnd">
-              <a:solidFill>
-                <a:schemeClr val="accent2">
-                  <a:alpha val="75000"/>
-                </a:schemeClr>
-              </a:solidFill>
-              <a:prstDash val="lgDash"/>
-              <a:round/>
-            </a:ln>
-          </p:spPr>
-          <p:txBody>
-            <a:bodyPr rtlCol="0" anchor="ctr"/>
-            <a:lstStyle/>
-            <a:p>
-              <a:endParaRPr lang="en-US"/>
-            </a:p>
-          </p:txBody>
-        </p:sp>
-        <p:sp>
-          <p:nvSpPr>
-            <p:cNvPr id="22" name="Freeform: Shape 21">
-              <a:extLst>
-                <a:ext uri="{FF2B5EF4-FFF2-40B4-BE49-F238E27FC236}">
-                  <a16:creationId xmlns:a16="http://schemas.microsoft.com/office/drawing/2014/main" id="{B4F5BD77-58D7-4B61-A666-1B4139A63A28}"/>
-                </a:ext>
-                <a:ext uri="{C183D7F6-B498-43B3-948B-1728B52AA6E4}">
-                  <adec:decorative xmlns:adec="http://schemas.microsoft.com/office/drawing/2017/decorative" val="1"/>
-                </a:ext>
-              </a:extLst>
-            </p:cNvPr>
-            <p:cNvSpPr/>
-            <p:nvPr>
-              <p:extLst>
-                <p:ext uri="{386F3935-93C4-4BCD-93E2-E3B085C9AB24}">
-                  <p16:designElem xmlns:p16="http://schemas.microsoft.com/office/powerpoint/2015/main" val="1"/>
-                </p:ext>
-              </p:extLst>
-            </p:nvPr>
-          </p:nvSpPr>
-          <p:spPr>
-            <a:xfrm>
-              <a:off x="4485131" y="1719357"/>
-              <a:ext cx="743796" cy="2867501"/>
-            </a:xfrm>
-            <a:custGeom>
-              <a:avLst/>
-              <a:gdLst>
-                <a:gd name="connsiteX0" fmla="*/ 11144 w 743796"/>
-                <a:gd name="connsiteY0" fmla="*/ 0 h 2867501"/>
-                <a:gd name="connsiteX1" fmla="*/ 353663 w 743796"/>
-                <a:gd name="connsiteY1" fmla="*/ 55245 h 2867501"/>
-                <a:gd name="connsiteX2" fmla="*/ 571405 w 743796"/>
-                <a:gd name="connsiteY2" fmla="*/ 179737 h 2867501"/>
-                <a:gd name="connsiteX3" fmla="*/ 688658 w 743796"/>
-                <a:gd name="connsiteY3" fmla="*/ 368808 h 2867501"/>
-                <a:gd name="connsiteX4" fmla="*/ 731711 w 743796"/>
-                <a:gd name="connsiteY4" fmla="*/ 612934 h 2867501"/>
-                <a:gd name="connsiteX5" fmla="*/ 725233 w 743796"/>
-                <a:gd name="connsiteY5" fmla="*/ 995648 h 2867501"/>
-                <a:gd name="connsiteX6" fmla="*/ 742855 w 743796"/>
-                <a:gd name="connsiteY6" fmla="*/ 1499330 h 2867501"/>
-                <a:gd name="connsiteX7" fmla="*/ 707898 w 743796"/>
-                <a:gd name="connsiteY7" fmla="*/ 1793081 h 2867501"/>
-                <a:gd name="connsiteX8" fmla="*/ 633222 w 743796"/>
-                <a:gd name="connsiteY8" fmla="*/ 2073592 h 2867501"/>
-                <a:gd name="connsiteX9" fmla="*/ 404527 w 743796"/>
-                <a:gd name="connsiteY9" fmla="*/ 2472404 h 2867501"/>
-                <a:gd name="connsiteX10" fmla="*/ 0 w 743796"/>
-                <a:gd name="connsiteY10" fmla="*/ 2867501 h 2867501"/>
-              </a:gdLst>
-              <a:ahLst/>
-              <a:cxnLst>
-                <a:cxn ang="0">
-                  <a:pos x="connsiteX0" y="connsiteY0"/>
-                </a:cxn>
-                <a:cxn ang="0">
-                  <a:pos x="connsiteX1" y="connsiteY1"/>
-                </a:cxn>
-                <a:cxn ang="0">
-                  <a:pos x="connsiteX2" y="connsiteY2"/>
-                </a:cxn>
-                <a:cxn ang="0">
-                  <a:pos x="connsiteX3" y="connsiteY3"/>
-                </a:cxn>
-                <a:cxn ang="0">
-                  <a:pos x="connsiteX4" y="connsiteY4"/>
-                </a:cxn>
-                <a:cxn ang="0">
-                  <a:pos x="connsiteX5" y="connsiteY5"/>
-                </a:cxn>
-                <a:cxn ang="0">
-                  <a:pos x="connsiteX6" y="connsiteY6"/>
-                </a:cxn>
-                <a:cxn ang="0">
-                  <a:pos x="connsiteX7" y="connsiteY7"/>
-                </a:cxn>
-                <a:cxn ang="0">
-                  <a:pos x="connsiteX8" y="connsiteY8"/>
-                </a:cxn>
-                <a:cxn ang="0">
-                  <a:pos x="connsiteX9" y="connsiteY9"/>
-                </a:cxn>
-                <a:cxn ang="0">
-                  <a:pos x="connsiteX10" y="connsiteY10"/>
-                </a:cxn>
-              </a:cxnLst>
-              <a:rect l="l" t="t" r="r" b="b"/>
-              <a:pathLst>
-                <a:path w="743796" h="2867501">
-                  <a:moveTo>
-                    <a:pt x="11144" y="0"/>
-                  </a:moveTo>
-                  <a:cubicBezTo>
-                    <a:pt x="101060" y="2953"/>
-                    <a:pt x="268796" y="25146"/>
-                    <a:pt x="353663" y="55245"/>
-                  </a:cubicBezTo>
-                  <a:cubicBezTo>
-                    <a:pt x="433483" y="83534"/>
-                    <a:pt x="510635" y="120967"/>
-                    <a:pt x="571405" y="179737"/>
-                  </a:cubicBezTo>
-                  <a:cubicBezTo>
-                    <a:pt x="625412" y="231934"/>
-                    <a:pt x="663607" y="297942"/>
-                    <a:pt x="688658" y="368808"/>
-                  </a:cubicBezTo>
-                  <a:cubicBezTo>
-                    <a:pt x="716375" y="447103"/>
-                    <a:pt x="727996" y="529876"/>
-                    <a:pt x="731711" y="612934"/>
-                  </a:cubicBezTo>
-                  <a:cubicBezTo>
-                    <a:pt x="737426" y="740474"/>
-                    <a:pt x="724948" y="867918"/>
-                    <a:pt x="725233" y="995648"/>
-                  </a:cubicBezTo>
-                  <a:cubicBezTo>
-                    <a:pt x="725710" y="1163765"/>
-                    <a:pt x="748665" y="1331309"/>
-                    <a:pt x="742855" y="1499330"/>
-                  </a:cubicBezTo>
-                  <a:cubicBezTo>
-                    <a:pt x="739426" y="1598009"/>
-                    <a:pt x="725996" y="1696022"/>
-                    <a:pt x="707898" y="1793081"/>
-                  </a:cubicBezTo>
-                  <a:cubicBezTo>
-                    <a:pt x="690086" y="1888426"/>
-                    <a:pt x="666845" y="1982724"/>
-                    <a:pt x="633222" y="2073592"/>
-                  </a:cubicBezTo>
-                  <a:cubicBezTo>
-                    <a:pt x="579692" y="2218182"/>
-                    <a:pt x="499682" y="2351056"/>
-                    <a:pt x="404527" y="2472404"/>
-                  </a:cubicBezTo>
-                  <a:cubicBezTo>
-                    <a:pt x="266033" y="2648902"/>
-                    <a:pt x="179642" y="2732818"/>
-                    <a:pt x="0" y="2867501"/>
-                  </a:cubicBezTo>
-                </a:path>
-              </a:pathLst>
-            </a:custGeom>
-            <a:noFill/>
-            <a:ln w="9525" cap="rnd">
-              <a:solidFill>
-                <a:schemeClr val="accent2">
-                  <a:alpha val="75000"/>
-                </a:schemeClr>
-              </a:solidFill>
-              <a:prstDash val="lgDash"/>
-              <a:round/>
-            </a:ln>
-          </p:spPr>
-          <p:txBody>
-            <a:bodyPr rtlCol="0" anchor="ctr"/>
-            <a:lstStyle/>
-            <a:p>
-              <a:endParaRPr lang="en-US"/>
-            </a:p>
-          </p:txBody>
-        </p:sp>
-        <p:sp>
-          <p:nvSpPr>
-            <p:cNvPr id="23" name="Freeform: Shape 22">
-              <a:extLst>
-                <a:ext uri="{FF2B5EF4-FFF2-40B4-BE49-F238E27FC236}">
-                  <a16:creationId xmlns:a16="http://schemas.microsoft.com/office/drawing/2014/main" id="{F5CBEC6B-EDB6-40B8-8771-E5AF41B8D698}"/>
-                </a:ext>
-                <a:ext uri="{C183D7F6-B498-43B3-948B-1728B52AA6E4}">
-                  <adec:decorative xmlns:adec="http://schemas.microsoft.com/office/drawing/2017/decorative" val="1"/>
-                </a:ext>
-              </a:extLst>
-            </p:cNvPr>
-            <p:cNvSpPr/>
-            <p:nvPr>
-              <p:extLst>
-                <p:ext uri="{386F3935-93C4-4BCD-93E2-E3B085C9AB24}">
-                  <p16:designElem xmlns:p16="http://schemas.microsoft.com/office/powerpoint/2015/main" val="1"/>
-                </p:ext>
-              </p:extLst>
-            </p:nvPr>
-          </p:nvSpPr>
-          <p:spPr>
-            <a:xfrm>
-              <a:off x="4473129" y="1912731"/>
-              <a:ext cx="597294" cy="2543540"/>
-            </a:xfrm>
-            <a:custGeom>
-              <a:avLst/>
-              <a:gdLst>
-                <a:gd name="connsiteX0" fmla="*/ 16478 w 597294"/>
-                <a:gd name="connsiteY0" fmla="*/ 2079 h 2543540"/>
-                <a:gd name="connsiteX1" fmla="*/ 299847 w 597294"/>
-                <a:gd name="connsiteY1" fmla="*/ 53991 h 2543540"/>
-                <a:gd name="connsiteX2" fmla="*/ 503206 w 597294"/>
-                <a:gd name="connsiteY2" fmla="*/ 291354 h 2543540"/>
-                <a:gd name="connsiteX3" fmla="*/ 525113 w 597294"/>
-                <a:gd name="connsiteY3" fmla="*/ 724265 h 2543540"/>
-                <a:gd name="connsiteX4" fmla="*/ 578930 w 597294"/>
-                <a:gd name="connsiteY4" fmla="*/ 1117267 h 2543540"/>
-                <a:gd name="connsiteX5" fmla="*/ 592931 w 597294"/>
-                <a:gd name="connsiteY5" fmla="*/ 1476359 h 2543540"/>
-                <a:gd name="connsiteX6" fmla="*/ 503206 w 597294"/>
-                <a:gd name="connsiteY6" fmla="*/ 1859359 h 2543540"/>
-                <a:gd name="connsiteX7" fmla="*/ 291846 w 597294"/>
-                <a:gd name="connsiteY7" fmla="*/ 2250361 h 2543540"/>
-                <a:gd name="connsiteX8" fmla="*/ 0 w 597294"/>
-                <a:gd name="connsiteY8" fmla="*/ 2543540 h 2543540"/>
-              </a:gdLst>
-              <a:ahLst/>
-              <a:cxnLst>
-                <a:cxn ang="0">
-                  <a:pos x="connsiteX0" y="connsiteY0"/>
-                </a:cxn>
-                <a:cxn ang="0">
-                  <a:pos x="connsiteX1" y="connsiteY1"/>
-                </a:cxn>
-                <a:cxn ang="0">
-                  <a:pos x="connsiteX2" y="connsiteY2"/>
-                </a:cxn>
-                <a:cxn ang="0">
-                  <a:pos x="connsiteX3" y="connsiteY3"/>
-                </a:cxn>
-                <a:cxn ang="0">
-                  <a:pos x="connsiteX4" y="connsiteY4"/>
-                </a:cxn>
-                <a:cxn ang="0">
-                  <a:pos x="connsiteX5" y="connsiteY5"/>
-                </a:cxn>
-                <a:cxn ang="0">
-                  <a:pos x="connsiteX6" y="connsiteY6"/>
-                </a:cxn>
-                <a:cxn ang="0">
-                  <a:pos x="connsiteX7" y="connsiteY7"/>
-                </a:cxn>
-                <a:cxn ang="0">
-                  <a:pos x="connsiteX8" y="connsiteY8"/>
-                </a:cxn>
-              </a:cxnLst>
-              <a:rect l="l" t="t" r="r" b="b"/>
-              <a:pathLst>
-                <a:path w="597294" h="2543540">
-                  <a:moveTo>
-                    <a:pt x="16478" y="2079"/>
-                  </a:moveTo>
-                  <a:cubicBezTo>
-                    <a:pt x="101441" y="-6684"/>
-                    <a:pt x="224885" y="12557"/>
-                    <a:pt x="299847" y="53991"/>
-                  </a:cubicBezTo>
-                  <a:cubicBezTo>
-                    <a:pt x="394240" y="106092"/>
-                    <a:pt x="468440" y="189341"/>
-                    <a:pt x="503206" y="291354"/>
-                  </a:cubicBezTo>
-                  <a:cubicBezTo>
-                    <a:pt x="550069" y="429085"/>
-                    <a:pt x="520827" y="577770"/>
-                    <a:pt x="525113" y="724265"/>
-                  </a:cubicBezTo>
-                  <a:cubicBezTo>
-                    <a:pt x="529019" y="856472"/>
-                    <a:pt x="561118" y="986012"/>
-                    <a:pt x="578930" y="1117267"/>
-                  </a:cubicBezTo>
-                  <a:cubicBezTo>
-                    <a:pt x="595122" y="1236234"/>
-                    <a:pt x="602742" y="1356630"/>
-                    <a:pt x="592931" y="1476359"/>
-                  </a:cubicBezTo>
-                  <a:cubicBezTo>
-                    <a:pt x="582073" y="1607709"/>
-                    <a:pt x="549783" y="1736011"/>
-                    <a:pt x="503206" y="1859359"/>
-                  </a:cubicBezTo>
-                  <a:cubicBezTo>
-                    <a:pt x="450628" y="1998710"/>
-                    <a:pt x="383857" y="2133298"/>
-                    <a:pt x="291846" y="2250361"/>
-                  </a:cubicBezTo>
-                  <a:cubicBezTo>
-                    <a:pt x="231553" y="2327132"/>
-                    <a:pt x="73819" y="2479532"/>
-                    <a:pt x="0" y="2543540"/>
-                  </a:cubicBezTo>
-                </a:path>
-              </a:pathLst>
-            </a:custGeom>
-            <a:noFill/>
-            <a:ln w="9525" cap="rnd">
-              <a:solidFill>
-                <a:schemeClr val="accent2">
-                  <a:alpha val="75000"/>
-                </a:schemeClr>
-              </a:solidFill>
-              <a:prstDash val="lgDash"/>
-              <a:round/>
-            </a:ln>
-          </p:spPr>
-          <p:txBody>
-            <a:bodyPr rtlCol="0" anchor="ctr"/>
-            <a:lstStyle/>
-            <a:p>
-              <a:endParaRPr lang="en-US"/>
-            </a:p>
-          </p:txBody>
-        </p:sp>
-        <p:sp>
-          <p:nvSpPr>
-            <p:cNvPr id="24" name="Freeform: Shape 23">
-              <a:extLst>
-                <a:ext uri="{FF2B5EF4-FFF2-40B4-BE49-F238E27FC236}">
-                  <a16:creationId xmlns:a16="http://schemas.microsoft.com/office/drawing/2014/main" id="{91BD0EE8-AA47-4044-9251-9F5A4B820120}"/>
-                </a:ext>
-                <a:ext uri="{C183D7F6-B498-43B3-948B-1728B52AA6E4}">
-                  <adec:decorative xmlns:adec="http://schemas.microsoft.com/office/drawing/2017/decorative" val="1"/>
-                </a:ext>
-              </a:extLst>
-            </p:cNvPr>
-            <p:cNvSpPr/>
-            <p:nvPr>
-              <p:extLst>
-                <p:ext uri="{386F3935-93C4-4BCD-93E2-E3B085C9AB24}">
-                  <p16:designElem xmlns:p16="http://schemas.microsoft.com/office/powerpoint/2015/main" val="1"/>
-                </p:ext>
-              </p:extLst>
-            </p:nvPr>
-          </p:nvSpPr>
-          <p:spPr>
-            <a:xfrm>
-              <a:off x="4491417" y="2227197"/>
-              <a:ext cx="389425" cy="2011236"/>
-            </a:xfrm>
-            <a:custGeom>
-              <a:avLst/>
-              <a:gdLst>
-                <a:gd name="connsiteX0" fmla="*/ 0 w 389425"/>
-                <a:gd name="connsiteY0" fmla="*/ 33 h 2011236"/>
-                <a:gd name="connsiteX1" fmla="*/ 171260 w 389425"/>
-                <a:gd name="connsiteY1" fmla="*/ 60326 h 2011236"/>
-                <a:gd name="connsiteX2" fmla="*/ 211455 w 389425"/>
-                <a:gd name="connsiteY2" fmla="*/ 221204 h 2011236"/>
-                <a:gd name="connsiteX3" fmla="*/ 243078 w 389425"/>
-                <a:gd name="connsiteY3" fmla="*/ 448089 h 2011236"/>
-                <a:gd name="connsiteX4" fmla="*/ 346424 w 389425"/>
-                <a:gd name="connsiteY4" fmla="*/ 789941 h 2011236"/>
-                <a:gd name="connsiteX5" fmla="*/ 372237 w 389425"/>
-                <a:gd name="connsiteY5" fmla="*/ 942151 h 2011236"/>
-                <a:gd name="connsiteX6" fmla="*/ 386620 w 389425"/>
-                <a:gd name="connsiteY6" fmla="*/ 1272478 h 2011236"/>
-                <a:gd name="connsiteX7" fmla="*/ 280416 w 389425"/>
-                <a:gd name="connsiteY7" fmla="*/ 1660241 h 2011236"/>
-                <a:gd name="connsiteX8" fmla="*/ 151257 w 389425"/>
-                <a:gd name="connsiteY8" fmla="*/ 1844073 h 2011236"/>
-                <a:gd name="connsiteX9" fmla="*/ 1905 w 389425"/>
-                <a:gd name="connsiteY9" fmla="*/ 2011237 h 2011236"/>
-              </a:gdLst>
-              <a:ahLst/>
-              <a:cxnLst>
-                <a:cxn ang="0">
-                  <a:pos x="connsiteX0" y="connsiteY0"/>
-                </a:cxn>
-                <a:cxn ang="0">
-                  <a:pos x="connsiteX1" y="connsiteY1"/>
-                </a:cxn>
-                <a:cxn ang="0">
-                  <a:pos x="connsiteX2" y="connsiteY2"/>
-                </a:cxn>
-                <a:cxn ang="0">
-                  <a:pos x="connsiteX3" y="connsiteY3"/>
-                </a:cxn>
-                <a:cxn ang="0">
-                  <a:pos x="connsiteX4" y="connsiteY4"/>
-                </a:cxn>
-                <a:cxn ang="0">
-                  <a:pos x="connsiteX5" y="connsiteY5"/>
-                </a:cxn>
-                <a:cxn ang="0">
-                  <a:pos x="connsiteX6" y="connsiteY6"/>
-                </a:cxn>
-                <a:cxn ang="0">
-                  <a:pos x="connsiteX7" y="connsiteY7"/>
-                </a:cxn>
-                <a:cxn ang="0">
-                  <a:pos x="connsiteX8" y="connsiteY8"/>
-                </a:cxn>
-                <a:cxn ang="0">
-                  <a:pos x="connsiteX9" y="connsiteY9"/>
-                </a:cxn>
-              </a:cxnLst>
-              <a:rect l="l" t="t" r="r" b="b"/>
-              <a:pathLst>
-                <a:path w="389425" h="2011236">
-                  <a:moveTo>
-                    <a:pt x="0" y="33"/>
-                  </a:moveTo>
-                  <a:cubicBezTo>
-                    <a:pt x="57912" y="-824"/>
-                    <a:pt x="136112" y="14892"/>
-                    <a:pt x="171260" y="60326"/>
-                  </a:cubicBezTo>
-                  <a:cubicBezTo>
-                    <a:pt x="205645" y="104903"/>
-                    <a:pt x="207740" y="164244"/>
-                    <a:pt x="211455" y="221204"/>
-                  </a:cubicBezTo>
-                  <a:cubicBezTo>
-                    <a:pt x="216408" y="297594"/>
-                    <a:pt x="225838" y="373604"/>
-                    <a:pt x="243078" y="448089"/>
-                  </a:cubicBezTo>
-                  <a:cubicBezTo>
-                    <a:pt x="269939" y="564199"/>
-                    <a:pt x="319183" y="673927"/>
-                    <a:pt x="346424" y="789941"/>
-                  </a:cubicBezTo>
-                  <a:cubicBezTo>
-                    <a:pt x="358235" y="840043"/>
-                    <a:pt x="365951" y="891097"/>
-                    <a:pt x="372237" y="942151"/>
-                  </a:cubicBezTo>
-                  <a:cubicBezTo>
-                    <a:pt x="385858" y="1051784"/>
-                    <a:pt x="394049" y="1162274"/>
-                    <a:pt x="386620" y="1272478"/>
-                  </a:cubicBezTo>
-                  <a:cubicBezTo>
-                    <a:pt x="377476" y="1407828"/>
-                    <a:pt x="344996" y="1541178"/>
-                    <a:pt x="280416" y="1660241"/>
-                  </a:cubicBezTo>
-                  <a:cubicBezTo>
-                    <a:pt x="244602" y="1726249"/>
-                    <a:pt x="199358" y="1786352"/>
-                    <a:pt x="151257" y="1844073"/>
-                  </a:cubicBezTo>
-                  <a:cubicBezTo>
-                    <a:pt x="79534" y="1930084"/>
-                    <a:pt x="89345" y="1941419"/>
-                    <a:pt x="1905" y="2011237"/>
-                  </a:cubicBezTo>
-                </a:path>
-              </a:pathLst>
-            </a:custGeom>
-            <a:noFill/>
-            <a:ln w="9525" cap="rnd">
-              <a:solidFill>
-                <a:schemeClr val="accent2">
-                  <a:alpha val="75000"/>
-                </a:schemeClr>
-              </a:solidFill>
-              <a:prstDash val="lgDash"/>
-              <a:round/>
-            </a:ln>
-          </p:spPr>
-          <p:txBody>
-            <a:bodyPr rtlCol="0" anchor="ctr"/>
-            <a:lstStyle/>
-            <a:p>
-              <a:endParaRPr lang="en-US" dirty="0"/>
-            </a:p>
-          </p:txBody>
-        </p:sp>
-      </p:grpSp>
-      <p:grpSp>
-        <p:nvGrpSpPr>
-          <p:cNvPr id="26" name="Graphic 157">
-            <a:extLst>
-              <a:ext uri="{FF2B5EF4-FFF2-40B4-BE49-F238E27FC236}">
-                <a16:creationId xmlns:a16="http://schemas.microsoft.com/office/drawing/2014/main" id="{C3279E8D-2BAA-4CB1-834B-09FADD54DE56}"/>
-              </a:ext>
-              <a:ext uri="{C183D7F6-B498-43B3-948B-1728B52AA6E4}">
-                <adec:decorative xmlns:adec="http://schemas.microsoft.com/office/drawing/2017/decorative" val="1"/>
-              </a:ext>
-            </a:extLst>
-          </p:cNvPr>
-          <p:cNvGrpSpPr>
-            <a:grpSpLocks noGrp="1" noUngrp="1" noRot="1" noChangeAspect="1" noMove="1" noResize="1"/>
-          </p:cNvGrpSpPr>
-          <p:nvPr>
-            <p:extLst>
-              <p:ext uri="{386F3935-93C4-4BCD-93E2-E3B085C9AB24}">
-                <p16:designElem xmlns:p16="http://schemas.microsoft.com/office/powerpoint/2015/main" val="1"/>
-              </p:ext>
-            </p:extLst>
-          </p:nvPr>
-        </p:nvGrpSpPr>
-        <p:grpSpPr>
-          <a:xfrm>
-            <a:off x="8610600" y="3276600"/>
-            <a:ext cx="3529260" cy="3581398"/>
-            <a:chOff x="4114800" y="1423987"/>
-            <a:chExt cx="3961542" cy="4007547"/>
-          </a:xfrm>
-          <a:noFill/>
-        </p:grpSpPr>
-        <p:sp>
-          <p:nvSpPr>
-            <p:cNvPr id="27" name="Freeform: Shape 26">
-              <a:extLst>
-                <a:ext uri="{FF2B5EF4-FFF2-40B4-BE49-F238E27FC236}">
-                  <a16:creationId xmlns:a16="http://schemas.microsoft.com/office/drawing/2014/main" id="{3456F18E-4F61-486D-9CD6-65B30372C534}"/>
-                </a:ext>
-                <a:ext uri="{C183D7F6-B498-43B3-948B-1728B52AA6E4}">
-                  <adec:decorative xmlns:adec="http://schemas.microsoft.com/office/drawing/2017/decorative" val="1"/>
-                </a:ext>
-              </a:extLst>
-            </p:cNvPr>
-            <p:cNvSpPr/>
-            <p:nvPr>
-              <p:extLst>
-                <p:ext uri="{386F3935-93C4-4BCD-93E2-E3B085C9AB24}">
-                  <p16:designElem xmlns:p16="http://schemas.microsoft.com/office/powerpoint/2015/main" val="1"/>
-                </p:ext>
-              </p:extLst>
-            </p:nvPr>
-          </p:nvSpPr>
-          <p:spPr>
-            <a:xfrm>
-              <a:off x="4114800" y="1423987"/>
-              <a:ext cx="3946874" cy="3989641"/>
-            </a:xfrm>
-            <a:custGeom>
-              <a:avLst/>
-              <a:gdLst>
-                <a:gd name="connsiteX0" fmla="*/ 0 w 3946874"/>
-                <a:gd name="connsiteY0" fmla="*/ 3989641 h 3989641"/>
-                <a:gd name="connsiteX1" fmla="*/ 79439 w 3946874"/>
-                <a:gd name="connsiteY1" fmla="*/ 3891153 h 3989641"/>
-                <a:gd name="connsiteX2" fmla="*/ 297371 w 3946874"/>
-                <a:gd name="connsiteY2" fmla="*/ 3626930 h 3989641"/>
-                <a:gd name="connsiteX3" fmla="*/ 454343 w 3946874"/>
-                <a:gd name="connsiteY3" fmla="*/ 3440335 h 3989641"/>
-                <a:gd name="connsiteX4" fmla="*/ 622363 w 3946874"/>
-                <a:gd name="connsiteY4" fmla="*/ 3290697 h 3989641"/>
-                <a:gd name="connsiteX5" fmla="*/ 927068 w 3946874"/>
-                <a:gd name="connsiteY5" fmla="*/ 3087434 h 3989641"/>
-                <a:gd name="connsiteX6" fmla="*/ 1176338 w 3946874"/>
-                <a:gd name="connsiteY6" fmla="*/ 2915603 h 3989641"/>
-                <a:gd name="connsiteX7" fmla="*/ 1394270 w 3946874"/>
-                <a:gd name="connsiteY7" fmla="*/ 2780729 h 3989641"/>
-                <a:gd name="connsiteX8" fmla="*/ 1601057 w 3946874"/>
-                <a:gd name="connsiteY8" fmla="*/ 2723483 h 3989641"/>
-                <a:gd name="connsiteX9" fmla="*/ 1756220 w 3946874"/>
-                <a:gd name="connsiteY9" fmla="*/ 2743772 h 3989641"/>
-                <a:gd name="connsiteX10" fmla="*/ 1889189 w 3946874"/>
-                <a:gd name="connsiteY10" fmla="*/ 2765965 h 3989641"/>
-                <a:gd name="connsiteX11" fmla="*/ 2007394 w 3946874"/>
-                <a:gd name="connsiteY11" fmla="*/ 2765965 h 3989641"/>
-                <a:gd name="connsiteX12" fmla="*/ 2184654 w 3946874"/>
-                <a:gd name="connsiteY12" fmla="*/ 2671763 h 3989641"/>
-                <a:gd name="connsiteX13" fmla="*/ 2372773 w 3946874"/>
-                <a:gd name="connsiteY13" fmla="*/ 2538984 h 3989641"/>
-                <a:gd name="connsiteX14" fmla="*/ 2439543 w 3946874"/>
-                <a:gd name="connsiteY14" fmla="*/ 2510504 h 3989641"/>
-                <a:gd name="connsiteX15" fmla="*/ 2650617 w 3946874"/>
-                <a:gd name="connsiteY15" fmla="*/ 2434781 h 3989641"/>
-                <a:gd name="connsiteX16" fmla="*/ 2785110 w 3946874"/>
-                <a:gd name="connsiteY16" fmla="*/ 2383060 h 3989641"/>
-                <a:gd name="connsiteX17" fmla="*/ 2897315 w 3946874"/>
-                <a:gd name="connsiteY17" fmla="*/ 2318861 h 3989641"/>
-                <a:gd name="connsiteX18" fmla="*/ 2997994 w 3946874"/>
-                <a:gd name="connsiteY18" fmla="*/ 2226183 h 3989641"/>
-                <a:gd name="connsiteX19" fmla="*/ 3061240 w 3946874"/>
-                <a:gd name="connsiteY19" fmla="*/ 2141506 h 3989641"/>
-                <a:gd name="connsiteX20" fmla="*/ 3152108 w 3946874"/>
-                <a:gd name="connsiteY20" fmla="*/ 2005203 h 3989641"/>
-                <a:gd name="connsiteX21" fmla="*/ 3274124 w 3946874"/>
-                <a:gd name="connsiteY21" fmla="*/ 1871567 h 3989641"/>
-                <a:gd name="connsiteX22" fmla="*/ 3388138 w 3946874"/>
-                <a:gd name="connsiteY22" fmla="*/ 1770888 h 3989641"/>
-                <a:gd name="connsiteX23" fmla="*/ 3466529 w 3946874"/>
-                <a:gd name="connsiteY23" fmla="*/ 1679162 h 3989641"/>
-                <a:gd name="connsiteX24" fmla="*/ 3538633 w 3946874"/>
-                <a:gd name="connsiteY24" fmla="*/ 1551718 h 3989641"/>
-                <a:gd name="connsiteX25" fmla="*/ 3588544 w 3946874"/>
-                <a:gd name="connsiteY25" fmla="*/ 1376172 h 3989641"/>
-                <a:gd name="connsiteX26" fmla="*/ 3597402 w 3946874"/>
-                <a:gd name="connsiteY26" fmla="*/ 1293305 h 3989641"/>
-                <a:gd name="connsiteX27" fmla="*/ 3721227 w 3946874"/>
-                <a:gd name="connsiteY27" fmla="*/ 880491 h 3989641"/>
-                <a:gd name="connsiteX28" fmla="*/ 3761137 w 3946874"/>
-                <a:gd name="connsiteY28" fmla="*/ 463677 h 3989641"/>
-                <a:gd name="connsiteX29" fmla="*/ 3946874 w 3946874"/>
-                <a:gd name="connsiteY29" fmla="*/ 0 h 3989641"/>
-              </a:gdLst>
-              <a:ahLst/>
-              <a:cxnLst>
-                <a:cxn ang="0">
-                  <a:pos x="connsiteX0" y="connsiteY0"/>
-                </a:cxn>
-                <a:cxn ang="0">
-                  <a:pos x="connsiteX1" y="connsiteY1"/>
-                </a:cxn>
-                <a:cxn ang="0">
-                  <a:pos x="connsiteX2" y="connsiteY2"/>
-                </a:cxn>
-                <a:cxn ang="0">
-                  <a:pos x="connsiteX3" y="connsiteY3"/>
-                </a:cxn>
-                <a:cxn ang="0">
-                  <a:pos x="connsiteX4" y="connsiteY4"/>
-                </a:cxn>
-                <a:cxn ang="0">
-                  <a:pos x="connsiteX5" y="connsiteY5"/>
-                </a:cxn>
-                <a:cxn ang="0">
-                  <a:pos x="connsiteX6" y="connsiteY6"/>
-                </a:cxn>
-                <a:cxn ang="0">
-                  <a:pos x="connsiteX7" y="connsiteY7"/>
-                </a:cxn>
-                <a:cxn ang="0">
-                  <a:pos x="connsiteX8" y="connsiteY8"/>
-                </a:cxn>
-                <a:cxn ang="0">
-                  <a:pos x="connsiteX9" y="connsiteY9"/>
-                </a:cxn>
-                <a:cxn ang="0">
-                  <a:pos x="connsiteX10" y="connsiteY10"/>
-                </a:cxn>
-                <a:cxn ang="0">
-                  <a:pos x="connsiteX11" y="connsiteY11"/>
-                </a:cxn>
-                <a:cxn ang="0">
-                  <a:pos x="connsiteX12" y="connsiteY12"/>
-                </a:cxn>
-                <a:cxn ang="0">
-                  <a:pos x="connsiteX13" y="connsiteY13"/>
-                </a:cxn>
-                <a:cxn ang="0">
-                  <a:pos x="connsiteX14" y="connsiteY14"/>
-                </a:cxn>
-                <a:cxn ang="0">
-                  <a:pos x="connsiteX15" y="connsiteY15"/>
-                </a:cxn>
-                <a:cxn ang="0">
-                  <a:pos x="connsiteX16" y="connsiteY16"/>
-                </a:cxn>
-                <a:cxn ang="0">
-                  <a:pos x="connsiteX17" y="connsiteY17"/>
-                </a:cxn>
-                <a:cxn ang="0">
-                  <a:pos x="connsiteX18" y="connsiteY18"/>
-                </a:cxn>
-                <a:cxn ang="0">
-                  <a:pos x="connsiteX19" y="connsiteY19"/>
-                </a:cxn>
-                <a:cxn ang="0">
-                  <a:pos x="connsiteX20" y="connsiteY20"/>
-                </a:cxn>
-                <a:cxn ang="0">
-                  <a:pos x="connsiteX21" y="connsiteY21"/>
-                </a:cxn>
-                <a:cxn ang="0">
-                  <a:pos x="connsiteX22" y="connsiteY22"/>
-                </a:cxn>
-                <a:cxn ang="0">
-                  <a:pos x="connsiteX23" y="connsiteY23"/>
-                </a:cxn>
-                <a:cxn ang="0">
-                  <a:pos x="connsiteX24" y="connsiteY24"/>
-                </a:cxn>
-                <a:cxn ang="0">
-                  <a:pos x="connsiteX25" y="connsiteY25"/>
-                </a:cxn>
-                <a:cxn ang="0">
-                  <a:pos x="connsiteX26" y="connsiteY26"/>
-                </a:cxn>
-                <a:cxn ang="0">
-                  <a:pos x="connsiteX27" y="connsiteY27"/>
-                </a:cxn>
-                <a:cxn ang="0">
-                  <a:pos x="connsiteX28" y="connsiteY28"/>
-                </a:cxn>
-                <a:cxn ang="0">
-                  <a:pos x="connsiteX29" y="connsiteY29"/>
-                </a:cxn>
-              </a:cxnLst>
-              <a:rect l="l" t="t" r="r" b="b"/>
-              <a:pathLst>
-                <a:path w="3946874" h="3989641">
-                  <a:moveTo>
-                    <a:pt x="0" y="3989641"/>
-                  </a:moveTo>
-                  <a:cubicBezTo>
-                    <a:pt x="19050" y="3957257"/>
-                    <a:pt x="50959" y="3916013"/>
-                    <a:pt x="79439" y="3891153"/>
-                  </a:cubicBezTo>
-                  <a:cubicBezTo>
-                    <a:pt x="165544" y="3815906"/>
-                    <a:pt x="227933" y="3717989"/>
-                    <a:pt x="297371" y="3626930"/>
-                  </a:cubicBezTo>
-                  <a:cubicBezTo>
-                    <a:pt x="346615" y="3562255"/>
-                    <a:pt x="398050" y="3499009"/>
-                    <a:pt x="454343" y="3440335"/>
-                  </a:cubicBezTo>
-                  <a:cubicBezTo>
-                    <a:pt x="506349" y="3386042"/>
-                    <a:pt x="562642" y="3336227"/>
-                    <a:pt x="622363" y="3290697"/>
-                  </a:cubicBezTo>
-                  <a:cubicBezTo>
-                    <a:pt x="719519" y="3216688"/>
-                    <a:pt x="824960" y="3154585"/>
-                    <a:pt x="927068" y="3087434"/>
-                  </a:cubicBezTo>
-                  <a:cubicBezTo>
-                    <a:pt x="1011365" y="3031998"/>
-                    <a:pt x="1093565" y="2973324"/>
-                    <a:pt x="1176338" y="2915603"/>
-                  </a:cubicBezTo>
-                  <a:cubicBezTo>
-                    <a:pt x="1246537" y="2866644"/>
-                    <a:pt x="1317308" y="2818066"/>
-                    <a:pt x="1394270" y="2780729"/>
-                  </a:cubicBezTo>
-                  <a:cubicBezTo>
-                    <a:pt x="1459421" y="2749106"/>
-                    <a:pt x="1528763" y="2724436"/>
-                    <a:pt x="1601057" y="2723483"/>
-                  </a:cubicBezTo>
-                  <a:cubicBezTo>
-                    <a:pt x="1653350" y="2722721"/>
-                    <a:pt x="1704785" y="2733485"/>
-                    <a:pt x="1756220" y="2743772"/>
-                  </a:cubicBezTo>
-                  <a:cubicBezTo>
-                    <a:pt x="1800320" y="2752630"/>
-                    <a:pt x="1844612" y="2760250"/>
-                    <a:pt x="1889189" y="2765965"/>
-                  </a:cubicBezTo>
-                  <a:cubicBezTo>
-                    <a:pt x="1928622" y="2771013"/>
-                    <a:pt x="1968437" y="2773299"/>
-                    <a:pt x="2007394" y="2765965"/>
-                  </a:cubicBezTo>
-                  <a:cubicBezTo>
-                    <a:pt x="2073878" y="2753487"/>
-                    <a:pt x="2130647" y="2712911"/>
-                    <a:pt x="2184654" y="2671763"/>
-                  </a:cubicBezTo>
-                  <a:cubicBezTo>
-                    <a:pt x="2245900" y="2625090"/>
-                    <a:pt x="2304002" y="2573465"/>
-                    <a:pt x="2372773" y="2538984"/>
-                  </a:cubicBezTo>
-                  <a:cubicBezTo>
-                    <a:pt x="2394395" y="2528126"/>
-                    <a:pt x="2416874" y="2518982"/>
-                    <a:pt x="2439543" y="2510504"/>
-                  </a:cubicBezTo>
-                  <a:cubicBezTo>
-                    <a:pt x="2509552" y="2484215"/>
-                    <a:pt x="2580037" y="2459450"/>
-                    <a:pt x="2650617" y="2434781"/>
-                  </a:cubicBezTo>
-                  <a:cubicBezTo>
-                    <a:pt x="2695956" y="2418874"/>
-                    <a:pt x="2741295" y="2402872"/>
-                    <a:pt x="2785110" y="2383060"/>
-                  </a:cubicBezTo>
-                  <a:cubicBezTo>
-                    <a:pt x="2824448" y="2365248"/>
-                    <a:pt x="2862358" y="2344198"/>
-                    <a:pt x="2897315" y="2318861"/>
-                  </a:cubicBezTo>
-                  <a:cubicBezTo>
-                    <a:pt x="2934367" y="2292096"/>
-                    <a:pt x="2968085" y="2260854"/>
-                    <a:pt x="2997994" y="2226183"/>
-                  </a:cubicBezTo>
-                  <a:cubicBezTo>
-                    <a:pt x="3020949" y="2199513"/>
-                    <a:pt x="3041714" y="2170938"/>
-                    <a:pt x="3061240" y="2141506"/>
-                  </a:cubicBezTo>
-                  <a:cubicBezTo>
-                    <a:pt x="3091529" y="2095976"/>
-                    <a:pt x="3119533" y="2049018"/>
-                    <a:pt x="3152108" y="2005203"/>
-                  </a:cubicBezTo>
-                  <a:cubicBezTo>
-                    <a:pt x="3188113" y="1956626"/>
-                    <a:pt x="3229261" y="1912144"/>
-                    <a:pt x="3274124" y="1871567"/>
-                  </a:cubicBezTo>
-                  <a:cubicBezTo>
-                    <a:pt x="3311747" y="1837563"/>
-                    <a:pt x="3351848" y="1806321"/>
-                    <a:pt x="3388138" y="1770888"/>
-                  </a:cubicBezTo>
-                  <a:cubicBezTo>
-                    <a:pt x="3416999" y="1742694"/>
-                    <a:pt x="3443002" y="1711833"/>
-                    <a:pt x="3466529" y="1679162"/>
-                  </a:cubicBezTo>
-                  <a:cubicBezTo>
-                    <a:pt x="3495008" y="1639348"/>
-                    <a:pt x="3519392" y="1596771"/>
-                    <a:pt x="3538633" y="1551718"/>
-                  </a:cubicBezTo>
-                  <a:cubicBezTo>
-                    <a:pt x="3562731" y="1495616"/>
-                    <a:pt x="3578924" y="1436465"/>
-                    <a:pt x="3588544" y="1376172"/>
-                  </a:cubicBezTo>
-                  <a:cubicBezTo>
-                    <a:pt x="3592925" y="1348740"/>
-                    <a:pt x="3595688" y="1321022"/>
-                    <a:pt x="3597402" y="1293305"/>
-                  </a:cubicBezTo>
-                  <a:cubicBezTo>
-                    <a:pt x="3605974" y="1155859"/>
-                    <a:pt x="3717703" y="1018127"/>
-                    <a:pt x="3721227" y="880491"/>
-                  </a:cubicBezTo>
-                  <a:cubicBezTo>
-                    <a:pt x="3724751" y="740855"/>
-                    <a:pt x="3743135" y="602171"/>
-                    <a:pt x="3761137" y="463677"/>
-                  </a:cubicBezTo>
-                  <a:cubicBezTo>
-                    <a:pt x="3776186" y="347758"/>
-                    <a:pt x="3934968" y="116205"/>
-                    <a:pt x="3946874" y="0"/>
-                  </a:cubicBezTo>
-                </a:path>
-              </a:pathLst>
-            </a:custGeom>
-            <a:noFill/>
-            <a:ln w="9525" cap="rnd">
-              <a:solidFill>
-                <a:schemeClr val="accent2">
-                  <a:alpha val="75000"/>
-                </a:schemeClr>
-              </a:solidFill>
-              <a:prstDash val="lgDash"/>
-              <a:round/>
-            </a:ln>
-          </p:spPr>
-          <p:txBody>
-            <a:bodyPr rtlCol="0" anchor="ctr"/>
-            <a:lstStyle/>
-            <a:p>
-              <a:endParaRPr lang="en-US"/>
-            </a:p>
-          </p:txBody>
-        </p:sp>
-        <p:sp>
-          <p:nvSpPr>
-            <p:cNvPr id="28" name="Freeform: Shape 27">
-              <a:extLst>
-                <a:ext uri="{FF2B5EF4-FFF2-40B4-BE49-F238E27FC236}">
-                  <a16:creationId xmlns:a16="http://schemas.microsoft.com/office/drawing/2014/main" id="{318DDF45-08F0-46B6-A0B7-133735C94F47}"/>
-                </a:ext>
-                <a:ext uri="{C183D7F6-B498-43B3-948B-1728B52AA6E4}">
-                  <adec:decorative xmlns:adec="http://schemas.microsoft.com/office/drawing/2017/decorative" val="1"/>
-                </a:ext>
-              </a:extLst>
-            </p:cNvPr>
-            <p:cNvSpPr/>
-            <p:nvPr>
-              <p:extLst>
-                <p:ext uri="{386F3935-93C4-4BCD-93E2-E3B085C9AB24}">
-                  <p16:designElem xmlns:p16="http://schemas.microsoft.com/office/powerpoint/2015/main" val="1"/>
-                </p:ext>
-              </p:extLst>
-            </p:nvPr>
-          </p:nvSpPr>
-          <p:spPr>
-            <a:xfrm>
-              <a:off x="4395978" y="2441733"/>
-              <a:ext cx="3665410" cy="2985611"/>
-            </a:xfrm>
-            <a:custGeom>
-              <a:avLst/>
-              <a:gdLst>
-                <a:gd name="connsiteX0" fmla="*/ 0 w 3665410"/>
-                <a:gd name="connsiteY0" fmla="*/ 2985611 h 2985611"/>
-                <a:gd name="connsiteX1" fmla="*/ 166211 w 3665410"/>
-                <a:gd name="connsiteY1" fmla="*/ 2699766 h 2985611"/>
-                <a:gd name="connsiteX2" fmla="*/ 397002 w 3665410"/>
-                <a:gd name="connsiteY2" fmla="*/ 2414969 h 2985611"/>
-                <a:gd name="connsiteX3" fmla="*/ 620173 w 3665410"/>
-                <a:gd name="connsiteY3" fmla="*/ 2237899 h 2985611"/>
-                <a:gd name="connsiteX4" fmla="*/ 823341 w 3665410"/>
-                <a:gd name="connsiteY4" fmla="*/ 2085499 h 2985611"/>
-                <a:gd name="connsiteX5" fmla="*/ 1089565 w 3665410"/>
-                <a:gd name="connsiteY5" fmla="*/ 1911477 h 2985611"/>
-                <a:gd name="connsiteX6" fmla="*/ 1145000 w 3665410"/>
-                <a:gd name="connsiteY6" fmla="*/ 1886807 h 2985611"/>
-                <a:gd name="connsiteX7" fmla="*/ 1375791 w 3665410"/>
-                <a:gd name="connsiteY7" fmla="*/ 1842135 h 2985611"/>
-                <a:gd name="connsiteX8" fmla="*/ 1486567 w 3665410"/>
-                <a:gd name="connsiteY8" fmla="*/ 1857566 h 2985611"/>
-                <a:gd name="connsiteX9" fmla="*/ 1568101 w 3665410"/>
-                <a:gd name="connsiteY9" fmla="*/ 1871377 h 2985611"/>
-                <a:gd name="connsiteX10" fmla="*/ 1810607 w 3665410"/>
-                <a:gd name="connsiteY10" fmla="*/ 1871377 h 2985611"/>
-                <a:gd name="connsiteX11" fmla="*/ 1997964 w 3665410"/>
-                <a:gd name="connsiteY11" fmla="*/ 1790605 h 2985611"/>
-                <a:gd name="connsiteX12" fmla="*/ 2109883 w 3665410"/>
-                <a:gd name="connsiteY12" fmla="*/ 1702784 h 2985611"/>
-                <a:gd name="connsiteX13" fmla="*/ 2321433 w 3665410"/>
-                <a:gd name="connsiteY13" fmla="*/ 1552384 h 2985611"/>
-                <a:gd name="connsiteX14" fmla="*/ 2558891 w 3665410"/>
-                <a:gd name="connsiteY14" fmla="*/ 1453420 h 2985611"/>
-                <a:gd name="connsiteX15" fmla="*/ 2709767 w 3665410"/>
-                <a:gd name="connsiteY15" fmla="*/ 1377887 h 2985611"/>
-                <a:gd name="connsiteX16" fmla="*/ 2885408 w 3665410"/>
-                <a:gd name="connsiteY16" fmla="*/ 1237393 h 2985611"/>
-                <a:gd name="connsiteX17" fmla="*/ 3017711 w 3665410"/>
-                <a:gd name="connsiteY17" fmla="*/ 1072229 h 2985611"/>
-                <a:gd name="connsiteX18" fmla="*/ 3150680 w 3665410"/>
-                <a:gd name="connsiteY18" fmla="*/ 921830 h 2985611"/>
-                <a:gd name="connsiteX19" fmla="*/ 3255169 w 3665410"/>
-                <a:gd name="connsiteY19" fmla="*/ 801815 h 2985611"/>
-                <a:gd name="connsiteX20" fmla="*/ 3339275 w 3665410"/>
-                <a:gd name="connsiteY20" fmla="*/ 694182 h 2985611"/>
-                <a:gd name="connsiteX21" fmla="*/ 3409188 w 3665410"/>
-                <a:gd name="connsiteY21" fmla="*/ 546926 h 2985611"/>
-                <a:gd name="connsiteX22" fmla="*/ 3464243 w 3665410"/>
-                <a:gd name="connsiteY22" fmla="*/ 347663 h 2985611"/>
-                <a:gd name="connsiteX23" fmla="*/ 3665411 w 3665410"/>
-                <a:gd name="connsiteY23" fmla="*/ 0 h 2985611"/>
-              </a:gdLst>
-              <a:ahLst/>
-              <a:cxnLst>
-                <a:cxn ang="0">
-                  <a:pos x="connsiteX0" y="connsiteY0"/>
-                </a:cxn>
-                <a:cxn ang="0">
-                  <a:pos x="connsiteX1" y="connsiteY1"/>
-                </a:cxn>
-                <a:cxn ang="0">
-                  <a:pos x="connsiteX2" y="connsiteY2"/>
-                </a:cxn>
-                <a:cxn ang="0">
-                  <a:pos x="connsiteX3" y="connsiteY3"/>
-                </a:cxn>
-                <a:cxn ang="0">
-                  <a:pos x="connsiteX4" y="connsiteY4"/>
-                </a:cxn>
-                <a:cxn ang="0">
-                  <a:pos x="connsiteX5" y="connsiteY5"/>
-                </a:cxn>
-                <a:cxn ang="0">
-                  <a:pos x="connsiteX6" y="connsiteY6"/>
-                </a:cxn>
-                <a:cxn ang="0">
-                  <a:pos x="connsiteX7" y="connsiteY7"/>
-                </a:cxn>
-                <a:cxn ang="0">
-                  <a:pos x="connsiteX8" y="connsiteY8"/>
-                </a:cxn>
-                <a:cxn ang="0">
-                  <a:pos x="connsiteX9" y="connsiteY9"/>
-                </a:cxn>
-                <a:cxn ang="0">
-                  <a:pos x="connsiteX10" y="connsiteY10"/>
-                </a:cxn>
-                <a:cxn ang="0">
-                  <a:pos x="connsiteX11" y="connsiteY11"/>
-                </a:cxn>
-                <a:cxn ang="0">
-                  <a:pos x="connsiteX12" y="connsiteY12"/>
-                </a:cxn>
-                <a:cxn ang="0">
-                  <a:pos x="connsiteX13" y="connsiteY13"/>
-                </a:cxn>
-                <a:cxn ang="0">
-                  <a:pos x="connsiteX14" y="connsiteY14"/>
-                </a:cxn>
-                <a:cxn ang="0">
-                  <a:pos x="connsiteX15" y="connsiteY15"/>
-                </a:cxn>
-                <a:cxn ang="0">
-                  <a:pos x="connsiteX16" y="connsiteY16"/>
-                </a:cxn>
-                <a:cxn ang="0">
-                  <a:pos x="connsiteX17" y="connsiteY17"/>
-                </a:cxn>
-                <a:cxn ang="0">
-                  <a:pos x="connsiteX18" y="connsiteY18"/>
-                </a:cxn>
-                <a:cxn ang="0">
-                  <a:pos x="connsiteX19" y="connsiteY19"/>
-                </a:cxn>
-                <a:cxn ang="0">
-                  <a:pos x="connsiteX20" y="connsiteY20"/>
-                </a:cxn>
-                <a:cxn ang="0">
-                  <a:pos x="connsiteX21" y="connsiteY21"/>
-                </a:cxn>
-                <a:cxn ang="0">
-                  <a:pos x="connsiteX22" y="connsiteY22"/>
-                </a:cxn>
-                <a:cxn ang="0">
-                  <a:pos x="connsiteX23" y="connsiteY23"/>
-                </a:cxn>
-              </a:cxnLst>
-              <a:rect l="l" t="t" r="r" b="b"/>
-              <a:pathLst>
-                <a:path w="3665410" h="2985611">
-                  <a:moveTo>
-                    <a:pt x="0" y="2985611"/>
-                  </a:moveTo>
-                  <a:cubicBezTo>
-                    <a:pt x="0" y="2985611"/>
-                    <a:pt x="86773" y="2802827"/>
-                    <a:pt x="166211" y="2699766"/>
-                  </a:cubicBezTo>
-                  <a:cubicBezTo>
-                    <a:pt x="240983" y="2602706"/>
-                    <a:pt x="309182" y="2500122"/>
-                    <a:pt x="397002" y="2414969"/>
-                  </a:cubicBezTo>
-                  <a:cubicBezTo>
-                    <a:pt x="465296" y="2348865"/>
-                    <a:pt x="543592" y="2294477"/>
-                    <a:pt x="620173" y="2237899"/>
-                  </a:cubicBezTo>
-                  <a:cubicBezTo>
-                    <a:pt x="688277" y="2187607"/>
-                    <a:pt x="755333" y="2135886"/>
-                    <a:pt x="823341" y="2085499"/>
-                  </a:cubicBezTo>
-                  <a:cubicBezTo>
-                    <a:pt x="908685" y="2022253"/>
-                    <a:pt x="994791" y="1959197"/>
-                    <a:pt x="1089565" y="1911477"/>
-                  </a:cubicBezTo>
-                  <a:cubicBezTo>
-                    <a:pt x="1107662" y="1902428"/>
-                    <a:pt x="1126141" y="1894141"/>
-                    <a:pt x="1145000" y="1886807"/>
-                  </a:cubicBezTo>
-                  <a:cubicBezTo>
-                    <a:pt x="1218819" y="1858232"/>
-                    <a:pt x="1296924" y="1838611"/>
-                    <a:pt x="1375791" y="1842135"/>
-                  </a:cubicBezTo>
-                  <a:cubicBezTo>
-                    <a:pt x="1413129" y="1843754"/>
-                    <a:pt x="1449896" y="1850422"/>
-                    <a:pt x="1486567" y="1857566"/>
-                  </a:cubicBezTo>
-                  <a:cubicBezTo>
-                    <a:pt x="1513618" y="1862804"/>
-                    <a:pt x="1540859" y="1867376"/>
-                    <a:pt x="1568101" y="1871377"/>
-                  </a:cubicBezTo>
-                  <a:cubicBezTo>
-                    <a:pt x="1648778" y="1883188"/>
-                    <a:pt x="1730978" y="1887665"/>
-                    <a:pt x="1810607" y="1871377"/>
-                  </a:cubicBezTo>
-                  <a:cubicBezTo>
-                    <a:pt x="1877854" y="1857661"/>
-                    <a:pt x="1941100" y="1829086"/>
-                    <a:pt x="1997964" y="1790605"/>
-                  </a:cubicBezTo>
-                  <a:cubicBezTo>
-                    <a:pt x="2037302" y="1764030"/>
-                    <a:pt x="2073497" y="1733264"/>
-                    <a:pt x="2109883" y="1702784"/>
-                  </a:cubicBezTo>
-                  <a:cubicBezTo>
-                    <a:pt x="2176367" y="1647063"/>
-                    <a:pt x="2244852" y="1593151"/>
-                    <a:pt x="2321433" y="1552384"/>
-                  </a:cubicBezTo>
-                  <a:cubicBezTo>
-                    <a:pt x="2397157" y="1512094"/>
-                    <a:pt x="2479548" y="1486281"/>
-                    <a:pt x="2558891" y="1453420"/>
-                  </a:cubicBezTo>
-                  <a:cubicBezTo>
-                    <a:pt x="2610898" y="1431798"/>
-                    <a:pt x="2661571" y="1407033"/>
-                    <a:pt x="2709767" y="1377887"/>
-                  </a:cubicBezTo>
-                  <a:cubicBezTo>
-                    <a:pt x="2774252" y="1338929"/>
-                    <a:pt x="2834069" y="1292447"/>
-                    <a:pt x="2885408" y="1237393"/>
-                  </a:cubicBezTo>
-                  <a:cubicBezTo>
-                    <a:pt x="2933605" y="1185767"/>
-                    <a:pt x="2973324" y="1127093"/>
-                    <a:pt x="3017711" y="1072229"/>
-                  </a:cubicBezTo>
-                  <a:cubicBezTo>
-                    <a:pt x="3059811" y="1020223"/>
-                    <a:pt x="3105912" y="971645"/>
-                    <a:pt x="3150680" y="921830"/>
-                  </a:cubicBezTo>
-                  <a:cubicBezTo>
-                    <a:pt x="3186113" y="882396"/>
-                    <a:pt x="3220593" y="842010"/>
-                    <a:pt x="3255169" y="801815"/>
-                  </a:cubicBezTo>
-                  <a:cubicBezTo>
-                    <a:pt x="3284887" y="767239"/>
-                    <a:pt x="3314605" y="732473"/>
-                    <a:pt x="3339275" y="694182"/>
-                  </a:cubicBezTo>
-                  <a:cubicBezTo>
-                    <a:pt x="3368707" y="648367"/>
-                    <a:pt x="3390138" y="597980"/>
-                    <a:pt x="3409188" y="546926"/>
-                  </a:cubicBezTo>
-                  <a:cubicBezTo>
-                    <a:pt x="3433382" y="482156"/>
-                    <a:pt x="3453384" y="415861"/>
-                    <a:pt x="3464243" y="347663"/>
-                  </a:cubicBezTo>
-                  <a:cubicBezTo>
-                    <a:pt x="3476244" y="272224"/>
-                    <a:pt x="3661696" y="76295"/>
-                    <a:pt x="3665411" y="0"/>
-                  </a:cubicBezTo>
-                </a:path>
-              </a:pathLst>
-            </a:custGeom>
-            <a:noFill/>
-            <a:ln w="9525" cap="rnd">
-              <a:solidFill>
-                <a:schemeClr val="accent2">
-                  <a:alpha val="75000"/>
-                </a:schemeClr>
-              </a:solidFill>
-              <a:prstDash val="lgDash"/>
-              <a:round/>
-            </a:ln>
-          </p:spPr>
-          <p:txBody>
-            <a:bodyPr rtlCol="0" anchor="ctr"/>
-            <a:lstStyle/>
-            <a:p>
-              <a:endParaRPr lang="en-US"/>
-            </a:p>
-          </p:txBody>
-        </p:sp>
-        <p:sp>
-          <p:nvSpPr>
-            <p:cNvPr id="29" name="Freeform: Shape 28">
-              <a:extLst>
-                <a:ext uri="{FF2B5EF4-FFF2-40B4-BE49-F238E27FC236}">
-                  <a16:creationId xmlns:a16="http://schemas.microsoft.com/office/drawing/2014/main" id="{B9D0CC0F-710D-43F4-BC86-763767420133}"/>
-                </a:ext>
-                <a:ext uri="{C183D7F6-B498-43B3-948B-1728B52AA6E4}">
-                  <adec:decorative xmlns:adec="http://schemas.microsoft.com/office/drawing/2017/decorative" val="1"/>
-                </a:ext>
-              </a:extLst>
-            </p:cNvPr>
-            <p:cNvSpPr/>
-            <p:nvPr>
-              <p:extLst>
-                <p:ext uri="{386F3935-93C4-4BCD-93E2-E3B085C9AB24}">
-                  <p16:designElem xmlns:p16="http://schemas.microsoft.com/office/powerpoint/2015/main" val="1"/>
-                </p:ext>
-              </p:extLst>
-            </p:nvPr>
-          </p:nvSpPr>
-          <p:spPr>
-            <a:xfrm>
-              <a:off x="7790402" y="5229700"/>
-              <a:ext cx="285940" cy="199072"/>
-            </a:xfrm>
-            <a:custGeom>
-              <a:avLst/>
-              <a:gdLst>
-                <a:gd name="connsiteX0" fmla="*/ 0 w 285940"/>
-                <a:gd name="connsiteY0" fmla="*/ 199073 h 199072"/>
-                <a:gd name="connsiteX1" fmla="*/ 285940 w 285940"/>
-                <a:gd name="connsiteY1" fmla="*/ 0 h 199072"/>
-              </a:gdLst>
-              <a:ahLst/>
-              <a:cxnLst>
-                <a:cxn ang="0">
-                  <a:pos x="connsiteX0" y="connsiteY0"/>
-                </a:cxn>
-                <a:cxn ang="0">
-                  <a:pos x="connsiteX1" y="connsiteY1"/>
-                </a:cxn>
-              </a:cxnLst>
-              <a:rect l="l" t="t" r="r" b="b"/>
-              <a:pathLst>
-                <a:path w="285940" h="199072">
-                  <a:moveTo>
-                    <a:pt x="0" y="199073"/>
-                  </a:moveTo>
-                  <a:cubicBezTo>
-                    <a:pt x="0" y="199073"/>
-                    <a:pt x="242125" y="39243"/>
-                    <a:pt x="285940" y="0"/>
-                  </a:cubicBezTo>
-                </a:path>
-              </a:pathLst>
-            </a:custGeom>
-            <a:noFill/>
-            <a:ln w="9525" cap="rnd">
-              <a:solidFill>
-                <a:schemeClr val="accent2">
-                  <a:alpha val="75000"/>
-                </a:schemeClr>
-              </a:solidFill>
-              <a:prstDash val="lgDash"/>
-              <a:round/>
-            </a:ln>
-          </p:spPr>
-          <p:txBody>
-            <a:bodyPr rtlCol="0" anchor="ctr"/>
-            <a:lstStyle/>
-            <a:p>
-              <a:endParaRPr lang="en-US"/>
-            </a:p>
-          </p:txBody>
-        </p:sp>
-        <p:sp>
-          <p:nvSpPr>
-            <p:cNvPr id="30" name="Freeform: Shape 29">
-              <a:extLst>
-                <a:ext uri="{FF2B5EF4-FFF2-40B4-BE49-F238E27FC236}">
-                  <a16:creationId xmlns:a16="http://schemas.microsoft.com/office/drawing/2014/main" id="{6FB36AB6-CB81-495A-8A33-C0BCE67D6F23}"/>
-                </a:ext>
-                <a:ext uri="{C183D7F6-B498-43B3-948B-1728B52AA6E4}">
-                  <adec:decorative xmlns:adec="http://schemas.microsoft.com/office/drawing/2017/decorative" val="1"/>
-                </a:ext>
-              </a:extLst>
-            </p:cNvPr>
-            <p:cNvSpPr/>
-            <p:nvPr>
-              <p:extLst>
-                <p:ext uri="{386F3935-93C4-4BCD-93E2-E3B085C9AB24}">
-                  <p16:designElem xmlns:p16="http://schemas.microsoft.com/office/powerpoint/2015/main" val="1"/>
-                </p:ext>
-              </p:extLst>
-            </p:nvPr>
-          </p:nvSpPr>
-          <p:spPr>
-            <a:xfrm>
-              <a:off x="7393114" y="5049773"/>
-              <a:ext cx="655796" cy="381190"/>
-            </a:xfrm>
-            <a:custGeom>
-              <a:avLst/>
-              <a:gdLst>
-                <a:gd name="connsiteX0" fmla="*/ 0 w 655796"/>
-                <a:gd name="connsiteY0" fmla="*/ 381190 h 381190"/>
-                <a:gd name="connsiteX1" fmla="*/ 655796 w 655796"/>
-                <a:gd name="connsiteY1" fmla="*/ 0 h 381190"/>
-              </a:gdLst>
-              <a:ahLst/>
-              <a:cxnLst>
-                <a:cxn ang="0">
-                  <a:pos x="connsiteX0" y="connsiteY0"/>
-                </a:cxn>
-                <a:cxn ang="0">
-                  <a:pos x="connsiteX1" y="connsiteY1"/>
-                </a:cxn>
-              </a:cxnLst>
-              <a:rect l="l" t="t" r="r" b="b"/>
-              <a:pathLst>
-                <a:path w="655796" h="381190">
-                  <a:moveTo>
-                    <a:pt x="0" y="381190"/>
-                  </a:moveTo>
-                  <a:cubicBezTo>
-                    <a:pt x="0" y="381190"/>
-                    <a:pt x="461105" y="172117"/>
-                    <a:pt x="655796" y="0"/>
-                  </a:cubicBezTo>
-                </a:path>
-              </a:pathLst>
-            </a:custGeom>
-            <a:noFill/>
-            <a:ln w="9525" cap="rnd">
-              <a:solidFill>
-                <a:schemeClr val="accent2">
-                  <a:alpha val="75000"/>
-                </a:schemeClr>
-              </a:solidFill>
-              <a:prstDash val="lgDash"/>
-              <a:round/>
-            </a:ln>
-          </p:spPr>
-          <p:txBody>
-            <a:bodyPr rtlCol="0" anchor="ctr"/>
-            <a:lstStyle/>
-            <a:p>
-              <a:endParaRPr lang="en-US"/>
-            </a:p>
-          </p:txBody>
-        </p:sp>
-        <p:sp>
-          <p:nvSpPr>
-            <p:cNvPr id="31" name="Freeform: Shape 30">
-              <a:extLst>
-                <a:ext uri="{FF2B5EF4-FFF2-40B4-BE49-F238E27FC236}">
-                  <a16:creationId xmlns:a16="http://schemas.microsoft.com/office/drawing/2014/main" id="{1993F7E6-ABF6-482D-BEA5-B4E607DDB433}"/>
-                </a:ext>
-                <a:ext uri="{C183D7F6-B498-43B3-948B-1728B52AA6E4}">
-                  <adec:decorative xmlns:adec="http://schemas.microsoft.com/office/drawing/2017/decorative" val="1"/>
-                </a:ext>
-              </a:extLst>
-            </p:cNvPr>
-            <p:cNvSpPr/>
-            <p:nvPr>
-              <p:extLst>
-                <p:ext uri="{386F3935-93C4-4BCD-93E2-E3B085C9AB24}">
-                  <p16:designElem xmlns:p16="http://schemas.microsoft.com/office/powerpoint/2015/main" val="1"/>
-                </p:ext>
-              </p:extLst>
-            </p:nvPr>
-          </p:nvSpPr>
-          <p:spPr>
-            <a:xfrm>
-              <a:off x="5154072" y="3867816"/>
-              <a:ext cx="2907315" cy="1544764"/>
-            </a:xfrm>
-            <a:custGeom>
-              <a:avLst/>
-              <a:gdLst>
-                <a:gd name="connsiteX0" fmla="*/ 0 w 2907315"/>
-                <a:gd name="connsiteY0" fmla="*/ 1544764 h 1544764"/>
-                <a:gd name="connsiteX1" fmla="*/ 201644 w 2907315"/>
-                <a:gd name="connsiteY1" fmla="*/ 1352550 h 1544764"/>
-                <a:gd name="connsiteX2" fmla="*/ 423196 w 2907315"/>
-                <a:gd name="connsiteY2" fmla="*/ 1196054 h 1544764"/>
-                <a:gd name="connsiteX3" fmla="*/ 782193 w 2907315"/>
-                <a:gd name="connsiteY3" fmla="*/ 1099947 h 1544764"/>
-                <a:gd name="connsiteX4" fmla="*/ 1052513 w 2907315"/>
-                <a:gd name="connsiteY4" fmla="*/ 1042321 h 1544764"/>
-                <a:gd name="connsiteX5" fmla="*/ 1311783 w 2907315"/>
-                <a:gd name="connsiteY5" fmla="*/ 1056037 h 1544764"/>
-                <a:gd name="connsiteX6" fmla="*/ 1484662 w 2907315"/>
-                <a:gd name="connsiteY6" fmla="*/ 1083469 h 1544764"/>
-                <a:gd name="connsiteX7" fmla="*/ 1788224 w 2907315"/>
-                <a:gd name="connsiteY7" fmla="*/ 1023080 h 1544764"/>
-                <a:gd name="connsiteX8" fmla="*/ 2269045 w 2907315"/>
-                <a:gd name="connsiteY8" fmla="*/ 734758 h 1544764"/>
-                <a:gd name="connsiteX9" fmla="*/ 2534984 w 2907315"/>
-                <a:gd name="connsiteY9" fmla="*/ 572738 h 1544764"/>
-                <a:gd name="connsiteX10" fmla="*/ 2907316 w 2907315"/>
-                <a:gd name="connsiteY10" fmla="*/ 0 h 1544764"/>
-              </a:gdLst>
-              <a:ahLst/>
-              <a:cxnLst>
-                <a:cxn ang="0">
-                  <a:pos x="connsiteX0" y="connsiteY0"/>
-                </a:cxn>
-                <a:cxn ang="0">
-                  <a:pos x="connsiteX1" y="connsiteY1"/>
-                </a:cxn>
-                <a:cxn ang="0">
-                  <a:pos x="connsiteX2" y="connsiteY2"/>
-                </a:cxn>
-                <a:cxn ang="0">
-                  <a:pos x="connsiteX3" y="connsiteY3"/>
-                </a:cxn>
-                <a:cxn ang="0">
-                  <a:pos x="connsiteX4" y="connsiteY4"/>
-                </a:cxn>
-                <a:cxn ang="0">
-                  <a:pos x="connsiteX5" y="connsiteY5"/>
-                </a:cxn>
-                <a:cxn ang="0">
-                  <a:pos x="connsiteX6" y="connsiteY6"/>
-                </a:cxn>
-                <a:cxn ang="0">
-                  <a:pos x="connsiteX7" y="connsiteY7"/>
-                </a:cxn>
-                <a:cxn ang="0">
-                  <a:pos x="connsiteX8" y="connsiteY8"/>
-                </a:cxn>
-                <a:cxn ang="0">
-                  <a:pos x="connsiteX9" y="connsiteY9"/>
-                </a:cxn>
-                <a:cxn ang="0">
-                  <a:pos x="connsiteX10" y="connsiteY10"/>
-                </a:cxn>
-              </a:cxnLst>
-              <a:rect l="l" t="t" r="r" b="b"/>
-              <a:pathLst>
-                <a:path w="2907315" h="1544764">
-                  <a:moveTo>
-                    <a:pt x="0" y="1544764"/>
-                  </a:moveTo>
-                  <a:cubicBezTo>
-                    <a:pt x="0" y="1544764"/>
-                    <a:pt x="98012" y="1443990"/>
-                    <a:pt x="201644" y="1352550"/>
-                  </a:cubicBezTo>
-                  <a:cubicBezTo>
-                    <a:pt x="271272" y="1291209"/>
-                    <a:pt x="343662" y="1234249"/>
-                    <a:pt x="423196" y="1196054"/>
-                  </a:cubicBezTo>
-                  <a:cubicBezTo>
-                    <a:pt x="537591" y="1141095"/>
-                    <a:pt x="661226" y="1127189"/>
-                    <a:pt x="782193" y="1099947"/>
-                  </a:cubicBezTo>
-                  <a:cubicBezTo>
-                    <a:pt x="872300" y="1079659"/>
-                    <a:pt x="961358" y="1051370"/>
-                    <a:pt x="1052513" y="1042321"/>
-                  </a:cubicBezTo>
-                  <a:cubicBezTo>
-                    <a:pt x="1139000" y="1033653"/>
-                    <a:pt x="1225868" y="1040321"/>
-                    <a:pt x="1311783" y="1056037"/>
-                  </a:cubicBezTo>
-                  <a:cubicBezTo>
-                    <a:pt x="1369314" y="1066609"/>
-                    <a:pt x="1426559" y="1079373"/>
-                    <a:pt x="1484662" y="1083469"/>
-                  </a:cubicBezTo>
-                  <a:cubicBezTo>
-                    <a:pt x="1587913" y="1090803"/>
-                    <a:pt x="1690402" y="1064800"/>
-                    <a:pt x="1788224" y="1023080"/>
-                  </a:cubicBezTo>
-                  <a:cubicBezTo>
-                    <a:pt x="1956721" y="951262"/>
-                    <a:pt x="2106549" y="825722"/>
-                    <a:pt x="2269045" y="734758"/>
-                  </a:cubicBezTo>
-                  <a:cubicBezTo>
-                    <a:pt x="2359438" y="684181"/>
-                    <a:pt x="2452497" y="640556"/>
-                    <a:pt x="2534984" y="572738"/>
-                  </a:cubicBezTo>
-                  <a:cubicBezTo>
-                    <a:pt x="2673001" y="459391"/>
-                    <a:pt x="2847023" y="191453"/>
-                    <a:pt x="2907316" y="0"/>
-                  </a:cubicBezTo>
-                </a:path>
-              </a:pathLst>
-            </a:custGeom>
-            <a:noFill/>
-            <a:ln w="9525" cap="rnd">
-              <a:solidFill>
-                <a:schemeClr val="accent2">
-                  <a:alpha val="75000"/>
-                </a:schemeClr>
-              </a:solidFill>
-              <a:prstDash val="lgDash"/>
-              <a:round/>
-            </a:ln>
-          </p:spPr>
-          <p:txBody>
-            <a:bodyPr rtlCol="0" anchor="ctr"/>
-            <a:lstStyle/>
-            <a:p>
-              <a:endParaRPr lang="en-US"/>
-            </a:p>
-          </p:txBody>
-        </p:sp>
-        <p:sp>
-          <p:nvSpPr>
-            <p:cNvPr id="32" name="Freeform: Shape 31">
-              <a:extLst>
-                <a:ext uri="{FF2B5EF4-FFF2-40B4-BE49-F238E27FC236}">
-                  <a16:creationId xmlns:a16="http://schemas.microsoft.com/office/drawing/2014/main" id="{DCA0B097-C21A-40B4-95E4-2FFA9697F824}"/>
-                </a:ext>
-                <a:ext uri="{C183D7F6-B498-43B3-948B-1728B52AA6E4}">
-                  <adec:decorative xmlns:adec="http://schemas.microsoft.com/office/drawing/2017/decorative" val="1"/>
-                </a:ext>
-              </a:extLst>
-            </p:cNvPr>
-            <p:cNvSpPr/>
-            <p:nvPr>
-              <p:extLst>
-                <p:ext uri="{386F3935-93C4-4BCD-93E2-E3B085C9AB24}">
-                  <p16:designElem xmlns:p16="http://schemas.microsoft.com/office/powerpoint/2015/main" val="1"/>
-                </p:ext>
-              </p:extLst>
-            </p:nvPr>
-          </p:nvSpPr>
-          <p:spPr>
-            <a:xfrm>
-              <a:off x="4907946" y="3479100"/>
-              <a:ext cx="3168300" cy="1952434"/>
-            </a:xfrm>
-            <a:custGeom>
-              <a:avLst/>
-              <a:gdLst>
-                <a:gd name="connsiteX0" fmla="*/ 0 w 3168300"/>
-                <a:gd name="connsiteY0" fmla="*/ 1952435 h 1952434"/>
-                <a:gd name="connsiteX1" fmla="*/ 202121 w 3168300"/>
-                <a:gd name="connsiteY1" fmla="*/ 1687068 h 1952434"/>
-                <a:gd name="connsiteX2" fmla="*/ 545116 w 3168300"/>
-                <a:gd name="connsiteY2" fmla="*/ 1450277 h 1952434"/>
-                <a:gd name="connsiteX3" fmla="*/ 906780 w 3168300"/>
-                <a:gd name="connsiteY3" fmla="*/ 1354455 h 1952434"/>
-                <a:gd name="connsiteX4" fmla="*/ 1332262 w 3168300"/>
-                <a:gd name="connsiteY4" fmla="*/ 1285304 h 1952434"/>
-                <a:gd name="connsiteX5" fmla="*/ 1691259 w 3168300"/>
-                <a:gd name="connsiteY5" fmla="*/ 1240060 h 1952434"/>
-                <a:gd name="connsiteX6" fmla="*/ 2010346 w 3168300"/>
-                <a:gd name="connsiteY6" fmla="*/ 1141667 h 1952434"/>
-                <a:gd name="connsiteX7" fmla="*/ 2393252 w 3168300"/>
-                <a:gd name="connsiteY7" fmla="*/ 1027271 h 1952434"/>
-                <a:gd name="connsiteX8" fmla="*/ 2582037 w 3168300"/>
-                <a:gd name="connsiteY8" fmla="*/ 958120 h 1952434"/>
-                <a:gd name="connsiteX9" fmla="*/ 2760155 w 3168300"/>
-                <a:gd name="connsiteY9" fmla="*/ 827723 h 1952434"/>
-                <a:gd name="connsiteX10" fmla="*/ 2914364 w 3168300"/>
-                <a:gd name="connsiteY10" fmla="*/ 567023 h 1952434"/>
-                <a:gd name="connsiteX11" fmla="*/ 3168301 w 3168300"/>
-                <a:gd name="connsiteY11" fmla="*/ 0 h 1952434"/>
-              </a:gdLst>
-              <a:ahLst/>
-              <a:cxnLst>
-                <a:cxn ang="0">
-                  <a:pos x="connsiteX0" y="connsiteY0"/>
-                </a:cxn>
-                <a:cxn ang="0">
-                  <a:pos x="connsiteX1" y="connsiteY1"/>
-                </a:cxn>
-                <a:cxn ang="0">
-                  <a:pos x="connsiteX2" y="connsiteY2"/>
-                </a:cxn>
-                <a:cxn ang="0">
-                  <a:pos x="connsiteX3" y="connsiteY3"/>
-                </a:cxn>
-                <a:cxn ang="0">
-                  <a:pos x="connsiteX4" y="connsiteY4"/>
-                </a:cxn>
-                <a:cxn ang="0">
-                  <a:pos x="connsiteX5" y="connsiteY5"/>
-                </a:cxn>
-                <a:cxn ang="0">
-                  <a:pos x="connsiteX6" y="connsiteY6"/>
-                </a:cxn>
-                <a:cxn ang="0">
-                  <a:pos x="connsiteX7" y="connsiteY7"/>
-                </a:cxn>
-                <a:cxn ang="0">
-                  <a:pos x="connsiteX8" y="connsiteY8"/>
-                </a:cxn>
-                <a:cxn ang="0">
-                  <a:pos x="connsiteX9" y="connsiteY9"/>
-                </a:cxn>
-                <a:cxn ang="0">
-                  <a:pos x="connsiteX10" y="connsiteY10"/>
-                </a:cxn>
-                <a:cxn ang="0">
-                  <a:pos x="connsiteX11" y="connsiteY11"/>
-                </a:cxn>
-              </a:cxnLst>
-              <a:rect l="l" t="t" r="r" b="b"/>
-              <a:pathLst>
-                <a:path w="3168300" h="1952434">
-                  <a:moveTo>
-                    <a:pt x="0" y="1952435"/>
-                  </a:moveTo>
-                  <a:cubicBezTo>
-                    <a:pt x="0" y="1952435"/>
-                    <a:pt x="91059" y="1796415"/>
-                    <a:pt x="202121" y="1687068"/>
-                  </a:cubicBezTo>
-                  <a:cubicBezTo>
-                    <a:pt x="301943" y="1588675"/>
-                    <a:pt x="416528" y="1505617"/>
-                    <a:pt x="545116" y="1450277"/>
-                  </a:cubicBezTo>
-                  <a:cubicBezTo>
-                    <a:pt x="659987" y="1400747"/>
-                    <a:pt x="783622" y="1377601"/>
-                    <a:pt x="906780" y="1354455"/>
-                  </a:cubicBezTo>
-                  <a:cubicBezTo>
-                    <a:pt x="1048036" y="1327976"/>
-                    <a:pt x="1189482" y="1301972"/>
-                    <a:pt x="1332262" y="1285304"/>
-                  </a:cubicBezTo>
-                  <a:cubicBezTo>
-                    <a:pt x="1452182" y="1271302"/>
-                    <a:pt x="1573340" y="1265873"/>
-                    <a:pt x="1691259" y="1240060"/>
-                  </a:cubicBezTo>
-                  <a:cubicBezTo>
-                    <a:pt x="1800035" y="1216247"/>
-                    <a:pt x="1904619" y="1176718"/>
-                    <a:pt x="2010346" y="1141667"/>
-                  </a:cubicBezTo>
-                  <a:cubicBezTo>
-                    <a:pt x="2136743" y="1099661"/>
-                    <a:pt x="2265902" y="1066229"/>
-                    <a:pt x="2393252" y="1027271"/>
-                  </a:cubicBezTo>
-                  <a:cubicBezTo>
-                    <a:pt x="2457450" y="1007650"/>
-                    <a:pt x="2521744" y="987552"/>
-                    <a:pt x="2582037" y="958120"/>
-                  </a:cubicBezTo>
-                  <a:cubicBezTo>
-                    <a:pt x="2648807" y="925449"/>
-                    <a:pt x="2710815" y="883349"/>
-                    <a:pt x="2760155" y="827723"/>
-                  </a:cubicBezTo>
-                  <a:cubicBezTo>
-                    <a:pt x="2827496" y="751904"/>
-                    <a:pt x="2867978" y="657511"/>
-                    <a:pt x="2914364" y="567023"/>
-                  </a:cubicBezTo>
-                  <a:cubicBezTo>
-                    <a:pt x="2972753" y="453200"/>
-                    <a:pt x="3119152" y="118015"/>
-                    <a:pt x="3168301" y="0"/>
-                  </a:cubicBezTo>
-                </a:path>
-              </a:pathLst>
-            </a:custGeom>
-            <a:noFill/>
-            <a:ln w="9525" cap="rnd">
-              <a:solidFill>
-                <a:schemeClr val="accent2">
-                  <a:alpha val="75000"/>
-                </a:schemeClr>
-              </a:solidFill>
-              <a:prstDash val="lgDash"/>
-              <a:round/>
-            </a:ln>
-          </p:spPr>
-          <p:txBody>
-            <a:bodyPr rtlCol="0" anchor="ctr"/>
-            <a:lstStyle/>
-            <a:p>
-              <a:endParaRPr lang="en-US"/>
-            </a:p>
-          </p:txBody>
-        </p:sp>
-        <p:sp>
-          <p:nvSpPr>
-            <p:cNvPr id="33" name="Freeform: Shape 32">
-              <a:extLst>
-                <a:ext uri="{FF2B5EF4-FFF2-40B4-BE49-F238E27FC236}">
-                  <a16:creationId xmlns:a16="http://schemas.microsoft.com/office/drawing/2014/main" id="{AB2AF0F5-7EAA-4BAB-8DE2-D84E124170FA}"/>
-                </a:ext>
-                <a:ext uri="{C183D7F6-B498-43B3-948B-1728B52AA6E4}">
-                  <adec:decorative xmlns:adec="http://schemas.microsoft.com/office/drawing/2017/decorative" val="1"/>
-                </a:ext>
-              </a:extLst>
-            </p:cNvPr>
-            <p:cNvSpPr/>
-            <p:nvPr>
-              <p:extLst>
-                <p:ext uri="{386F3935-93C4-4BCD-93E2-E3B085C9AB24}">
-                  <p16:designElem xmlns:p16="http://schemas.microsoft.com/office/powerpoint/2015/main" val="1"/>
-                </p:ext>
-              </p:extLst>
-            </p:nvPr>
-          </p:nvSpPr>
-          <p:spPr>
-            <a:xfrm>
-              <a:off x="4704778" y="2976752"/>
-              <a:ext cx="3356800" cy="2452020"/>
-            </a:xfrm>
-            <a:custGeom>
-              <a:avLst/>
-              <a:gdLst>
-                <a:gd name="connsiteX0" fmla="*/ 0 w 3356800"/>
-                <a:gd name="connsiteY0" fmla="*/ 2452021 h 2452020"/>
-                <a:gd name="connsiteX1" fmla="*/ 130874 w 3356800"/>
-                <a:gd name="connsiteY1" fmla="*/ 2247710 h 2452020"/>
-                <a:gd name="connsiteX2" fmla="*/ 437197 w 3356800"/>
-                <a:gd name="connsiteY2" fmla="*/ 1941195 h 2452020"/>
-                <a:gd name="connsiteX3" fmla="*/ 737140 w 3356800"/>
-                <a:gd name="connsiteY3" fmla="*/ 1736884 h 2452020"/>
-                <a:gd name="connsiteX4" fmla="*/ 1031843 w 3356800"/>
-                <a:gd name="connsiteY4" fmla="*/ 1685068 h 2452020"/>
-                <a:gd name="connsiteX5" fmla="*/ 1287304 w 3356800"/>
-                <a:gd name="connsiteY5" fmla="*/ 1655826 h 2452020"/>
-                <a:gd name="connsiteX6" fmla="*/ 1471994 w 3356800"/>
-                <a:gd name="connsiteY6" fmla="*/ 1634300 h 2452020"/>
-                <a:gd name="connsiteX7" fmla="*/ 1898237 w 3356800"/>
-                <a:gd name="connsiteY7" fmla="*/ 1512665 h 2452020"/>
-                <a:gd name="connsiteX8" fmla="*/ 2229136 w 3356800"/>
-                <a:gd name="connsiteY8" fmla="*/ 1355598 h 2452020"/>
-                <a:gd name="connsiteX9" fmla="*/ 2512314 w 3356800"/>
-                <a:gd name="connsiteY9" fmla="*/ 1238631 h 2452020"/>
-                <a:gd name="connsiteX10" fmla="*/ 2758535 w 3356800"/>
-                <a:gd name="connsiteY10" fmla="*/ 1096994 h 2452020"/>
-                <a:gd name="connsiteX11" fmla="*/ 2935510 w 3356800"/>
-                <a:gd name="connsiteY11" fmla="*/ 919925 h 2452020"/>
-                <a:gd name="connsiteX12" fmla="*/ 3081719 w 3356800"/>
-                <a:gd name="connsiteY12" fmla="*/ 687419 h 2452020"/>
-                <a:gd name="connsiteX13" fmla="*/ 3356800 w 3356800"/>
-                <a:gd name="connsiteY13" fmla="*/ 0 h 2452020"/>
-              </a:gdLst>
-              <a:ahLst/>
-              <a:cxnLst>
-                <a:cxn ang="0">
-                  <a:pos x="connsiteX0" y="connsiteY0"/>
-                </a:cxn>
-                <a:cxn ang="0">
-                  <a:pos x="connsiteX1" y="connsiteY1"/>
-                </a:cxn>
-                <a:cxn ang="0">
-                  <a:pos x="connsiteX2" y="connsiteY2"/>
-                </a:cxn>
-                <a:cxn ang="0">
-                  <a:pos x="connsiteX3" y="connsiteY3"/>
-                </a:cxn>
-                <a:cxn ang="0">
-                  <a:pos x="connsiteX4" y="connsiteY4"/>
-                </a:cxn>
-                <a:cxn ang="0">
-                  <a:pos x="connsiteX5" y="connsiteY5"/>
-                </a:cxn>
-                <a:cxn ang="0">
-                  <a:pos x="connsiteX6" y="connsiteY6"/>
-                </a:cxn>
-                <a:cxn ang="0">
-                  <a:pos x="connsiteX7" y="connsiteY7"/>
-                </a:cxn>
-                <a:cxn ang="0">
-                  <a:pos x="connsiteX8" y="connsiteY8"/>
-                </a:cxn>
-                <a:cxn ang="0">
-                  <a:pos x="connsiteX9" y="connsiteY9"/>
-                </a:cxn>
-                <a:cxn ang="0">
-                  <a:pos x="connsiteX10" y="connsiteY10"/>
-                </a:cxn>
-                <a:cxn ang="0">
-                  <a:pos x="connsiteX11" y="connsiteY11"/>
-                </a:cxn>
-                <a:cxn ang="0">
-                  <a:pos x="connsiteX12" y="connsiteY12"/>
-                </a:cxn>
-                <a:cxn ang="0">
-                  <a:pos x="connsiteX13" y="connsiteY13"/>
-                </a:cxn>
-              </a:cxnLst>
-              <a:rect l="l" t="t" r="r" b="b"/>
-              <a:pathLst>
-                <a:path w="3356800" h="2452020">
-                  <a:moveTo>
-                    <a:pt x="0" y="2452021"/>
-                  </a:moveTo>
-                  <a:cubicBezTo>
-                    <a:pt x="0" y="2452021"/>
-                    <a:pt x="57150" y="2344198"/>
-                    <a:pt x="130874" y="2247710"/>
-                  </a:cubicBezTo>
-                  <a:cubicBezTo>
-                    <a:pt x="218694" y="2132648"/>
-                    <a:pt x="328136" y="2036635"/>
-                    <a:pt x="437197" y="1941195"/>
-                  </a:cubicBezTo>
-                  <a:cubicBezTo>
-                    <a:pt x="529304" y="1860709"/>
-                    <a:pt x="623030" y="1779556"/>
-                    <a:pt x="737140" y="1736884"/>
-                  </a:cubicBezTo>
-                  <a:cubicBezTo>
-                    <a:pt x="830866" y="1701736"/>
-                    <a:pt x="932021" y="1695450"/>
-                    <a:pt x="1031843" y="1685068"/>
-                  </a:cubicBezTo>
-                  <a:cubicBezTo>
-                    <a:pt x="1117092" y="1676210"/>
-                    <a:pt x="1202055" y="1665160"/>
-                    <a:pt x="1287304" y="1655826"/>
-                  </a:cubicBezTo>
-                  <a:cubicBezTo>
-                    <a:pt x="1348931" y="1649063"/>
-                    <a:pt x="1410653" y="1643539"/>
-                    <a:pt x="1471994" y="1634300"/>
-                  </a:cubicBezTo>
-                  <a:cubicBezTo>
-                    <a:pt x="1618679" y="1612011"/>
-                    <a:pt x="1761935" y="1571149"/>
-                    <a:pt x="1898237" y="1512665"/>
-                  </a:cubicBezTo>
-                  <a:cubicBezTo>
-                    <a:pt x="2010442" y="1464564"/>
-                    <a:pt x="2117503" y="1405128"/>
-                    <a:pt x="2229136" y="1355598"/>
-                  </a:cubicBezTo>
-                  <a:cubicBezTo>
-                    <a:pt x="2322481" y="1314164"/>
-                    <a:pt x="2418969" y="1280160"/>
-                    <a:pt x="2512314" y="1238631"/>
-                  </a:cubicBezTo>
-                  <a:cubicBezTo>
-                    <a:pt x="2599087" y="1199960"/>
-                    <a:pt x="2683193" y="1154811"/>
-                    <a:pt x="2758535" y="1096994"/>
-                  </a:cubicBezTo>
-                  <a:cubicBezTo>
-                    <a:pt x="2825020" y="1046035"/>
-                    <a:pt x="2883789" y="985837"/>
-                    <a:pt x="2935510" y="919925"/>
-                  </a:cubicBezTo>
-                  <a:cubicBezTo>
-                    <a:pt x="2992184" y="847725"/>
-                    <a:pt x="3039904" y="769144"/>
-                    <a:pt x="3081719" y="687419"/>
-                  </a:cubicBezTo>
-                  <a:cubicBezTo>
-                    <a:pt x="3138297" y="576739"/>
-                    <a:pt x="3314129" y="116776"/>
-                    <a:pt x="3356800" y="0"/>
-                  </a:cubicBezTo>
-                </a:path>
-              </a:pathLst>
-            </a:custGeom>
-            <a:noFill/>
-            <a:ln w="9525" cap="rnd">
-              <a:solidFill>
-                <a:schemeClr val="accent2">
-                  <a:alpha val="75000"/>
-                </a:schemeClr>
-              </a:solidFill>
-              <a:prstDash val="lgDash"/>
-              <a:round/>
-            </a:ln>
-          </p:spPr>
-          <p:txBody>
-            <a:bodyPr rtlCol="0" anchor="ctr"/>
-            <a:lstStyle/>
-            <a:p>
-              <a:endParaRPr lang="en-US"/>
-            </a:p>
-          </p:txBody>
-        </p:sp>
-      </p:grpSp>
-      <p:sp useBgFill="1">
-        <p:nvSpPr>
-          <p:cNvPr id="35" name="Rectangle 34">
-            <a:extLst>
-              <a:ext uri="{FF2B5EF4-FFF2-40B4-BE49-F238E27FC236}">
-                <a16:creationId xmlns:a16="http://schemas.microsoft.com/office/drawing/2014/main" id="{F1174801-1395-44C5-9B00-CCAC45C056E7}"/>
-              </a:ext>
-              <a:ext uri="{C183D7F6-B498-43B3-948B-1728B52AA6E4}">
-                <adec:decorative xmlns:adec="http://schemas.microsoft.com/office/drawing/2017/decorative" val="1"/>
-              </a:ext>
-            </a:extLst>
-          </p:cNvPr>
-          <p:cNvSpPr>
-            <a:spLocks noGrp="1" noRot="1" noChangeAspect="1" noMove="1" noResize="1" noEditPoints="1" noAdjustHandles="1" noChangeArrowheads="1" noChangeShapeType="1" noTextEdit="1"/>
-          </p:cNvSpPr>
-          <p:nvPr>
-            <p:extLst>
-              <p:ext uri="{386F3935-93C4-4BCD-93E2-E3B085C9AB24}">
-                <p16:designElem xmlns:p16="http://schemas.microsoft.com/office/powerpoint/2015/main" val="1"/>
-              </p:ext>
-            </p:extLst>
-          </p:nvPr>
-        </p:nvSpPr>
-        <p:spPr>
-          <a:xfrm>
-            <a:off x="0" y="0"/>
-            <a:ext cx="12188952" cy="6858000"/>
-          </a:xfrm>
-          <a:prstGeom prst="rect">
-            <a:avLst/>
-          </a:prstGeom>
-          <a:ln>
-            <a:solidFill>
-              <a:schemeClr val="bg1">
-                <a:lumMod val="95000"/>
-              </a:schemeClr>
-            </a:solidFill>
-          </a:ln>
-        </p:spPr>
-        <p:style>
-          <a:lnRef idx="2">
-            <a:schemeClr val="accent1">
-              <a:shade val="50000"/>
-            </a:schemeClr>
-          </a:lnRef>
-          <a:fillRef idx="1">
-            <a:schemeClr val="accent1"/>
-          </a:fillRef>
-          <a:effectRef idx="0">
-            <a:schemeClr val="accent1"/>
-          </a:effectRef>
-          <a:fontRef idx="minor">
-            <a:schemeClr val="lt1"/>
-          </a:fontRef>
-        </p:style>
-        <p:txBody>
-          <a:bodyPr rtlCol="0" anchor="ctr"/>
-          <a:lstStyle/>
-          <a:p>
-            <a:pPr algn="ctr"/>
-            <a:endParaRPr lang="en-US" dirty="0">
-              <a:solidFill>
-                <a:schemeClr val="tx1">
-                  <a:lumMod val="65000"/>
-                  <a:lumOff val="35000"/>
-                </a:schemeClr>
-              </a:solidFill>
-              <a:latin typeface="AvenirNext LT Pro Medium" panose="020B0504020202020204" pitchFamily="34" charset="0"/>
-            </a:endParaRPr>
-          </a:p>
-        </p:txBody>
-      </p:sp>
-      <p:sp>
-        <p:nvSpPr>
-          <p:cNvPr id="37" name="Rectangle 36">
-            <a:extLst>
-              <a:ext uri="{FF2B5EF4-FFF2-40B4-BE49-F238E27FC236}">
-                <a16:creationId xmlns:a16="http://schemas.microsoft.com/office/drawing/2014/main" id="{996DFAFB-BCE1-4BEC-82FB-D574234DEF0A}"/>
-              </a:ext>
-              <a:ext uri="{C183D7F6-B498-43B3-948B-1728B52AA6E4}">
-                <adec:decorative xmlns:adec="http://schemas.microsoft.com/office/drawing/2017/decorative" val="1"/>
-              </a:ext>
-            </a:extLst>
-          </p:cNvPr>
-          <p:cNvSpPr>
-            <a:spLocks noGrp="1" noRot="1" noChangeAspect="1" noMove="1" noResize="1" noEditPoints="1" noAdjustHandles="1" noChangeArrowheads="1" noChangeShapeType="1" noTextEdit="1"/>
-          </p:cNvSpPr>
-          <p:nvPr>
-            <p:extLst>
-              <p:ext uri="{386F3935-93C4-4BCD-93E2-E3B085C9AB24}">
-                <p16:designElem xmlns:p16="http://schemas.microsoft.com/office/powerpoint/2015/main" val="1"/>
-              </p:ext>
-            </p:extLst>
-          </p:nvPr>
-        </p:nvSpPr>
-        <p:spPr>
-          <a:xfrm>
-            <a:off x="0" y="0"/>
-            <a:ext cx="12188952" cy="6858000"/>
-          </a:xfrm>
-          <a:prstGeom prst="rect">
-            <a:avLst/>
-          </a:prstGeom>
-          <a:solidFill>
-            <a:schemeClr val="bg2"/>
-          </a:solidFill>
-          <a:ln>
-            <a:noFill/>
-          </a:ln>
-        </p:spPr>
-        <p:style>
-          <a:lnRef idx="2">
-            <a:schemeClr val="accent1">
-              <a:shade val="50000"/>
-            </a:schemeClr>
-          </a:lnRef>
-          <a:fillRef idx="1">
-            <a:schemeClr val="accent1"/>
-          </a:fillRef>
-          <a:effectRef idx="0">
-            <a:schemeClr val="accent1"/>
-          </a:effectRef>
-          <a:fontRef idx="minor">
-            <a:schemeClr val="lt1"/>
-          </a:fontRef>
-        </p:style>
-        <p:txBody>
-          <a:bodyPr rtlCol="0" anchor="ctr"/>
-          <a:lstStyle/>
-          <a:p>
-            <a:pPr algn="ctr"/>
-            <a:endParaRPr lang="en-US" dirty="0">
-              <a:solidFill>
-                <a:schemeClr val="tx1">
-                  <a:lumMod val="65000"/>
-                  <a:lumOff val="35000"/>
-                </a:schemeClr>
-              </a:solidFill>
-              <a:latin typeface="AvenirNext LT Pro Medium" panose="020B0504020202020204" pitchFamily="34" charset="0"/>
-            </a:endParaRPr>
-          </a:p>
-        </p:txBody>
-      </p:sp>
-      <p:grpSp>
-        <p:nvGrpSpPr>
-          <p:cNvPr id="39" name="Top left">
-            <a:extLst>
-              <a:ext uri="{FF2B5EF4-FFF2-40B4-BE49-F238E27FC236}">
-                <a16:creationId xmlns:a16="http://schemas.microsoft.com/office/drawing/2014/main" id="{4210BA9D-B4AC-4A1D-B63B-44F10A9A7D49}"/>
-              </a:ext>
-              <a:ext uri="{C183D7F6-B498-43B3-948B-1728B52AA6E4}">
-                <adec:decorative xmlns:adec="http://schemas.microsoft.com/office/drawing/2017/decorative" val="1"/>
-              </a:ext>
-            </a:extLst>
-          </p:cNvPr>
-          <p:cNvGrpSpPr>
-            <a:grpSpLocks noGrp="1" noUngrp="1" noRot="1" noChangeAspect="1" noMove="1" noResize="1"/>
-          </p:cNvGrpSpPr>
-          <p:nvPr>
-            <p:extLst>
-              <p:ext uri="{386F3935-93C4-4BCD-93E2-E3B085C9AB24}">
-                <p16:designElem xmlns:p16="http://schemas.microsoft.com/office/powerpoint/2015/main" val="1"/>
-              </p:ext>
-            </p:extLst>
-          </p:nvPr>
-        </p:nvGrpSpPr>
-        <p:grpSpPr>
-          <a:xfrm>
-            <a:off x="10849" y="-3086"/>
-            <a:ext cx="2198951" cy="3349518"/>
-            <a:chOff x="10849" y="-3086"/>
-            <a:chExt cx="2198951" cy="3349518"/>
-          </a:xfrm>
-        </p:grpSpPr>
-        <p:sp>
-          <p:nvSpPr>
-            <p:cNvPr id="40" name="Freeform: Shape 39">
-              <a:extLst>
-                <a:ext uri="{FF2B5EF4-FFF2-40B4-BE49-F238E27FC236}">
-                  <a16:creationId xmlns:a16="http://schemas.microsoft.com/office/drawing/2014/main" id="{2AB57F67-BA3E-4168-B776-298ABEE40177}"/>
-                </a:ext>
-                <a:ext uri="{C183D7F6-B498-43B3-948B-1728B52AA6E4}">
-                  <adec:decorative xmlns:adec="http://schemas.microsoft.com/office/drawing/2017/decorative" val="1"/>
-                </a:ext>
-              </a:extLst>
-            </p:cNvPr>
-            <p:cNvSpPr/>
-            <p:nvPr>
-              <p:extLst>
-                <p:ext uri="{386F3935-93C4-4BCD-93E2-E3B085C9AB24}">
-                  <p16:designElem xmlns:p16="http://schemas.microsoft.com/office/powerpoint/2015/main" val="1"/>
-                </p:ext>
-              </p:extLst>
-            </p:nvPr>
-          </p:nvSpPr>
-          <p:spPr>
-            <a:xfrm rot="10800000">
-              <a:off x="692844" y="-3086"/>
-              <a:ext cx="1326111" cy="597603"/>
-            </a:xfrm>
-            <a:custGeom>
-              <a:avLst/>
-              <a:gdLst>
-                <a:gd name="connsiteX0" fmla="*/ 741051 w 1482102"/>
-                <a:gd name="connsiteY0" fmla="*/ 0 h 679363"/>
-                <a:gd name="connsiteX1" fmla="*/ 1473822 w 1482102"/>
-                <a:gd name="connsiteY1" fmla="*/ 597226 h 679363"/>
-                <a:gd name="connsiteX2" fmla="*/ 1482102 w 1482102"/>
-                <a:gd name="connsiteY2" fmla="*/ 679363 h 679363"/>
-                <a:gd name="connsiteX3" fmla="*/ 0 w 1482102"/>
-                <a:gd name="connsiteY3" fmla="*/ 679363 h 679363"/>
-                <a:gd name="connsiteX4" fmla="*/ 8280 w 1482102"/>
-                <a:gd name="connsiteY4" fmla="*/ 597226 h 679363"/>
-                <a:gd name="connsiteX5" fmla="*/ 741051 w 1482102"/>
-                <a:gd name="connsiteY5" fmla="*/ 0 h 679363"/>
-              </a:gdLst>
-              <a:ahLst/>
-              <a:cxnLst>
-                <a:cxn ang="0">
-                  <a:pos x="connsiteX0" y="connsiteY0"/>
-                </a:cxn>
-                <a:cxn ang="0">
-                  <a:pos x="connsiteX1" y="connsiteY1"/>
-                </a:cxn>
-                <a:cxn ang="0">
-                  <a:pos x="connsiteX2" y="connsiteY2"/>
-                </a:cxn>
-                <a:cxn ang="0">
-                  <a:pos x="connsiteX3" y="connsiteY3"/>
-                </a:cxn>
-                <a:cxn ang="0">
-                  <a:pos x="connsiteX4" y="connsiteY4"/>
-                </a:cxn>
-                <a:cxn ang="0">
-                  <a:pos x="connsiteX5" y="connsiteY5"/>
-                </a:cxn>
-              </a:cxnLst>
-              <a:rect l="l" t="t" r="r" b="b"/>
-              <a:pathLst>
-                <a:path w="1482102" h="679363">
-                  <a:moveTo>
-                    <a:pt x="741051" y="0"/>
-                  </a:moveTo>
-                  <a:cubicBezTo>
-                    <a:pt x="1102506" y="0"/>
-                    <a:pt x="1404077" y="256390"/>
-                    <a:pt x="1473822" y="597226"/>
-                  </a:cubicBezTo>
-                  <a:lnTo>
-                    <a:pt x="1482102" y="679363"/>
-                  </a:lnTo>
-                  <a:lnTo>
-                    <a:pt x="0" y="679363"/>
-                  </a:lnTo>
-                  <a:lnTo>
-                    <a:pt x="8280" y="597226"/>
-                  </a:lnTo>
-                  <a:cubicBezTo>
-                    <a:pt x="78025" y="256390"/>
-                    <a:pt x="379596" y="0"/>
-                    <a:pt x="741051" y="0"/>
-                  </a:cubicBezTo>
-                  <a:close/>
-                </a:path>
-              </a:pathLst>
-            </a:custGeom>
-            <a:solidFill>
-              <a:schemeClr val="bg1"/>
-            </a:solidFill>
-            <a:ln>
-              <a:noFill/>
-            </a:ln>
-          </p:spPr>
-          <p:style>
-            <a:lnRef idx="2">
-              <a:schemeClr val="accent1">
-                <a:shade val="50000"/>
-              </a:schemeClr>
-            </a:lnRef>
-            <a:fillRef idx="1">
-              <a:schemeClr val="accent1"/>
-            </a:fillRef>
-            <a:effectRef idx="0">
-              <a:schemeClr val="accent1"/>
-            </a:effectRef>
-            <a:fontRef idx="minor">
-              <a:schemeClr val="lt1"/>
-            </a:fontRef>
-          </p:style>
-          <p:txBody>
-            <a:bodyPr wrap="square" rtlCol="0" anchor="ctr">
-              <a:noAutofit/>
-            </a:bodyPr>
-            <a:lstStyle/>
-            <a:p>
-              <a:pPr algn="ctr"/>
-              <a:endParaRPr lang="en-US" dirty="0">
-                <a:solidFill>
-                  <a:schemeClr val="tx1">
-                    <a:lumMod val="65000"/>
-                    <a:lumOff val="35000"/>
-                  </a:schemeClr>
-                </a:solidFill>
-                <a:latin typeface="AvenirNext LT Pro Medium" panose="020B0504020202020204" pitchFamily="34" charset="0"/>
-              </a:endParaRPr>
-            </a:p>
-          </p:txBody>
-        </p:sp>
-        <p:sp>
-          <p:nvSpPr>
-            <p:cNvPr id="41" name="Freeform: Shape 40">
-              <a:extLst>
-                <a:ext uri="{FF2B5EF4-FFF2-40B4-BE49-F238E27FC236}">
-                  <a16:creationId xmlns:a16="http://schemas.microsoft.com/office/drawing/2014/main" id="{1A37E474-2AB5-44C2-89C5-00B18BBF0F60}"/>
-                </a:ext>
-                <a:ext uri="{C183D7F6-B498-43B3-948B-1728B52AA6E4}">
-                  <adec:decorative xmlns:adec="http://schemas.microsoft.com/office/drawing/2017/decorative" val="1"/>
-                </a:ext>
-              </a:extLst>
-            </p:cNvPr>
-            <p:cNvSpPr/>
-            <p:nvPr>
-              <p:extLst>
-                <p:ext uri="{386F3935-93C4-4BCD-93E2-E3B085C9AB24}">
-                  <p16:designElem xmlns:p16="http://schemas.microsoft.com/office/powerpoint/2015/main" val="1"/>
-                </p:ext>
-              </p:extLst>
-            </p:nvPr>
-          </p:nvSpPr>
-          <p:spPr>
-            <a:xfrm>
-              <a:off x="19394" y="15241"/>
-              <a:ext cx="2190406" cy="3331191"/>
-            </a:xfrm>
-            <a:custGeom>
-              <a:avLst/>
-              <a:gdLst>
-                <a:gd name="connsiteX0" fmla="*/ 0 w 3296088"/>
-                <a:gd name="connsiteY0" fmla="*/ 5012722 h 5012722"/>
-                <a:gd name="connsiteX1" fmla="*/ 244031 w 3296088"/>
-                <a:gd name="connsiteY1" fmla="*/ 4820222 h 5012722"/>
-                <a:gd name="connsiteX2" fmla="*/ 729234 w 3296088"/>
-                <a:gd name="connsiteY2" fmla="*/ 4360641 h 5012722"/>
-                <a:gd name="connsiteX3" fmla="*/ 881444 w 3296088"/>
-                <a:gd name="connsiteY3" fmla="*/ 4173950 h 5012722"/>
-                <a:gd name="connsiteX4" fmla="*/ 1151287 w 3296088"/>
-                <a:gd name="connsiteY4" fmla="*/ 3972877 h 5012722"/>
-                <a:gd name="connsiteX5" fmla="*/ 1498664 w 3296088"/>
-                <a:gd name="connsiteY5" fmla="*/ 3786188 h 5012722"/>
-                <a:gd name="connsiteX6" fmla="*/ 1716881 w 3296088"/>
-                <a:gd name="connsiteY6" fmla="*/ 3674174 h 5012722"/>
-                <a:gd name="connsiteX7" fmla="*/ 1913573 w 3296088"/>
-                <a:gd name="connsiteY7" fmla="*/ 3477387 h 5012722"/>
-                <a:gd name="connsiteX8" fmla="*/ 2167700 w 3296088"/>
-                <a:gd name="connsiteY8" fmla="*/ 3042190 h 5012722"/>
-                <a:gd name="connsiteX9" fmla="*/ 2273903 w 3296088"/>
-                <a:gd name="connsiteY9" fmla="*/ 2775014 h 5012722"/>
-                <a:gd name="connsiteX10" fmla="*/ 2463356 w 3296088"/>
-                <a:gd name="connsiteY10" fmla="*/ 2335530 h 5012722"/>
-                <a:gd name="connsiteX11" fmla="*/ 2741866 w 3296088"/>
-                <a:gd name="connsiteY11" fmla="*/ 1982248 h 5012722"/>
-                <a:gd name="connsiteX12" fmla="*/ 2985897 w 3296088"/>
-                <a:gd name="connsiteY12" fmla="*/ 1634681 h 5012722"/>
-                <a:gd name="connsiteX13" fmla="*/ 3212687 w 3296088"/>
-                <a:gd name="connsiteY13" fmla="*/ 1226820 h 5012722"/>
-                <a:gd name="connsiteX14" fmla="*/ 3281553 w 3296088"/>
-                <a:gd name="connsiteY14" fmla="*/ 959644 h 5012722"/>
-                <a:gd name="connsiteX15" fmla="*/ 3295936 w 3296088"/>
-                <a:gd name="connsiteY15" fmla="*/ 701135 h 5012722"/>
-                <a:gd name="connsiteX16" fmla="*/ 3267266 w 3296088"/>
-                <a:gd name="connsiteY16" fmla="*/ 436817 h 5012722"/>
-                <a:gd name="connsiteX17" fmla="*/ 3105341 w 3296088"/>
-                <a:gd name="connsiteY17" fmla="*/ 0 h 5012722"/>
-              </a:gdLst>
-              <a:ahLst/>
-              <a:cxnLst>
-                <a:cxn ang="0">
-                  <a:pos x="connsiteX0" y="connsiteY0"/>
-                </a:cxn>
-                <a:cxn ang="0">
-                  <a:pos x="connsiteX1" y="connsiteY1"/>
-                </a:cxn>
-                <a:cxn ang="0">
-                  <a:pos x="connsiteX2" y="connsiteY2"/>
-                </a:cxn>
-                <a:cxn ang="0">
-                  <a:pos x="connsiteX3" y="connsiteY3"/>
-                </a:cxn>
-                <a:cxn ang="0">
-                  <a:pos x="connsiteX4" y="connsiteY4"/>
-                </a:cxn>
-                <a:cxn ang="0">
-                  <a:pos x="connsiteX5" y="connsiteY5"/>
-                </a:cxn>
-                <a:cxn ang="0">
-                  <a:pos x="connsiteX6" y="connsiteY6"/>
-                </a:cxn>
-                <a:cxn ang="0">
-                  <a:pos x="connsiteX7" y="connsiteY7"/>
-                </a:cxn>
-                <a:cxn ang="0">
-                  <a:pos x="connsiteX8" y="connsiteY8"/>
-                </a:cxn>
-                <a:cxn ang="0">
-                  <a:pos x="connsiteX9" y="connsiteY9"/>
-                </a:cxn>
-                <a:cxn ang="0">
-                  <a:pos x="connsiteX10" y="connsiteY10"/>
-                </a:cxn>
-                <a:cxn ang="0">
-                  <a:pos x="connsiteX11" y="connsiteY11"/>
-                </a:cxn>
-                <a:cxn ang="0">
-                  <a:pos x="connsiteX12" y="connsiteY12"/>
-                </a:cxn>
-                <a:cxn ang="0">
-                  <a:pos x="connsiteX13" y="connsiteY13"/>
-                </a:cxn>
-                <a:cxn ang="0">
-                  <a:pos x="connsiteX14" y="connsiteY14"/>
-                </a:cxn>
-                <a:cxn ang="0">
-                  <a:pos x="connsiteX15" y="connsiteY15"/>
-                </a:cxn>
-                <a:cxn ang="0">
-                  <a:pos x="connsiteX16" y="connsiteY16"/>
-                </a:cxn>
-                <a:cxn ang="0">
-                  <a:pos x="connsiteX17" y="connsiteY17"/>
-                </a:cxn>
-              </a:cxnLst>
-              <a:rect l="l" t="t" r="r" b="b"/>
-              <a:pathLst>
-                <a:path w="3296088" h="5012722">
-                  <a:moveTo>
-                    <a:pt x="0" y="5012722"/>
-                  </a:moveTo>
-                  <a:cubicBezTo>
-                    <a:pt x="81820" y="4949095"/>
-                    <a:pt x="163544" y="4885468"/>
-                    <a:pt x="244031" y="4820222"/>
-                  </a:cubicBezTo>
-                  <a:cubicBezTo>
-                    <a:pt x="417671" y="4679633"/>
-                    <a:pt x="589883" y="4535139"/>
-                    <a:pt x="729234" y="4360641"/>
-                  </a:cubicBezTo>
-                  <a:cubicBezTo>
-                    <a:pt x="779431" y="4297776"/>
-                    <a:pt x="825818" y="4231958"/>
-                    <a:pt x="881444" y="4173950"/>
-                  </a:cubicBezTo>
-                  <a:cubicBezTo>
-                    <a:pt x="959358" y="4092607"/>
-                    <a:pt x="1054799" y="4031075"/>
-                    <a:pt x="1151287" y="3972877"/>
-                  </a:cubicBezTo>
-                  <a:cubicBezTo>
-                    <a:pt x="1263968" y="3904964"/>
-                    <a:pt x="1379315" y="3841337"/>
-                    <a:pt x="1498664" y="3786188"/>
-                  </a:cubicBezTo>
-                  <a:cubicBezTo>
-                    <a:pt x="1573149" y="3751802"/>
-                    <a:pt x="1649159" y="3720179"/>
-                    <a:pt x="1716881" y="3674174"/>
-                  </a:cubicBezTo>
-                  <a:cubicBezTo>
-                    <a:pt x="1794034" y="3621691"/>
-                    <a:pt x="1856708" y="3551492"/>
-                    <a:pt x="1913573" y="3477387"/>
-                  </a:cubicBezTo>
-                  <a:cubicBezTo>
-                    <a:pt x="2016157" y="3343751"/>
-                    <a:pt x="2099024" y="3196114"/>
-                    <a:pt x="2167700" y="3042190"/>
-                  </a:cubicBezTo>
-                  <a:cubicBezTo>
-                    <a:pt x="2206752" y="2954655"/>
-                    <a:pt x="2241233" y="2865215"/>
-                    <a:pt x="2273903" y="2775014"/>
-                  </a:cubicBezTo>
-                  <a:cubicBezTo>
-                    <a:pt x="2328482" y="2624423"/>
-                    <a:pt x="2379440" y="2471642"/>
-                    <a:pt x="2463356" y="2335530"/>
-                  </a:cubicBezTo>
-                  <a:cubicBezTo>
-                    <a:pt x="2542127" y="2207705"/>
-                    <a:pt x="2647855" y="2099501"/>
-                    <a:pt x="2741866" y="1982248"/>
-                  </a:cubicBezTo>
-                  <a:cubicBezTo>
-                    <a:pt x="2830449" y="1871758"/>
-                    <a:pt x="2908554" y="1753362"/>
-                    <a:pt x="2985897" y="1634681"/>
-                  </a:cubicBezTo>
-                  <a:cubicBezTo>
-                    <a:pt x="3071146" y="1503902"/>
-                    <a:pt x="3156395" y="1372172"/>
-                    <a:pt x="3212687" y="1226820"/>
-                  </a:cubicBezTo>
-                  <a:cubicBezTo>
-                    <a:pt x="3246025" y="1140809"/>
-                    <a:pt x="3268790" y="1051084"/>
-                    <a:pt x="3281553" y="959644"/>
-                  </a:cubicBezTo>
-                  <a:cubicBezTo>
-                    <a:pt x="3293555" y="874014"/>
-                    <a:pt x="3296888" y="787527"/>
-                    <a:pt x="3295936" y="701135"/>
-                  </a:cubicBezTo>
-                  <a:cubicBezTo>
-                    <a:pt x="3294888" y="612172"/>
-                    <a:pt x="3289268" y="523018"/>
-                    <a:pt x="3267266" y="436817"/>
-                  </a:cubicBezTo>
-                  <a:cubicBezTo>
-                    <a:pt x="3227832" y="282416"/>
-                    <a:pt x="3105341" y="0"/>
-                    <a:pt x="3105341" y="0"/>
-                  </a:cubicBezTo>
-                </a:path>
-              </a:pathLst>
-            </a:custGeom>
-            <a:noFill/>
-            <a:ln w="9525" cap="rnd">
-              <a:solidFill>
-                <a:schemeClr val="accent2">
-                  <a:alpha val="50000"/>
-                </a:schemeClr>
-              </a:solidFill>
-              <a:prstDash val="lgDash"/>
-              <a:round/>
-            </a:ln>
-          </p:spPr>
-          <p:txBody>
-            <a:bodyPr rtlCol="0" anchor="ctr"/>
-            <a:lstStyle/>
-            <a:p>
-              <a:endParaRPr lang="en-US"/>
-            </a:p>
-          </p:txBody>
-        </p:sp>
-        <p:sp>
-          <p:nvSpPr>
-            <p:cNvPr id="42" name="Freeform: Shape 41">
-              <a:extLst>
-                <a:ext uri="{FF2B5EF4-FFF2-40B4-BE49-F238E27FC236}">
-                  <a16:creationId xmlns:a16="http://schemas.microsoft.com/office/drawing/2014/main" id="{3C7682BD-43A7-412C-9D1C-C253EDF7FCF2}"/>
-                </a:ext>
-                <a:ext uri="{C183D7F6-B498-43B3-948B-1728B52AA6E4}">
-                  <adec:decorative xmlns:adec="http://schemas.microsoft.com/office/drawing/2017/decorative" val="1"/>
-                </a:ext>
-              </a:extLst>
-            </p:cNvPr>
-            <p:cNvSpPr/>
-            <p:nvPr>
-              <p:extLst>
-                <p:ext uri="{386F3935-93C4-4BCD-93E2-E3B085C9AB24}">
-                  <p16:designElem xmlns:p16="http://schemas.microsoft.com/office/powerpoint/2015/main" val="1"/>
-                </p:ext>
-              </p:extLst>
-            </p:nvPr>
-          </p:nvSpPr>
-          <p:spPr>
-            <a:xfrm>
-              <a:off x="10849" y="15178"/>
-              <a:ext cx="1978674" cy="3074959"/>
-            </a:xfrm>
-            <a:custGeom>
-              <a:avLst/>
-              <a:gdLst>
-                <a:gd name="connsiteX0" fmla="*/ 0 w 2977477"/>
-                <a:gd name="connsiteY0" fmla="*/ 4627150 h 4627149"/>
-                <a:gd name="connsiteX1" fmla="*/ 275082 w 2977477"/>
-                <a:gd name="connsiteY1" fmla="*/ 4341590 h 4627149"/>
-                <a:gd name="connsiteX2" fmla="*/ 502825 w 2977477"/>
-                <a:gd name="connsiteY2" fmla="*/ 4054126 h 4627149"/>
-                <a:gd name="connsiteX3" fmla="*/ 666179 w 2977477"/>
-                <a:gd name="connsiteY3" fmla="*/ 3890677 h 4627149"/>
-                <a:gd name="connsiteX4" fmla="*/ 864203 w 2977477"/>
-                <a:gd name="connsiteY4" fmla="*/ 3675983 h 4627149"/>
-                <a:gd name="connsiteX5" fmla="*/ 982599 w 2977477"/>
-                <a:gd name="connsiteY5" fmla="*/ 3557492 h 4627149"/>
-                <a:gd name="connsiteX6" fmla="*/ 1188244 w 2977477"/>
-                <a:gd name="connsiteY6" fmla="*/ 3329654 h 4627149"/>
-                <a:gd name="connsiteX7" fmla="*/ 1344740 w 2977477"/>
-                <a:gd name="connsiteY7" fmla="*/ 3146774 h 4627149"/>
-                <a:gd name="connsiteX8" fmla="*/ 1470755 w 2977477"/>
-                <a:gd name="connsiteY8" fmla="*/ 2984659 h 4627149"/>
-                <a:gd name="connsiteX9" fmla="*/ 1657636 w 2977477"/>
-                <a:gd name="connsiteY9" fmla="*/ 2670239 h 4627149"/>
-                <a:gd name="connsiteX10" fmla="*/ 1762887 w 2977477"/>
-                <a:gd name="connsiteY10" fmla="*/ 2473547 h 4627149"/>
-                <a:gd name="connsiteX11" fmla="*/ 1866710 w 2977477"/>
-                <a:gd name="connsiteY11" fmla="*/ 2290667 h 4627149"/>
-                <a:gd name="connsiteX12" fmla="*/ 2106263 w 2977477"/>
-                <a:gd name="connsiteY12" fmla="*/ 2030254 h 4627149"/>
-                <a:gd name="connsiteX13" fmla="*/ 2277237 w 2977477"/>
-                <a:gd name="connsiteY13" fmla="*/ 1859185 h 4627149"/>
-                <a:gd name="connsiteX14" fmla="*/ 2499455 w 2977477"/>
-                <a:gd name="connsiteY14" fmla="*/ 1656207 h 4627149"/>
-                <a:gd name="connsiteX15" fmla="*/ 2707100 w 2977477"/>
-                <a:gd name="connsiteY15" fmla="*/ 1390269 h 4627149"/>
-                <a:gd name="connsiteX16" fmla="*/ 2812352 w 2977477"/>
-                <a:gd name="connsiteY16" fmla="*/ 1230916 h 4627149"/>
-                <a:gd name="connsiteX17" fmla="*/ 2898172 w 2977477"/>
-                <a:gd name="connsiteY17" fmla="*/ 1036987 h 4627149"/>
-                <a:gd name="connsiteX18" fmla="*/ 2963228 w 2977477"/>
-                <a:gd name="connsiteY18" fmla="*/ 850011 h 4627149"/>
-                <a:gd name="connsiteX19" fmla="*/ 2977325 w 2977477"/>
-                <a:gd name="connsiteY19" fmla="*/ 745427 h 4627149"/>
-                <a:gd name="connsiteX20" fmla="*/ 2929509 w 2977477"/>
-                <a:gd name="connsiteY20" fmla="*/ 480155 h 4627149"/>
-                <a:gd name="connsiteX21" fmla="*/ 2563082 w 2977477"/>
-                <a:gd name="connsiteY21" fmla="*/ 0 h 4627149"/>
-              </a:gdLst>
-              <a:ahLst/>
-              <a:cxnLst>
-                <a:cxn ang="0">
-                  <a:pos x="connsiteX0" y="connsiteY0"/>
-                </a:cxn>
-                <a:cxn ang="0">
-                  <a:pos x="connsiteX1" y="connsiteY1"/>
-                </a:cxn>
-                <a:cxn ang="0">
-                  <a:pos x="connsiteX2" y="connsiteY2"/>
-                </a:cxn>
-                <a:cxn ang="0">
-                  <a:pos x="connsiteX3" y="connsiteY3"/>
-                </a:cxn>
-                <a:cxn ang="0">
-                  <a:pos x="connsiteX4" y="connsiteY4"/>
-                </a:cxn>
-                <a:cxn ang="0">
-                  <a:pos x="connsiteX5" y="connsiteY5"/>
-                </a:cxn>
-                <a:cxn ang="0">
-                  <a:pos x="connsiteX6" y="connsiteY6"/>
-                </a:cxn>
-                <a:cxn ang="0">
-                  <a:pos x="connsiteX7" y="connsiteY7"/>
-                </a:cxn>
-                <a:cxn ang="0">
-                  <a:pos x="connsiteX8" y="connsiteY8"/>
-                </a:cxn>
-                <a:cxn ang="0">
-                  <a:pos x="connsiteX9" y="connsiteY9"/>
-                </a:cxn>
-                <a:cxn ang="0">
-                  <a:pos x="connsiteX10" y="connsiteY10"/>
-                </a:cxn>
-                <a:cxn ang="0">
-                  <a:pos x="connsiteX11" y="connsiteY11"/>
-                </a:cxn>
-                <a:cxn ang="0">
-                  <a:pos x="connsiteX12" y="connsiteY12"/>
-                </a:cxn>
-                <a:cxn ang="0">
-                  <a:pos x="connsiteX13" y="connsiteY13"/>
-                </a:cxn>
-                <a:cxn ang="0">
-                  <a:pos x="connsiteX14" y="connsiteY14"/>
-                </a:cxn>
-                <a:cxn ang="0">
-                  <a:pos x="connsiteX15" y="connsiteY15"/>
-                </a:cxn>
-                <a:cxn ang="0">
-                  <a:pos x="connsiteX16" y="connsiteY16"/>
-                </a:cxn>
-                <a:cxn ang="0">
-                  <a:pos x="connsiteX17" y="connsiteY17"/>
-                </a:cxn>
-                <a:cxn ang="0">
-                  <a:pos x="connsiteX18" y="connsiteY18"/>
-                </a:cxn>
-                <a:cxn ang="0">
-                  <a:pos x="connsiteX19" y="connsiteY19"/>
-                </a:cxn>
-                <a:cxn ang="0">
-                  <a:pos x="connsiteX20" y="connsiteY20"/>
-                </a:cxn>
-                <a:cxn ang="0">
-                  <a:pos x="connsiteX21" y="connsiteY21"/>
-                </a:cxn>
-              </a:cxnLst>
-              <a:rect l="l" t="t" r="r" b="b"/>
-              <a:pathLst>
-                <a:path w="2977477" h="4627149">
-                  <a:moveTo>
-                    <a:pt x="0" y="4627150"/>
-                  </a:moveTo>
-                  <a:cubicBezTo>
-                    <a:pt x="79820" y="4552283"/>
-                    <a:pt x="203835" y="4424648"/>
-                    <a:pt x="275082" y="4341590"/>
-                  </a:cubicBezTo>
-                  <a:cubicBezTo>
-                    <a:pt x="354711" y="4248722"/>
-                    <a:pt x="421005" y="4145090"/>
-                    <a:pt x="502825" y="4054126"/>
-                  </a:cubicBezTo>
-                  <a:cubicBezTo>
-                    <a:pt x="554355" y="3996881"/>
-                    <a:pt x="612362" y="3945827"/>
-                    <a:pt x="666179" y="3890677"/>
-                  </a:cubicBezTo>
-                  <a:cubicBezTo>
-                    <a:pt x="734187" y="3821049"/>
-                    <a:pt x="796671" y="3746183"/>
-                    <a:pt x="864203" y="3675983"/>
-                  </a:cubicBezTo>
-                  <a:cubicBezTo>
-                    <a:pt x="902875" y="3635788"/>
-                    <a:pt x="943642" y="3597593"/>
-                    <a:pt x="982599" y="3557492"/>
-                  </a:cubicBezTo>
-                  <a:cubicBezTo>
-                    <a:pt x="1053941" y="3484150"/>
-                    <a:pt x="1121378" y="3407093"/>
-                    <a:pt x="1188244" y="3329654"/>
-                  </a:cubicBezTo>
-                  <a:cubicBezTo>
-                    <a:pt x="1240631" y="3268885"/>
-                    <a:pt x="1293495" y="3208496"/>
-                    <a:pt x="1344740" y="3146774"/>
-                  </a:cubicBezTo>
-                  <a:cubicBezTo>
-                    <a:pt x="1388459" y="3094101"/>
-                    <a:pt x="1431512" y="3040761"/>
-                    <a:pt x="1470755" y="2984659"/>
-                  </a:cubicBezTo>
-                  <a:cubicBezTo>
-                    <a:pt x="1540764" y="2884646"/>
-                    <a:pt x="1598771" y="2777109"/>
-                    <a:pt x="1657636" y="2670239"/>
-                  </a:cubicBezTo>
-                  <a:cubicBezTo>
-                    <a:pt x="1693545" y="2605088"/>
-                    <a:pt x="1728502" y="2539460"/>
-                    <a:pt x="1762887" y="2473547"/>
-                  </a:cubicBezTo>
-                  <a:cubicBezTo>
-                    <a:pt x="1795367" y="2411349"/>
-                    <a:pt x="1826419" y="2348103"/>
-                    <a:pt x="1866710" y="2290667"/>
-                  </a:cubicBezTo>
-                  <a:cubicBezTo>
-                    <a:pt x="1934623" y="2193893"/>
-                    <a:pt x="2022729" y="2114169"/>
-                    <a:pt x="2106263" y="2030254"/>
-                  </a:cubicBezTo>
-                  <a:cubicBezTo>
-                    <a:pt x="2163128" y="1973104"/>
-                    <a:pt x="2218182" y="1914049"/>
-                    <a:pt x="2277237" y="1859185"/>
-                  </a:cubicBezTo>
-                  <a:cubicBezTo>
-                    <a:pt x="2350770" y="1790891"/>
-                    <a:pt x="2430304" y="1728978"/>
-                    <a:pt x="2499455" y="1656207"/>
-                  </a:cubicBezTo>
-                  <a:cubicBezTo>
-                    <a:pt x="2576989" y="1574578"/>
-                    <a:pt x="2641568" y="1481900"/>
-                    <a:pt x="2707100" y="1390269"/>
-                  </a:cubicBezTo>
-                  <a:cubicBezTo>
-                    <a:pt x="2744153" y="1338453"/>
-                    <a:pt x="2781586" y="1286732"/>
-                    <a:pt x="2812352" y="1230916"/>
-                  </a:cubicBezTo>
-                  <a:cubicBezTo>
-                    <a:pt x="2846546" y="1168908"/>
-                    <a:pt x="2872550" y="1102900"/>
-                    <a:pt x="2898172" y="1036987"/>
-                  </a:cubicBezTo>
-                  <a:cubicBezTo>
-                    <a:pt x="2922175" y="975455"/>
-                    <a:pt x="2948273" y="914305"/>
-                    <a:pt x="2963228" y="850011"/>
-                  </a:cubicBezTo>
-                  <a:cubicBezTo>
-                    <a:pt x="2971229" y="815626"/>
-                    <a:pt x="2976563" y="780764"/>
-                    <a:pt x="2977325" y="745427"/>
-                  </a:cubicBezTo>
-                  <a:cubicBezTo>
-                    <a:pt x="2979230" y="654844"/>
-                    <a:pt x="2963323" y="564261"/>
-                    <a:pt x="2929509" y="480155"/>
-                  </a:cubicBezTo>
-                  <a:cubicBezTo>
-                    <a:pt x="2851309" y="285655"/>
-                    <a:pt x="2563082" y="0"/>
-                    <a:pt x="2563082" y="0"/>
-                  </a:cubicBezTo>
-                </a:path>
-              </a:pathLst>
-            </a:custGeom>
-            <a:noFill/>
-            <a:ln w="9525" cap="rnd">
-              <a:solidFill>
-                <a:schemeClr val="accent2">
-                  <a:alpha val="50000"/>
-                </a:schemeClr>
-              </a:solidFill>
-              <a:prstDash val="lgDash"/>
-              <a:round/>
-            </a:ln>
-          </p:spPr>
-          <p:txBody>
-            <a:bodyPr rtlCol="0" anchor="ctr"/>
-            <a:lstStyle/>
-            <a:p>
-              <a:endParaRPr lang="en-US"/>
-            </a:p>
-          </p:txBody>
-        </p:sp>
-        <p:sp>
-          <p:nvSpPr>
-            <p:cNvPr id="43" name="Freeform: Shape 42">
-              <a:extLst>
-                <a:ext uri="{FF2B5EF4-FFF2-40B4-BE49-F238E27FC236}">
-                  <a16:creationId xmlns:a16="http://schemas.microsoft.com/office/drawing/2014/main" id="{CE322CA5-5700-49C5-B2F4-5451AEC68B61}"/>
-                </a:ext>
-                <a:ext uri="{C183D7F6-B498-43B3-948B-1728B52AA6E4}">
-                  <adec:decorative xmlns:adec="http://schemas.microsoft.com/office/drawing/2017/decorative" val="1"/>
-                </a:ext>
-              </a:extLst>
-            </p:cNvPr>
-            <p:cNvSpPr/>
-            <p:nvPr>
-              <p:extLst>
-                <p:ext uri="{386F3935-93C4-4BCD-93E2-E3B085C9AB24}">
-                  <p16:designElem xmlns:p16="http://schemas.microsoft.com/office/powerpoint/2015/main" val="1"/>
-                </p:ext>
-              </p:extLst>
-            </p:nvPr>
-          </p:nvSpPr>
-          <p:spPr>
-            <a:xfrm>
-              <a:off x="25092" y="15178"/>
-              <a:ext cx="1566146" cy="2737264"/>
-            </a:xfrm>
-            <a:custGeom>
-              <a:avLst/>
-              <a:gdLst>
-                <a:gd name="connsiteX0" fmla="*/ 1707071 w 2356712"/>
-                <a:gd name="connsiteY0" fmla="*/ 0 h 4118991"/>
-                <a:gd name="connsiteX1" fmla="*/ 1824514 w 2356712"/>
-                <a:gd name="connsiteY1" fmla="*/ 244697 h 4118991"/>
-                <a:gd name="connsiteX2" fmla="*/ 1908715 w 2356712"/>
-                <a:gd name="connsiteY2" fmla="*/ 328994 h 4118991"/>
-                <a:gd name="connsiteX3" fmla="*/ 2226469 w 2356712"/>
-                <a:gd name="connsiteY3" fmla="*/ 603695 h 4118991"/>
-                <a:gd name="connsiteX4" fmla="*/ 2355628 w 2356712"/>
-                <a:gd name="connsiteY4" fmla="*/ 900494 h 4118991"/>
-                <a:gd name="connsiteX5" fmla="*/ 2281428 w 2356712"/>
-                <a:gd name="connsiteY5" fmla="*/ 1206913 h 4118991"/>
-                <a:gd name="connsiteX6" fmla="*/ 2092452 w 2356712"/>
-                <a:gd name="connsiteY6" fmla="*/ 1460659 h 4118991"/>
-                <a:gd name="connsiteX7" fmla="*/ 1834039 w 2356712"/>
-                <a:gd name="connsiteY7" fmla="*/ 1625822 h 4118991"/>
-                <a:gd name="connsiteX8" fmla="*/ 1558862 w 2356712"/>
-                <a:gd name="connsiteY8" fmla="*/ 1743075 h 4118991"/>
-                <a:gd name="connsiteX9" fmla="*/ 1386554 w 2356712"/>
-                <a:gd name="connsiteY9" fmla="*/ 1869948 h 4118991"/>
-                <a:gd name="connsiteX10" fmla="*/ 1271683 w 2356712"/>
-                <a:gd name="connsiteY10" fmla="*/ 2073402 h 4118991"/>
-                <a:gd name="connsiteX11" fmla="*/ 1178338 w 2356712"/>
-                <a:gd name="connsiteY11" fmla="*/ 2355914 h 4118991"/>
-                <a:gd name="connsiteX12" fmla="*/ 1113758 w 2356712"/>
-                <a:gd name="connsiteY12" fmla="*/ 2578513 h 4118991"/>
-                <a:gd name="connsiteX13" fmla="*/ 1034796 w 2356712"/>
-                <a:gd name="connsiteY13" fmla="*/ 2834640 h 4118991"/>
-                <a:gd name="connsiteX14" fmla="*/ 905637 w 2356712"/>
-                <a:gd name="connsiteY14" fmla="*/ 3081242 h 4118991"/>
-                <a:gd name="connsiteX15" fmla="*/ 793147 w 2356712"/>
-                <a:gd name="connsiteY15" fmla="*/ 3258407 h 4118991"/>
-                <a:gd name="connsiteX16" fmla="*/ 546735 w 2356712"/>
-                <a:gd name="connsiteY16" fmla="*/ 3571970 h 4118991"/>
-                <a:gd name="connsiteX17" fmla="*/ 346996 w 2356712"/>
-                <a:gd name="connsiteY17" fmla="*/ 3771900 h 4118991"/>
-                <a:gd name="connsiteX18" fmla="*/ 174689 w 2356712"/>
-                <a:gd name="connsiteY18" fmla="*/ 3944207 h 4118991"/>
-                <a:gd name="connsiteX19" fmla="*/ 0 w 2356712"/>
-                <a:gd name="connsiteY19" fmla="*/ 4118991 h 4118991"/>
-              </a:gdLst>
-              <a:ahLst/>
-              <a:cxnLst>
-                <a:cxn ang="0">
-                  <a:pos x="connsiteX0" y="connsiteY0"/>
-                </a:cxn>
-                <a:cxn ang="0">
-                  <a:pos x="connsiteX1" y="connsiteY1"/>
-                </a:cxn>
-                <a:cxn ang="0">
-                  <a:pos x="connsiteX2" y="connsiteY2"/>
-                </a:cxn>
-                <a:cxn ang="0">
-                  <a:pos x="connsiteX3" y="connsiteY3"/>
-                </a:cxn>
-                <a:cxn ang="0">
-                  <a:pos x="connsiteX4" y="connsiteY4"/>
-                </a:cxn>
-                <a:cxn ang="0">
-                  <a:pos x="connsiteX5" y="connsiteY5"/>
-                </a:cxn>
-                <a:cxn ang="0">
-                  <a:pos x="connsiteX6" y="connsiteY6"/>
-                </a:cxn>
-                <a:cxn ang="0">
-                  <a:pos x="connsiteX7" y="connsiteY7"/>
-                </a:cxn>
-                <a:cxn ang="0">
-                  <a:pos x="connsiteX8" y="connsiteY8"/>
-                </a:cxn>
-                <a:cxn ang="0">
-                  <a:pos x="connsiteX9" y="connsiteY9"/>
-                </a:cxn>
-                <a:cxn ang="0">
-                  <a:pos x="connsiteX10" y="connsiteY10"/>
-                </a:cxn>
-                <a:cxn ang="0">
-                  <a:pos x="connsiteX11" y="connsiteY11"/>
-                </a:cxn>
-                <a:cxn ang="0">
-                  <a:pos x="connsiteX12" y="connsiteY12"/>
-                </a:cxn>
-                <a:cxn ang="0">
-                  <a:pos x="connsiteX13" y="connsiteY13"/>
-                </a:cxn>
-                <a:cxn ang="0">
-                  <a:pos x="connsiteX14" y="connsiteY14"/>
-                </a:cxn>
-                <a:cxn ang="0">
-                  <a:pos x="connsiteX15" y="connsiteY15"/>
-                </a:cxn>
-                <a:cxn ang="0">
-                  <a:pos x="connsiteX16" y="connsiteY16"/>
-                </a:cxn>
-                <a:cxn ang="0">
-                  <a:pos x="connsiteX17" y="connsiteY17"/>
-                </a:cxn>
-                <a:cxn ang="0">
-                  <a:pos x="connsiteX18" y="connsiteY18"/>
-                </a:cxn>
-                <a:cxn ang="0">
-                  <a:pos x="connsiteX19" y="connsiteY19"/>
-                </a:cxn>
-              </a:cxnLst>
-              <a:rect l="l" t="t" r="r" b="b"/>
-              <a:pathLst>
-                <a:path w="2356712" h="4118991">
-                  <a:moveTo>
-                    <a:pt x="1707071" y="0"/>
-                  </a:moveTo>
-                  <a:cubicBezTo>
-                    <a:pt x="1715357" y="22098"/>
-                    <a:pt x="1812608" y="224409"/>
-                    <a:pt x="1824514" y="244697"/>
-                  </a:cubicBezTo>
-                  <a:cubicBezTo>
-                    <a:pt x="1844802" y="279273"/>
-                    <a:pt x="1876996" y="304324"/>
-                    <a:pt x="1908715" y="328994"/>
-                  </a:cubicBezTo>
-                  <a:cubicBezTo>
-                    <a:pt x="2019967" y="415195"/>
-                    <a:pt x="2137886" y="494633"/>
-                    <a:pt x="2226469" y="603695"/>
-                  </a:cubicBezTo>
-                  <a:cubicBezTo>
-                    <a:pt x="2296287" y="689610"/>
-                    <a:pt x="2347817" y="790480"/>
-                    <a:pt x="2355628" y="900494"/>
-                  </a:cubicBezTo>
-                  <a:cubicBezTo>
-                    <a:pt x="2363248" y="1007078"/>
-                    <a:pt x="2329910" y="1111187"/>
-                    <a:pt x="2281428" y="1206913"/>
-                  </a:cubicBezTo>
-                  <a:cubicBezTo>
-                    <a:pt x="2233422" y="1301877"/>
-                    <a:pt x="2170938" y="1388936"/>
-                    <a:pt x="2092452" y="1460659"/>
-                  </a:cubicBezTo>
-                  <a:cubicBezTo>
-                    <a:pt x="2016538" y="1530001"/>
-                    <a:pt x="1927765" y="1583436"/>
-                    <a:pt x="1834039" y="1625822"/>
-                  </a:cubicBezTo>
-                  <a:cubicBezTo>
-                    <a:pt x="1743075" y="1666970"/>
-                    <a:pt x="1647730" y="1697736"/>
-                    <a:pt x="1558862" y="1743075"/>
-                  </a:cubicBezTo>
-                  <a:cubicBezTo>
-                    <a:pt x="1494758" y="1775841"/>
-                    <a:pt x="1434275" y="1816132"/>
-                    <a:pt x="1386554" y="1869948"/>
-                  </a:cubicBezTo>
-                  <a:cubicBezTo>
-                    <a:pt x="1334548" y="1928622"/>
-                    <a:pt x="1300544" y="2000345"/>
-                    <a:pt x="1271683" y="2073402"/>
-                  </a:cubicBezTo>
-                  <a:cubicBezTo>
-                    <a:pt x="1235202" y="2165699"/>
-                    <a:pt x="1206722" y="2260759"/>
-                    <a:pt x="1178338" y="2355914"/>
-                  </a:cubicBezTo>
-                  <a:cubicBezTo>
-                    <a:pt x="1156240" y="2429923"/>
-                    <a:pt x="1134237" y="2504028"/>
-                    <a:pt x="1113758" y="2578513"/>
-                  </a:cubicBezTo>
-                  <a:cubicBezTo>
-                    <a:pt x="1090041" y="2664714"/>
-                    <a:pt x="1068134" y="2751678"/>
-                    <a:pt x="1034796" y="2834640"/>
-                  </a:cubicBezTo>
-                  <a:cubicBezTo>
-                    <a:pt x="1000125" y="2920841"/>
-                    <a:pt x="953643" y="3001613"/>
-                    <a:pt x="905637" y="3081242"/>
-                  </a:cubicBezTo>
-                  <a:cubicBezTo>
-                    <a:pt x="869442" y="3141155"/>
-                    <a:pt x="832295" y="3200400"/>
-                    <a:pt x="793147" y="3258407"/>
-                  </a:cubicBezTo>
-                  <a:cubicBezTo>
-                    <a:pt x="718661" y="3368802"/>
-                    <a:pt x="637223" y="3474434"/>
-                    <a:pt x="546735" y="3571970"/>
-                  </a:cubicBezTo>
-                  <a:cubicBezTo>
-                    <a:pt x="482632" y="3641027"/>
-                    <a:pt x="414147" y="3705797"/>
-                    <a:pt x="346996" y="3771900"/>
-                  </a:cubicBezTo>
-                  <a:cubicBezTo>
-                    <a:pt x="288989" y="3828764"/>
-                    <a:pt x="232029" y="3886676"/>
-                    <a:pt x="174689" y="3944207"/>
-                  </a:cubicBezTo>
-                  <a:cubicBezTo>
-                    <a:pt x="116586" y="4002596"/>
-                    <a:pt x="58293" y="4060698"/>
-                    <a:pt x="0" y="4118991"/>
-                  </a:cubicBezTo>
-                </a:path>
-              </a:pathLst>
-            </a:custGeom>
-            <a:noFill/>
-            <a:ln w="9525" cap="rnd">
-              <a:solidFill>
-                <a:schemeClr val="accent2">
-                  <a:alpha val="50000"/>
-                </a:schemeClr>
-              </a:solidFill>
-              <a:prstDash val="lgDash"/>
-              <a:round/>
-            </a:ln>
-          </p:spPr>
-          <p:txBody>
-            <a:bodyPr rtlCol="0" anchor="ctr"/>
-            <a:lstStyle/>
-            <a:p>
-              <a:endParaRPr lang="en-US"/>
-            </a:p>
-          </p:txBody>
-        </p:sp>
-        <p:sp>
-          <p:nvSpPr>
-            <p:cNvPr id="44" name="Freeform: Shape 43">
-              <a:extLst>
-                <a:ext uri="{FF2B5EF4-FFF2-40B4-BE49-F238E27FC236}">
-                  <a16:creationId xmlns:a16="http://schemas.microsoft.com/office/drawing/2014/main" id="{7FF4B5E5-C2CB-47A0-BDC9-D9560C77B396}"/>
-                </a:ext>
-                <a:ext uri="{C183D7F6-B498-43B3-948B-1728B52AA6E4}">
-                  <adec:decorative xmlns:adec="http://schemas.microsoft.com/office/drawing/2017/decorative" val="1"/>
-                </a:ext>
-              </a:extLst>
-            </p:cNvPr>
-            <p:cNvSpPr/>
-            <p:nvPr>
-              <p:extLst>
-                <p:ext uri="{386F3935-93C4-4BCD-93E2-E3B085C9AB24}">
-                  <p16:designElem xmlns:p16="http://schemas.microsoft.com/office/powerpoint/2015/main" val="1"/>
-                </p:ext>
-              </p:extLst>
-            </p:nvPr>
-          </p:nvSpPr>
-          <p:spPr>
-            <a:xfrm>
-              <a:off x="10849" y="15178"/>
-              <a:ext cx="1368431" cy="2644975"/>
-            </a:xfrm>
-            <a:custGeom>
-              <a:avLst/>
-              <a:gdLst>
-                <a:gd name="connsiteX0" fmla="*/ 0 w 2059193"/>
-                <a:gd name="connsiteY0" fmla="*/ 3980116 h 3980116"/>
-                <a:gd name="connsiteX1" fmla="*/ 471583 w 2059193"/>
-                <a:gd name="connsiteY1" fmla="*/ 3515678 h 3980116"/>
-                <a:gd name="connsiteX2" fmla="*/ 758666 w 2059193"/>
-                <a:gd name="connsiteY2" fmla="*/ 3163824 h 3980116"/>
-                <a:gd name="connsiteX3" fmla="*/ 940499 w 2059193"/>
-                <a:gd name="connsiteY3" fmla="*/ 2780824 h 3980116"/>
-                <a:gd name="connsiteX4" fmla="*/ 1055370 w 2059193"/>
-                <a:gd name="connsiteY4" fmla="*/ 2242185 h 3980116"/>
-                <a:gd name="connsiteX5" fmla="*/ 1136714 w 2059193"/>
-                <a:gd name="connsiteY5" fmla="*/ 1878330 h 3980116"/>
-                <a:gd name="connsiteX6" fmla="*/ 1246727 w 2059193"/>
-                <a:gd name="connsiteY6" fmla="*/ 1562386 h 3980116"/>
-                <a:gd name="connsiteX7" fmla="*/ 1378363 w 2059193"/>
-                <a:gd name="connsiteY7" fmla="*/ 1430750 h 3980116"/>
-                <a:gd name="connsiteX8" fmla="*/ 1691831 w 2059193"/>
-                <a:gd name="connsiteY8" fmla="*/ 1394841 h 3980116"/>
-                <a:gd name="connsiteX9" fmla="*/ 1914335 w 2059193"/>
-                <a:gd name="connsiteY9" fmla="*/ 1323023 h 3980116"/>
-                <a:gd name="connsiteX10" fmla="*/ 2055495 w 2059193"/>
-                <a:gd name="connsiteY10" fmla="*/ 1098042 h 3980116"/>
-                <a:gd name="connsiteX11" fmla="*/ 2033969 w 2059193"/>
-                <a:gd name="connsiteY11" fmla="*/ 930497 h 3980116"/>
-                <a:gd name="connsiteX12" fmla="*/ 1885664 w 2059193"/>
-                <a:gd name="connsiteY12" fmla="*/ 760571 h 3980116"/>
-                <a:gd name="connsiteX13" fmla="*/ 1636871 w 2059193"/>
-                <a:gd name="connsiteY13" fmla="*/ 612172 h 3980116"/>
-                <a:gd name="connsiteX14" fmla="*/ 1335405 w 2059193"/>
-                <a:gd name="connsiteY14" fmla="*/ 459010 h 3980116"/>
-                <a:gd name="connsiteX15" fmla="*/ 1234916 w 2059193"/>
-                <a:gd name="connsiteY15" fmla="*/ 269939 h 3980116"/>
-                <a:gd name="connsiteX16" fmla="*/ 1386935 w 2059193"/>
-                <a:gd name="connsiteY16" fmla="*/ 0 h 3980116"/>
-              </a:gdLst>
-              <a:ahLst/>
-              <a:cxnLst>
-                <a:cxn ang="0">
-                  <a:pos x="connsiteX0" y="connsiteY0"/>
-                </a:cxn>
-                <a:cxn ang="0">
-                  <a:pos x="connsiteX1" y="connsiteY1"/>
-                </a:cxn>
-                <a:cxn ang="0">
-                  <a:pos x="connsiteX2" y="connsiteY2"/>
-                </a:cxn>
-                <a:cxn ang="0">
-                  <a:pos x="connsiteX3" y="connsiteY3"/>
-                </a:cxn>
-                <a:cxn ang="0">
-                  <a:pos x="connsiteX4" y="connsiteY4"/>
-                </a:cxn>
-                <a:cxn ang="0">
-                  <a:pos x="connsiteX5" y="connsiteY5"/>
-                </a:cxn>
-                <a:cxn ang="0">
-                  <a:pos x="connsiteX6" y="connsiteY6"/>
-                </a:cxn>
-                <a:cxn ang="0">
-                  <a:pos x="connsiteX7" y="connsiteY7"/>
-                </a:cxn>
-                <a:cxn ang="0">
-                  <a:pos x="connsiteX8" y="connsiteY8"/>
-                </a:cxn>
-                <a:cxn ang="0">
-                  <a:pos x="connsiteX9" y="connsiteY9"/>
-                </a:cxn>
-                <a:cxn ang="0">
-                  <a:pos x="connsiteX10" y="connsiteY10"/>
-                </a:cxn>
-                <a:cxn ang="0">
-                  <a:pos x="connsiteX11" y="connsiteY11"/>
-                </a:cxn>
-                <a:cxn ang="0">
-                  <a:pos x="connsiteX12" y="connsiteY12"/>
-                </a:cxn>
-                <a:cxn ang="0">
-                  <a:pos x="connsiteX13" y="connsiteY13"/>
-                </a:cxn>
-                <a:cxn ang="0">
-                  <a:pos x="connsiteX14" y="connsiteY14"/>
-                </a:cxn>
-                <a:cxn ang="0">
-                  <a:pos x="connsiteX15" y="connsiteY15"/>
-                </a:cxn>
-                <a:cxn ang="0">
-                  <a:pos x="connsiteX16" y="connsiteY16"/>
-                </a:cxn>
-              </a:cxnLst>
-              <a:rect l="l" t="t" r="r" b="b"/>
-              <a:pathLst>
-                <a:path w="2059193" h="3980116">
-                  <a:moveTo>
-                    <a:pt x="0" y="3980116"/>
-                  </a:moveTo>
-                  <a:cubicBezTo>
-                    <a:pt x="91345" y="3889534"/>
-                    <a:pt x="382715" y="3608737"/>
-                    <a:pt x="471583" y="3515678"/>
-                  </a:cubicBezTo>
-                  <a:cubicBezTo>
-                    <a:pt x="576358" y="3405949"/>
-                    <a:pt x="675989" y="3290983"/>
-                    <a:pt x="758666" y="3163824"/>
-                  </a:cubicBezTo>
-                  <a:cubicBezTo>
-                    <a:pt x="836105" y="3044857"/>
-                    <a:pt x="897445" y="2916079"/>
-                    <a:pt x="940499" y="2780824"/>
-                  </a:cubicBezTo>
-                  <a:cubicBezTo>
-                    <a:pt x="996315" y="2605754"/>
-                    <a:pt x="1020985" y="2422874"/>
-                    <a:pt x="1055370" y="2242185"/>
-                  </a:cubicBezTo>
-                  <a:cubicBezTo>
-                    <a:pt x="1078611" y="2120075"/>
-                    <a:pt x="1107472" y="1999107"/>
-                    <a:pt x="1136714" y="1878330"/>
-                  </a:cubicBezTo>
-                  <a:cubicBezTo>
-                    <a:pt x="1163098" y="1769174"/>
-                    <a:pt x="1189482" y="1658588"/>
-                    <a:pt x="1246727" y="1562386"/>
-                  </a:cubicBezTo>
-                  <a:cubicBezTo>
-                    <a:pt x="1279208" y="1507808"/>
-                    <a:pt x="1321689" y="1459039"/>
-                    <a:pt x="1378363" y="1430750"/>
-                  </a:cubicBezTo>
-                  <a:cubicBezTo>
-                    <a:pt x="1473327" y="1383221"/>
-                    <a:pt x="1584865" y="1402652"/>
-                    <a:pt x="1691831" y="1394841"/>
-                  </a:cubicBezTo>
-                  <a:cubicBezTo>
-                    <a:pt x="1771079" y="1389031"/>
-                    <a:pt x="1849279" y="1368266"/>
-                    <a:pt x="1914335" y="1323023"/>
-                  </a:cubicBezTo>
-                  <a:cubicBezTo>
-                    <a:pt x="1989963" y="1270445"/>
-                    <a:pt x="2041493" y="1189101"/>
-                    <a:pt x="2055495" y="1098042"/>
-                  </a:cubicBezTo>
-                  <a:cubicBezTo>
-                    <a:pt x="2064258" y="1041178"/>
-                    <a:pt x="2057591" y="982980"/>
-                    <a:pt x="2033969" y="930497"/>
-                  </a:cubicBezTo>
-                  <a:cubicBezTo>
-                    <a:pt x="2002727" y="861060"/>
-                    <a:pt x="1945958" y="807625"/>
-                    <a:pt x="1885664" y="760571"/>
-                  </a:cubicBezTo>
-                  <a:cubicBezTo>
-                    <a:pt x="1809179" y="700945"/>
-                    <a:pt x="1725549" y="651415"/>
-                    <a:pt x="1636871" y="612172"/>
-                  </a:cubicBezTo>
-                  <a:cubicBezTo>
-                    <a:pt x="1532763" y="566071"/>
-                    <a:pt x="1421606" y="532543"/>
-                    <a:pt x="1335405" y="459010"/>
-                  </a:cubicBezTo>
-                  <a:cubicBezTo>
-                    <a:pt x="1277969" y="409956"/>
-                    <a:pt x="1232059" y="344615"/>
-                    <a:pt x="1234916" y="269939"/>
-                  </a:cubicBezTo>
-                  <a:cubicBezTo>
-                    <a:pt x="1237012" y="211741"/>
-                    <a:pt x="1386935" y="0"/>
-                    <a:pt x="1386935" y="0"/>
-                  </a:cubicBezTo>
-                </a:path>
-              </a:pathLst>
-            </a:custGeom>
-            <a:noFill/>
-            <a:ln w="9525" cap="rnd">
-              <a:solidFill>
-                <a:schemeClr val="accent2">
-                  <a:alpha val="50000"/>
-                </a:schemeClr>
-              </a:solidFill>
-              <a:prstDash val="lgDash"/>
-              <a:round/>
-            </a:ln>
-          </p:spPr>
-          <p:txBody>
-            <a:bodyPr rtlCol="0" anchor="ctr"/>
-            <a:lstStyle/>
-            <a:p>
-              <a:endParaRPr lang="en-US"/>
-            </a:p>
-          </p:txBody>
-        </p:sp>
-        <p:sp>
-          <p:nvSpPr>
-            <p:cNvPr id="45" name="Freeform: Shape 44">
-              <a:extLst>
-                <a:ext uri="{FF2B5EF4-FFF2-40B4-BE49-F238E27FC236}">
-                  <a16:creationId xmlns:a16="http://schemas.microsoft.com/office/drawing/2014/main" id="{DC206FD4-2993-45C6-A6D2-945277425E53}"/>
-                </a:ext>
-                <a:ext uri="{C183D7F6-B498-43B3-948B-1728B52AA6E4}">
-                  <adec:decorative xmlns:adec="http://schemas.microsoft.com/office/drawing/2017/decorative" val="1"/>
-                </a:ext>
-              </a:extLst>
-            </p:cNvPr>
-            <p:cNvSpPr/>
-            <p:nvPr>
-              <p:extLst>
-                <p:ext uri="{386F3935-93C4-4BCD-93E2-E3B085C9AB24}">
-                  <p16:designElem xmlns:p16="http://schemas.microsoft.com/office/powerpoint/2015/main" val="1"/>
-                </p:ext>
-              </p:extLst>
-            </p:nvPr>
-          </p:nvSpPr>
-          <p:spPr>
-            <a:xfrm>
-              <a:off x="18825" y="543780"/>
-              <a:ext cx="494287" cy="1905590"/>
-            </a:xfrm>
-            <a:custGeom>
-              <a:avLst/>
-              <a:gdLst>
-                <a:gd name="connsiteX0" fmla="*/ 11144 w 743796"/>
-                <a:gd name="connsiteY0" fmla="*/ 0 h 2867501"/>
-                <a:gd name="connsiteX1" fmla="*/ 353663 w 743796"/>
-                <a:gd name="connsiteY1" fmla="*/ 55245 h 2867501"/>
-                <a:gd name="connsiteX2" fmla="*/ 571405 w 743796"/>
-                <a:gd name="connsiteY2" fmla="*/ 179737 h 2867501"/>
-                <a:gd name="connsiteX3" fmla="*/ 688658 w 743796"/>
-                <a:gd name="connsiteY3" fmla="*/ 368808 h 2867501"/>
-                <a:gd name="connsiteX4" fmla="*/ 731711 w 743796"/>
-                <a:gd name="connsiteY4" fmla="*/ 612934 h 2867501"/>
-                <a:gd name="connsiteX5" fmla="*/ 725233 w 743796"/>
-                <a:gd name="connsiteY5" fmla="*/ 995648 h 2867501"/>
-                <a:gd name="connsiteX6" fmla="*/ 742855 w 743796"/>
-                <a:gd name="connsiteY6" fmla="*/ 1499330 h 2867501"/>
-                <a:gd name="connsiteX7" fmla="*/ 707898 w 743796"/>
-                <a:gd name="connsiteY7" fmla="*/ 1793081 h 2867501"/>
-                <a:gd name="connsiteX8" fmla="*/ 633222 w 743796"/>
-                <a:gd name="connsiteY8" fmla="*/ 2073592 h 2867501"/>
-                <a:gd name="connsiteX9" fmla="*/ 404527 w 743796"/>
-                <a:gd name="connsiteY9" fmla="*/ 2472404 h 2867501"/>
-                <a:gd name="connsiteX10" fmla="*/ 0 w 743796"/>
-                <a:gd name="connsiteY10" fmla="*/ 2867501 h 2867501"/>
-              </a:gdLst>
-              <a:ahLst/>
-              <a:cxnLst>
-                <a:cxn ang="0">
-                  <a:pos x="connsiteX0" y="connsiteY0"/>
-                </a:cxn>
-                <a:cxn ang="0">
-                  <a:pos x="connsiteX1" y="connsiteY1"/>
-                </a:cxn>
-                <a:cxn ang="0">
-                  <a:pos x="connsiteX2" y="connsiteY2"/>
-                </a:cxn>
-                <a:cxn ang="0">
-                  <a:pos x="connsiteX3" y="connsiteY3"/>
-                </a:cxn>
-                <a:cxn ang="0">
-                  <a:pos x="connsiteX4" y="connsiteY4"/>
-                </a:cxn>
-                <a:cxn ang="0">
-                  <a:pos x="connsiteX5" y="connsiteY5"/>
-                </a:cxn>
-                <a:cxn ang="0">
-                  <a:pos x="connsiteX6" y="connsiteY6"/>
-                </a:cxn>
-                <a:cxn ang="0">
-                  <a:pos x="connsiteX7" y="connsiteY7"/>
-                </a:cxn>
-                <a:cxn ang="0">
-                  <a:pos x="connsiteX8" y="connsiteY8"/>
-                </a:cxn>
-                <a:cxn ang="0">
-                  <a:pos x="connsiteX9" y="connsiteY9"/>
-                </a:cxn>
-                <a:cxn ang="0">
-                  <a:pos x="connsiteX10" y="connsiteY10"/>
-                </a:cxn>
-              </a:cxnLst>
-              <a:rect l="l" t="t" r="r" b="b"/>
-              <a:pathLst>
-                <a:path w="743796" h="2867501">
-                  <a:moveTo>
-                    <a:pt x="11144" y="0"/>
-                  </a:moveTo>
-                  <a:cubicBezTo>
-                    <a:pt x="101060" y="2953"/>
-                    <a:pt x="268796" y="25146"/>
-                    <a:pt x="353663" y="55245"/>
-                  </a:cubicBezTo>
-                  <a:cubicBezTo>
-                    <a:pt x="433483" y="83534"/>
-                    <a:pt x="510635" y="120967"/>
-                    <a:pt x="571405" y="179737"/>
-                  </a:cubicBezTo>
-                  <a:cubicBezTo>
-                    <a:pt x="625412" y="231934"/>
-                    <a:pt x="663607" y="297942"/>
-                    <a:pt x="688658" y="368808"/>
-                  </a:cubicBezTo>
-                  <a:cubicBezTo>
-                    <a:pt x="716375" y="447103"/>
-                    <a:pt x="727996" y="529876"/>
-                    <a:pt x="731711" y="612934"/>
-                  </a:cubicBezTo>
-                  <a:cubicBezTo>
-                    <a:pt x="737426" y="740474"/>
-                    <a:pt x="724948" y="867918"/>
-                    <a:pt x="725233" y="995648"/>
-                  </a:cubicBezTo>
-                  <a:cubicBezTo>
-                    <a:pt x="725710" y="1163765"/>
-                    <a:pt x="748665" y="1331309"/>
-                    <a:pt x="742855" y="1499330"/>
-                  </a:cubicBezTo>
-                  <a:cubicBezTo>
-                    <a:pt x="739426" y="1598009"/>
-                    <a:pt x="725996" y="1696022"/>
-                    <a:pt x="707898" y="1793081"/>
-                  </a:cubicBezTo>
-                  <a:cubicBezTo>
-                    <a:pt x="690086" y="1888426"/>
-                    <a:pt x="666845" y="1982724"/>
-                    <a:pt x="633222" y="2073592"/>
-                  </a:cubicBezTo>
-                  <a:cubicBezTo>
-                    <a:pt x="579692" y="2218182"/>
-                    <a:pt x="499682" y="2351056"/>
-                    <a:pt x="404527" y="2472404"/>
-                  </a:cubicBezTo>
-                  <a:cubicBezTo>
-                    <a:pt x="266033" y="2648902"/>
-                    <a:pt x="179642" y="2732818"/>
-                    <a:pt x="0" y="2867501"/>
-                  </a:cubicBezTo>
-                </a:path>
-              </a:pathLst>
-            </a:custGeom>
-            <a:noFill/>
-            <a:ln w="9525" cap="rnd">
-              <a:solidFill>
-                <a:schemeClr val="accent2">
-                  <a:alpha val="50000"/>
-                </a:schemeClr>
-              </a:solidFill>
-              <a:prstDash val="lgDash"/>
-              <a:round/>
-            </a:ln>
-          </p:spPr>
-          <p:txBody>
-            <a:bodyPr rtlCol="0" anchor="ctr"/>
-            <a:lstStyle/>
-            <a:p>
-              <a:endParaRPr lang="en-US"/>
-            </a:p>
-          </p:txBody>
-        </p:sp>
-        <p:sp>
-          <p:nvSpPr>
-            <p:cNvPr id="46" name="Freeform: Shape 45">
-              <a:extLst>
-                <a:ext uri="{FF2B5EF4-FFF2-40B4-BE49-F238E27FC236}">
-                  <a16:creationId xmlns:a16="http://schemas.microsoft.com/office/drawing/2014/main" id="{0AC4F993-F14F-4F25-A6AB-1AD9E2A8201F}"/>
-                </a:ext>
-                <a:ext uri="{C183D7F6-B498-43B3-948B-1728B52AA6E4}">
-                  <adec:decorative xmlns:adec="http://schemas.microsoft.com/office/drawing/2017/decorative" val="1"/>
-                </a:ext>
-              </a:extLst>
-            </p:cNvPr>
-            <p:cNvSpPr/>
-            <p:nvPr>
-              <p:extLst>
-                <p:ext uri="{386F3935-93C4-4BCD-93E2-E3B085C9AB24}">
-                  <p16:designElem xmlns:p16="http://schemas.microsoft.com/office/powerpoint/2015/main" val="1"/>
-                </p:ext>
-              </p:extLst>
-            </p:nvPr>
-          </p:nvSpPr>
-          <p:spPr>
-            <a:xfrm>
-              <a:off x="10849" y="672286"/>
-              <a:ext cx="396930" cy="1690303"/>
-            </a:xfrm>
-            <a:custGeom>
-              <a:avLst/>
-              <a:gdLst>
-                <a:gd name="connsiteX0" fmla="*/ 16478 w 597294"/>
-                <a:gd name="connsiteY0" fmla="*/ 2079 h 2543540"/>
-                <a:gd name="connsiteX1" fmla="*/ 299847 w 597294"/>
-                <a:gd name="connsiteY1" fmla="*/ 53991 h 2543540"/>
-                <a:gd name="connsiteX2" fmla="*/ 503206 w 597294"/>
-                <a:gd name="connsiteY2" fmla="*/ 291354 h 2543540"/>
-                <a:gd name="connsiteX3" fmla="*/ 525113 w 597294"/>
-                <a:gd name="connsiteY3" fmla="*/ 724265 h 2543540"/>
-                <a:gd name="connsiteX4" fmla="*/ 578930 w 597294"/>
-                <a:gd name="connsiteY4" fmla="*/ 1117267 h 2543540"/>
-                <a:gd name="connsiteX5" fmla="*/ 592931 w 597294"/>
-                <a:gd name="connsiteY5" fmla="*/ 1476359 h 2543540"/>
-                <a:gd name="connsiteX6" fmla="*/ 503206 w 597294"/>
-                <a:gd name="connsiteY6" fmla="*/ 1859359 h 2543540"/>
-                <a:gd name="connsiteX7" fmla="*/ 291846 w 597294"/>
-                <a:gd name="connsiteY7" fmla="*/ 2250361 h 2543540"/>
-                <a:gd name="connsiteX8" fmla="*/ 0 w 597294"/>
-                <a:gd name="connsiteY8" fmla="*/ 2543540 h 2543540"/>
-              </a:gdLst>
-              <a:ahLst/>
-              <a:cxnLst>
-                <a:cxn ang="0">
-                  <a:pos x="connsiteX0" y="connsiteY0"/>
-                </a:cxn>
-                <a:cxn ang="0">
-                  <a:pos x="connsiteX1" y="connsiteY1"/>
-                </a:cxn>
-                <a:cxn ang="0">
-                  <a:pos x="connsiteX2" y="connsiteY2"/>
-                </a:cxn>
-                <a:cxn ang="0">
-                  <a:pos x="connsiteX3" y="connsiteY3"/>
-                </a:cxn>
-                <a:cxn ang="0">
-                  <a:pos x="connsiteX4" y="connsiteY4"/>
-                </a:cxn>
-                <a:cxn ang="0">
-                  <a:pos x="connsiteX5" y="connsiteY5"/>
-                </a:cxn>
-                <a:cxn ang="0">
-                  <a:pos x="connsiteX6" y="connsiteY6"/>
-                </a:cxn>
-                <a:cxn ang="0">
-                  <a:pos x="connsiteX7" y="connsiteY7"/>
-                </a:cxn>
-                <a:cxn ang="0">
-                  <a:pos x="connsiteX8" y="connsiteY8"/>
-                </a:cxn>
-              </a:cxnLst>
-              <a:rect l="l" t="t" r="r" b="b"/>
-              <a:pathLst>
-                <a:path w="597294" h="2543540">
-                  <a:moveTo>
-                    <a:pt x="16478" y="2079"/>
-                  </a:moveTo>
-                  <a:cubicBezTo>
-                    <a:pt x="101441" y="-6684"/>
-                    <a:pt x="224885" y="12557"/>
-                    <a:pt x="299847" y="53991"/>
-                  </a:cubicBezTo>
-                  <a:cubicBezTo>
-                    <a:pt x="394240" y="106092"/>
-                    <a:pt x="468440" y="189341"/>
-                    <a:pt x="503206" y="291354"/>
-                  </a:cubicBezTo>
-                  <a:cubicBezTo>
-                    <a:pt x="550069" y="429085"/>
-                    <a:pt x="520827" y="577770"/>
-                    <a:pt x="525113" y="724265"/>
-                  </a:cubicBezTo>
-                  <a:cubicBezTo>
-                    <a:pt x="529019" y="856472"/>
-                    <a:pt x="561118" y="986012"/>
-                    <a:pt x="578930" y="1117267"/>
-                  </a:cubicBezTo>
-                  <a:cubicBezTo>
-                    <a:pt x="595122" y="1236234"/>
-                    <a:pt x="602742" y="1356630"/>
-                    <a:pt x="592931" y="1476359"/>
-                  </a:cubicBezTo>
-                  <a:cubicBezTo>
-                    <a:pt x="582073" y="1607709"/>
-                    <a:pt x="549783" y="1736011"/>
-                    <a:pt x="503206" y="1859359"/>
-                  </a:cubicBezTo>
-                  <a:cubicBezTo>
-                    <a:pt x="450628" y="1998710"/>
-                    <a:pt x="383857" y="2133298"/>
-                    <a:pt x="291846" y="2250361"/>
-                  </a:cubicBezTo>
-                  <a:cubicBezTo>
-                    <a:pt x="231553" y="2327132"/>
-                    <a:pt x="73819" y="2479532"/>
-                    <a:pt x="0" y="2543540"/>
-                  </a:cubicBezTo>
-                </a:path>
-              </a:pathLst>
-            </a:custGeom>
-            <a:noFill/>
-            <a:ln w="9525" cap="rnd">
-              <a:solidFill>
-                <a:schemeClr val="accent2">
-                  <a:alpha val="50000"/>
-                </a:schemeClr>
-              </a:solidFill>
-              <a:prstDash val="lgDash"/>
-              <a:round/>
-            </a:ln>
-          </p:spPr>
-          <p:txBody>
-            <a:bodyPr rtlCol="0" anchor="ctr"/>
-            <a:lstStyle/>
-            <a:p>
-              <a:endParaRPr lang="en-US"/>
-            </a:p>
-          </p:txBody>
-        </p:sp>
-        <p:sp>
-          <p:nvSpPr>
-            <p:cNvPr id="47" name="Freeform: Shape 46">
-              <a:extLst>
-                <a:ext uri="{FF2B5EF4-FFF2-40B4-BE49-F238E27FC236}">
-                  <a16:creationId xmlns:a16="http://schemas.microsoft.com/office/drawing/2014/main" id="{1CD13FF4-3251-4983-B074-BD35A9902B68}"/>
-                </a:ext>
-                <a:ext uri="{C183D7F6-B498-43B3-948B-1728B52AA6E4}">
-                  <adec:decorative xmlns:adec="http://schemas.microsoft.com/office/drawing/2017/decorative" val="1"/>
-                </a:ext>
-              </a:extLst>
-            </p:cNvPr>
-            <p:cNvSpPr/>
-            <p:nvPr>
-              <p:extLst>
-                <p:ext uri="{386F3935-93C4-4BCD-93E2-E3B085C9AB24}">
-                  <p16:designElem xmlns:p16="http://schemas.microsoft.com/office/powerpoint/2015/main" val="1"/>
-                </p:ext>
-              </p:extLst>
-            </p:nvPr>
-          </p:nvSpPr>
-          <p:spPr>
-            <a:xfrm>
-              <a:off x="23002" y="881264"/>
-              <a:ext cx="258791" cy="1336561"/>
-            </a:xfrm>
-            <a:custGeom>
-              <a:avLst/>
-              <a:gdLst>
-                <a:gd name="connsiteX0" fmla="*/ 0 w 389425"/>
-                <a:gd name="connsiteY0" fmla="*/ 33 h 2011236"/>
-                <a:gd name="connsiteX1" fmla="*/ 171260 w 389425"/>
-                <a:gd name="connsiteY1" fmla="*/ 60326 h 2011236"/>
-                <a:gd name="connsiteX2" fmla="*/ 211455 w 389425"/>
-                <a:gd name="connsiteY2" fmla="*/ 221204 h 2011236"/>
-                <a:gd name="connsiteX3" fmla="*/ 243078 w 389425"/>
-                <a:gd name="connsiteY3" fmla="*/ 448089 h 2011236"/>
-                <a:gd name="connsiteX4" fmla="*/ 346424 w 389425"/>
-                <a:gd name="connsiteY4" fmla="*/ 789941 h 2011236"/>
-                <a:gd name="connsiteX5" fmla="*/ 372237 w 389425"/>
-                <a:gd name="connsiteY5" fmla="*/ 942151 h 2011236"/>
-                <a:gd name="connsiteX6" fmla="*/ 386620 w 389425"/>
-                <a:gd name="connsiteY6" fmla="*/ 1272478 h 2011236"/>
-                <a:gd name="connsiteX7" fmla="*/ 280416 w 389425"/>
-                <a:gd name="connsiteY7" fmla="*/ 1660241 h 2011236"/>
-                <a:gd name="connsiteX8" fmla="*/ 151257 w 389425"/>
-                <a:gd name="connsiteY8" fmla="*/ 1844073 h 2011236"/>
-                <a:gd name="connsiteX9" fmla="*/ 1905 w 389425"/>
-                <a:gd name="connsiteY9" fmla="*/ 2011237 h 2011236"/>
-              </a:gdLst>
-              <a:ahLst/>
-              <a:cxnLst>
-                <a:cxn ang="0">
-                  <a:pos x="connsiteX0" y="connsiteY0"/>
-                </a:cxn>
-                <a:cxn ang="0">
-                  <a:pos x="connsiteX1" y="connsiteY1"/>
-                </a:cxn>
-                <a:cxn ang="0">
-                  <a:pos x="connsiteX2" y="connsiteY2"/>
-                </a:cxn>
-                <a:cxn ang="0">
-                  <a:pos x="connsiteX3" y="connsiteY3"/>
-                </a:cxn>
-                <a:cxn ang="0">
-                  <a:pos x="connsiteX4" y="connsiteY4"/>
-                </a:cxn>
-                <a:cxn ang="0">
-                  <a:pos x="connsiteX5" y="connsiteY5"/>
-                </a:cxn>
-                <a:cxn ang="0">
-                  <a:pos x="connsiteX6" y="connsiteY6"/>
-                </a:cxn>
-                <a:cxn ang="0">
-                  <a:pos x="connsiteX7" y="connsiteY7"/>
-                </a:cxn>
-                <a:cxn ang="0">
-                  <a:pos x="connsiteX8" y="connsiteY8"/>
-                </a:cxn>
-                <a:cxn ang="0">
-                  <a:pos x="connsiteX9" y="connsiteY9"/>
-                </a:cxn>
-              </a:cxnLst>
-              <a:rect l="l" t="t" r="r" b="b"/>
-              <a:pathLst>
-                <a:path w="389425" h="2011236">
-                  <a:moveTo>
-                    <a:pt x="0" y="33"/>
-                  </a:moveTo>
-                  <a:cubicBezTo>
-                    <a:pt x="57912" y="-824"/>
-                    <a:pt x="136112" y="14892"/>
-                    <a:pt x="171260" y="60326"/>
-                  </a:cubicBezTo>
-                  <a:cubicBezTo>
-                    <a:pt x="205645" y="104903"/>
-                    <a:pt x="207740" y="164244"/>
-                    <a:pt x="211455" y="221204"/>
-                  </a:cubicBezTo>
-                  <a:cubicBezTo>
-                    <a:pt x="216408" y="297594"/>
-                    <a:pt x="225838" y="373604"/>
-                    <a:pt x="243078" y="448089"/>
-                  </a:cubicBezTo>
-                  <a:cubicBezTo>
-                    <a:pt x="269939" y="564199"/>
-                    <a:pt x="319183" y="673927"/>
-                    <a:pt x="346424" y="789941"/>
-                  </a:cubicBezTo>
-                  <a:cubicBezTo>
-                    <a:pt x="358235" y="840043"/>
-                    <a:pt x="365951" y="891097"/>
-                    <a:pt x="372237" y="942151"/>
-                  </a:cubicBezTo>
-                  <a:cubicBezTo>
-                    <a:pt x="385858" y="1051784"/>
-                    <a:pt x="394049" y="1162274"/>
-                    <a:pt x="386620" y="1272478"/>
-                  </a:cubicBezTo>
-                  <a:cubicBezTo>
-                    <a:pt x="377476" y="1407828"/>
-                    <a:pt x="344996" y="1541178"/>
-                    <a:pt x="280416" y="1660241"/>
-                  </a:cubicBezTo>
-                  <a:cubicBezTo>
-                    <a:pt x="244602" y="1726249"/>
-                    <a:pt x="199358" y="1786352"/>
-                    <a:pt x="151257" y="1844073"/>
-                  </a:cubicBezTo>
-                  <a:cubicBezTo>
-                    <a:pt x="79534" y="1930084"/>
-                    <a:pt x="89345" y="1941419"/>
-                    <a:pt x="1905" y="2011237"/>
-                  </a:cubicBezTo>
-                </a:path>
-              </a:pathLst>
-            </a:custGeom>
-            <a:noFill/>
-            <a:ln w="9525" cap="rnd">
-              <a:solidFill>
-                <a:schemeClr val="accent2">
-                  <a:alpha val="50000"/>
-                </a:schemeClr>
-              </a:solidFill>
-              <a:prstDash val="lgDash"/>
-              <a:round/>
-            </a:ln>
-          </p:spPr>
-          <p:txBody>
-            <a:bodyPr rtlCol="0" anchor="ctr"/>
-            <a:lstStyle/>
-            <a:p>
-              <a:endParaRPr lang="en-US" dirty="0"/>
-            </a:p>
-          </p:txBody>
-        </p:sp>
-      </p:grpSp>
-      <p:sp>
-        <p:nvSpPr>
-          <p:cNvPr id="2" name="Title 1">
-            <a:extLst>
-              <a:ext uri="{FF2B5EF4-FFF2-40B4-BE49-F238E27FC236}">
-                <a16:creationId xmlns:a16="http://schemas.microsoft.com/office/drawing/2014/main" id="{92D8D7E8-B368-4A29-B14A-722EB2558BE6}"/>
-              </a:ext>
-            </a:extLst>
-          </p:cNvPr>
-          <p:cNvSpPr>
-            <a:spLocks noGrp="1"/>
-          </p:cNvSpPr>
-          <p:nvPr>
-            <p:ph type="title"/>
-          </p:nvPr>
-        </p:nvSpPr>
-        <p:spPr>
-          <a:xfrm>
-            <a:off x="1005654" y="2110933"/>
-            <a:ext cx="2698465" cy="1789395"/>
-          </a:xfrm>
-        </p:spPr>
-        <p:txBody>
-          <a:bodyPr vert="horz" lIns="91440" tIns="45720" rIns="91440" bIns="45720" rtlCol="0" anchor="b">
-            <a:normAutofit/>
-          </a:bodyPr>
-          <a:lstStyle/>
-          <a:p>
-            <a:r>
-              <a:rPr lang="en-US" sz="5400" kern="1200">
-                <a:solidFill>
-                  <a:schemeClr val="tx2"/>
-                </a:solidFill>
-                <a:latin typeface="+mj-lt"/>
-                <a:ea typeface="+mj-ea"/>
-                <a:cs typeface="+mj-cs"/>
-              </a:rPr>
-              <a:t>Output Model</a:t>
-            </a:r>
-          </a:p>
-        </p:txBody>
-      </p:sp>
-      <p:grpSp>
-        <p:nvGrpSpPr>
-          <p:cNvPr id="49" name="Cross">
-            <a:extLst>
-              <a:ext uri="{FF2B5EF4-FFF2-40B4-BE49-F238E27FC236}">
-                <a16:creationId xmlns:a16="http://schemas.microsoft.com/office/drawing/2014/main" id="{80F56037-8334-4400-9C7A-A3BEFA96A8A6}"/>
-              </a:ext>
-              <a:ext uri="{C183D7F6-B498-43B3-948B-1728B52AA6E4}">
-                <adec:decorative xmlns:adec="http://schemas.microsoft.com/office/drawing/2017/decorative" val="1"/>
-              </a:ext>
-            </a:extLst>
-          </p:cNvPr>
-          <p:cNvGrpSpPr>
-            <a:grpSpLocks noGrp="1" noUngrp="1" noRot="1" noChangeAspect="1" noMove="1" noResize="1"/>
-          </p:cNvGrpSpPr>
-          <p:nvPr>
-            <p:extLst>
-              <p:ext uri="{386F3935-93C4-4BCD-93E2-E3B085C9AB24}">
-                <p16:designElem xmlns:p16="http://schemas.microsoft.com/office/powerpoint/2015/main" val="1"/>
-              </p:ext>
-            </p:extLst>
-          </p:nvPr>
-        </p:nvGrpSpPr>
-        <p:grpSpPr>
-          <a:xfrm>
-            <a:off x="11945264" y="149792"/>
-            <a:ext cx="118872" cy="118872"/>
-            <a:chOff x="1175347" y="3733800"/>
-            <a:chExt cx="118872" cy="118872"/>
-          </a:xfrm>
-        </p:grpSpPr>
-        <p:cxnSp>
-          <p:nvCxnSpPr>
-            <p:cNvPr id="50" name="Straight Connector 49">
-              <a:extLst>
-                <a:ext uri="{FF2B5EF4-FFF2-40B4-BE49-F238E27FC236}">
-                  <a16:creationId xmlns:a16="http://schemas.microsoft.com/office/drawing/2014/main" id="{060AD0EB-D554-49C4-9728-C64D6D686709}"/>
-                </a:ext>
-                <a:ext uri="{C183D7F6-B498-43B3-948B-1728B52AA6E4}">
-                  <adec:decorative xmlns:adec="http://schemas.microsoft.com/office/drawing/2017/decorative" val="1"/>
-                </a:ext>
-              </a:extLst>
-            </p:cNvPr>
-            <p:cNvCxnSpPr>
-              <a:cxnSpLocks/>
-            </p:cNvCxnSpPr>
-            <p:nvPr>
-              <p:extLst>
-                <p:ext uri="{386F3935-93C4-4BCD-93E2-E3B085C9AB24}">
-                  <p16:designElem xmlns:p16="http://schemas.microsoft.com/office/powerpoint/2015/main" val="1"/>
-                </p:ext>
-              </p:extLst>
-            </p:nvPr>
-          </p:nvCxnSpPr>
-          <p:spPr>
-            <a:xfrm>
-              <a:off x="1234783" y="3733800"/>
-              <a:ext cx="0" cy="118872"/>
-            </a:xfrm>
-            <a:prstGeom prst="line">
-              <a:avLst/>
-            </a:prstGeom>
-            <a:ln w="12700">
-              <a:solidFill>
-                <a:schemeClr val="accent5"/>
-              </a:solidFill>
-            </a:ln>
-          </p:spPr>
-          <p:style>
-            <a:lnRef idx="1">
-              <a:schemeClr val="accent2"/>
-            </a:lnRef>
-            <a:fillRef idx="0">
-              <a:schemeClr val="accent2"/>
-            </a:fillRef>
-            <a:effectRef idx="0">
-              <a:schemeClr val="accent2"/>
-            </a:effectRef>
-            <a:fontRef idx="minor">
-              <a:schemeClr val="tx1"/>
-            </a:fontRef>
-          </p:style>
-        </p:cxnSp>
-        <p:cxnSp>
-          <p:nvCxnSpPr>
-            <p:cNvPr id="51" name="Straight Connector 50">
-              <a:extLst>
-                <a:ext uri="{FF2B5EF4-FFF2-40B4-BE49-F238E27FC236}">
-                  <a16:creationId xmlns:a16="http://schemas.microsoft.com/office/drawing/2014/main" id="{C9432895-644F-4E09-97C7-F8DB36AAE19E}"/>
-                </a:ext>
-                <a:ext uri="{C183D7F6-B498-43B3-948B-1728B52AA6E4}">
-                  <adec:decorative xmlns:adec="http://schemas.microsoft.com/office/drawing/2017/decorative" val="1"/>
-                </a:ext>
-              </a:extLst>
-            </p:cNvPr>
-            <p:cNvCxnSpPr>
-              <a:cxnSpLocks/>
-            </p:cNvCxnSpPr>
-            <p:nvPr>
-              <p:extLst>
-                <p:ext uri="{386F3935-93C4-4BCD-93E2-E3B085C9AB24}">
-                  <p16:designElem xmlns:p16="http://schemas.microsoft.com/office/powerpoint/2015/main" val="1"/>
-                </p:ext>
-              </p:extLst>
-            </p:nvPr>
-          </p:nvCxnSpPr>
-          <p:spPr>
-            <a:xfrm>
-              <a:off x="1175347" y="3793236"/>
-              <a:ext cx="118872" cy="0"/>
-            </a:xfrm>
-            <a:prstGeom prst="line">
-              <a:avLst/>
-            </a:prstGeom>
-            <a:ln w="12700">
-              <a:solidFill>
-                <a:schemeClr val="accent5"/>
-              </a:solidFill>
-            </a:ln>
-          </p:spPr>
-          <p:style>
-            <a:lnRef idx="1">
-              <a:schemeClr val="accent2"/>
-            </a:lnRef>
-            <a:fillRef idx="0">
-              <a:schemeClr val="accent2"/>
-            </a:fillRef>
-            <a:effectRef idx="0">
-              <a:schemeClr val="accent2"/>
-            </a:effectRef>
-            <a:fontRef idx="minor">
-              <a:schemeClr val="tx1"/>
-            </a:fontRef>
-          </p:style>
-        </p:cxnSp>
-      </p:grpSp>
-      <p:pic>
-        <p:nvPicPr>
-          <p:cNvPr id="4" name="Picture 4" descr="Graphical user interface, text, application, email&#10;&#10;Description automatically generated">
-            <a:extLst>
-              <a:ext uri="{FF2B5EF4-FFF2-40B4-BE49-F238E27FC236}">
-                <a16:creationId xmlns:a16="http://schemas.microsoft.com/office/drawing/2014/main" id="{C1ACC545-0A2B-4EDF-B5E2-BF7BBE348816}"/>
+                <a16:creationId xmlns:a16="http://schemas.microsoft.com/office/drawing/2014/main" id="{50DCCD90-ED76-48EE-AF36-D126EE821F26}"/>
               </a:ext>
             </a:extLst>
           </p:cNvPr>
           <p:cNvPicPr>
-            <a:picLocks noGrp="1" noChangeAspect="1"/>
+            <a:picLocks noChangeAspect="1"/>
           </p:cNvPicPr>
-          <p:nvPr>
-            <p:ph idx="1"/>
-          </p:nvPr>
+          <p:nvPr/>
         </p:nvPicPr>
         <p:blipFill>
           <a:blip r:embed="rId2"/>
@@ -19935,1989 +14267,48 @@
         </p:blipFill>
         <p:spPr>
           <a:xfrm>
-            <a:off x="3987802" y="783960"/>
-            <a:ext cx="8019140" cy="5294119"/>
+            <a:off x="654206" y="27604"/>
+            <a:ext cx="5242931" cy="6812085"/>
           </a:xfrm>
           <a:prstGeom prst="rect">
             <a:avLst/>
           </a:prstGeom>
         </p:spPr>
       </p:pic>
-      <p:grpSp>
-        <p:nvGrpSpPr>
-          <p:cNvPr id="53" name="Bottom Right">
+      <p:pic>
+        <p:nvPicPr>
+          <p:cNvPr id="3" name="Picture 3" descr="Text&#10;&#10;Description automatically generated">
             <a:extLst>
               <a:ext uri="{FF2B5EF4-FFF2-40B4-BE49-F238E27FC236}">
-                <a16:creationId xmlns:a16="http://schemas.microsoft.com/office/drawing/2014/main" id="{6B310A71-665E-47AB-9D80-2D90F7D92163}"/>
-              </a:ext>
-              <a:ext uri="{C183D7F6-B498-43B3-948B-1728B52AA6E4}">
-                <adec:decorative xmlns:adec="http://schemas.microsoft.com/office/drawing/2017/decorative" val="1"/>
+                <a16:creationId xmlns:a16="http://schemas.microsoft.com/office/drawing/2014/main" id="{F6F44051-4863-4594-BBFB-53E8C8903AA0}"/>
               </a:ext>
             </a:extLst>
           </p:cNvPr>
-          <p:cNvGrpSpPr>
-            <a:grpSpLocks noGrp="1" noUngrp="1" noRot="1" noChangeAspect="1" noMove="1" noResize="1"/>
-          </p:cNvGrpSpPr>
-          <p:nvPr>
-            <p:extLst>
-              <p:ext uri="{386F3935-93C4-4BCD-93E2-E3B085C9AB24}">
-                <p16:designElem xmlns:p16="http://schemas.microsoft.com/office/powerpoint/2015/main" val="1"/>
-              </p:ext>
-            </p:extLst>
-          </p:nvPr>
-        </p:nvGrpSpPr>
-        <p:grpSpPr>
+          <p:cNvPicPr>
+            <a:picLocks noChangeAspect="1"/>
+          </p:cNvPicPr>
+          <p:nvPr/>
+        </p:nvPicPr>
+        <p:blipFill>
+          <a:blip r:embed="rId3"/>
+          <a:stretch>
+            <a:fillRect/>
+          </a:stretch>
+        </p:blipFill>
+        <p:spPr>
           <a:xfrm>
-            <a:off x="7980400" y="3276601"/>
-            <a:ext cx="4211600" cy="3581399"/>
-            <a:chOff x="7980400" y="3276601"/>
-            <a:chExt cx="4211600" cy="3581399"/>
+            <a:off x="6740912" y="20444"/>
+            <a:ext cx="5112833" cy="6807818"/>
           </a:xfrm>
-        </p:grpSpPr>
-        <p:sp>
-          <p:nvSpPr>
-            <p:cNvPr id="54" name="Freeform: Shape 53">
-              <a:extLst>
-                <a:ext uri="{FF2B5EF4-FFF2-40B4-BE49-F238E27FC236}">
-                  <a16:creationId xmlns:a16="http://schemas.microsoft.com/office/drawing/2014/main" id="{6AD1AF10-782F-4908-A718-EA87EC7170A3}"/>
-                </a:ext>
-                <a:ext uri="{C183D7F6-B498-43B3-948B-1728B52AA6E4}">
-                  <adec:decorative xmlns:adec="http://schemas.microsoft.com/office/drawing/2017/decorative" val="1"/>
-                </a:ext>
-              </a:extLst>
-            </p:cNvPr>
-            <p:cNvSpPr/>
-            <p:nvPr>
-              <p:extLst>
-                <p:ext uri="{386F3935-93C4-4BCD-93E2-E3B085C9AB24}">
-                  <p16:designElem xmlns:p16="http://schemas.microsoft.com/office/powerpoint/2015/main" val="1"/>
-                </p:ext>
-              </p:extLst>
-            </p:nvPr>
-          </p:nvSpPr>
-          <p:spPr>
-            <a:xfrm>
-              <a:off x="10439256" y="6178637"/>
-              <a:ext cx="1482102" cy="679363"/>
-            </a:xfrm>
-            <a:custGeom>
-              <a:avLst/>
-              <a:gdLst>
-                <a:gd name="connsiteX0" fmla="*/ 741051 w 1482102"/>
-                <a:gd name="connsiteY0" fmla="*/ 0 h 679363"/>
-                <a:gd name="connsiteX1" fmla="*/ 1473822 w 1482102"/>
-                <a:gd name="connsiteY1" fmla="*/ 597226 h 679363"/>
-                <a:gd name="connsiteX2" fmla="*/ 1482102 w 1482102"/>
-                <a:gd name="connsiteY2" fmla="*/ 679363 h 679363"/>
-                <a:gd name="connsiteX3" fmla="*/ 0 w 1482102"/>
-                <a:gd name="connsiteY3" fmla="*/ 679363 h 679363"/>
-                <a:gd name="connsiteX4" fmla="*/ 8280 w 1482102"/>
-                <a:gd name="connsiteY4" fmla="*/ 597226 h 679363"/>
-                <a:gd name="connsiteX5" fmla="*/ 741051 w 1482102"/>
-                <a:gd name="connsiteY5" fmla="*/ 0 h 679363"/>
-              </a:gdLst>
-              <a:ahLst/>
-              <a:cxnLst>
-                <a:cxn ang="0">
-                  <a:pos x="connsiteX0" y="connsiteY0"/>
-                </a:cxn>
-                <a:cxn ang="0">
-                  <a:pos x="connsiteX1" y="connsiteY1"/>
-                </a:cxn>
-                <a:cxn ang="0">
-                  <a:pos x="connsiteX2" y="connsiteY2"/>
-                </a:cxn>
-                <a:cxn ang="0">
-                  <a:pos x="connsiteX3" y="connsiteY3"/>
-                </a:cxn>
-                <a:cxn ang="0">
-                  <a:pos x="connsiteX4" y="connsiteY4"/>
-                </a:cxn>
-                <a:cxn ang="0">
-                  <a:pos x="connsiteX5" y="connsiteY5"/>
-                </a:cxn>
-              </a:cxnLst>
-              <a:rect l="l" t="t" r="r" b="b"/>
-              <a:pathLst>
-                <a:path w="1482102" h="679363">
-                  <a:moveTo>
-                    <a:pt x="741051" y="0"/>
-                  </a:moveTo>
-                  <a:cubicBezTo>
-                    <a:pt x="1102506" y="0"/>
-                    <a:pt x="1404077" y="256390"/>
-                    <a:pt x="1473822" y="597226"/>
-                  </a:cubicBezTo>
-                  <a:lnTo>
-                    <a:pt x="1482102" y="679363"/>
-                  </a:lnTo>
-                  <a:lnTo>
-                    <a:pt x="0" y="679363"/>
-                  </a:lnTo>
-                  <a:lnTo>
-                    <a:pt x="8280" y="597226"/>
-                  </a:lnTo>
-                  <a:cubicBezTo>
-                    <a:pt x="78025" y="256390"/>
-                    <a:pt x="379596" y="0"/>
-                    <a:pt x="741051" y="0"/>
-                  </a:cubicBezTo>
-                  <a:close/>
-                </a:path>
-              </a:pathLst>
-            </a:custGeom>
-            <a:solidFill>
-              <a:schemeClr val="bg1"/>
-            </a:solidFill>
-            <a:ln>
-              <a:noFill/>
-            </a:ln>
-          </p:spPr>
-          <p:style>
-            <a:lnRef idx="2">
-              <a:schemeClr val="accent1">
-                <a:shade val="50000"/>
-              </a:schemeClr>
-            </a:lnRef>
-            <a:fillRef idx="1">
-              <a:schemeClr val="accent1"/>
-            </a:fillRef>
-            <a:effectRef idx="0">
-              <a:schemeClr val="accent1"/>
-            </a:effectRef>
-            <a:fontRef idx="minor">
-              <a:schemeClr val="lt1"/>
-            </a:fontRef>
-          </p:style>
-          <p:txBody>
-            <a:bodyPr wrap="square" rtlCol="0" anchor="ctr">
-              <a:noAutofit/>
-            </a:bodyPr>
-            <a:lstStyle/>
-            <a:p>
-              <a:pPr algn="ctr"/>
-              <a:endParaRPr lang="en-US" dirty="0">
-                <a:solidFill>
-                  <a:schemeClr val="tx1">
-                    <a:lumMod val="65000"/>
-                    <a:lumOff val="35000"/>
-                  </a:schemeClr>
-                </a:solidFill>
-                <a:latin typeface="AvenirNext LT Pro Medium" panose="020B0504020202020204" pitchFamily="34" charset="0"/>
-              </a:endParaRPr>
-            </a:p>
-          </p:txBody>
-        </p:sp>
-        <p:grpSp>
-          <p:nvGrpSpPr>
-            <p:cNvPr id="55" name="Graphic 157">
-              <a:extLst>
-                <a:ext uri="{FF2B5EF4-FFF2-40B4-BE49-F238E27FC236}">
-                  <a16:creationId xmlns:a16="http://schemas.microsoft.com/office/drawing/2014/main" id="{A935357A-B553-44CD-9376-FE1E6057500C}"/>
-                </a:ext>
-                <a:ext uri="{C183D7F6-B498-43B3-948B-1728B52AA6E4}">
-                  <adec:decorative xmlns:adec="http://schemas.microsoft.com/office/drawing/2017/decorative" val="1"/>
-                </a:ext>
-              </a:extLst>
-            </p:cNvPr>
-            <p:cNvGrpSpPr/>
-            <p:nvPr>
-              <p:extLst>
-                <p:ext uri="{386F3935-93C4-4BCD-93E2-E3B085C9AB24}">
-                  <p16:designElem xmlns:p16="http://schemas.microsoft.com/office/powerpoint/2015/main" val="1"/>
-                </p:ext>
-              </p:extLst>
-            </p:nvPr>
-          </p:nvGrpSpPr>
-          <p:grpSpPr>
-            <a:xfrm>
-              <a:off x="8662740" y="3276601"/>
-              <a:ext cx="3529260" cy="3581398"/>
-              <a:chOff x="4114800" y="1423987"/>
-              <a:chExt cx="3961542" cy="4007547"/>
-            </a:xfrm>
-            <a:noFill/>
-          </p:grpSpPr>
-          <p:sp>
-            <p:nvSpPr>
-              <p:cNvPr id="57" name="Freeform: Shape 56">
-                <a:extLst>
-                  <a:ext uri="{FF2B5EF4-FFF2-40B4-BE49-F238E27FC236}">
-                    <a16:creationId xmlns:a16="http://schemas.microsoft.com/office/drawing/2014/main" id="{71A180B9-74EE-45CB-8BC1-41E1C075852A}"/>
-                  </a:ext>
-                  <a:ext uri="{C183D7F6-B498-43B3-948B-1728B52AA6E4}">
-                    <adec:decorative xmlns:adec="http://schemas.microsoft.com/office/drawing/2017/decorative" val="1"/>
-                  </a:ext>
-                </a:extLst>
-              </p:cNvPr>
-              <p:cNvSpPr/>
-              <p:nvPr>
-                <p:extLst>
-                  <p:ext uri="{386F3935-93C4-4BCD-93E2-E3B085C9AB24}">
-                    <p16:designElem xmlns:p16="http://schemas.microsoft.com/office/powerpoint/2015/main" val="1"/>
-                  </p:ext>
-                </p:extLst>
-              </p:nvPr>
-            </p:nvSpPr>
-            <p:spPr>
-              <a:xfrm>
-                <a:off x="4114800" y="1423987"/>
-                <a:ext cx="3946874" cy="3989641"/>
-              </a:xfrm>
-              <a:custGeom>
-                <a:avLst/>
-                <a:gdLst>
-                  <a:gd name="connsiteX0" fmla="*/ 0 w 3946874"/>
-                  <a:gd name="connsiteY0" fmla="*/ 3989641 h 3989641"/>
-                  <a:gd name="connsiteX1" fmla="*/ 79439 w 3946874"/>
-                  <a:gd name="connsiteY1" fmla="*/ 3891153 h 3989641"/>
-                  <a:gd name="connsiteX2" fmla="*/ 297371 w 3946874"/>
-                  <a:gd name="connsiteY2" fmla="*/ 3626930 h 3989641"/>
-                  <a:gd name="connsiteX3" fmla="*/ 454343 w 3946874"/>
-                  <a:gd name="connsiteY3" fmla="*/ 3440335 h 3989641"/>
-                  <a:gd name="connsiteX4" fmla="*/ 622363 w 3946874"/>
-                  <a:gd name="connsiteY4" fmla="*/ 3290697 h 3989641"/>
-                  <a:gd name="connsiteX5" fmla="*/ 927068 w 3946874"/>
-                  <a:gd name="connsiteY5" fmla="*/ 3087434 h 3989641"/>
-                  <a:gd name="connsiteX6" fmla="*/ 1176338 w 3946874"/>
-                  <a:gd name="connsiteY6" fmla="*/ 2915603 h 3989641"/>
-                  <a:gd name="connsiteX7" fmla="*/ 1394270 w 3946874"/>
-                  <a:gd name="connsiteY7" fmla="*/ 2780729 h 3989641"/>
-                  <a:gd name="connsiteX8" fmla="*/ 1601057 w 3946874"/>
-                  <a:gd name="connsiteY8" fmla="*/ 2723483 h 3989641"/>
-                  <a:gd name="connsiteX9" fmla="*/ 1756220 w 3946874"/>
-                  <a:gd name="connsiteY9" fmla="*/ 2743772 h 3989641"/>
-                  <a:gd name="connsiteX10" fmla="*/ 1889189 w 3946874"/>
-                  <a:gd name="connsiteY10" fmla="*/ 2765965 h 3989641"/>
-                  <a:gd name="connsiteX11" fmla="*/ 2007394 w 3946874"/>
-                  <a:gd name="connsiteY11" fmla="*/ 2765965 h 3989641"/>
-                  <a:gd name="connsiteX12" fmla="*/ 2184654 w 3946874"/>
-                  <a:gd name="connsiteY12" fmla="*/ 2671763 h 3989641"/>
-                  <a:gd name="connsiteX13" fmla="*/ 2372773 w 3946874"/>
-                  <a:gd name="connsiteY13" fmla="*/ 2538984 h 3989641"/>
-                  <a:gd name="connsiteX14" fmla="*/ 2439543 w 3946874"/>
-                  <a:gd name="connsiteY14" fmla="*/ 2510504 h 3989641"/>
-                  <a:gd name="connsiteX15" fmla="*/ 2650617 w 3946874"/>
-                  <a:gd name="connsiteY15" fmla="*/ 2434781 h 3989641"/>
-                  <a:gd name="connsiteX16" fmla="*/ 2785110 w 3946874"/>
-                  <a:gd name="connsiteY16" fmla="*/ 2383060 h 3989641"/>
-                  <a:gd name="connsiteX17" fmla="*/ 2897315 w 3946874"/>
-                  <a:gd name="connsiteY17" fmla="*/ 2318861 h 3989641"/>
-                  <a:gd name="connsiteX18" fmla="*/ 2997994 w 3946874"/>
-                  <a:gd name="connsiteY18" fmla="*/ 2226183 h 3989641"/>
-                  <a:gd name="connsiteX19" fmla="*/ 3061240 w 3946874"/>
-                  <a:gd name="connsiteY19" fmla="*/ 2141506 h 3989641"/>
-                  <a:gd name="connsiteX20" fmla="*/ 3152108 w 3946874"/>
-                  <a:gd name="connsiteY20" fmla="*/ 2005203 h 3989641"/>
-                  <a:gd name="connsiteX21" fmla="*/ 3274124 w 3946874"/>
-                  <a:gd name="connsiteY21" fmla="*/ 1871567 h 3989641"/>
-                  <a:gd name="connsiteX22" fmla="*/ 3388138 w 3946874"/>
-                  <a:gd name="connsiteY22" fmla="*/ 1770888 h 3989641"/>
-                  <a:gd name="connsiteX23" fmla="*/ 3466529 w 3946874"/>
-                  <a:gd name="connsiteY23" fmla="*/ 1679162 h 3989641"/>
-                  <a:gd name="connsiteX24" fmla="*/ 3538633 w 3946874"/>
-                  <a:gd name="connsiteY24" fmla="*/ 1551718 h 3989641"/>
-                  <a:gd name="connsiteX25" fmla="*/ 3588544 w 3946874"/>
-                  <a:gd name="connsiteY25" fmla="*/ 1376172 h 3989641"/>
-                  <a:gd name="connsiteX26" fmla="*/ 3597402 w 3946874"/>
-                  <a:gd name="connsiteY26" fmla="*/ 1293305 h 3989641"/>
-                  <a:gd name="connsiteX27" fmla="*/ 3721227 w 3946874"/>
-                  <a:gd name="connsiteY27" fmla="*/ 880491 h 3989641"/>
-                  <a:gd name="connsiteX28" fmla="*/ 3761137 w 3946874"/>
-                  <a:gd name="connsiteY28" fmla="*/ 463677 h 3989641"/>
-                  <a:gd name="connsiteX29" fmla="*/ 3946874 w 3946874"/>
-                  <a:gd name="connsiteY29" fmla="*/ 0 h 3989641"/>
-                </a:gdLst>
-                <a:ahLst/>
-                <a:cxnLst>
-                  <a:cxn ang="0">
-                    <a:pos x="connsiteX0" y="connsiteY0"/>
-                  </a:cxn>
-                  <a:cxn ang="0">
-                    <a:pos x="connsiteX1" y="connsiteY1"/>
-                  </a:cxn>
-                  <a:cxn ang="0">
-                    <a:pos x="connsiteX2" y="connsiteY2"/>
-                  </a:cxn>
-                  <a:cxn ang="0">
-                    <a:pos x="connsiteX3" y="connsiteY3"/>
-                  </a:cxn>
-                  <a:cxn ang="0">
-                    <a:pos x="connsiteX4" y="connsiteY4"/>
-                  </a:cxn>
-                  <a:cxn ang="0">
-                    <a:pos x="connsiteX5" y="connsiteY5"/>
-                  </a:cxn>
-                  <a:cxn ang="0">
-                    <a:pos x="connsiteX6" y="connsiteY6"/>
-                  </a:cxn>
-                  <a:cxn ang="0">
-                    <a:pos x="connsiteX7" y="connsiteY7"/>
-                  </a:cxn>
-                  <a:cxn ang="0">
-                    <a:pos x="connsiteX8" y="connsiteY8"/>
-                  </a:cxn>
-                  <a:cxn ang="0">
-                    <a:pos x="connsiteX9" y="connsiteY9"/>
-                  </a:cxn>
-                  <a:cxn ang="0">
-                    <a:pos x="connsiteX10" y="connsiteY10"/>
-                  </a:cxn>
-                  <a:cxn ang="0">
-                    <a:pos x="connsiteX11" y="connsiteY11"/>
-                  </a:cxn>
-                  <a:cxn ang="0">
-                    <a:pos x="connsiteX12" y="connsiteY12"/>
-                  </a:cxn>
-                  <a:cxn ang="0">
-                    <a:pos x="connsiteX13" y="connsiteY13"/>
-                  </a:cxn>
-                  <a:cxn ang="0">
-                    <a:pos x="connsiteX14" y="connsiteY14"/>
-                  </a:cxn>
-                  <a:cxn ang="0">
-                    <a:pos x="connsiteX15" y="connsiteY15"/>
-                  </a:cxn>
-                  <a:cxn ang="0">
-                    <a:pos x="connsiteX16" y="connsiteY16"/>
-                  </a:cxn>
-                  <a:cxn ang="0">
-                    <a:pos x="connsiteX17" y="connsiteY17"/>
-                  </a:cxn>
-                  <a:cxn ang="0">
-                    <a:pos x="connsiteX18" y="connsiteY18"/>
-                  </a:cxn>
-                  <a:cxn ang="0">
-                    <a:pos x="connsiteX19" y="connsiteY19"/>
-                  </a:cxn>
-                  <a:cxn ang="0">
-                    <a:pos x="connsiteX20" y="connsiteY20"/>
-                  </a:cxn>
-                  <a:cxn ang="0">
-                    <a:pos x="connsiteX21" y="connsiteY21"/>
-                  </a:cxn>
-                  <a:cxn ang="0">
-                    <a:pos x="connsiteX22" y="connsiteY22"/>
-                  </a:cxn>
-                  <a:cxn ang="0">
-                    <a:pos x="connsiteX23" y="connsiteY23"/>
-                  </a:cxn>
-                  <a:cxn ang="0">
-                    <a:pos x="connsiteX24" y="connsiteY24"/>
-                  </a:cxn>
-                  <a:cxn ang="0">
-                    <a:pos x="connsiteX25" y="connsiteY25"/>
-                  </a:cxn>
-                  <a:cxn ang="0">
-                    <a:pos x="connsiteX26" y="connsiteY26"/>
-                  </a:cxn>
-                  <a:cxn ang="0">
-                    <a:pos x="connsiteX27" y="connsiteY27"/>
-                  </a:cxn>
-                  <a:cxn ang="0">
-                    <a:pos x="connsiteX28" y="connsiteY28"/>
-                  </a:cxn>
-                  <a:cxn ang="0">
-                    <a:pos x="connsiteX29" y="connsiteY29"/>
-                  </a:cxn>
-                </a:cxnLst>
-                <a:rect l="l" t="t" r="r" b="b"/>
-                <a:pathLst>
-                  <a:path w="3946874" h="3989641">
-                    <a:moveTo>
-                      <a:pt x="0" y="3989641"/>
-                    </a:moveTo>
-                    <a:cubicBezTo>
-                      <a:pt x="19050" y="3957257"/>
-                      <a:pt x="50959" y="3916013"/>
-                      <a:pt x="79439" y="3891153"/>
-                    </a:cubicBezTo>
-                    <a:cubicBezTo>
-                      <a:pt x="165544" y="3815906"/>
-                      <a:pt x="227933" y="3717989"/>
-                      <a:pt x="297371" y="3626930"/>
-                    </a:cubicBezTo>
-                    <a:cubicBezTo>
-                      <a:pt x="346615" y="3562255"/>
-                      <a:pt x="398050" y="3499009"/>
-                      <a:pt x="454343" y="3440335"/>
-                    </a:cubicBezTo>
-                    <a:cubicBezTo>
-                      <a:pt x="506349" y="3386042"/>
-                      <a:pt x="562642" y="3336227"/>
-                      <a:pt x="622363" y="3290697"/>
-                    </a:cubicBezTo>
-                    <a:cubicBezTo>
-                      <a:pt x="719519" y="3216688"/>
-                      <a:pt x="824960" y="3154585"/>
-                      <a:pt x="927068" y="3087434"/>
-                    </a:cubicBezTo>
-                    <a:cubicBezTo>
-                      <a:pt x="1011365" y="3031998"/>
-                      <a:pt x="1093565" y="2973324"/>
-                      <a:pt x="1176338" y="2915603"/>
-                    </a:cubicBezTo>
-                    <a:cubicBezTo>
-                      <a:pt x="1246537" y="2866644"/>
-                      <a:pt x="1317308" y="2818066"/>
-                      <a:pt x="1394270" y="2780729"/>
-                    </a:cubicBezTo>
-                    <a:cubicBezTo>
-                      <a:pt x="1459421" y="2749106"/>
-                      <a:pt x="1528763" y="2724436"/>
-                      <a:pt x="1601057" y="2723483"/>
-                    </a:cubicBezTo>
-                    <a:cubicBezTo>
-                      <a:pt x="1653350" y="2722721"/>
-                      <a:pt x="1704785" y="2733485"/>
-                      <a:pt x="1756220" y="2743772"/>
-                    </a:cubicBezTo>
-                    <a:cubicBezTo>
-                      <a:pt x="1800320" y="2752630"/>
-                      <a:pt x="1844612" y="2760250"/>
-                      <a:pt x="1889189" y="2765965"/>
-                    </a:cubicBezTo>
-                    <a:cubicBezTo>
-                      <a:pt x="1928622" y="2771013"/>
-                      <a:pt x="1968437" y="2773299"/>
-                      <a:pt x="2007394" y="2765965"/>
-                    </a:cubicBezTo>
-                    <a:cubicBezTo>
-                      <a:pt x="2073878" y="2753487"/>
-                      <a:pt x="2130647" y="2712911"/>
-                      <a:pt x="2184654" y="2671763"/>
-                    </a:cubicBezTo>
-                    <a:cubicBezTo>
-                      <a:pt x="2245900" y="2625090"/>
-                      <a:pt x="2304002" y="2573465"/>
-                      <a:pt x="2372773" y="2538984"/>
-                    </a:cubicBezTo>
-                    <a:cubicBezTo>
-                      <a:pt x="2394395" y="2528126"/>
-                      <a:pt x="2416874" y="2518982"/>
-                      <a:pt x="2439543" y="2510504"/>
-                    </a:cubicBezTo>
-                    <a:cubicBezTo>
-                      <a:pt x="2509552" y="2484215"/>
-                      <a:pt x="2580037" y="2459450"/>
-                      <a:pt x="2650617" y="2434781"/>
-                    </a:cubicBezTo>
-                    <a:cubicBezTo>
-                      <a:pt x="2695956" y="2418874"/>
-                      <a:pt x="2741295" y="2402872"/>
-                      <a:pt x="2785110" y="2383060"/>
-                    </a:cubicBezTo>
-                    <a:cubicBezTo>
-                      <a:pt x="2824448" y="2365248"/>
-                      <a:pt x="2862358" y="2344198"/>
-                      <a:pt x="2897315" y="2318861"/>
-                    </a:cubicBezTo>
-                    <a:cubicBezTo>
-                      <a:pt x="2934367" y="2292096"/>
-                      <a:pt x="2968085" y="2260854"/>
-                      <a:pt x="2997994" y="2226183"/>
-                    </a:cubicBezTo>
-                    <a:cubicBezTo>
-                      <a:pt x="3020949" y="2199513"/>
-                      <a:pt x="3041714" y="2170938"/>
-                      <a:pt x="3061240" y="2141506"/>
-                    </a:cubicBezTo>
-                    <a:cubicBezTo>
-                      <a:pt x="3091529" y="2095976"/>
-                      <a:pt x="3119533" y="2049018"/>
-                      <a:pt x="3152108" y="2005203"/>
-                    </a:cubicBezTo>
-                    <a:cubicBezTo>
-                      <a:pt x="3188113" y="1956626"/>
-                      <a:pt x="3229261" y="1912144"/>
-                      <a:pt x="3274124" y="1871567"/>
-                    </a:cubicBezTo>
-                    <a:cubicBezTo>
-                      <a:pt x="3311747" y="1837563"/>
-                      <a:pt x="3351848" y="1806321"/>
-                      <a:pt x="3388138" y="1770888"/>
-                    </a:cubicBezTo>
-                    <a:cubicBezTo>
-                      <a:pt x="3416999" y="1742694"/>
-                      <a:pt x="3443002" y="1711833"/>
-                      <a:pt x="3466529" y="1679162"/>
-                    </a:cubicBezTo>
-                    <a:cubicBezTo>
-                      <a:pt x="3495008" y="1639348"/>
-                      <a:pt x="3519392" y="1596771"/>
-                      <a:pt x="3538633" y="1551718"/>
-                    </a:cubicBezTo>
-                    <a:cubicBezTo>
-                      <a:pt x="3562731" y="1495616"/>
-                      <a:pt x="3578924" y="1436465"/>
-                      <a:pt x="3588544" y="1376172"/>
-                    </a:cubicBezTo>
-                    <a:cubicBezTo>
-                      <a:pt x="3592925" y="1348740"/>
-                      <a:pt x="3595688" y="1321022"/>
-                      <a:pt x="3597402" y="1293305"/>
-                    </a:cubicBezTo>
-                    <a:cubicBezTo>
-                      <a:pt x="3605974" y="1155859"/>
-                      <a:pt x="3717703" y="1018127"/>
-                      <a:pt x="3721227" y="880491"/>
-                    </a:cubicBezTo>
-                    <a:cubicBezTo>
-                      <a:pt x="3724751" y="740855"/>
-                      <a:pt x="3743135" y="602171"/>
-                      <a:pt x="3761137" y="463677"/>
-                    </a:cubicBezTo>
-                    <a:cubicBezTo>
-                      <a:pt x="3776186" y="347758"/>
-                      <a:pt x="3934968" y="116205"/>
-                      <a:pt x="3946874" y="0"/>
-                    </a:cubicBezTo>
-                  </a:path>
-                </a:pathLst>
-              </a:custGeom>
-              <a:noFill/>
-              <a:ln w="9525" cap="rnd">
-                <a:solidFill>
-                  <a:schemeClr val="accent2">
-                    <a:alpha val="35000"/>
-                  </a:schemeClr>
-                </a:solidFill>
-                <a:prstDash val="lgDash"/>
-                <a:round/>
-              </a:ln>
-            </p:spPr>
-            <p:txBody>
-              <a:bodyPr rtlCol="0" anchor="ctr"/>
-              <a:lstStyle/>
-              <a:p>
-                <a:endParaRPr lang="en-US"/>
-              </a:p>
-            </p:txBody>
-          </p:sp>
-          <p:sp>
-            <p:nvSpPr>
-              <p:cNvPr id="58" name="Freeform: Shape 57">
-                <a:extLst>
-                  <a:ext uri="{FF2B5EF4-FFF2-40B4-BE49-F238E27FC236}">
-                    <a16:creationId xmlns:a16="http://schemas.microsoft.com/office/drawing/2014/main" id="{D0ED6DBC-425A-4959-8ACF-4263EEF24677}"/>
-                  </a:ext>
-                  <a:ext uri="{C183D7F6-B498-43B3-948B-1728B52AA6E4}">
-                    <adec:decorative xmlns:adec="http://schemas.microsoft.com/office/drawing/2017/decorative" val="1"/>
-                  </a:ext>
-                </a:extLst>
-              </p:cNvPr>
-              <p:cNvSpPr/>
-              <p:nvPr>
-                <p:extLst>
-                  <p:ext uri="{386F3935-93C4-4BCD-93E2-E3B085C9AB24}">
-                    <p16:designElem xmlns:p16="http://schemas.microsoft.com/office/powerpoint/2015/main" val="1"/>
-                  </p:ext>
-                </p:extLst>
-              </p:nvPr>
-            </p:nvSpPr>
-            <p:spPr>
-              <a:xfrm>
-                <a:off x="4395978" y="2441733"/>
-                <a:ext cx="3665410" cy="2985611"/>
-              </a:xfrm>
-              <a:custGeom>
-                <a:avLst/>
-                <a:gdLst>
-                  <a:gd name="connsiteX0" fmla="*/ 0 w 3665410"/>
-                  <a:gd name="connsiteY0" fmla="*/ 2985611 h 2985611"/>
-                  <a:gd name="connsiteX1" fmla="*/ 166211 w 3665410"/>
-                  <a:gd name="connsiteY1" fmla="*/ 2699766 h 2985611"/>
-                  <a:gd name="connsiteX2" fmla="*/ 397002 w 3665410"/>
-                  <a:gd name="connsiteY2" fmla="*/ 2414969 h 2985611"/>
-                  <a:gd name="connsiteX3" fmla="*/ 620173 w 3665410"/>
-                  <a:gd name="connsiteY3" fmla="*/ 2237899 h 2985611"/>
-                  <a:gd name="connsiteX4" fmla="*/ 823341 w 3665410"/>
-                  <a:gd name="connsiteY4" fmla="*/ 2085499 h 2985611"/>
-                  <a:gd name="connsiteX5" fmla="*/ 1089565 w 3665410"/>
-                  <a:gd name="connsiteY5" fmla="*/ 1911477 h 2985611"/>
-                  <a:gd name="connsiteX6" fmla="*/ 1145000 w 3665410"/>
-                  <a:gd name="connsiteY6" fmla="*/ 1886807 h 2985611"/>
-                  <a:gd name="connsiteX7" fmla="*/ 1375791 w 3665410"/>
-                  <a:gd name="connsiteY7" fmla="*/ 1842135 h 2985611"/>
-                  <a:gd name="connsiteX8" fmla="*/ 1486567 w 3665410"/>
-                  <a:gd name="connsiteY8" fmla="*/ 1857566 h 2985611"/>
-                  <a:gd name="connsiteX9" fmla="*/ 1568101 w 3665410"/>
-                  <a:gd name="connsiteY9" fmla="*/ 1871377 h 2985611"/>
-                  <a:gd name="connsiteX10" fmla="*/ 1810607 w 3665410"/>
-                  <a:gd name="connsiteY10" fmla="*/ 1871377 h 2985611"/>
-                  <a:gd name="connsiteX11" fmla="*/ 1997964 w 3665410"/>
-                  <a:gd name="connsiteY11" fmla="*/ 1790605 h 2985611"/>
-                  <a:gd name="connsiteX12" fmla="*/ 2109883 w 3665410"/>
-                  <a:gd name="connsiteY12" fmla="*/ 1702784 h 2985611"/>
-                  <a:gd name="connsiteX13" fmla="*/ 2321433 w 3665410"/>
-                  <a:gd name="connsiteY13" fmla="*/ 1552384 h 2985611"/>
-                  <a:gd name="connsiteX14" fmla="*/ 2558891 w 3665410"/>
-                  <a:gd name="connsiteY14" fmla="*/ 1453420 h 2985611"/>
-                  <a:gd name="connsiteX15" fmla="*/ 2709767 w 3665410"/>
-                  <a:gd name="connsiteY15" fmla="*/ 1377887 h 2985611"/>
-                  <a:gd name="connsiteX16" fmla="*/ 2885408 w 3665410"/>
-                  <a:gd name="connsiteY16" fmla="*/ 1237393 h 2985611"/>
-                  <a:gd name="connsiteX17" fmla="*/ 3017711 w 3665410"/>
-                  <a:gd name="connsiteY17" fmla="*/ 1072229 h 2985611"/>
-                  <a:gd name="connsiteX18" fmla="*/ 3150680 w 3665410"/>
-                  <a:gd name="connsiteY18" fmla="*/ 921830 h 2985611"/>
-                  <a:gd name="connsiteX19" fmla="*/ 3255169 w 3665410"/>
-                  <a:gd name="connsiteY19" fmla="*/ 801815 h 2985611"/>
-                  <a:gd name="connsiteX20" fmla="*/ 3339275 w 3665410"/>
-                  <a:gd name="connsiteY20" fmla="*/ 694182 h 2985611"/>
-                  <a:gd name="connsiteX21" fmla="*/ 3409188 w 3665410"/>
-                  <a:gd name="connsiteY21" fmla="*/ 546926 h 2985611"/>
-                  <a:gd name="connsiteX22" fmla="*/ 3464243 w 3665410"/>
-                  <a:gd name="connsiteY22" fmla="*/ 347663 h 2985611"/>
-                  <a:gd name="connsiteX23" fmla="*/ 3665411 w 3665410"/>
-                  <a:gd name="connsiteY23" fmla="*/ 0 h 2985611"/>
-                </a:gdLst>
-                <a:ahLst/>
-                <a:cxnLst>
-                  <a:cxn ang="0">
-                    <a:pos x="connsiteX0" y="connsiteY0"/>
-                  </a:cxn>
-                  <a:cxn ang="0">
-                    <a:pos x="connsiteX1" y="connsiteY1"/>
-                  </a:cxn>
-                  <a:cxn ang="0">
-                    <a:pos x="connsiteX2" y="connsiteY2"/>
-                  </a:cxn>
-                  <a:cxn ang="0">
-                    <a:pos x="connsiteX3" y="connsiteY3"/>
-                  </a:cxn>
-                  <a:cxn ang="0">
-                    <a:pos x="connsiteX4" y="connsiteY4"/>
-                  </a:cxn>
-                  <a:cxn ang="0">
-                    <a:pos x="connsiteX5" y="connsiteY5"/>
-                  </a:cxn>
-                  <a:cxn ang="0">
-                    <a:pos x="connsiteX6" y="connsiteY6"/>
-                  </a:cxn>
-                  <a:cxn ang="0">
-                    <a:pos x="connsiteX7" y="connsiteY7"/>
-                  </a:cxn>
-                  <a:cxn ang="0">
-                    <a:pos x="connsiteX8" y="connsiteY8"/>
-                  </a:cxn>
-                  <a:cxn ang="0">
-                    <a:pos x="connsiteX9" y="connsiteY9"/>
-                  </a:cxn>
-                  <a:cxn ang="0">
-                    <a:pos x="connsiteX10" y="connsiteY10"/>
-                  </a:cxn>
-                  <a:cxn ang="0">
-                    <a:pos x="connsiteX11" y="connsiteY11"/>
-                  </a:cxn>
-                  <a:cxn ang="0">
-                    <a:pos x="connsiteX12" y="connsiteY12"/>
-                  </a:cxn>
-                  <a:cxn ang="0">
-                    <a:pos x="connsiteX13" y="connsiteY13"/>
-                  </a:cxn>
-                  <a:cxn ang="0">
-                    <a:pos x="connsiteX14" y="connsiteY14"/>
-                  </a:cxn>
-                  <a:cxn ang="0">
-                    <a:pos x="connsiteX15" y="connsiteY15"/>
-                  </a:cxn>
-                  <a:cxn ang="0">
-                    <a:pos x="connsiteX16" y="connsiteY16"/>
-                  </a:cxn>
-                  <a:cxn ang="0">
-                    <a:pos x="connsiteX17" y="connsiteY17"/>
-                  </a:cxn>
-                  <a:cxn ang="0">
-                    <a:pos x="connsiteX18" y="connsiteY18"/>
-                  </a:cxn>
-                  <a:cxn ang="0">
-                    <a:pos x="connsiteX19" y="connsiteY19"/>
-                  </a:cxn>
-                  <a:cxn ang="0">
-                    <a:pos x="connsiteX20" y="connsiteY20"/>
-                  </a:cxn>
-                  <a:cxn ang="0">
-                    <a:pos x="connsiteX21" y="connsiteY21"/>
-                  </a:cxn>
-                  <a:cxn ang="0">
-                    <a:pos x="connsiteX22" y="connsiteY22"/>
-                  </a:cxn>
-                  <a:cxn ang="0">
-                    <a:pos x="connsiteX23" y="connsiteY23"/>
-                  </a:cxn>
-                </a:cxnLst>
-                <a:rect l="l" t="t" r="r" b="b"/>
-                <a:pathLst>
-                  <a:path w="3665410" h="2985611">
-                    <a:moveTo>
-                      <a:pt x="0" y="2985611"/>
-                    </a:moveTo>
-                    <a:cubicBezTo>
-                      <a:pt x="0" y="2985611"/>
-                      <a:pt x="86773" y="2802827"/>
-                      <a:pt x="166211" y="2699766"/>
-                    </a:cubicBezTo>
-                    <a:cubicBezTo>
-                      <a:pt x="240983" y="2602706"/>
-                      <a:pt x="309182" y="2500122"/>
-                      <a:pt x="397002" y="2414969"/>
-                    </a:cubicBezTo>
-                    <a:cubicBezTo>
-                      <a:pt x="465296" y="2348865"/>
-                      <a:pt x="543592" y="2294477"/>
-                      <a:pt x="620173" y="2237899"/>
-                    </a:cubicBezTo>
-                    <a:cubicBezTo>
-                      <a:pt x="688277" y="2187607"/>
-                      <a:pt x="755333" y="2135886"/>
-                      <a:pt x="823341" y="2085499"/>
-                    </a:cubicBezTo>
-                    <a:cubicBezTo>
-                      <a:pt x="908685" y="2022253"/>
-                      <a:pt x="994791" y="1959197"/>
-                      <a:pt x="1089565" y="1911477"/>
-                    </a:cubicBezTo>
-                    <a:cubicBezTo>
-                      <a:pt x="1107662" y="1902428"/>
-                      <a:pt x="1126141" y="1894141"/>
-                      <a:pt x="1145000" y="1886807"/>
-                    </a:cubicBezTo>
-                    <a:cubicBezTo>
-                      <a:pt x="1218819" y="1858232"/>
-                      <a:pt x="1296924" y="1838611"/>
-                      <a:pt x="1375791" y="1842135"/>
-                    </a:cubicBezTo>
-                    <a:cubicBezTo>
-                      <a:pt x="1413129" y="1843754"/>
-                      <a:pt x="1449896" y="1850422"/>
-                      <a:pt x="1486567" y="1857566"/>
-                    </a:cubicBezTo>
-                    <a:cubicBezTo>
-                      <a:pt x="1513618" y="1862804"/>
-                      <a:pt x="1540859" y="1867376"/>
-                      <a:pt x="1568101" y="1871377"/>
-                    </a:cubicBezTo>
-                    <a:cubicBezTo>
-                      <a:pt x="1648778" y="1883188"/>
-                      <a:pt x="1730978" y="1887665"/>
-                      <a:pt x="1810607" y="1871377"/>
-                    </a:cubicBezTo>
-                    <a:cubicBezTo>
-                      <a:pt x="1877854" y="1857661"/>
-                      <a:pt x="1941100" y="1829086"/>
-                      <a:pt x="1997964" y="1790605"/>
-                    </a:cubicBezTo>
-                    <a:cubicBezTo>
-                      <a:pt x="2037302" y="1764030"/>
-                      <a:pt x="2073497" y="1733264"/>
-                      <a:pt x="2109883" y="1702784"/>
-                    </a:cubicBezTo>
-                    <a:cubicBezTo>
-                      <a:pt x="2176367" y="1647063"/>
-                      <a:pt x="2244852" y="1593151"/>
-                      <a:pt x="2321433" y="1552384"/>
-                    </a:cubicBezTo>
-                    <a:cubicBezTo>
-                      <a:pt x="2397157" y="1512094"/>
-                      <a:pt x="2479548" y="1486281"/>
-                      <a:pt x="2558891" y="1453420"/>
-                    </a:cubicBezTo>
-                    <a:cubicBezTo>
-                      <a:pt x="2610898" y="1431798"/>
-                      <a:pt x="2661571" y="1407033"/>
-                      <a:pt x="2709767" y="1377887"/>
-                    </a:cubicBezTo>
-                    <a:cubicBezTo>
-                      <a:pt x="2774252" y="1338929"/>
-                      <a:pt x="2834069" y="1292447"/>
-                      <a:pt x="2885408" y="1237393"/>
-                    </a:cubicBezTo>
-                    <a:cubicBezTo>
-                      <a:pt x="2933605" y="1185767"/>
-                      <a:pt x="2973324" y="1127093"/>
-                      <a:pt x="3017711" y="1072229"/>
-                    </a:cubicBezTo>
-                    <a:cubicBezTo>
-                      <a:pt x="3059811" y="1020223"/>
-                      <a:pt x="3105912" y="971645"/>
-                      <a:pt x="3150680" y="921830"/>
-                    </a:cubicBezTo>
-                    <a:cubicBezTo>
-                      <a:pt x="3186113" y="882396"/>
-                      <a:pt x="3220593" y="842010"/>
-                      <a:pt x="3255169" y="801815"/>
-                    </a:cubicBezTo>
-                    <a:cubicBezTo>
-                      <a:pt x="3284887" y="767239"/>
-                      <a:pt x="3314605" y="732473"/>
-                      <a:pt x="3339275" y="694182"/>
-                    </a:cubicBezTo>
-                    <a:cubicBezTo>
-                      <a:pt x="3368707" y="648367"/>
-                      <a:pt x="3390138" y="597980"/>
-                      <a:pt x="3409188" y="546926"/>
-                    </a:cubicBezTo>
-                    <a:cubicBezTo>
-                      <a:pt x="3433382" y="482156"/>
-                      <a:pt x="3453384" y="415861"/>
-                      <a:pt x="3464243" y="347663"/>
-                    </a:cubicBezTo>
-                    <a:cubicBezTo>
-                      <a:pt x="3476244" y="272224"/>
-                      <a:pt x="3661696" y="76295"/>
-                      <a:pt x="3665411" y="0"/>
-                    </a:cubicBezTo>
-                  </a:path>
-                </a:pathLst>
-              </a:custGeom>
-              <a:noFill/>
-              <a:ln w="9525" cap="rnd">
-                <a:solidFill>
-                  <a:schemeClr val="accent2">
-                    <a:alpha val="35000"/>
-                  </a:schemeClr>
-                </a:solidFill>
-                <a:prstDash val="lgDash"/>
-                <a:round/>
-              </a:ln>
-            </p:spPr>
-            <p:txBody>
-              <a:bodyPr rtlCol="0" anchor="ctr"/>
-              <a:lstStyle/>
-              <a:p>
-                <a:endParaRPr lang="en-US"/>
-              </a:p>
-            </p:txBody>
-          </p:sp>
-          <p:sp>
-            <p:nvSpPr>
-              <p:cNvPr id="59" name="Freeform: Shape 58">
-                <a:extLst>
-                  <a:ext uri="{FF2B5EF4-FFF2-40B4-BE49-F238E27FC236}">
-                    <a16:creationId xmlns:a16="http://schemas.microsoft.com/office/drawing/2014/main" id="{1B431B70-9FAD-408D-890D-646D48404554}"/>
-                  </a:ext>
-                  <a:ext uri="{C183D7F6-B498-43B3-948B-1728B52AA6E4}">
-                    <adec:decorative xmlns:adec="http://schemas.microsoft.com/office/drawing/2017/decorative" val="1"/>
-                  </a:ext>
-                </a:extLst>
-              </p:cNvPr>
-              <p:cNvSpPr/>
-              <p:nvPr>
-                <p:extLst>
-                  <p:ext uri="{386F3935-93C4-4BCD-93E2-E3B085C9AB24}">
-                    <p16:designElem xmlns:p16="http://schemas.microsoft.com/office/powerpoint/2015/main" val="1"/>
-                  </p:ext>
-                </p:extLst>
-              </p:nvPr>
-            </p:nvSpPr>
-            <p:spPr>
-              <a:xfrm>
-                <a:off x="7790402" y="5229700"/>
-                <a:ext cx="285940" cy="199072"/>
-              </a:xfrm>
-              <a:custGeom>
-                <a:avLst/>
-                <a:gdLst>
-                  <a:gd name="connsiteX0" fmla="*/ 0 w 285940"/>
-                  <a:gd name="connsiteY0" fmla="*/ 199073 h 199072"/>
-                  <a:gd name="connsiteX1" fmla="*/ 285940 w 285940"/>
-                  <a:gd name="connsiteY1" fmla="*/ 0 h 199072"/>
-                </a:gdLst>
-                <a:ahLst/>
-                <a:cxnLst>
-                  <a:cxn ang="0">
-                    <a:pos x="connsiteX0" y="connsiteY0"/>
-                  </a:cxn>
-                  <a:cxn ang="0">
-                    <a:pos x="connsiteX1" y="connsiteY1"/>
-                  </a:cxn>
-                </a:cxnLst>
-                <a:rect l="l" t="t" r="r" b="b"/>
-                <a:pathLst>
-                  <a:path w="285940" h="199072">
-                    <a:moveTo>
-                      <a:pt x="0" y="199073"/>
-                    </a:moveTo>
-                    <a:cubicBezTo>
-                      <a:pt x="0" y="199073"/>
-                      <a:pt x="242125" y="39243"/>
-                      <a:pt x="285940" y="0"/>
-                    </a:cubicBezTo>
-                  </a:path>
-                </a:pathLst>
-              </a:custGeom>
-              <a:noFill/>
-              <a:ln w="9525" cap="rnd">
-                <a:solidFill>
-                  <a:schemeClr val="accent2">
-                    <a:alpha val="35000"/>
-                  </a:schemeClr>
-                </a:solidFill>
-                <a:prstDash val="lgDash"/>
-                <a:round/>
-              </a:ln>
-            </p:spPr>
-            <p:txBody>
-              <a:bodyPr rtlCol="0" anchor="ctr"/>
-              <a:lstStyle/>
-              <a:p>
-                <a:endParaRPr lang="en-US"/>
-              </a:p>
-            </p:txBody>
-          </p:sp>
-          <p:sp>
-            <p:nvSpPr>
-              <p:cNvPr id="60" name="Freeform: Shape 59">
-                <a:extLst>
-                  <a:ext uri="{FF2B5EF4-FFF2-40B4-BE49-F238E27FC236}">
-                    <a16:creationId xmlns:a16="http://schemas.microsoft.com/office/drawing/2014/main" id="{8E532E75-ACFE-4179-B41D-039B3B768C76}"/>
-                  </a:ext>
-                  <a:ext uri="{C183D7F6-B498-43B3-948B-1728B52AA6E4}">
-                    <adec:decorative xmlns:adec="http://schemas.microsoft.com/office/drawing/2017/decorative" val="1"/>
-                  </a:ext>
-                </a:extLst>
-              </p:cNvPr>
-              <p:cNvSpPr/>
-              <p:nvPr>
-                <p:extLst>
-                  <p:ext uri="{386F3935-93C4-4BCD-93E2-E3B085C9AB24}">
-                    <p16:designElem xmlns:p16="http://schemas.microsoft.com/office/powerpoint/2015/main" val="1"/>
-                  </p:ext>
-                </p:extLst>
-              </p:nvPr>
-            </p:nvSpPr>
-            <p:spPr>
-              <a:xfrm>
-                <a:off x="7393114" y="5049773"/>
-                <a:ext cx="655796" cy="381190"/>
-              </a:xfrm>
-              <a:custGeom>
-                <a:avLst/>
-                <a:gdLst>
-                  <a:gd name="connsiteX0" fmla="*/ 0 w 655796"/>
-                  <a:gd name="connsiteY0" fmla="*/ 381190 h 381190"/>
-                  <a:gd name="connsiteX1" fmla="*/ 655796 w 655796"/>
-                  <a:gd name="connsiteY1" fmla="*/ 0 h 381190"/>
-                </a:gdLst>
-                <a:ahLst/>
-                <a:cxnLst>
-                  <a:cxn ang="0">
-                    <a:pos x="connsiteX0" y="connsiteY0"/>
-                  </a:cxn>
-                  <a:cxn ang="0">
-                    <a:pos x="connsiteX1" y="connsiteY1"/>
-                  </a:cxn>
-                </a:cxnLst>
-                <a:rect l="l" t="t" r="r" b="b"/>
-                <a:pathLst>
-                  <a:path w="655796" h="381190">
-                    <a:moveTo>
-                      <a:pt x="0" y="381190"/>
-                    </a:moveTo>
-                    <a:cubicBezTo>
-                      <a:pt x="0" y="381190"/>
-                      <a:pt x="461105" y="172117"/>
-                      <a:pt x="655796" y="0"/>
-                    </a:cubicBezTo>
-                  </a:path>
-                </a:pathLst>
-              </a:custGeom>
-              <a:noFill/>
-              <a:ln w="9525" cap="rnd">
-                <a:solidFill>
-                  <a:schemeClr val="accent2">
-                    <a:alpha val="35000"/>
-                  </a:schemeClr>
-                </a:solidFill>
-                <a:prstDash val="lgDash"/>
-                <a:round/>
-              </a:ln>
-            </p:spPr>
-            <p:txBody>
-              <a:bodyPr rtlCol="0" anchor="ctr"/>
-              <a:lstStyle/>
-              <a:p>
-                <a:endParaRPr lang="en-US"/>
-              </a:p>
-            </p:txBody>
-          </p:sp>
-          <p:sp>
-            <p:nvSpPr>
-              <p:cNvPr id="61" name="Freeform: Shape 60">
-                <a:extLst>
-                  <a:ext uri="{FF2B5EF4-FFF2-40B4-BE49-F238E27FC236}">
-                    <a16:creationId xmlns:a16="http://schemas.microsoft.com/office/drawing/2014/main" id="{1C81F463-8260-4AAF-9233-3FE29293CD56}"/>
-                  </a:ext>
-                  <a:ext uri="{C183D7F6-B498-43B3-948B-1728B52AA6E4}">
-                    <adec:decorative xmlns:adec="http://schemas.microsoft.com/office/drawing/2017/decorative" val="1"/>
-                  </a:ext>
-                </a:extLst>
-              </p:cNvPr>
-              <p:cNvSpPr/>
-              <p:nvPr>
-                <p:extLst>
-                  <p:ext uri="{386F3935-93C4-4BCD-93E2-E3B085C9AB24}">
-                    <p16:designElem xmlns:p16="http://schemas.microsoft.com/office/powerpoint/2015/main" val="1"/>
-                  </p:ext>
-                </p:extLst>
-              </p:nvPr>
-            </p:nvSpPr>
-            <p:spPr>
-              <a:xfrm>
-                <a:off x="5154072" y="3867816"/>
-                <a:ext cx="2907315" cy="1544764"/>
-              </a:xfrm>
-              <a:custGeom>
-                <a:avLst/>
-                <a:gdLst>
-                  <a:gd name="connsiteX0" fmla="*/ 0 w 2907315"/>
-                  <a:gd name="connsiteY0" fmla="*/ 1544764 h 1544764"/>
-                  <a:gd name="connsiteX1" fmla="*/ 201644 w 2907315"/>
-                  <a:gd name="connsiteY1" fmla="*/ 1352550 h 1544764"/>
-                  <a:gd name="connsiteX2" fmla="*/ 423196 w 2907315"/>
-                  <a:gd name="connsiteY2" fmla="*/ 1196054 h 1544764"/>
-                  <a:gd name="connsiteX3" fmla="*/ 782193 w 2907315"/>
-                  <a:gd name="connsiteY3" fmla="*/ 1099947 h 1544764"/>
-                  <a:gd name="connsiteX4" fmla="*/ 1052513 w 2907315"/>
-                  <a:gd name="connsiteY4" fmla="*/ 1042321 h 1544764"/>
-                  <a:gd name="connsiteX5" fmla="*/ 1311783 w 2907315"/>
-                  <a:gd name="connsiteY5" fmla="*/ 1056037 h 1544764"/>
-                  <a:gd name="connsiteX6" fmla="*/ 1484662 w 2907315"/>
-                  <a:gd name="connsiteY6" fmla="*/ 1083469 h 1544764"/>
-                  <a:gd name="connsiteX7" fmla="*/ 1788224 w 2907315"/>
-                  <a:gd name="connsiteY7" fmla="*/ 1023080 h 1544764"/>
-                  <a:gd name="connsiteX8" fmla="*/ 2269045 w 2907315"/>
-                  <a:gd name="connsiteY8" fmla="*/ 734758 h 1544764"/>
-                  <a:gd name="connsiteX9" fmla="*/ 2534984 w 2907315"/>
-                  <a:gd name="connsiteY9" fmla="*/ 572738 h 1544764"/>
-                  <a:gd name="connsiteX10" fmla="*/ 2907316 w 2907315"/>
-                  <a:gd name="connsiteY10" fmla="*/ 0 h 1544764"/>
-                </a:gdLst>
-                <a:ahLst/>
-                <a:cxnLst>
-                  <a:cxn ang="0">
-                    <a:pos x="connsiteX0" y="connsiteY0"/>
-                  </a:cxn>
-                  <a:cxn ang="0">
-                    <a:pos x="connsiteX1" y="connsiteY1"/>
-                  </a:cxn>
-                  <a:cxn ang="0">
-                    <a:pos x="connsiteX2" y="connsiteY2"/>
-                  </a:cxn>
-                  <a:cxn ang="0">
-                    <a:pos x="connsiteX3" y="connsiteY3"/>
-                  </a:cxn>
-                  <a:cxn ang="0">
-                    <a:pos x="connsiteX4" y="connsiteY4"/>
-                  </a:cxn>
-                  <a:cxn ang="0">
-                    <a:pos x="connsiteX5" y="connsiteY5"/>
-                  </a:cxn>
-                  <a:cxn ang="0">
-                    <a:pos x="connsiteX6" y="connsiteY6"/>
-                  </a:cxn>
-                  <a:cxn ang="0">
-                    <a:pos x="connsiteX7" y="connsiteY7"/>
-                  </a:cxn>
-                  <a:cxn ang="0">
-                    <a:pos x="connsiteX8" y="connsiteY8"/>
-                  </a:cxn>
-                  <a:cxn ang="0">
-                    <a:pos x="connsiteX9" y="connsiteY9"/>
-                  </a:cxn>
-                  <a:cxn ang="0">
-                    <a:pos x="connsiteX10" y="connsiteY10"/>
-                  </a:cxn>
-                </a:cxnLst>
-                <a:rect l="l" t="t" r="r" b="b"/>
-                <a:pathLst>
-                  <a:path w="2907315" h="1544764">
-                    <a:moveTo>
-                      <a:pt x="0" y="1544764"/>
-                    </a:moveTo>
-                    <a:cubicBezTo>
-                      <a:pt x="0" y="1544764"/>
-                      <a:pt x="98012" y="1443990"/>
-                      <a:pt x="201644" y="1352550"/>
-                    </a:cubicBezTo>
-                    <a:cubicBezTo>
-                      <a:pt x="271272" y="1291209"/>
-                      <a:pt x="343662" y="1234249"/>
-                      <a:pt x="423196" y="1196054"/>
-                    </a:cubicBezTo>
-                    <a:cubicBezTo>
-                      <a:pt x="537591" y="1141095"/>
-                      <a:pt x="661226" y="1127189"/>
-                      <a:pt x="782193" y="1099947"/>
-                    </a:cubicBezTo>
-                    <a:cubicBezTo>
-                      <a:pt x="872300" y="1079659"/>
-                      <a:pt x="961358" y="1051370"/>
-                      <a:pt x="1052513" y="1042321"/>
-                    </a:cubicBezTo>
-                    <a:cubicBezTo>
-                      <a:pt x="1139000" y="1033653"/>
-                      <a:pt x="1225868" y="1040321"/>
-                      <a:pt x="1311783" y="1056037"/>
-                    </a:cubicBezTo>
-                    <a:cubicBezTo>
-                      <a:pt x="1369314" y="1066609"/>
-                      <a:pt x="1426559" y="1079373"/>
-                      <a:pt x="1484662" y="1083469"/>
-                    </a:cubicBezTo>
-                    <a:cubicBezTo>
-                      <a:pt x="1587913" y="1090803"/>
-                      <a:pt x="1690402" y="1064800"/>
-                      <a:pt x="1788224" y="1023080"/>
-                    </a:cubicBezTo>
-                    <a:cubicBezTo>
-                      <a:pt x="1956721" y="951262"/>
-                      <a:pt x="2106549" y="825722"/>
-                      <a:pt x="2269045" y="734758"/>
-                    </a:cubicBezTo>
-                    <a:cubicBezTo>
-                      <a:pt x="2359438" y="684181"/>
-                      <a:pt x="2452497" y="640556"/>
-                      <a:pt x="2534984" y="572738"/>
-                    </a:cubicBezTo>
-                    <a:cubicBezTo>
-                      <a:pt x="2673001" y="459391"/>
-                      <a:pt x="2847023" y="191453"/>
-                      <a:pt x="2907316" y="0"/>
-                    </a:cubicBezTo>
-                  </a:path>
-                </a:pathLst>
-              </a:custGeom>
-              <a:noFill/>
-              <a:ln w="9525" cap="rnd">
-                <a:solidFill>
-                  <a:schemeClr val="accent2">
-                    <a:alpha val="35000"/>
-                  </a:schemeClr>
-                </a:solidFill>
-                <a:prstDash val="lgDash"/>
-                <a:round/>
-              </a:ln>
-            </p:spPr>
-            <p:txBody>
-              <a:bodyPr rtlCol="0" anchor="ctr"/>
-              <a:lstStyle/>
-              <a:p>
-                <a:endParaRPr lang="en-US"/>
-              </a:p>
-            </p:txBody>
-          </p:sp>
-          <p:sp>
-            <p:nvSpPr>
-              <p:cNvPr id="62" name="Freeform: Shape 61">
-                <a:extLst>
-                  <a:ext uri="{FF2B5EF4-FFF2-40B4-BE49-F238E27FC236}">
-                    <a16:creationId xmlns:a16="http://schemas.microsoft.com/office/drawing/2014/main" id="{5D51C233-AAFA-43B0-85ED-E42E8DE5E56D}"/>
-                  </a:ext>
-                  <a:ext uri="{C183D7F6-B498-43B3-948B-1728B52AA6E4}">
-                    <adec:decorative xmlns:adec="http://schemas.microsoft.com/office/drawing/2017/decorative" val="1"/>
-                  </a:ext>
-                </a:extLst>
-              </p:cNvPr>
-              <p:cNvSpPr/>
-              <p:nvPr>
-                <p:extLst>
-                  <p:ext uri="{386F3935-93C4-4BCD-93E2-E3B085C9AB24}">
-                    <p16:designElem xmlns:p16="http://schemas.microsoft.com/office/powerpoint/2015/main" val="1"/>
-                  </p:ext>
-                </p:extLst>
-              </p:nvPr>
-            </p:nvSpPr>
-            <p:spPr>
-              <a:xfrm>
-                <a:off x="4907946" y="3479100"/>
-                <a:ext cx="3168300" cy="1952434"/>
-              </a:xfrm>
-              <a:custGeom>
-                <a:avLst/>
-                <a:gdLst>
-                  <a:gd name="connsiteX0" fmla="*/ 0 w 3168300"/>
-                  <a:gd name="connsiteY0" fmla="*/ 1952435 h 1952434"/>
-                  <a:gd name="connsiteX1" fmla="*/ 202121 w 3168300"/>
-                  <a:gd name="connsiteY1" fmla="*/ 1687068 h 1952434"/>
-                  <a:gd name="connsiteX2" fmla="*/ 545116 w 3168300"/>
-                  <a:gd name="connsiteY2" fmla="*/ 1450277 h 1952434"/>
-                  <a:gd name="connsiteX3" fmla="*/ 906780 w 3168300"/>
-                  <a:gd name="connsiteY3" fmla="*/ 1354455 h 1952434"/>
-                  <a:gd name="connsiteX4" fmla="*/ 1332262 w 3168300"/>
-                  <a:gd name="connsiteY4" fmla="*/ 1285304 h 1952434"/>
-                  <a:gd name="connsiteX5" fmla="*/ 1691259 w 3168300"/>
-                  <a:gd name="connsiteY5" fmla="*/ 1240060 h 1952434"/>
-                  <a:gd name="connsiteX6" fmla="*/ 2010346 w 3168300"/>
-                  <a:gd name="connsiteY6" fmla="*/ 1141667 h 1952434"/>
-                  <a:gd name="connsiteX7" fmla="*/ 2393252 w 3168300"/>
-                  <a:gd name="connsiteY7" fmla="*/ 1027271 h 1952434"/>
-                  <a:gd name="connsiteX8" fmla="*/ 2582037 w 3168300"/>
-                  <a:gd name="connsiteY8" fmla="*/ 958120 h 1952434"/>
-                  <a:gd name="connsiteX9" fmla="*/ 2760155 w 3168300"/>
-                  <a:gd name="connsiteY9" fmla="*/ 827723 h 1952434"/>
-                  <a:gd name="connsiteX10" fmla="*/ 2914364 w 3168300"/>
-                  <a:gd name="connsiteY10" fmla="*/ 567023 h 1952434"/>
-                  <a:gd name="connsiteX11" fmla="*/ 3168301 w 3168300"/>
-                  <a:gd name="connsiteY11" fmla="*/ 0 h 1952434"/>
-                </a:gdLst>
-                <a:ahLst/>
-                <a:cxnLst>
-                  <a:cxn ang="0">
-                    <a:pos x="connsiteX0" y="connsiteY0"/>
-                  </a:cxn>
-                  <a:cxn ang="0">
-                    <a:pos x="connsiteX1" y="connsiteY1"/>
-                  </a:cxn>
-                  <a:cxn ang="0">
-                    <a:pos x="connsiteX2" y="connsiteY2"/>
-                  </a:cxn>
-                  <a:cxn ang="0">
-                    <a:pos x="connsiteX3" y="connsiteY3"/>
-                  </a:cxn>
-                  <a:cxn ang="0">
-                    <a:pos x="connsiteX4" y="connsiteY4"/>
-                  </a:cxn>
-                  <a:cxn ang="0">
-                    <a:pos x="connsiteX5" y="connsiteY5"/>
-                  </a:cxn>
-                  <a:cxn ang="0">
-                    <a:pos x="connsiteX6" y="connsiteY6"/>
-                  </a:cxn>
-                  <a:cxn ang="0">
-                    <a:pos x="connsiteX7" y="connsiteY7"/>
-                  </a:cxn>
-                  <a:cxn ang="0">
-                    <a:pos x="connsiteX8" y="connsiteY8"/>
-                  </a:cxn>
-                  <a:cxn ang="0">
-                    <a:pos x="connsiteX9" y="connsiteY9"/>
-                  </a:cxn>
-                  <a:cxn ang="0">
-                    <a:pos x="connsiteX10" y="connsiteY10"/>
-                  </a:cxn>
-                  <a:cxn ang="0">
-                    <a:pos x="connsiteX11" y="connsiteY11"/>
-                  </a:cxn>
-                </a:cxnLst>
-                <a:rect l="l" t="t" r="r" b="b"/>
-                <a:pathLst>
-                  <a:path w="3168300" h="1952434">
-                    <a:moveTo>
-                      <a:pt x="0" y="1952435"/>
-                    </a:moveTo>
-                    <a:cubicBezTo>
-                      <a:pt x="0" y="1952435"/>
-                      <a:pt x="91059" y="1796415"/>
-                      <a:pt x="202121" y="1687068"/>
-                    </a:cubicBezTo>
-                    <a:cubicBezTo>
-                      <a:pt x="301943" y="1588675"/>
-                      <a:pt x="416528" y="1505617"/>
-                      <a:pt x="545116" y="1450277"/>
-                    </a:cubicBezTo>
-                    <a:cubicBezTo>
-                      <a:pt x="659987" y="1400747"/>
-                      <a:pt x="783622" y="1377601"/>
-                      <a:pt x="906780" y="1354455"/>
-                    </a:cubicBezTo>
-                    <a:cubicBezTo>
-                      <a:pt x="1048036" y="1327976"/>
-                      <a:pt x="1189482" y="1301972"/>
-                      <a:pt x="1332262" y="1285304"/>
-                    </a:cubicBezTo>
-                    <a:cubicBezTo>
-                      <a:pt x="1452182" y="1271302"/>
-                      <a:pt x="1573340" y="1265873"/>
-                      <a:pt x="1691259" y="1240060"/>
-                    </a:cubicBezTo>
-                    <a:cubicBezTo>
-                      <a:pt x="1800035" y="1216247"/>
-                      <a:pt x="1904619" y="1176718"/>
-                      <a:pt x="2010346" y="1141667"/>
-                    </a:cubicBezTo>
-                    <a:cubicBezTo>
-                      <a:pt x="2136743" y="1099661"/>
-                      <a:pt x="2265902" y="1066229"/>
-                      <a:pt x="2393252" y="1027271"/>
-                    </a:cubicBezTo>
-                    <a:cubicBezTo>
-                      <a:pt x="2457450" y="1007650"/>
-                      <a:pt x="2521744" y="987552"/>
-                      <a:pt x="2582037" y="958120"/>
-                    </a:cubicBezTo>
-                    <a:cubicBezTo>
-                      <a:pt x="2648807" y="925449"/>
-                      <a:pt x="2710815" y="883349"/>
-                      <a:pt x="2760155" y="827723"/>
-                    </a:cubicBezTo>
-                    <a:cubicBezTo>
-                      <a:pt x="2827496" y="751904"/>
-                      <a:pt x="2867978" y="657511"/>
-                      <a:pt x="2914364" y="567023"/>
-                    </a:cubicBezTo>
-                    <a:cubicBezTo>
-                      <a:pt x="2972753" y="453200"/>
-                      <a:pt x="3119152" y="118015"/>
-                      <a:pt x="3168301" y="0"/>
-                    </a:cubicBezTo>
-                  </a:path>
-                </a:pathLst>
-              </a:custGeom>
-              <a:noFill/>
-              <a:ln w="9525" cap="rnd">
-                <a:solidFill>
-                  <a:schemeClr val="accent2">
-                    <a:alpha val="35000"/>
-                  </a:schemeClr>
-                </a:solidFill>
-                <a:prstDash val="lgDash"/>
-                <a:round/>
-              </a:ln>
-            </p:spPr>
-            <p:txBody>
-              <a:bodyPr rtlCol="0" anchor="ctr"/>
-              <a:lstStyle/>
-              <a:p>
-                <a:endParaRPr lang="en-US"/>
-              </a:p>
-            </p:txBody>
-          </p:sp>
-          <p:sp>
-            <p:nvSpPr>
-              <p:cNvPr id="63" name="Freeform: Shape 62">
-                <a:extLst>
-                  <a:ext uri="{FF2B5EF4-FFF2-40B4-BE49-F238E27FC236}">
-                    <a16:creationId xmlns:a16="http://schemas.microsoft.com/office/drawing/2014/main" id="{0D7BBAB6-5F70-4658-9F1E-4F56C83F042C}"/>
-                  </a:ext>
-                  <a:ext uri="{C183D7F6-B498-43B3-948B-1728B52AA6E4}">
-                    <adec:decorative xmlns:adec="http://schemas.microsoft.com/office/drawing/2017/decorative" val="1"/>
-                  </a:ext>
-                </a:extLst>
-              </p:cNvPr>
-              <p:cNvSpPr/>
-              <p:nvPr>
-                <p:extLst>
-                  <p:ext uri="{386F3935-93C4-4BCD-93E2-E3B085C9AB24}">
-                    <p16:designElem xmlns:p16="http://schemas.microsoft.com/office/powerpoint/2015/main" val="1"/>
-                  </p:ext>
-                </p:extLst>
-              </p:nvPr>
-            </p:nvSpPr>
-            <p:spPr>
-              <a:xfrm>
-                <a:off x="4704778" y="2976752"/>
-                <a:ext cx="3356800" cy="2452020"/>
-              </a:xfrm>
-              <a:custGeom>
-                <a:avLst/>
-                <a:gdLst>
-                  <a:gd name="connsiteX0" fmla="*/ 0 w 3356800"/>
-                  <a:gd name="connsiteY0" fmla="*/ 2452021 h 2452020"/>
-                  <a:gd name="connsiteX1" fmla="*/ 130874 w 3356800"/>
-                  <a:gd name="connsiteY1" fmla="*/ 2247710 h 2452020"/>
-                  <a:gd name="connsiteX2" fmla="*/ 437197 w 3356800"/>
-                  <a:gd name="connsiteY2" fmla="*/ 1941195 h 2452020"/>
-                  <a:gd name="connsiteX3" fmla="*/ 737140 w 3356800"/>
-                  <a:gd name="connsiteY3" fmla="*/ 1736884 h 2452020"/>
-                  <a:gd name="connsiteX4" fmla="*/ 1031843 w 3356800"/>
-                  <a:gd name="connsiteY4" fmla="*/ 1685068 h 2452020"/>
-                  <a:gd name="connsiteX5" fmla="*/ 1287304 w 3356800"/>
-                  <a:gd name="connsiteY5" fmla="*/ 1655826 h 2452020"/>
-                  <a:gd name="connsiteX6" fmla="*/ 1471994 w 3356800"/>
-                  <a:gd name="connsiteY6" fmla="*/ 1634300 h 2452020"/>
-                  <a:gd name="connsiteX7" fmla="*/ 1898237 w 3356800"/>
-                  <a:gd name="connsiteY7" fmla="*/ 1512665 h 2452020"/>
-                  <a:gd name="connsiteX8" fmla="*/ 2229136 w 3356800"/>
-                  <a:gd name="connsiteY8" fmla="*/ 1355598 h 2452020"/>
-                  <a:gd name="connsiteX9" fmla="*/ 2512314 w 3356800"/>
-                  <a:gd name="connsiteY9" fmla="*/ 1238631 h 2452020"/>
-                  <a:gd name="connsiteX10" fmla="*/ 2758535 w 3356800"/>
-                  <a:gd name="connsiteY10" fmla="*/ 1096994 h 2452020"/>
-                  <a:gd name="connsiteX11" fmla="*/ 2935510 w 3356800"/>
-                  <a:gd name="connsiteY11" fmla="*/ 919925 h 2452020"/>
-                  <a:gd name="connsiteX12" fmla="*/ 3081719 w 3356800"/>
-                  <a:gd name="connsiteY12" fmla="*/ 687419 h 2452020"/>
-                  <a:gd name="connsiteX13" fmla="*/ 3356800 w 3356800"/>
-                  <a:gd name="connsiteY13" fmla="*/ 0 h 2452020"/>
-                </a:gdLst>
-                <a:ahLst/>
-                <a:cxnLst>
-                  <a:cxn ang="0">
-                    <a:pos x="connsiteX0" y="connsiteY0"/>
-                  </a:cxn>
-                  <a:cxn ang="0">
-                    <a:pos x="connsiteX1" y="connsiteY1"/>
-                  </a:cxn>
-                  <a:cxn ang="0">
-                    <a:pos x="connsiteX2" y="connsiteY2"/>
-                  </a:cxn>
-                  <a:cxn ang="0">
-                    <a:pos x="connsiteX3" y="connsiteY3"/>
-                  </a:cxn>
-                  <a:cxn ang="0">
-                    <a:pos x="connsiteX4" y="connsiteY4"/>
-                  </a:cxn>
-                  <a:cxn ang="0">
-                    <a:pos x="connsiteX5" y="connsiteY5"/>
-                  </a:cxn>
-                  <a:cxn ang="0">
-                    <a:pos x="connsiteX6" y="connsiteY6"/>
-                  </a:cxn>
-                  <a:cxn ang="0">
-                    <a:pos x="connsiteX7" y="connsiteY7"/>
-                  </a:cxn>
-                  <a:cxn ang="0">
-                    <a:pos x="connsiteX8" y="connsiteY8"/>
-                  </a:cxn>
-                  <a:cxn ang="0">
-                    <a:pos x="connsiteX9" y="connsiteY9"/>
-                  </a:cxn>
-                  <a:cxn ang="0">
-                    <a:pos x="connsiteX10" y="connsiteY10"/>
-                  </a:cxn>
-                  <a:cxn ang="0">
-                    <a:pos x="connsiteX11" y="connsiteY11"/>
-                  </a:cxn>
-                  <a:cxn ang="0">
-                    <a:pos x="connsiteX12" y="connsiteY12"/>
-                  </a:cxn>
-                  <a:cxn ang="0">
-                    <a:pos x="connsiteX13" y="connsiteY13"/>
-                  </a:cxn>
-                </a:cxnLst>
-                <a:rect l="l" t="t" r="r" b="b"/>
-                <a:pathLst>
-                  <a:path w="3356800" h="2452020">
-                    <a:moveTo>
-                      <a:pt x="0" y="2452021"/>
-                    </a:moveTo>
-                    <a:cubicBezTo>
-                      <a:pt x="0" y="2452021"/>
-                      <a:pt x="57150" y="2344198"/>
-                      <a:pt x="130874" y="2247710"/>
-                    </a:cubicBezTo>
-                    <a:cubicBezTo>
-                      <a:pt x="218694" y="2132648"/>
-                      <a:pt x="328136" y="2036635"/>
-                      <a:pt x="437197" y="1941195"/>
-                    </a:cubicBezTo>
-                    <a:cubicBezTo>
-                      <a:pt x="529304" y="1860709"/>
-                      <a:pt x="623030" y="1779556"/>
-                      <a:pt x="737140" y="1736884"/>
-                    </a:cubicBezTo>
-                    <a:cubicBezTo>
-                      <a:pt x="830866" y="1701736"/>
-                      <a:pt x="932021" y="1695450"/>
-                      <a:pt x="1031843" y="1685068"/>
-                    </a:cubicBezTo>
-                    <a:cubicBezTo>
-                      <a:pt x="1117092" y="1676210"/>
-                      <a:pt x="1202055" y="1665160"/>
-                      <a:pt x="1287304" y="1655826"/>
-                    </a:cubicBezTo>
-                    <a:cubicBezTo>
-                      <a:pt x="1348931" y="1649063"/>
-                      <a:pt x="1410653" y="1643539"/>
-                      <a:pt x="1471994" y="1634300"/>
-                    </a:cubicBezTo>
-                    <a:cubicBezTo>
-                      <a:pt x="1618679" y="1612011"/>
-                      <a:pt x="1761935" y="1571149"/>
-                      <a:pt x="1898237" y="1512665"/>
-                    </a:cubicBezTo>
-                    <a:cubicBezTo>
-                      <a:pt x="2010442" y="1464564"/>
-                      <a:pt x="2117503" y="1405128"/>
-                      <a:pt x="2229136" y="1355598"/>
-                    </a:cubicBezTo>
-                    <a:cubicBezTo>
-                      <a:pt x="2322481" y="1314164"/>
-                      <a:pt x="2418969" y="1280160"/>
-                      <a:pt x="2512314" y="1238631"/>
-                    </a:cubicBezTo>
-                    <a:cubicBezTo>
-                      <a:pt x="2599087" y="1199960"/>
-                      <a:pt x="2683193" y="1154811"/>
-                      <a:pt x="2758535" y="1096994"/>
-                    </a:cubicBezTo>
-                    <a:cubicBezTo>
-                      <a:pt x="2825020" y="1046035"/>
-                      <a:pt x="2883789" y="985837"/>
-                      <a:pt x="2935510" y="919925"/>
-                    </a:cubicBezTo>
-                    <a:cubicBezTo>
-                      <a:pt x="2992184" y="847725"/>
-                      <a:pt x="3039904" y="769144"/>
-                      <a:pt x="3081719" y="687419"/>
-                    </a:cubicBezTo>
-                    <a:cubicBezTo>
-                      <a:pt x="3138297" y="576739"/>
-                      <a:pt x="3314129" y="116776"/>
-                      <a:pt x="3356800" y="0"/>
-                    </a:cubicBezTo>
-                  </a:path>
-                </a:pathLst>
-              </a:custGeom>
-              <a:noFill/>
-              <a:ln w="9525" cap="rnd">
-                <a:solidFill>
-                  <a:schemeClr val="accent2">
-                    <a:alpha val="35000"/>
-                  </a:schemeClr>
-                </a:solidFill>
-                <a:prstDash val="lgDash"/>
-                <a:round/>
-              </a:ln>
-            </p:spPr>
-            <p:txBody>
-              <a:bodyPr rtlCol="0" anchor="ctr"/>
-              <a:lstStyle/>
-              <a:p>
-                <a:endParaRPr lang="en-US"/>
-              </a:p>
-            </p:txBody>
-          </p:sp>
-        </p:grpSp>
-        <p:sp>
-          <p:nvSpPr>
-            <p:cNvPr id="56" name="Freeform: Shape 55">
-              <a:extLst>
-                <a:ext uri="{FF2B5EF4-FFF2-40B4-BE49-F238E27FC236}">
-                  <a16:creationId xmlns:a16="http://schemas.microsoft.com/office/drawing/2014/main" id="{2FADCFE9-3879-4BEB-8C66-8CDE96527532}"/>
-                </a:ext>
-                <a:ext uri="{C183D7F6-B498-43B3-948B-1728B52AA6E4}">
-                  <adec:decorative xmlns:adec="http://schemas.microsoft.com/office/drawing/2017/decorative" val="1"/>
-                </a:ext>
-              </a:extLst>
-            </p:cNvPr>
-            <p:cNvSpPr/>
-            <p:nvPr>
-              <p:extLst>
-                <p:ext uri="{386F3935-93C4-4BCD-93E2-E3B085C9AB24}">
-                  <p16:designElem xmlns:p16="http://schemas.microsoft.com/office/powerpoint/2015/main" val="1"/>
-                </p:ext>
-              </p:extLst>
-            </p:nvPr>
-          </p:nvSpPr>
-          <p:spPr>
-            <a:xfrm>
-              <a:off x="7980400" y="5197178"/>
-              <a:ext cx="4211600" cy="1660822"/>
-            </a:xfrm>
-            <a:custGeom>
-              <a:avLst/>
-              <a:gdLst>
-                <a:gd name="connsiteX0" fmla="*/ 4211600 w 4211600"/>
-                <a:gd name="connsiteY0" fmla="*/ 0 h 1660822"/>
-                <a:gd name="connsiteX1" fmla="*/ 4211600 w 4211600"/>
-                <a:gd name="connsiteY1" fmla="*/ 58430 h 1660822"/>
-                <a:gd name="connsiteX2" fmla="*/ 4136524 w 4211600"/>
-                <a:gd name="connsiteY2" fmla="*/ 208808 h 1660822"/>
-                <a:gd name="connsiteX3" fmla="*/ 3973354 w 4211600"/>
-                <a:gd name="connsiteY3" fmla="*/ 437313 h 1660822"/>
-                <a:gd name="connsiteX4" fmla="*/ 3884746 w 4211600"/>
-                <a:gd name="connsiteY4" fmla="*/ 553613 h 1660822"/>
-                <a:gd name="connsiteX5" fmla="*/ 3849435 w 4211600"/>
-                <a:gd name="connsiteY5" fmla="*/ 603143 h 1660822"/>
-                <a:gd name="connsiteX6" fmla="*/ 3661849 w 4211600"/>
-                <a:gd name="connsiteY6" fmla="*/ 819075 h 1660822"/>
-                <a:gd name="connsiteX7" fmla="*/ 3402589 w 4211600"/>
-                <a:gd name="connsiteY7" fmla="*/ 952996 h 1660822"/>
-                <a:gd name="connsiteX8" fmla="*/ 3130202 w 4211600"/>
-                <a:gd name="connsiteY8" fmla="*/ 1023386 h 1660822"/>
-                <a:gd name="connsiteX9" fmla="*/ 2914657 w 4211600"/>
-                <a:gd name="connsiteY9" fmla="*/ 1068058 h 1660822"/>
-                <a:gd name="connsiteX10" fmla="*/ 2582149 w 4211600"/>
-                <a:gd name="connsiteY10" fmla="*/ 1138924 h 1660822"/>
-                <a:gd name="connsiteX11" fmla="*/ 2483958 w 4211600"/>
-                <a:gd name="connsiteY11" fmla="*/ 1162356 h 1660822"/>
-                <a:gd name="connsiteX12" fmla="*/ 2123750 w 4211600"/>
-                <a:gd name="connsiteY12" fmla="*/ 1238651 h 1660822"/>
-                <a:gd name="connsiteX13" fmla="*/ 1761444 w 4211600"/>
-                <a:gd name="connsiteY13" fmla="*/ 1273417 h 1660822"/>
-                <a:gd name="connsiteX14" fmla="*/ 1608382 w 4211600"/>
-                <a:gd name="connsiteY14" fmla="*/ 1284466 h 1660822"/>
-                <a:gd name="connsiteX15" fmla="*/ 999942 w 4211600"/>
-                <a:gd name="connsiteY15" fmla="*/ 1354284 h 1660822"/>
-                <a:gd name="connsiteX16" fmla="*/ 484705 w 4211600"/>
-                <a:gd name="connsiteY16" fmla="*/ 1450487 h 1660822"/>
-                <a:gd name="connsiteX17" fmla="*/ 113310 w 4211600"/>
-                <a:gd name="connsiteY17" fmla="*/ 1613700 h 1660822"/>
-                <a:gd name="connsiteX18" fmla="*/ 39668 w 4211600"/>
-                <a:gd name="connsiteY18" fmla="*/ 1660822 h 1660822"/>
-                <a:gd name="connsiteX19" fmla="*/ 0 w 4211600"/>
-                <a:gd name="connsiteY19" fmla="*/ 1660822 h 1660822"/>
-                <a:gd name="connsiteX20" fmla="*/ 96701 w 4211600"/>
-                <a:gd name="connsiteY20" fmla="*/ 1598934 h 1660822"/>
-                <a:gd name="connsiteX21" fmla="*/ 474335 w 4211600"/>
-                <a:gd name="connsiteY21" fmla="*/ 1433056 h 1660822"/>
-                <a:gd name="connsiteX22" fmla="*/ 994299 w 4211600"/>
-                <a:gd name="connsiteY22" fmla="*/ 1335806 h 1660822"/>
-                <a:gd name="connsiteX23" fmla="*/ 1605231 w 4211600"/>
-                <a:gd name="connsiteY23" fmla="*/ 1265702 h 1660822"/>
-                <a:gd name="connsiteX24" fmla="*/ 1758819 w 4211600"/>
-                <a:gd name="connsiteY24" fmla="*/ 1254558 h 1660822"/>
-                <a:gd name="connsiteX25" fmla="*/ 2118106 w 4211600"/>
-                <a:gd name="connsiteY25" fmla="*/ 1220077 h 1660822"/>
-                <a:gd name="connsiteX26" fmla="*/ 2475557 w 4211600"/>
-                <a:gd name="connsiteY26" fmla="*/ 1144353 h 1660822"/>
-                <a:gd name="connsiteX27" fmla="*/ 2573878 w 4211600"/>
-                <a:gd name="connsiteY27" fmla="*/ 1120827 h 1660822"/>
-                <a:gd name="connsiteX28" fmla="*/ 2907437 w 4211600"/>
-                <a:gd name="connsiteY28" fmla="*/ 1049675 h 1660822"/>
-                <a:gd name="connsiteX29" fmla="*/ 3122589 w 4211600"/>
-                <a:gd name="connsiteY29" fmla="*/ 1005098 h 1660822"/>
-                <a:gd name="connsiteX30" fmla="*/ 3391169 w 4211600"/>
-                <a:gd name="connsiteY30" fmla="*/ 935756 h 1660822"/>
-                <a:gd name="connsiteX31" fmla="*/ 3642290 w 4211600"/>
-                <a:gd name="connsiteY31" fmla="*/ 806216 h 1660822"/>
-                <a:gd name="connsiteX32" fmla="*/ 3825937 w 4211600"/>
-                <a:gd name="connsiteY32" fmla="*/ 594475 h 1660822"/>
-                <a:gd name="connsiteX33" fmla="*/ 3861381 w 4211600"/>
-                <a:gd name="connsiteY33" fmla="*/ 544755 h 1660822"/>
-                <a:gd name="connsiteX34" fmla="*/ 3950381 w 4211600"/>
-                <a:gd name="connsiteY34" fmla="*/ 427978 h 1660822"/>
-                <a:gd name="connsiteX35" fmla="*/ 4112370 w 4211600"/>
-                <a:gd name="connsiteY35" fmla="*/ 201378 h 1660822"/>
-                <a:gd name="connsiteX36" fmla="*/ 4195989 w 4211600"/>
-                <a:gd name="connsiteY36" fmla="*/ 33834 h 1660822"/>
-              </a:gdLst>
-              <a:ahLst/>
-              <a:cxnLst>
-                <a:cxn ang="0">
-                  <a:pos x="connsiteX0" y="connsiteY0"/>
-                </a:cxn>
-                <a:cxn ang="0">
-                  <a:pos x="connsiteX1" y="connsiteY1"/>
-                </a:cxn>
-                <a:cxn ang="0">
-                  <a:pos x="connsiteX2" y="connsiteY2"/>
-                </a:cxn>
-                <a:cxn ang="0">
-                  <a:pos x="connsiteX3" y="connsiteY3"/>
-                </a:cxn>
-                <a:cxn ang="0">
-                  <a:pos x="connsiteX4" y="connsiteY4"/>
-                </a:cxn>
-                <a:cxn ang="0">
-                  <a:pos x="connsiteX5" y="connsiteY5"/>
-                </a:cxn>
-                <a:cxn ang="0">
-                  <a:pos x="connsiteX6" y="connsiteY6"/>
-                </a:cxn>
-                <a:cxn ang="0">
-                  <a:pos x="connsiteX7" y="connsiteY7"/>
-                </a:cxn>
-                <a:cxn ang="0">
-                  <a:pos x="connsiteX8" y="connsiteY8"/>
-                </a:cxn>
-                <a:cxn ang="0">
-                  <a:pos x="connsiteX9" y="connsiteY9"/>
-                </a:cxn>
-                <a:cxn ang="0">
-                  <a:pos x="connsiteX10" y="connsiteY10"/>
-                </a:cxn>
-                <a:cxn ang="0">
-                  <a:pos x="connsiteX11" y="connsiteY11"/>
-                </a:cxn>
-                <a:cxn ang="0">
-                  <a:pos x="connsiteX12" y="connsiteY12"/>
-                </a:cxn>
-                <a:cxn ang="0">
-                  <a:pos x="connsiteX13" y="connsiteY13"/>
-                </a:cxn>
-                <a:cxn ang="0">
-                  <a:pos x="connsiteX14" y="connsiteY14"/>
-                </a:cxn>
-                <a:cxn ang="0">
-                  <a:pos x="connsiteX15" y="connsiteY15"/>
-                </a:cxn>
-                <a:cxn ang="0">
-                  <a:pos x="connsiteX16" y="connsiteY16"/>
-                </a:cxn>
-                <a:cxn ang="0">
-                  <a:pos x="connsiteX17" y="connsiteY17"/>
-                </a:cxn>
-                <a:cxn ang="0">
-                  <a:pos x="connsiteX18" y="connsiteY18"/>
-                </a:cxn>
-                <a:cxn ang="0">
-                  <a:pos x="connsiteX19" y="connsiteY19"/>
-                </a:cxn>
-                <a:cxn ang="0">
-                  <a:pos x="connsiteX20" y="connsiteY20"/>
-                </a:cxn>
-                <a:cxn ang="0">
-                  <a:pos x="connsiteX21" y="connsiteY21"/>
-                </a:cxn>
-                <a:cxn ang="0">
-                  <a:pos x="connsiteX22" y="connsiteY22"/>
-                </a:cxn>
-                <a:cxn ang="0">
-                  <a:pos x="connsiteX23" y="connsiteY23"/>
-                </a:cxn>
-                <a:cxn ang="0">
-                  <a:pos x="connsiteX24" y="connsiteY24"/>
-                </a:cxn>
-                <a:cxn ang="0">
-                  <a:pos x="connsiteX25" y="connsiteY25"/>
-                </a:cxn>
-                <a:cxn ang="0">
-                  <a:pos x="connsiteX26" y="connsiteY26"/>
-                </a:cxn>
-                <a:cxn ang="0">
-                  <a:pos x="connsiteX27" y="connsiteY27"/>
-                </a:cxn>
-                <a:cxn ang="0">
-                  <a:pos x="connsiteX28" y="connsiteY28"/>
-                </a:cxn>
-                <a:cxn ang="0">
-                  <a:pos x="connsiteX29" y="connsiteY29"/>
-                </a:cxn>
-                <a:cxn ang="0">
-                  <a:pos x="connsiteX30" y="connsiteY30"/>
-                </a:cxn>
-                <a:cxn ang="0">
-                  <a:pos x="connsiteX31" y="connsiteY31"/>
-                </a:cxn>
-                <a:cxn ang="0">
-                  <a:pos x="connsiteX32" y="connsiteY32"/>
-                </a:cxn>
-                <a:cxn ang="0">
-                  <a:pos x="connsiteX33" y="connsiteY33"/>
-                </a:cxn>
-                <a:cxn ang="0">
-                  <a:pos x="connsiteX34" y="connsiteY34"/>
-                </a:cxn>
-                <a:cxn ang="0">
-                  <a:pos x="connsiteX35" y="connsiteY35"/>
-                </a:cxn>
-                <a:cxn ang="0">
-                  <a:pos x="connsiteX36" y="connsiteY36"/>
-                </a:cxn>
-              </a:cxnLst>
-              <a:rect l="l" t="t" r="r" b="b"/>
-              <a:pathLst>
-                <a:path w="4211600" h="1660822">
-                  <a:moveTo>
-                    <a:pt x="4211600" y="0"/>
-                  </a:moveTo>
-                  <a:lnTo>
-                    <a:pt x="4211600" y="58430"/>
-                  </a:lnTo>
-                  <a:lnTo>
-                    <a:pt x="4136524" y="208808"/>
-                  </a:lnTo>
-                  <a:cubicBezTo>
-                    <a:pt x="4089791" y="287770"/>
-                    <a:pt x="4030588" y="363780"/>
-                    <a:pt x="3973354" y="437313"/>
-                  </a:cubicBezTo>
-                  <a:cubicBezTo>
-                    <a:pt x="3943819" y="475222"/>
-                    <a:pt x="3913231" y="514465"/>
-                    <a:pt x="3884746" y="553613"/>
-                  </a:cubicBezTo>
-                  <a:cubicBezTo>
-                    <a:pt x="3872801" y="569996"/>
-                    <a:pt x="3861119" y="586569"/>
-                    <a:pt x="3849435" y="603143"/>
-                  </a:cubicBezTo>
-                  <a:cubicBezTo>
-                    <a:pt x="3796665" y="678009"/>
-                    <a:pt x="3742187" y="755352"/>
-                    <a:pt x="3661849" y="819075"/>
-                  </a:cubicBezTo>
-                  <a:cubicBezTo>
-                    <a:pt x="3596214" y="871176"/>
-                    <a:pt x="3509050" y="916230"/>
-                    <a:pt x="3402589" y="952996"/>
-                  </a:cubicBezTo>
-                  <a:cubicBezTo>
-                    <a:pt x="3312406" y="984048"/>
-                    <a:pt x="3215660" y="1005003"/>
-                    <a:pt x="3130202" y="1023386"/>
-                  </a:cubicBezTo>
-                  <a:cubicBezTo>
-                    <a:pt x="3058529" y="1038816"/>
-                    <a:pt x="2985412" y="1053675"/>
-                    <a:pt x="2914657" y="1068058"/>
-                  </a:cubicBezTo>
-                  <a:cubicBezTo>
-                    <a:pt x="2805176" y="1090251"/>
-                    <a:pt x="2692021" y="1113207"/>
-                    <a:pt x="2582149" y="1138924"/>
-                  </a:cubicBezTo>
-                  <a:cubicBezTo>
-                    <a:pt x="2549330" y="1146639"/>
-                    <a:pt x="2516644" y="1154450"/>
-                    <a:pt x="2483958" y="1162356"/>
-                  </a:cubicBezTo>
-                  <a:cubicBezTo>
-                    <a:pt x="2367257" y="1190550"/>
-                    <a:pt x="2246621" y="1219601"/>
-                    <a:pt x="2123750" y="1238651"/>
-                  </a:cubicBezTo>
-                  <a:cubicBezTo>
-                    <a:pt x="2004294" y="1257129"/>
-                    <a:pt x="1880769" y="1265416"/>
-                    <a:pt x="1761444" y="1273417"/>
-                  </a:cubicBezTo>
-                  <a:cubicBezTo>
-                    <a:pt x="1711167" y="1276751"/>
-                    <a:pt x="1659184" y="1280275"/>
-                    <a:pt x="1608382" y="1284466"/>
-                  </a:cubicBezTo>
-                  <a:cubicBezTo>
-                    <a:pt x="1408589" y="1300944"/>
-                    <a:pt x="1214570" y="1325805"/>
-                    <a:pt x="999942" y="1354284"/>
-                  </a:cubicBezTo>
-                  <a:cubicBezTo>
-                    <a:pt x="826403" y="1377240"/>
-                    <a:pt x="647744" y="1400957"/>
-                    <a:pt x="484705" y="1450487"/>
-                  </a:cubicBezTo>
-                  <a:cubicBezTo>
-                    <a:pt x="355831" y="1489635"/>
-                    <a:pt x="231387" y="1544374"/>
-                    <a:pt x="113310" y="1613700"/>
-                  </a:cubicBezTo>
-                  <a:lnTo>
-                    <a:pt x="39668" y="1660822"/>
-                  </a:lnTo>
-                  <a:lnTo>
-                    <a:pt x="0" y="1660822"/>
-                  </a:lnTo>
-                  <a:lnTo>
-                    <a:pt x="96701" y="1598934"/>
-                  </a:lnTo>
-                  <a:cubicBezTo>
-                    <a:pt x="216635" y="1528533"/>
-                    <a:pt x="343196" y="1472919"/>
-                    <a:pt x="474335" y="1433056"/>
-                  </a:cubicBezTo>
-                  <a:cubicBezTo>
-                    <a:pt x="639999" y="1382669"/>
-                    <a:pt x="820102" y="1358856"/>
-                    <a:pt x="994299" y="1335806"/>
-                  </a:cubicBezTo>
-                  <a:cubicBezTo>
-                    <a:pt x="1210239" y="1307231"/>
-                    <a:pt x="1404650" y="1282275"/>
-                    <a:pt x="1605231" y="1265702"/>
-                  </a:cubicBezTo>
-                  <a:cubicBezTo>
-                    <a:pt x="1656428" y="1261511"/>
-                    <a:pt x="1708411" y="1257987"/>
-                    <a:pt x="1758819" y="1254558"/>
-                  </a:cubicBezTo>
-                  <a:cubicBezTo>
-                    <a:pt x="1877487" y="1246557"/>
-                    <a:pt x="2000094" y="1238365"/>
-                    <a:pt x="2118106" y="1220077"/>
-                  </a:cubicBezTo>
-                  <a:cubicBezTo>
-                    <a:pt x="2239531" y="1201313"/>
-                    <a:pt x="2359513" y="1172357"/>
-                    <a:pt x="2475557" y="1144353"/>
-                  </a:cubicBezTo>
-                  <a:cubicBezTo>
-                    <a:pt x="2508243" y="1136448"/>
-                    <a:pt x="2541060" y="1128542"/>
-                    <a:pt x="2573878" y="1120827"/>
-                  </a:cubicBezTo>
-                  <a:cubicBezTo>
-                    <a:pt x="2684276" y="1094919"/>
-                    <a:pt x="2797694" y="1071963"/>
-                    <a:pt x="2907437" y="1049675"/>
-                  </a:cubicBezTo>
-                  <a:cubicBezTo>
-                    <a:pt x="2978061" y="1035387"/>
-                    <a:pt x="3051178" y="1020528"/>
-                    <a:pt x="3122589" y="1005098"/>
-                  </a:cubicBezTo>
-                  <a:cubicBezTo>
-                    <a:pt x="3206997" y="986810"/>
-                    <a:pt x="3302823" y="966141"/>
-                    <a:pt x="3391169" y="935756"/>
-                  </a:cubicBezTo>
-                  <a:cubicBezTo>
-                    <a:pt x="3494479" y="900132"/>
-                    <a:pt x="3578886" y="856508"/>
-                    <a:pt x="3642290" y="806216"/>
-                  </a:cubicBezTo>
-                  <a:cubicBezTo>
-                    <a:pt x="3720133" y="744303"/>
-                    <a:pt x="3773953" y="668103"/>
-                    <a:pt x="3825937" y="594475"/>
-                  </a:cubicBezTo>
-                  <a:cubicBezTo>
-                    <a:pt x="3837621" y="577902"/>
-                    <a:pt x="3849435" y="561233"/>
-                    <a:pt x="3861381" y="544755"/>
-                  </a:cubicBezTo>
-                  <a:cubicBezTo>
-                    <a:pt x="3889997" y="505416"/>
-                    <a:pt x="3920715" y="465983"/>
-                    <a:pt x="3950381" y="427978"/>
-                  </a:cubicBezTo>
-                  <a:cubicBezTo>
-                    <a:pt x="4007353" y="354921"/>
-                    <a:pt x="4066163" y="279388"/>
-                    <a:pt x="4112370" y="201378"/>
-                  </a:cubicBezTo>
-                  <a:cubicBezTo>
-                    <a:pt x="4144662" y="146800"/>
-                    <a:pt x="4170785" y="89364"/>
-                    <a:pt x="4195989" y="33834"/>
-                  </a:cubicBezTo>
-                  <a:close/>
-                </a:path>
-              </a:pathLst>
-            </a:custGeom>
-            <a:solidFill>
-              <a:schemeClr val="accent1"/>
-            </a:solidFill>
-            <a:ln>
-              <a:noFill/>
-            </a:ln>
-          </p:spPr>
-          <p:style>
-            <a:lnRef idx="2">
-              <a:schemeClr val="accent1">
-                <a:shade val="50000"/>
-              </a:schemeClr>
-            </a:lnRef>
-            <a:fillRef idx="1">
-              <a:schemeClr val="accent1"/>
-            </a:fillRef>
-            <a:effectRef idx="0">
-              <a:schemeClr val="accent1"/>
-            </a:effectRef>
-            <a:fontRef idx="minor">
-              <a:schemeClr val="lt1"/>
-            </a:fontRef>
-          </p:style>
-          <p:txBody>
-            <a:bodyPr wrap="square" rtlCol="0" anchor="ctr">
-              <a:noAutofit/>
-            </a:bodyPr>
-            <a:lstStyle/>
-            <a:p>
-              <a:pPr algn="ctr"/>
-              <a:endParaRPr lang="en-US"/>
-            </a:p>
-          </p:txBody>
-        </p:sp>
-      </p:grpSp>
+          <a:prstGeom prst="rect">
+            <a:avLst/>
+          </a:prstGeom>
+        </p:spPr>
+      </p:pic>
     </p:spTree>
     <p:extLst>
       <p:ext uri="{BB962C8B-B14F-4D97-AF65-F5344CB8AC3E}">
-        <p14:creationId xmlns:p14="http://schemas.microsoft.com/office/powerpoint/2010/main" val="19489556"/>
+        <p14:creationId xmlns:p14="http://schemas.microsoft.com/office/powerpoint/2010/main" val="1463996914"/>
       </p:ext>
     </p:extLst>
   </p:cSld>
@@ -21946,19 +14337,17 @@
       </p:grpSpPr>
       <p:pic>
         <p:nvPicPr>
-          <p:cNvPr id="4" name="Picture 4">
+          <p:cNvPr id="2" name="Picture 2" descr="A picture containing graphical user interface&#10;&#10;Description automatically generated">
             <a:extLst>
               <a:ext uri="{FF2B5EF4-FFF2-40B4-BE49-F238E27FC236}">
-                <a16:creationId xmlns:a16="http://schemas.microsoft.com/office/drawing/2014/main" id="{9DFE2439-7277-42A5-86E9-09623E594DD0}"/>
+                <a16:creationId xmlns:a16="http://schemas.microsoft.com/office/drawing/2014/main" id="{42F39BA9-7328-4781-9A1D-09F92BCE24B7}"/>
               </a:ext>
             </a:extLst>
           </p:cNvPr>
           <p:cNvPicPr>
-            <a:picLocks noGrp="1" noChangeAspect="1"/>
+            <a:picLocks noChangeAspect="1"/>
           </p:cNvPicPr>
-          <p:nvPr>
-            <p:ph idx="1"/>
-          </p:nvPr>
+          <p:nvPr/>
         </p:nvPicPr>
         <p:blipFill>
           <a:blip r:embed="rId2"/>
@@ -21968,15 +14357,48 @@
         </p:blipFill>
         <p:spPr>
           <a:xfrm>
-            <a:off x="1295981" y="1710416"/>
-            <a:ext cx="9934575" cy="3448050"/>
+            <a:off x="1007327" y="44559"/>
+            <a:ext cx="4908395" cy="6778174"/>
           </a:xfrm>
+          <a:prstGeom prst="rect">
+            <a:avLst/>
+          </a:prstGeom>
+        </p:spPr>
+      </p:pic>
+      <p:pic>
+        <p:nvPicPr>
+          <p:cNvPr id="3" name="Picture 3" descr="Text&#10;&#10;Description automatically generated">
+            <a:extLst>
+              <a:ext uri="{FF2B5EF4-FFF2-40B4-BE49-F238E27FC236}">
+                <a16:creationId xmlns:a16="http://schemas.microsoft.com/office/drawing/2014/main" id="{DAF76E52-7DCA-4F6A-9281-9026E26E55F5}"/>
+              </a:ext>
+            </a:extLst>
+          </p:cNvPr>
+          <p:cNvPicPr>
+            <a:picLocks noChangeAspect="1"/>
+          </p:cNvPicPr>
+          <p:nvPr/>
+        </p:nvPicPr>
+        <p:blipFill>
+          <a:blip r:embed="rId3"/>
+          <a:stretch>
+            <a:fillRect/>
+          </a:stretch>
+        </p:blipFill>
+        <p:spPr>
+          <a:xfrm>
+            <a:off x="6378498" y="41156"/>
+            <a:ext cx="4908394" cy="6766396"/>
+          </a:xfrm>
+          <a:prstGeom prst="rect">
+            <a:avLst/>
+          </a:prstGeom>
         </p:spPr>
       </p:pic>
     </p:spTree>
     <p:extLst>
       <p:ext uri="{BB962C8B-B14F-4D97-AF65-F5344CB8AC3E}">
-        <p14:creationId xmlns:p14="http://schemas.microsoft.com/office/powerpoint/2010/main" val="1423755853"/>
+        <p14:creationId xmlns:p14="http://schemas.microsoft.com/office/powerpoint/2010/main" val="3790388243"/>
       </p:ext>
     </p:extLst>
   </p:cSld>
@@ -22025,12 +14447,12 @@
           <a:lstStyle/>
           <a:p>
             <a:r>
-              <a:rPr lang="en-US">
+              <a:rPr lang="en-US" dirty="0">
                 <a:cs typeface="Posterama"/>
               </a:rPr>
-              <a:t>Future Enhancement</a:t>
+              <a:t>Future Enhancements</a:t>
             </a:r>
-            <a:endParaRPr lang="en-US"/>
+            <a:endParaRPr lang="en-US" dirty="0"/>
           </a:p>
         </p:txBody>
       </p:sp>
@@ -22058,22 +14480,33 @@
           <a:lstStyle/>
           <a:p>
             <a:r>
-              <a:rPr lang="en-US"/>
-              <a:t>We could make a GUI for this.</a:t>
+              <a:rPr lang="en-US" dirty="0"/>
+              <a:t>We could make a desktop app for this.</a:t>
             </a:r>
           </a:p>
           <a:p>
             <a:r>
-              <a:rPr lang="en-US"/>
-              <a:t>We can also make a web app for this and host it on a server for commercial use.</a:t>
+              <a:rPr lang="en-US" dirty="0"/>
+              <a:t>We can also make a website for this and host it on a server for commercial use.</a:t>
             </a:r>
           </a:p>
           <a:p>
             <a:r>
-              <a:rPr lang="en-US"/>
+              <a:rPr lang="en-US" dirty="0"/>
               <a:t>We can also add billing system.</a:t>
             </a:r>
-            <a:endParaRPr lang="en-US" dirty="0"/>
+          </a:p>
+          <a:p>
+            <a:r>
+              <a:rPr lang="en-US" dirty="0"/>
+              <a:t>We can add inventory report generation.</a:t>
+            </a:r>
+          </a:p>
+          <a:p>
+            <a:r>
+              <a:rPr lang="en-US" dirty="0"/>
+              <a:t>We can add a feature that lets us export the data to an Excel spreadsheet.</a:t>
+            </a:r>
           </a:p>
         </p:txBody>
       </p:sp>
@@ -22162,13 +14595,13 @@
           <a:lstStyle/>
           <a:p>
             <a:r>
-              <a:rPr lang="en-US"/>
-              <a:t>Overall, this is just a basic implementation of an inventory tracking program.</a:t>
+              <a:rPr lang="en-US" dirty="0"/>
+              <a:t>Overall, this is just a basic implementation of an inventory tracking program in C++ using basic file structures.</a:t>
             </a:r>
           </a:p>
           <a:p>
             <a:r>
-              <a:rPr lang="en-US">
+              <a:rPr lang="en-US" dirty="0">
                 <a:ea typeface="+mn-lt"/>
                 <a:cs typeface="+mn-lt"/>
               </a:rPr>
@@ -22178,13 +14611,13 @@
           </a:p>
           <a:p>
             <a:r>
-              <a:rPr lang="en-US">
+              <a:rPr lang="en-US" dirty="0">
                 <a:ea typeface="+mn-lt"/>
                 <a:cs typeface="+mn-lt"/>
               </a:rPr>
               <a:t>The code used in the program is robust and understandable which helps the user to execute and retrieve the required records with ease.</a:t>
             </a:r>
-            <a:endParaRPr lang="en-US"/>
+            <a:endParaRPr lang="en-US" dirty="0"/>
           </a:p>
         </p:txBody>
       </p:sp>
@@ -22202,6 +14635,128 @@
 </file>
 
 <file path=ppt/slides/slide15.xml><?xml version="1.0" encoding="utf-8"?>
+<p:sld xmlns:a="http://schemas.openxmlformats.org/drawingml/2006/main" xmlns:r="http://schemas.openxmlformats.org/officeDocument/2006/relationships" xmlns:p="http://schemas.openxmlformats.org/presentationml/2006/main">
+  <p:cSld>
+    <p:spTree>
+      <p:nvGrpSpPr>
+        <p:cNvPr id="1" name=""/>
+        <p:cNvGrpSpPr/>
+        <p:nvPr/>
+      </p:nvGrpSpPr>
+      <p:grpSpPr>
+        <a:xfrm>
+          <a:off x="0" y="0"/>
+          <a:ext cx="0" cy="0"/>
+          <a:chOff x="0" y="0"/>
+          <a:chExt cx="0" cy="0"/>
+        </a:xfrm>
+      </p:grpSpPr>
+      <p:sp>
+        <p:nvSpPr>
+          <p:cNvPr id="2" name="Title 1">
+            <a:extLst>
+              <a:ext uri="{FF2B5EF4-FFF2-40B4-BE49-F238E27FC236}">
+                <a16:creationId xmlns:a16="http://schemas.microsoft.com/office/drawing/2014/main" id="{F5BB5C0A-36F3-4166-B326-4F3094C95CC6}"/>
+              </a:ext>
+            </a:extLst>
+          </p:cNvPr>
+          <p:cNvSpPr>
+            <a:spLocks noGrp="1"/>
+          </p:cNvSpPr>
+          <p:nvPr>
+            <p:ph type="title"/>
+          </p:nvPr>
+        </p:nvSpPr>
+        <p:spPr/>
+        <p:txBody>
+          <a:bodyPr/>
+          <a:lstStyle/>
+          <a:p>
+            <a:r>
+              <a:rPr lang="en-US" dirty="0">
+                <a:cs typeface="Posterama"/>
+              </a:rPr>
+              <a:t>Bibliography</a:t>
+            </a:r>
+            <a:endParaRPr lang="en-US" dirty="0"/>
+          </a:p>
+        </p:txBody>
+      </p:sp>
+      <p:sp>
+        <p:nvSpPr>
+          <p:cNvPr id="3" name="Content Placeholder 2">
+            <a:extLst>
+              <a:ext uri="{FF2B5EF4-FFF2-40B4-BE49-F238E27FC236}">
+                <a16:creationId xmlns:a16="http://schemas.microsoft.com/office/drawing/2014/main" id="{FF2853E0-06B3-418A-8A12-1A6EEB047135}"/>
+              </a:ext>
+            </a:extLst>
+          </p:cNvPr>
+          <p:cNvSpPr>
+            <a:spLocks noGrp="1"/>
+          </p:cNvSpPr>
+          <p:nvPr>
+            <p:ph idx="1"/>
+          </p:nvPr>
+        </p:nvSpPr>
+        <p:spPr/>
+        <p:txBody>
+          <a:bodyPr vert="horz" lIns="91440" tIns="45720" rIns="91440" bIns="45720" rtlCol="0" anchor="t">
+            <a:normAutofit/>
+          </a:bodyPr>
+          <a:lstStyle/>
+          <a:p>
+            <a:r>
+              <a:rPr lang="en-US" dirty="0">
+                <a:hlinkClick r:id="rId2"/>
+              </a:rPr>
+              <a:t>Impact of Inventory Management on Firm’s Efficiency</a:t>
+            </a:r>
+            <a:r>
+              <a:rPr lang="en-US" dirty="0"/>
+              <a:t> (</a:t>
+            </a:r>
+            <a:r>
+              <a:rPr lang="en-US" dirty="0">
+                <a:ea typeface="+mn-lt"/>
+                <a:cs typeface="+mn-lt"/>
+              </a:rPr>
+              <a:t>This study investigated the effect of various inventory management factors on firm’s efficiency).</a:t>
+            </a:r>
+          </a:p>
+          <a:p>
+            <a:r>
+              <a:rPr lang="en-US" dirty="0">
+                <a:ea typeface="+mn-lt"/>
+                <a:cs typeface="+mn-lt"/>
+                <a:hlinkClick r:id="rId3"/>
+              </a:rPr>
+              <a:t>A Study on Relationship between Inventory Management and Company Performance</a:t>
+            </a:r>
+            <a:r>
+              <a:rPr lang="en-US" dirty="0">
+                <a:ea typeface="+mn-lt"/>
+                <a:cs typeface="+mn-lt"/>
+              </a:rPr>
+              <a:t> (This study textile store as an example for the case study)</a:t>
+            </a:r>
+            <a:endParaRPr lang="en-US" dirty="0"/>
+          </a:p>
+        </p:txBody>
+      </p:sp>
+    </p:spTree>
+    <p:extLst>
+      <p:ext uri="{BB962C8B-B14F-4D97-AF65-F5344CB8AC3E}">
+        <p14:creationId xmlns:p14="http://schemas.microsoft.com/office/powerpoint/2010/main" val="2726868027"/>
+      </p:ext>
+    </p:extLst>
+  </p:cSld>
+  <p:clrMapOvr>
+    <a:masterClrMapping/>
+  </p:clrMapOvr>
+</p:sld>
+</file>
+
+<file path=ppt/slides/slide16.xml><?xml version="1.0" encoding="utf-8"?>
 <p:sld xmlns:a="http://schemas.openxmlformats.org/drawingml/2006/main" xmlns:r="http://schemas.openxmlformats.org/officeDocument/2006/relationships" xmlns:p="http://schemas.openxmlformats.org/presentationml/2006/main">
   <p:cSld>
     <p:spTree>
@@ -22251,48 +14806,58 @@
       </p:sp>
       <p:sp>
         <p:nvSpPr>
-          <p:cNvPr id="3" name="Text Placeholder 2">
+          <p:cNvPr id="4" name="TextBox 3">
             <a:extLst>
               <a:ext uri="{FF2B5EF4-FFF2-40B4-BE49-F238E27FC236}">
-                <a16:creationId xmlns:a16="http://schemas.microsoft.com/office/drawing/2014/main" id="{EE84C173-152F-4D0F-AB46-53D8A5600EDC}"/>
+                <a16:creationId xmlns:a16="http://schemas.microsoft.com/office/drawing/2014/main" id="{8ADDF0B7-1579-454C-8560-73163A8AE330}"/>
               </a:ext>
             </a:extLst>
           </p:cNvPr>
-          <p:cNvSpPr>
-            <a:spLocks noGrp="1"/>
-          </p:cNvSpPr>
-          <p:nvPr>
-            <p:ph type="body" idx="1"/>
-          </p:nvPr>
+          <p:cNvSpPr txBox="1"/>
+          <p:nvPr/>
         </p:nvSpPr>
         <p:spPr>
           <a:xfrm>
-            <a:off x="831850" y="5136310"/>
-            <a:ext cx="10515600" cy="953340"/>
+            <a:off x="833718" y="4787153"/>
+            <a:ext cx="8301316" cy="646331"/>
           </a:xfrm>
+          <a:prstGeom prst="rect">
+            <a:avLst/>
+          </a:prstGeom>
+          <a:noFill/>
         </p:spPr>
         <p:txBody>
-          <a:bodyPr vert="horz" lIns="91440" tIns="45720" rIns="91440" bIns="45720" rtlCol="0" anchor="t">
-            <a:normAutofit fontScale="55000" lnSpcReduction="20000"/>
+          <a:bodyPr rot="0" spcFirstLastPara="0" vertOverflow="overflow" horzOverflow="overflow" vert="horz" wrap="square" lIns="91440" tIns="45720" rIns="91440" bIns="45720" numCol="1" spcCol="0" rtlCol="0" fromWordArt="0" anchor="t" anchorCtr="0" forceAA="0" compatLnSpc="1">
+            <a:prstTxWarp prst="textNoShape">
+              <a:avLst/>
+            </a:prstTxWarp>
+            <a:spAutoFit/>
           </a:bodyPr>
           <a:lstStyle/>
           <a:p>
             <a:r>
-              <a:rPr lang="en-US" dirty="0"/>
-              <a:t>References:</a:t>
+              <a:rPr lang="en-US" dirty="0">
+                <a:ea typeface="+mn-lt"/>
+                <a:cs typeface="+mn-lt"/>
+              </a:rPr>
+              <a:t>Our GitHub repo link is </a:t>
             </a:r>
+            <a:r>
+              <a:rPr lang="en-US" dirty="0">
+                <a:ea typeface="+mn-lt"/>
+                <a:cs typeface="+mn-lt"/>
+                <a:hlinkClick r:id="rId2"/>
+              </a:rPr>
+              <a:t>https://github.com/yadunandanbhat/InventoryTracker</a:t>
+            </a:r>
+            <a:endParaRPr lang="en-US" dirty="0">
+              <a:ea typeface="+mn-lt"/>
+              <a:cs typeface="+mn-lt"/>
+            </a:endParaRPr>
           </a:p>
           <a:p>
-            <a:r>
-              <a:rPr lang="en-US" dirty="0"/>
-              <a:t>GitHub repos for code reference</a:t>
-            </a:r>
-          </a:p>
-          <a:p>
-            <a:r>
-              <a:rPr lang="en-US" dirty="0"/>
-              <a:t>Diagrams.net for the system architecture diagrams</a:t>
-            </a:r>
+            <a:pPr algn="l"/>
+            <a:endParaRPr lang="en-US" dirty="0"/>
           </a:p>
         </p:txBody>
       </p:sp>
@@ -22376,7 +14941,7 @@
         <p:spPr/>
         <p:txBody>
           <a:bodyPr vert="horz" lIns="91440" tIns="45720" rIns="91440" bIns="45720" rtlCol="0" anchor="t">
-            <a:normAutofit fontScale="62500" lnSpcReduction="20000"/>
+            <a:normAutofit fontScale="55000" lnSpcReduction="20000"/>
           </a:bodyPr>
           <a:lstStyle/>
           <a:p>
@@ -22385,7 +14950,7 @@
                 <a:ea typeface="+mn-lt"/>
                 <a:cs typeface="+mn-lt"/>
               </a:rPr>
-              <a:t>Brief Project Overview</a:t>
+              <a:t>Introduction</a:t>
             </a:r>
             <a:endParaRPr lang="en-US" dirty="0"/>
           </a:p>
@@ -22405,7 +14970,7 @@
                 <a:ea typeface="+mn-lt"/>
                 <a:cs typeface="+mn-lt"/>
               </a:rPr>
-              <a:t>Project Analysis</a:t>
+              <a:t>Techniques Used</a:t>
             </a:r>
             <a:endParaRPr lang="en-US" dirty="0"/>
           </a:p>
@@ -22418,15 +14983,6 @@
               <a:t>System Requirements</a:t>
             </a:r>
             <a:endParaRPr lang="en-US" dirty="0"/>
-          </a:p>
-          <a:p>
-            <a:r>
-              <a:rPr lang="en-US" dirty="0">
-                <a:ea typeface="+mn-lt"/>
-                <a:cs typeface="+mn-lt"/>
-              </a:rPr>
-              <a:t>Literature Survey</a:t>
-            </a:r>
           </a:p>
           <a:p>
             <a:r>
@@ -22463,7 +15019,7 @@
                 <a:ea typeface="+mn-lt"/>
                 <a:cs typeface="+mn-lt"/>
               </a:rPr>
-              <a:t>Output Model</a:t>
+              <a:t>Output</a:t>
             </a:r>
           </a:p>
           <a:p>
@@ -22483,6 +15039,18 @@
                 <a:cs typeface="+mn-lt"/>
               </a:rPr>
               <a:t>Conclusion</a:t>
+            </a:r>
+          </a:p>
+          <a:p>
+            <a:r>
+              <a:rPr lang="en-US" dirty="0"/>
+              <a:t>Bibliography</a:t>
+            </a:r>
+          </a:p>
+          <a:p>
+            <a:r>
+              <a:rPr lang="en-US" dirty="0"/>
+              <a:t>GitHub link</a:t>
             </a:r>
           </a:p>
           <a:p>
@@ -22548,12 +15116,12 @@
           <a:lstStyle/>
           <a:p>
             <a:r>
-              <a:rPr lang="en-US">
+              <a:rPr lang="en-US" dirty="0">
                 <a:cs typeface="Posterama"/>
               </a:rPr>
-              <a:t>Brief Project Overview</a:t>
+              <a:t>Introduction</a:t>
             </a:r>
-            <a:endParaRPr lang="en-US"/>
+            <a:endParaRPr lang="en-US" dirty="0"/>
           </a:p>
         </p:txBody>
       </p:sp>
@@ -22581,31 +15149,48 @@
           <a:lstStyle/>
           <a:p>
             <a:r>
-              <a:rPr lang="en-US" sz="2400">
-                <a:ea typeface="+mn-lt"/>
-                <a:cs typeface="+mn-lt"/>
-              </a:rPr>
-              <a:t>The inventory management ensures that the company always has the required materials and products in hand while keeping the cost as low as possible.</a:t>
-            </a:r>
-          </a:p>
-          <a:p>
-            <a:r>
-              <a:rPr lang="en-US" sz="2400">
+              <a:rPr lang="en-US" sz="2400" dirty="0">
                 <a:ea typeface="+mn-lt"/>
                 <a:cs typeface="+mn-lt"/>
               </a:rPr>
               <a:t>Inventory Management refers to the process of supervising and controlling the stock items of a company.</a:t>
             </a:r>
+            <a:endParaRPr lang="en-US" sz="2400" dirty="0"/>
           </a:p>
           <a:p>
             <a:r>
-              <a:rPr lang="en-US" sz="2400">
+              <a:rPr lang="en-US" sz="2400" dirty="0">
                 <a:ea typeface="+mn-lt"/>
                 <a:cs typeface="+mn-lt"/>
               </a:rPr>
-              <a:t>Typically, Inventory Management Systems are used by firms that either sell a product or manufacture a product for the purpose of accounting all the tangible goods that allow for a sale of a finished product, or parts for making a product.</a:t>
+              <a:t>Inventory management is important because it ensures businesses know what they’ve got in stock, where it is and how much of it they have.</a:t>
             </a:r>
-            <a:endParaRPr lang="en-US" sz="2400"/>
+          </a:p>
+          <a:p>
+            <a:r>
+              <a:rPr lang="en-US" sz="2400" dirty="0">
+                <a:ea typeface="+mn-lt"/>
+                <a:cs typeface="+mn-lt"/>
+              </a:rPr>
+              <a:t>Inventory management is a difficult business process to do by hand. It takes time, and if you make a mistake while recording, it could negatively impact the business.</a:t>
+            </a:r>
+          </a:p>
+          <a:p>
+            <a:r>
+              <a:rPr lang="en-US" sz="2400" dirty="0"/>
+              <a:t>That's why we need Inventory Tracking software, to make </a:t>
+            </a:r>
+            <a:r>
+              <a:rPr lang="en-US" sz="2400" dirty="0" err="1"/>
+              <a:t>inventoring</a:t>
+            </a:r>
+            <a:r>
+              <a:rPr lang="en-US" sz="2400" dirty="0"/>
+              <a:t> efficient.</a:t>
+            </a:r>
+          </a:p>
+          <a:p>
+            <a:endParaRPr lang="en-US" sz="2400" dirty="0"/>
           </a:p>
         </p:txBody>
       </p:sp>
@@ -22695,7 +15280,7 @@
           <a:p>
             <a:r>
               <a:rPr lang="en-US" dirty="0"/>
-              <a:t>Easy and intuitive to use.</a:t>
+              <a:t>Easy to use command line interface, so no prior technological experience needed.</a:t>
             </a:r>
           </a:p>
           <a:p>
@@ -22704,7 +15289,7 @@
                 <a:ea typeface="+mn-lt"/>
                 <a:cs typeface="+mn-lt"/>
               </a:rPr>
-              <a:t>Our project helps in organizing and maintaining data with well designed file structures and by eliminating the legacy methods of maintaining data in physical files.</a:t>
+              <a:t>Our project is open source, so anybody can download it and use it or even contribute to its development</a:t>
             </a:r>
           </a:p>
           <a:p>
@@ -22795,12 +15380,12 @@
           <a:lstStyle/>
           <a:p>
             <a:r>
-              <a:rPr lang="en-US">
+              <a:rPr lang="en-US" dirty="0">
                 <a:cs typeface="Posterama"/>
               </a:rPr>
-              <a:t>Project Analysis</a:t>
+              <a:t>Techniques Used:</a:t>
             </a:r>
-            <a:endParaRPr lang="en-US"/>
+            <a:endParaRPr lang="en-US" dirty="0"/>
           </a:p>
         </p:txBody>
       </p:sp>
@@ -22823,89 +15408,72 @@
         <p:spPr/>
         <p:txBody>
           <a:bodyPr vert="horz" lIns="91440" tIns="45720" rIns="91440" bIns="45720" rtlCol="0" anchor="t">
-            <a:normAutofit fontScale="92500" lnSpcReduction="20000"/>
+            <a:normAutofit/>
           </a:bodyPr>
           <a:lstStyle/>
           <a:p>
             <a:r>
-              <a:rPr lang="en-US"/>
+              <a:rPr lang="en-US" dirty="0"/>
               <a:t>We have used </a:t>
             </a:r>
             <a:r>
-              <a:rPr lang="en-US" b="1"/>
+              <a:rPr lang="en-US" b="1" dirty="0"/>
               <a:t>Document Processing</a:t>
             </a:r>
             <a:r>
-              <a:rPr lang="en-US"/>
+              <a:rPr lang="en-US" dirty="0"/>
               <a:t> and </a:t>
             </a:r>
             <a:r>
-              <a:rPr lang="en-US" b="1"/>
+              <a:rPr lang="en-US" b="1" dirty="0"/>
               <a:t>Indexing</a:t>
             </a:r>
             <a:r>
-              <a:rPr lang="en-US"/>
+              <a:rPr lang="en-US" dirty="0"/>
               <a:t> in this project.</a:t>
             </a:r>
+            <a:endParaRPr lang="en-US"/>
           </a:p>
           <a:p>
             <a:r>
-              <a:rPr lang="en-US" b="1">
+              <a:rPr lang="en-US" b="1" dirty="0">
                 <a:ea typeface="+mn-lt"/>
                 <a:cs typeface="+mn-lt"/>
               </a:rPr>
               <a:t>Document Processing</a:t>
             </a:r>
             <a:r>
-              <a:rPr lang="en-US">
+              <a:rPr lang="en-US" dirty="0">
                 <a:ea typeface="+mn-lt"/>
                 <a:cs typeface="+mn-lt"/>
               </a:rPr>
-              <a:t> is used to collect and manipulate data to produce meaningful information.</a:t>
-            </a:r>
-            <a:endParaRPr lang="en-US" dirty="0">
-              <a:ea typeface="+mn-lt"/>
-              <a:cs typeface="+mn-lt"/>
-            </a:endParaRPr>
-          </a:p>
-          <a:p>
-            <a:r>
-              <a:rPr lang="en-US">
-                <a:ea typeface="+mn-lt"/>
-                <a:cs typeface="+mn-lt"/>
-              </a:rPr>
-              <a:t>It includes the basic file operations.</a:t>
+              <a:t> is used to collect and manipulate the raw product data into specific order. We use variable length record structure.</a:t>
             </a:r>
           </a:p>
           <a:p>
             <a:r>
-              <a:rPr lang="en-US" b="1">
+              <a:rPr lang="en-US" b="1" dirty="0">
                 <a:ea typeface="+mn-lt"/>
                 <a:cs typeface="+mn-lt"/>
               </a:rPr>
-              <a:t>Indexing</a:t>
+              <a:t>Primary Indexing</a:t>
             </a:r>
             <a:r>
-              <a:rPr lang="en-US">
+              <a:rPr lang="en-US" dirty="0">
                 <a:ea typeface="+mn-lt"/>
                 <a:cs typeface="+mn-lt"/>
               </a:rPr>
-              <a:t> is a data structure technique which allows you to quickly retrieve records from a database file.</a:t>
+              <a:t> is also used here to search the product faster.</a:t>
             </a:r>
-            <a:endParaRPr lang="en-US" dirty="0">
-              <a:ea typeface="+mn-lt"/>
-              <a:cs typeface="+mn-lt"/>
-            </a:endParaRPr>
           </a:p>
           <a:p>
             <a:r>
-              <a:rPr lang="en-US">
-                <a:ea typeface="+mn-lt"/>
-                <a:cs typeface="+mn-lt"/>
-              </a:rPr>
-              <a:t>An Index is a small table having only two columns. The first column comprises a copy of the primary or candidate key of a table. Its second column contains a set of pointers for holding the address of the disk block where that specific key value stored.</a:t>
+              <a:rPr lang="en-US" dirty="0"/>
+              <a:t>The product ID is used for indexing.</a:t>
             </a:r>
-            <a:endParaRPr lang="en-US"/>
+          </a:p>
+          <a:p>
+            <a:endParaRPr lang="en-US" dirty="0"/>
           </a:p>
         </p:txBody>
       </p:sp>
@@ -22995,31 +15563,45 @@
           <a:p>
             <a:r>
               <a:rPr lang="en-US" dirty="0"/>
-              <a:t>No special hardware or software is needed for this program.</a:t>
+              <a:t>The minimum requirements are:</a:t>
             </a:r>
           </a:p>
           <a:p>
             <a:r>
               <a:rPr lang="en-US" dirty="0"/>
-              <a:t>But the minimum specs are:</a:t>
+              <a:t>Core i3 2nd Gen Processor</a:t>
             </a:r>
           </a:p>
           <a:p>
             <a:r>
               <a:rPr lang="en-US" dirty="0"/>
-              <a:t>Processor with 233Mhz or higher clock speed.</a:t>
+              <a:t>4GB RAM</a:t>
             </a:r>
           </a:p>
           <a:p>
             <a:r>
               <a:rPr lang="en-US" dirty="0"/>
-              <a:t>128 Megabytes or higher RAM.</a:t>
+              <a:t>Around 100MB </a:t>
+            </a:r>
+            <a:r>
+              <a:rPr lang="en-US" dirty="0" err="1"/>
+              <a:t>harddisk</a:t>
+            </a:r>
+            <a:r>
+              <a:rPr lang="en-US" dirty="0"/>
+              <a:t> space</a:t>
             </a:r>
           </a:p>
           <a:p>
             <a:r>
               <a:rPr lang="en-US" dirty="0"/>
-              <a:t>Windows XP or newer OS.</a:t>
+              <a:t>C++ Compiler (preferably g++)</a:t>
+            </a:r>
+          </a:p>
+          <a:p>
+            <a:r>
+              <a:rPr lang="en-US" dirty="0"/>
+              <a:t>Visual Studio Code</a:t>
             </a:r>
           </a:p>
         </p:txBody>
@@ -23038,146 +15620,6 @@
 </file>
 
 <file path=ppt/slides/slide7.xml><?xml version="1.0" encoding="utf-8"?>
-<p:sld xmlns:a="http://schemas.openxmlformats.org/drawingml/2006/main" xmlns:r="http://schemas.openxmlformats.org/officeDocument/2006/relationships" xmlns:p="http://schemas.openxmlformats.org/presentationml/2006/main">
-  <p:cSld>
-    <p:spTree>
-      <p:nvGrpSpPr>
-        <p:cNvPr id="1" name=""/>
-        <p:cNvGrpSpPr/>
-        <p:nvPr/>
-      </p:nvGrpSpPr>
-      <p:grpSpPr>
-        <a:xfrm>
-          <a:off x="0" y="0"/>
-          <a:ext cx="0" cy="0"/>
-          <a:chOff x="0" y="0"/>
-          <a:chExt cx="0" cy="0"/>
-        </a:xfrm>
-      </p:grpSpPr>
-      <p:sp>
-        <p:nvSpPr>
-          <p:cNvPr id="2" name="Title 1">
-            <a:extLst>
-              <a:ext uri="{FF2B5EF4-FFF2-40B4-BE49-F238E27FC236}">
-                <a16:creationId xmlns:a16="http://schemas.microsoft.com/office/drawing/2014/main" id="{F5BB5C0A-36F3-4166-B326-4F3094C95CC6}"/>
-              </a:ext>
-            </a:extLst>
-          </p:cNvPr>
-          <p:cNvSpPr>
-            <a:spLocks noGrp="1"/>
-          </p:cNvSpPr>
-          <p:nvPr>
-            <p:ph type="title"/>
-          </p:nvPr>
-        </p:nvSpPr>
-        <p:spPr/>
-        <p:txBody>
-          <a:bodyPr/>
-          <a:lstStyle/>
-          <a:p>
-            <a:r>
-              <a:rPr lang="en-US" dirty="0">
-                <a:cs typeface="Posterama"/>
-              </a:rPr>
-              <a:t>Literature Survey</a:t>
-            </a:r>
-            <a:endParaRPr lang="en-US" dirty="0"/>
-          </a:p>
-        </p:txBody>
-      </p:sp>
-      <p:sp>
-        <p:nvSpPr>
-          <p:cNvPr id="3" name="Content Placeholder 2">
-            <a:extLst>
-              <a:ext uri="{FF2B5EF4-FFF2-40B4-BE49-F238E27FC236}">
-                <a16:creationId xmlns:a16="http://schemas.microsoft.com/office/drawing/2014/main" id="{FF2853E0-06B3-418A-8A12-1A6EEB047135}"/>
-              </a:ext>
-            </a:extLst>
-          </p:cNvPr>
-          <p:cNvSpPr>
-            <a:spLocks noGrp="1"/>
-          </p:cNvSpPr>
-          <p:nvPr>
-            <p:ph idx="1"/>
-          </p:nvPr>
-        </p:nvSpPr>
-        <p:spPr/>
-        <p:txBody>
-          <a:bodyPr vert="horz" lIns="91440" tIns="45720" rIns="91440" bIns="45720" rtlCol="0" anchor="t">
-            <a:normAutofit fontScale="92500" lnSpcReduction="20000"/>
-          </a:bodyPr>
-          <a:lstStyle/>
-          <a:p>
-            <a:r>
-              <a:rPr lang="en-US" dirty="0">
-                <a:hlinkClick r:id="rId2"/>
-              </a:rPr>
-              <a:t>Impact of Inventory Management on Firm’s Efficiency</a:t>
-            </a:r>
-            <a:r>
-              <a:rPr lang="en-US" dirty="0"/>
-              <a:t> (</a:t>
-            </a:r>
-            <a:r>
-              <a:rPr lang="en-US" dirty="0">
-                <a:ea typeface="+mn-lt"/>
-                <a:cs typeface="+mn-lt"/>
-              </a:rPr>
-              <a:t>This study investigated the effect of various inventory management factors on firm’s efficiency).</a:t>
-            </a:r>
-          </a:p>
-          <a:p>
-            <a:r>
-              <a:rPr lang="en-US" dirty="0">
-                <a:hlinkClick r:id="rId3"/>
-              </a:rPr>
-              <a:t>Inventory Management as a Determinant for Improvement of Customer Service</a:t>
-            </a:r>
-          </a:p>
-          <a:p>
-            <a:r>
-              <a:rPr lang="en-US" dirty="0">
-                <a:ea typeface="+mn-lt"/>
-                <a:cs typeface="+mn-lt"/>
-                <a:hlinkClick r:id="rId4"/>
-              </a:rPr>
-              <a:t>An Assessment of the Effects of Inventory Management Procedures on Performance</a:t>
-            </a:r>
-          </a:p>
-          <a:p>
-            <a:r>
-              <a:rPr lang="en-US" dirty="0">
-                <a:ea typeface="+mn-lt"/>
-                <a:cs typeface="+mn-lt"/>
-                <a:hlinkClick r:id="rId5"/>
-              </a:rPr>
-              <a:t>A Study on Relationship between Inventory Management and Company Performance</a:t>
-            </a:r>
-            <a:r>
-              <a:rPr lang="en-US" dirty="0">
-                <a:ea typeface="+mn-lt"/>
-                <a:cs typeface="+mn-lt"/>
-              </a:rPr>
-              <a:t> (This study textile store as an example for the case study)</a:t>
-            </a:r>
-            <a:endParaRPr lang="en-US" dirty="0"/>
-          </a:p>
-        </p:txBody>
-      </p:sp>
-    </p:spTree>
-    <p:extLst>
-      <p:ext uri="{BB962C8B-B14F-4D97-AF65-F5344CB8AC3E}">
-        <p14:creationId xmlns:p14="http://schemas.microsoft.com/office/powerpoint/2010/main" val="2726868027"/>
-      </p:ext>
-    </p:extLst>
-  </p:cSld>
-  <p:clrMapOvr>
-    <a:masterClrMapping/>
-  </p:clrMapOvr>
-</p:sld>
-</file>
-
-<file path=ppt/slides/slide8.xml><?xml version="1.0" encoding="utf-8"?>
 <p:sld xmlns:a="http://schemas.openxmlformats.org/drawingml/2006/main" xmlns:r="http://schemas.openxmlformats.org/officeDocument/2006/relationships" xmlns:p="http://schemas.openxmlformats.org/presentationml/2006/main">
   <p:cSld>
     <p:bg>
@@ -30840,7 +23282,7 @@
 </p:sld>
 </file>
 
-<file path=ppt/slides/slide9.xml><?xml version="1.0" encoding="utf-8"?>
+<file path=ppt/slides/slide8.xml><?xml version="1.0" encoding="utf-8"?>
 <p:sld xmlns:a="http://schemas.openxmlformats.org/drawingml/2006/main" xmlns:r="http://schemas.openxmlformats.org/officeDocument/2006/relationships" xmlns:p="http://schemas.openxmlformats.org/presentationml/2006/main">
   <p:cSld>
     <p:bg>
@@ -38522,6 +30964,113 @@
 </p:sld>
 </file>
 
+<file path=ppt/slides/slide9.xml><?xml version="1.0" encoding="utf-8"?>
+<p:sld xmlns:a="http://schemas.openxmlformats.org/drawingml/2006/main" xmlns:r="http://schemas.openxmlformats.org/officeDocument/2006/relationships" xmlns:p="http://schemas.openxmlformats.org/presentationml/2006/main">
+  <p:cSld>
+    <p:spTree>
+      <p:nvGrpSpPr>
+        <p:cNvPr id="1" name=""/>
+        <p:cNvGrpSpPr/>
+        <p:nvPr/>
+      </p:nvGrpSpPr>
+      <p:grpSpPr>
+        <a:xfrm>
+          <a:off x="0" y="0"/>
+          <a:ext cx="0" cy="0"/>
+          <a:chOff x="0" y="0"/>
+          <a:chExt cx="0" cy="0"/>
+        </a:xfrm>
+      </p:grpSpPr>
+      <p:sp>
+        <p:nvSpPr>
+          <p:cNvPr id="2" name="Title 1">
+            <a:extLst>
+              <a:ext uri="{FF2B5EF4-FFF2-40B4-BE49-F238E27FC236}">
+                <a16:creationId xmlns:a16="http://schemas.microsoft.com/office/drawing/2014/main" id="{A417E85F-921F-4363-9CB7-BA00EFB4FB8B}"/>
+              </a:ext>
+            </a:extLst>
+          </p:cNvPr>
+          <p:cNvSpPr>
+            <a:spLocks noGrp="1"/>
+          </p:cNvSpPr>
+          <p:nvPr>
+            <p:ph type="title"/>
+          </p:nvPr>
+        </p:nvSpPr>
+        <p:spPr>
+          <a:xfrm>
+            <a:off x="364273" y="2465271"/>
+            <a:ext cx="2723084" cy="1920294"/>
+          </a:xfrm>
+        </p:spPr>
+        <p:txBody>
+          <a:bodyPr>
+            <a:normAutofit fontScale="90000"/>
+          </a:bodyPr>
+          <a:lstStyle/>
+          <a:p>
+            <a:r>
+              <a:rPr lang="en-US" sz="5400" dirty="0">
+                <a:cs typeface="Posterama"/>
+              </a:rPr>
+              <a:t>Activity</a:t>
+            </a:r>
+            <a:br>
+              <a:rPr lang="en-US" sz="5400" dirty="0">
+                <a:cs typeface="Posterama"/>
+              </a:rPr>
+            </a:br>
+            <a:r>
+              <a:rPr lang="en-US" sz="5400" dirty="0">
+                <a:cs typeface="Posterama"/>
+              </a:rPr>
+              <a:t>Diagram</a:t>
+            </a:r>
+          </a:p>
+        </p:txBody>
+      </p:sp>
+      <p:pic>
+        <p:nvPicPr>
+          <p:cNvPr id="4" name="Picture 4" descr="Diagram&#10;&#10;Description automatically generated">
+            <a:extLst>
+              <a:ext uri="{FF2B5EF4-FFF2-40B4-BE49-F238E27FC236}">
+                <a16:creationId xmlns:a16="http://schemas.microsoft.com/office/drawing/2014/main" id="{B8C43C90-F3D5-470F-94A0-50B50E0BEF49}"/>
+              </a:ext>
+            </a:extLst>
+          </p:cNvPr>
+          <p:cNvPicPr>
+            <a:picLocks noGrp="1" noChangeAspect="1"/>
+          </p:cNvPicPr>
+          <p:nvPr>
+            <p:ph idx="1"/>
+          </p:nvPr>
+        </p:nvPicPr>
+        <p:blipFill>
+          <a:blip r:embed="rId2"/>
+          <a:stretch>
+            <a:fillRect/>
+          </a:stretch>
+        </p:blipFill>
+        <p:spPr>
+          <a:xfrm>
+            <a:off x="3357885" y="1249478"/>
+            <a:ext cx="8672913" cy="4351338"/>
+          </a:xfrm>
+        </p:spPr>
+      </p:pic>
+    </p:spTree>
+    <p:extLst>
+      <p:ext uri="{BB962C8B-B14F-4D97-AF65-F5344CB8AC3E}">
+        <p14:creationId xmlns:p14="http://schemas.microsoft.com/office/powerpoint/2010/main" val="2307368444"/>
+      </p:ext>
+    </p:extLst>
+  </p:cSld>
+  <p:clrMapOvr>
+    <a:masterClrMapping/>
+  </p:clrMapOvr>
+</p:sld>
+</file>
+
 <file path=ppt/theme/theme1.xml><?xml version="1.0" encoding="utf-8"?>
 <a:theme xmlns:a="http://schemas.openxmlformats.org/drawingml/2006/main" name="ExploreVTI">
   <a:themeElements>
